--- a/ppt/[빅데이터]정영진 최종발표 템플릿 도안 준홍 수정.pptx
+++ b/ppt/[빅데이터]정영진 최종발표 템플릿 도안 준홍 수정.pptx
@@ -5,7 +5,7 @@
     <p:sldMasterId id="2147483648" r:id="rId1"/>
   </p:sldMasterIdLst>
   <p:notesMasterIdLst>
-    <p:notesMasterId r:id="rId25"/>
+    <p:notesMasterId r:id="rId27"/>
   </p:notesMasterIdLst>
   <p:sldIdLst>
     <p:sldId id="256" r:id="rId2"/>
@@ -18,27 +18,29 @@
     <p:sldId id="288" r:id="rId9"/>
     <p:sldId id="289" r:id="rId10"/>
     <p:sldId id="290" r:id="rId11"/>
-    <p:sldId id="298" r:id="rId12"/>
-    <p:sldId id="297" r:id="rId13"/>
-    <p:sldId id="291" r:id="rId14"/>
-    <p:sldId id="292" r:id="rId15"/>
-    <p:sldId id="293" r:id="rId16"/>
-    <p:sldId id="294" r:id="rId17"/>
-    <p:sldId id="295" r:id="rId18"/>
-    <p:sldId id="296" r:id="rId19"/>
-    <p:sldId id="266" r:id="rId20"/>
-    <p:sldId id="268" r:id="rId21"/>
-    <p:sldId id="265" r:id="rId22"/>
-    <p:sldId id="281" r:id="rId23"/>
-    <p:sldId id="257" r:id="rId24"/>
+    <p:sldId id="297" r:id="rId12"/>
+    <p:sldId id="291" r:id="rId13"/>
+    <p:sldId id="298" r:id="rId14"/>
+    <p:sldId id="299" r:id="rId15"/>
+    <p:sldId id="300" r:id="rId16"/>
+    <p:sldId id="292" r:id="rId17"/>
+    <p:sldId id="293" r:id="rId18"/>
+    <p:sldId id="294" r:id="rId19"/>
+    <p:sldId id="295" r:id="rId20"/>
+    <p:sldId id="296" r:id="rId21"/>
+    <p:sldId id="266" r:id="rId22"/>
+    <p:sldId id="268" r:id="rId23"/>
+    <p:sldId id="265" r:id="rId24"/>
+    <p:sldId id="281" r:id="rId25"/>
+    <p:sldId id="257" r:id="rId26"/>
   </p:sldIdLst>
   <p:sldSz cx="12192000" cy="6858000"/>
   <p:notesSz cx="6858000" cy="9144000"/>
   <p:embeddedFontLst>
     <p:embeddedFont>
       <p:font typeface="맑은 고딕" panose="020B0503020000020004" pitchFamily="50" charset="-127"/>
-      <p:regular r:id="rId26"/>
-      <p:bold r:id="rId27"/>
+      <p:regular r:id="rId28"/>
+      <p:bold r:id="rId29"/>
     </p:embeddedFont>
   </p:embeddedFontLst>
   <p:defaultTextStyle>
@@ -599,7 +601,7 @@
           <p:cNvPr id="2" name="제목 1">
             <a:extLst>
               <a:ext uri="{FF2B5EF4-FFF2-40B4-BE49-F238E27FC236}">
-                <a16:creationId xmlns:a16="http://schemas.microsoft.com/office/drawing/2014/main" id="{9AD777C0-0F18-4C6C-89AF-D74B867347D1}"/>
+                <a16:creationId xmlns="" xmlns:a16="http://schemas.microsoft.com/office/drawing/2014/main" id="{9AD777C0-0F18-4C6C-89AF-D74B867347D1}"/>
               </a:ext>
             </a:extLst>
           </p:cNvPr>
@@ -636,7 +638,7 @@
           <p:cNvPr id="3" name="부제목 2">
             <a:extLst>
               <a:ext uri="{FF2B5EF4-FFF2-40B4-BE49-F238E27FC236}">
-                <a16:creationId xmlns:a16="http://schemas.microsoft.com/office/drawing/2014/main" id="{11B390A7-33A1-49CA-9DBC-8074F15039ED}"/>
+                <a16:creationId xmlns="" xmlns:a16="http://schemas.microsoft.com/office/drawing/2014/main" id="{11B390A7-33A1-49CA-9DBC-8074F15039ED}"/>
               </a:ext>
             </a:extLst>
           </p:cNvPr>
@@ -706,7 +708,7 @@
           <p:cNvPr id="4" name="날짜 개체 틀 3">
             <a:extLst>
               <a:ext uri="{FF2B5EF4-FFF2-40B4-BE49-F238E27FC236}">
-                <a16:creationId xmlns:a16="http://schemas.microsoft.com/office/drawing/2014/main" id="{ED870FA1-2DAA-48DE-BE75-5934C62A0106}"/>
+                <a16:creationId xmlns="" xmlns:a16="http://schemas.microsoft.com/office/drawing/2014/main" id="{ED870FA1-2DAA-48DE-BE75-5934C62A0106}"/>
               </a:ext>
             </a:extLst>
           </p:cNvPr>
@@ -735,7 +737,7 @@
           <p:cNvPr id="5" name="바닥글 개체 틀 4">
             <a:extLst>
               <a:ext uri="{FF2B5EF4-FFF2-40B4-BE49-F238E27FC236}">
-                <a16:creationId xmlns:a16="http://schemas.microsoft.com/office/drawing/2014/main" id="{A1F02B7C-51CC-4A5D-B1A1-402A4BA14D31}"/>
+                <a16:creationId xmlns="" xmlns:a16="http://schemas.microsoft.com/office/drawing/2014/main" id="{A1F02B7C-51CC-4A5D-B1A1-402A4BA14D31}"/>
               </a:ext>
             </a:extLst>
           </p:cNvPr>
@@ -760,7 +762,7 @@
           <p:cNvPr id="6" name="슬라이드 번호 개체 틀 5">
             <a:extLst>
               <a:ext uri="{FF2B5EF4-FFF2-40B4-BE49-F238E27FC236}">
-                <a16:creationId xmlns:a16="http://schemas.microsoft.com/office/drawing/2014/main" id="{F785E701-1C08-4739-8F6D-9E7235116D4C}"/>
+                <a16:creationId xmlns="" xmlns:a16="http://schemas.microsoft.com/office/drawing/2014/main" id="{F785E701-1C08-4739-8F6D-9E7235116D4C}"/>
               </a:ext>
             </a:extLst>
           </p:cNvPr>
@@ -819,7 +821,7 @@
           <p:cNvPr id="2" name="제목 1">
             <a:extLst>
               <a:ext uri="{FF2B5EF4-FFF2-40B4-BE49-F238E27FC236}">
-                <a16:creationId xmlns:a16="http://schemas.microsoft.com/office/drawing/2014/main" id="{41BD0338-4E90-4AD3-AE19-611FAF052F0E}"/>
+                <a16:creationId xmlns="" xmlns:a16="http://schemas.microsoft.com/office/drawing/2014/main" id="{41BD0338-4E90-4AD3-AE19-611FAF052F0E}"/>
               </a:ext>
             </a:extLst>
           </p:cNvPr>
@@ -847,7 +849,7 @@
           <p:cNvPr id="3" name="세로 텍스트 개체 틀 2">
             <a:extLst>
               <a:ext uri="{FF2B5EF4-FFF2-40B4-BE49-F238E27FC236}">
-                <a16:creationId xmlns:a16="http://schemas.microsoft.com/office/drawing/2014/main" id="{D5E8E123-2748-4C43-AF0A-7E0C0CBD45F9}"/>
+                <a16:creationId xmlns="" xmlns:a16="http://schemas.microsoft.com/office/drawing/2014/main" id="{D5E8E123-2748-4C43-AF0A-7E0C0CBD45F9}"/>
               </a:ext>
             </a:extLst>
           </p:cNvPr>
@@ -904,7 +906,7 @@
           <p:cNvPr id="4" name="날짜 개체 틀 3">
             <a:extLst>
               <a:ext uri="{FF2B5EF4-FFF2-40B4-BE49-F238E27FC236}">
-                <a16:creationId xmlns:a16="http://schemas.microsoft.com/office/drawing/2014/main" id="{EDE5C87B-88DF-40AE-816C-BCCBE6D58CC5}"/>
+                <a16:creationId xmlns="" xmlns:a16="http://schemas.microsoft.com/office/drawing/2014/main" id="{EDE5C87B-88DF-40AE-816C-BCCBE6D58CC5}"/>
               </a:ext>
             </a:extLst>
           </p:cNvPr>
@@ -933,7 +935,7 @@
           <p:cNvPr id="5" name="바닥글 개체 틀 4">
             <a:extLst>
               <a:ext uri="{FF2B5EF4-FFF2-40B4-BE49-F238E27FC236}">
-                <a16:creationId xmlns:a16="http://schemas.microsoft.com/office/drawing/2014/main" id="{62D75827-1810-4E65-A45D-E817D5AA58AC}"/>
+                <a16:creationId xmlns="" xmlns:a16="http://schemas.microsoft.com/office/drawing/2014/main" id="{62D75827-1810-4E65-A45D-E817D5AA58AC}"/>
               </a:ext>
             </a:extLst>
           </p:cNvPr>
@@ -958,7 +960,7 @@
           <p:cNvPr id="6" name="슬라이드 번호 개체 틀 5">
             <a:extLst>
               <a:ext uri="{FF2B5EF4-FFF2-40B4-BE49-F238E27FC236}">
-                <a16:creationId xmlns:a16="http://schemas.microsoft.com/office/drawing/2014/main" id="{CE13ADEE-D6E9-4B93-932E-658F9A6F8E55}"/>
+                <a16:creationId xmlns="" xmlns:a16="http://schemas.microsoft.com/office/drawing/2014/main" id="{CE13ADEE-D6E9-4B93-932E-658F9A6F8E55}"/>
               </a:ext>
             </a:extLst>
           </p:cNvPr>
@@ -1017,7 +1019,7 @@
           <p:cNvPr id="2" name="세로 제목 1">
             <a:extLst>
               <a:ext uri="{FF2B5EF4-FFF2-40B4-BE49-F238E27FC236}">
-                <a16:creationId xmlns:a16="http://schemas.microsoft.com/office/drawing/2014/main" id="{265F55E3-4E1F-4DD6-900E-FED5ADD3BE29}"/>
+                <a16:creationId xmlns="" xmlns:a16="http://schemas.microsoft.com/office/drawing/2014/main" id="{265F55E3-4E1F-4DD6-900E-FED5ADD3BE29}"/>
               </a:ext>
             </a:extLst>
           </p:cNvPr>
@@ -1050,7 +1052,7 @@
           <p:cNvPr id="3" name="세로 텍스트 개체 틀 2">
             <a:extLst>
               <a:ext uri="{FF2B5EF4-FFF2-40B4-BE49-F238E27FC236}">
-                <a16:creationId xmlns:a16="http://schemas.microsoft.com/office/drawing/2014/main" id="{9BC66525-D117-4526-AF42-245C69736D76}"/>
+                <a16:creationId xmlns="" xmlns:a16="http://schemas.microsoft.com/office/drawing/2014/main" id="{9BC66525-D117-4526-AF42-245C69736D76}"/>
               </a:ext>
             </a:extLst>
           </p:cNvPr>
@@ -1112,7 +1114,7 @@
           <p:cNvPr id="4" name="날짜 개체 틀 3">
             <a:extLst>
               <a:ext uri="{FF2B5EF4-FFF2-40B4-BE49-F238E27FC236}">
-                <a16:creationId xmlns:a16="http://schemas.microsoft.com/office/drawing/2014/main" id="{BA4D64AB-4A23-43E5-8E07-295935B0FAC5}"/>
+                <a16:creationId xmlns="" xmlns:a16="http://schemas.microsoft.com/office/drawing/2014/main" id="{BA4D64AB-4A23-43E5-8E07-295935B0FAC5}"/>
               </a:ext>
             </a:extLst>
           </p:cNvPr>
@@ -1141,7 +1143,7 @@
           <p:cNvPr id="5" name="바닥글 개체 틀 4">
             <a:extLst>
               <a:ext uri="{FF2B5EF4-FFF2-40B4-BE49-F238E27FC236}">
-                <a16:creationId xmlns:a16="http://schemas.microsoft.com/office/drawing/2014/main" id="{B606E1B4-BBA7-4356-8FA1-6DAB484511A8}"/>
+                <a16:creationId xmlns="" xmlns:a16="http://schemas.microsoft.com/office/drawing/2014/main" id="{B606E1B4-BBA7-4356-8FA1-6DAB484511A8}"/>
               </a:ext>
             </a:extLst>
           </p:cNvPr>
@@ -1166,7 +1168,7 @@
           <p:cNvPr id="6" name="슬라이드 번호 개체 틀 5">
             <a:extLst>
               <a:ext uri="{FF2B5EF4-FFF2-40B4-BE49-F238E27FC236}">
-                <a16:creationId xmlns:a16="http://schemas.microsoft.com/office/drawing/2014/main" id="{5EE181A2-24EE-4383-A927-AE2E34AAD977}"/>
+                <a16:creationId xmlns="" xmlns:a16="http://schemas.microsoft.com/office/drawing/2014/main" id="{5EE181A2-24EE-4383-A927-AE2E34AAD977}"/>
               </a:ext>
             </a:extLst>
           </p:cNvPr>
@@ -1225,7 +1227,7 @@
           <p:cNvPr id="2" name="제목 1">
             <a:extLst>
               <a:ext uri="{FF2B5EF4-FFF2-40B4-BE49-F238E27FC236}">
-                <a16:creationId xmlns:a16="http://schemas.microsoft.com/office/drawing/2014/main" id="{4A9A9579-AE3D-4F64-A23F-C7D5EF4DABD8}"/>
+                <a16:creationId xmlns="" xmlns:a16="http://schemas.microsoft.com/office/drawing/2014/main" id="{4A9A9579-AE3D-4F64-A23F-C7D5EF4DABD8}"/>
               </a:ext>
             </a:extLst>
           </p:cNvPr>
@@ -1253,7 +1255,7 @@
           <p:cNvPr id="3" name="내용 개체 틀 2">
             <a:extLst>
               <a:ext uri="{FF2B5EF4-FFF2-40B4-BE49-F238E27FC236}">
-                <a16:creationId xmlns:a16="http://schemas.microsoft.com/office/drawing/2014/main" id="{09627D40-3AC3-479B-8C4E-206715BC08F6}"/>
+                <a16:creationId xmlns="" xmlns:a16="http://schemas.microsoft.com/office/drawing/2014/main" id="{09627D40-3AC3-479B-8C4E-206715BC08F6}"/>
               </a:ext>
             </a:extLst>
           </p:cNvPr>
@@ -1310,7 +1312,7 @@
           <p:cNvPr id="4" name="날짜 개체 틀 3">
             <a:extLst>
               <a:ext uri="{FF2B5EF4-FFF2-40B4-BE49-F238E27FC236}">
-                <a16:creationId xmlns:a16="http://schemas.microsoft.com/office/drawing/2014/main" id="{BEB7D9DF-3DB6-42B0-86DC-1CA894C1D6E0}"/>
+                <a16:creationId xmlns="" xmlns:a16="http://schemas.microsoft.com/office/drawing/2014/main" id="{BEB7D9DF-3DB6-42B0-86DC-1CA894C1D6E0}"/>
               </a:ext>
             </a:extLst>
           </p:cNvPr>
@@ -1339,7 +1341,7 @@
           <p:cNvPr id="5" name="바닥글 개체 틀 4">
             <a:extLst>
               <a:ext uri="{FF2B5EF4-FFF2-40B4-BE49-F238E27FC236}">
-                <a16:creationId xmlns:a16="http://schemas.microsoft.com/office/drawing/2014/main" id="{0343DE87-16EA-4269-A4F8-D65B4F9395DC}"/>
+                <a16:creationId xmlns="" xmlns:a16="http://schemas.microsoft.com/office/drawing/2014/main" id="{0343DE87-16EA-4269-A4F8-D65B4F9395DC}"/>
               </a:ext>
             </a:extLst>
           </p:cNvPr>
@@ -1364,7 +1366,7 @@
           <p:cNvPr id="6" name="슬라이드 번호 개체 틀 5">
             <a:extLst>
               <a:ext uri="{FF2B5EF4-FFF2-40B4-BE49-F238E27FC236}">
-                <a16:creationId xmlns:a16="http://schemas.microsoft.com/office/drawing/2014/main" id="{831B4F4E-C302-4166-AD26-EE8BA87448B2}"/>
+                <a16:creationId xmlns="" xmlns:a16="http://schemas.microsoft.com/office/drawing/2014/main" id="{831B4F4E-C302-4166-AD26-EE8BA87448B2}"/>
               </a:ext>
             </a:extLst>
           </p:cNvPr>
@@ -1423,7 +1425,7 @@
           <p:cNvPr id="2" name="제목 1">
             <a:extLst>
               <a:ext uri="{FF2B5EF4-FFF2-40B4-BE49-F238E27FC236}">
-                <a16:creationId xmlns:a16="http://schemas.microsoft.com/office/drawing/2014/main" id="{7740B2A7-D0BA-4824-BBA5-14D6CCBA5102}"/>
+                <a16:creationId xmlns="" xmlns:a16="http://schemas.microsoft.com/office/drawing/2014/main" id="{7740B2A7-D0BA-4824-BBA5-14D6CCBA5102}"/>
               </a:ext>
             </a:extLst>
           </p:cNvPr>
@@ -1460,7 +1462,7 @@
           <p:cNvPr id="3" name="텍스트 개체 틀 2">
             <a:extLst>
               <a:ext uri="{FF2B5EF4-FFF2-40B4-BE49-F238E27FC236}">
-                <a16:creationId xmlns:a16="http://schemas.microsoft.com/office/drawing/2014/main" id="{5A18A0E8-6565-48D6-B6FD-F8293C5F52FC}"/>
+                <a16:creationId xmlns="" xmlns:a16="http://schemas.microsoft.com/office/drawing/2014/main" id="{5A18A0E8-6565-48D6-B6FD-F8293C5F52FC}"/>
               </a:ext>
             </a:extLst>
           </p:cNvPr>
@@ -1585,7 +1587,7 @@
           <p:cNvPr id="4" name="날짜 개체 틀 3">
             <a:extLst>
               <a:ext uri="{FF2B5EF4-FFF2-40B4-BE49-F238E27FC236}">
-                <a16:creationId xmlns:a16="http://schemas.microsoft.com/office/drawing/2014/main" id="{CD3CC8CF-33BE-4EAA-AA04-1C329EC0D7C9}"/>
+                <a16:creationId xmlns="" xmlns:a16="http://schemas.microsoft.com/office/drawing/2014/main" id="{CD3CC8CF-33BE-4EAA-AA04-1C329EC0D7C9}"/>
               </a:ext>
             </a:extLst>
           </p:cNvPr>
@@ -1614,7 +1616,7 @@
           <p:cNvPr id="5" name="바닥글 개체 틀 4">
             <a:extLst>
               <a:ext uri="{FF2B5EF4-FFF2-40B4-BE49-F238E27FC236}">
-                <a16:creationId xmlns:a16="http://schemas.microsoft.com/office/drawing/2014/main" id="{879EBA0B-42BC-4E2E-9107-527F0930F553}"/>
+                <a16:creationId xmlns="" xmlns:a16="http://schemas.microsoft.com/office/drawing/2014/main" id="{879EBA0B-42BC-4E2E-9107-527F0930F553}"/>
               </a:ext>
             </a:extLst>
           </p:cNvPr>
@@ -1639,7 +1641,7 @@
           <p:cNvPr id="6" name="슬라이드 번호 개체 틀 5">
             <a:extLst>
               <a:ext uri="{FF2B5EF4-FFF2-40B4-BE49-F238E27FC236}">
-                <a16:creationId xmlns:a16="http://schemas.microsoft.com/office/drawing/2014/main" id="{5D7C1BEF-3B31-4DCD-8703-274D4BE4AD88}"/>
+                <a16:creationId xmlns="" xmlns:a16="http://schemas.microsoft.com/office/drawing/2014/main" id="{5D7C1BEF-3B31-4DCD-8703-274D4BE4AD88}"/>
               </a:ext>
             </a:extLst>
           </p:cNvPr>
@@ -1698,7 +1700,7 @@
           <p:cNvPr id="2" name="제목 1">
             <a:extLst>
               <a:ext uri="{FF2B5EF4-FFF2-40B4-BE49-F238E27FC236}">
-                <a16:creationId xmlns:a16="http://schemas.microsoft.com/office/drawing/2014/main" id="{90CB570B-2484-4454-AD5E-BACBA227BD05}"/>
+                <a16:creationId xmlns="" xmlns:a16="http://schemas.microsoft.com/office/drawing/2014/main" id="{90CB570B-2484-4454-AD5E-BACBA227BD05}"/>
               </a:ext>
             </a:extLst>
           </p:cNvPr>
@@ -1726,7 +1728,7 @@
           <p:cNvPr id="3" name="내용 개체 틀 2">
             <a:extLst>
               <a:ext uri="{FF2B5EF4-FFF2-40B4-BE49-F238E27FC236}">
-                <a16:creationId xmlns:a16="http://schemas.microsoft.com/office/drawing/2014/main" id="{72BFE9DA-7A35-4864-976A-6D020AF215F6}"/>
+                <a16:creationId xmlns="" xmlns:a16="http://schemas.microsoft.com/office/drawing/2014/main" id="{72BFE9DA-7A35-4864-976A-6D020AF215F6}"/>
               </a:ext>
             </a:extLst>
           </p:cNvPr>
@@ -1788,7 +1790,7 @@
           <p:cNvPr id="4" name="내용 개체 틀 3">
             <a:extLst>
               <a:ext uri="{FF2B5EF4-FFF2-40B4-BE49-F238E27FC236}">
-                <a16:creationId xmlns:a16="http://schemas.microsoft.com/office/drawing/2014/main" id="{A334FB71-323D-4A5D-B3A1-0FA3CF8CF5D2}"/>
+                <a16:creationId xmlns="" xmlns:a16="http://schemas.microsoft.com/office/drawing/2014/main" id="{A334FB71-323D-4A5D-B3A1-0FA3CF8CF5D2}"/>
               </a:ext>
             </a:extLst>
           </p:cNvPr>
@@ -1850,7 +1852,7 @@
           <p:cNvPr id="5" name="날짜 개체 틀 4">
             <a:extLst>
               <a:ext uri="{FF2B5EF4-FFF2-40B4-BE49-F238E27FC236}">
-                <a16:creationId xmlns:a16="http://schemas.microsoft.com/office/drawing/2014/main" id="{4382352E-2B46-4DBE-811B-71FB79736F15}"/>
+                <a16:creationId xmlns="" xmlns:a16="http://schemas.microsoft.com/office/drawing/2014/main" id="{4382352E-2B46-4DBE-811B-71FB79736F15}"/>
               </a:ext>
             </a:extLst>
           </p:cNvPr>
@@ -1879,7 +1881,7 @@
           <p:cNvPr id="6" name="바닥글 개체 틀 5">
             <a:extLst>
               <a:ext uri="{FF2B5EF4-FFF2-40B4-BE49-F238E27FC236}">
-                <a16:creationId xmlns:a16="http://schemas.microsoft.com/office/drawing/2014/main" id="{566AEE72-65C6-4810-82BF-EE4C328C9872}"/>
+                <a16:creationId xmlns="" xmlns:a16="http://schemas.microsoft.com/office/drawing/2014/main" id="{566AEE72-65C6-4810-82BF-EE4C328C9872}"/>
               </a:ext>
             </a:extLst>
           </p:cNvPr>
@@ -1904,7 +1906,7 @@
           <p:cNvPr id="7" name="슬라이드 번호 개체 틀 6">
             <a:extLst>
               <a:ext uri="{FF2B5EF4-FFF2-40B4-BE49-F238E27FC236}">
-                <a16:creationId xmlns:a16="http://schemas.microsoft.com/office/drawing/2014/main" id="{797E77BB-88BE-4B3A-BA8F-36ACDED70629}"/>
+                <a16:creationId xmlns="" xmlns:a16="http://schemas.microsoft.com/office/drawing/2014/main" id="{797E77BB-88BE-4B3A-BA8F-36ACDED70629}"/>
               </a:ext>
             </a:extLst>
           </p:cNvPr>
@@ -1963,7 +1965,7 @@
           <p:cNvPr id="2" name="제목 1">
             <a:extLst>
               <a:ext uri="{FF2B5EF4-FFF2-40B4-BE49-F238E27FC236}">
-                <a16:creationId xmlns:a16="http://schemas.microsoft.com/office/drawing/2014/main" id="{EDAAB16E-3789-45EB-814C-17A13B1F061D}"/>
+                <a16:creationId xmlns="" xmlns:a16="http://schemas.microsoft.com/office/drawing/2014/main" id="{EDAAB16E-3789-45EB-814C-17A13B1F061D}"/>
               </a:ext>
             </a:extLst>
           </p:cNvPr>
@@ -1996,7 +1998,7 @@
           <p:cNvPr id="3" name="텍스트 개체 틀 2">
             <a:extLst>
               <a:ext uri="{FF2B5EF4-FFF2-40B4-BE49-F238E27FC236}">
-                <a16:creationId xmlns:a16="http://schemas.microsoft.com/office/drawing/2014/main" id="{27706AD2-0A6A-4163-906C-8FD164C85BED}"/>
+                <a16:creationId xmlns="" xmlns:a16="http://schemas.microsoft.com/office/drawing/2014/main" id="{27706AD2-0A6A-4163-906C-8FD164C85BED}"/>
               </a:ext>
             </a:extLst>
           </p:cNvPr>
@@ -2067,7 +2069,7 @@
           <p:cNvPr id="4" name="내용 개체 틀 3">
             <a:extLst>
               <a:ext uri="{FF2B5EF4-FFF2-40B4-BE49-F238E27FC236}">
-                <a16:creationId xmlns:a16="http://schemas.microsoft.com/office/drawing/2014/main" id="{7AF9984A-865A-4F15-8807-9585447F3B76}"/>
+                <a16:creationId xmlns="" xmlns:a16="http://schemas.microsoft.com/office/drawing/2014/main" id="{7AF9984A-865A-4F15-8807-9585447F3B76}"/>
               </a:ext>
             </a:extLst>
           </p:cNvPr>
@@ -2129,7 +2131,7 @@
           <p:cNvPr id="5" name="텍스트 개체 틀 4">
             <a:extLst>
               <a:ext uri="{FF2B5EF4-FFF2-40B4-BE49-F238E27FC236}">
-                <a16:creationId xmlns:a16="http://schemas.microsoft.com/office/drawing/2014/main" id="{804C15EF-3D7E-4DE9-BC92-8A7449DDCF45}"/>
+                <a16:creationId xmlns="" xmlns:a16="http://schemas.microsoft.com/office/drawing/2014/main" id="{804C15EF-3D7E-4DE9-BC92-8A7449DDCF45}"/>
               </a:ext>
             </a:extLst>
           </p:cNvPr>
@@ -2200,7 +2202,7 @@
           <p:cNvPr id="6" name="내용 개체 틀 5">
             <a:extLst>
               <a:ext uri="{FF2B5EF4-FFF2-40B4-BE49-F238E27FC236}">
-                <a16:creationId xmlns:a16="http://schemas.microsoft.com/office/drawing/2014/main" id="{9D98317E-17B8-4FC9-A6CF-214CBE8212B7}"/>
+                <a16:creationId xmlns="" xmlns:a16="http://schemas.microsoft.com/office/drawing/2014/main" id="{9D98317E-17B8-4FC9-A6CF-214CBE8212B7}"/>
               </a:ext>
             </a:extLst>
           </p:cNvPr>
@@ -2262,7 +2264,7 @@
           <p:cNvPr id="7" name="날짜 개체 틀 6">
             <a:extLst>
               <a:ext uri="{FF2B5EF4-FFF2-40B4-BE49-F238E27FC236}">
-                <a16:creationId xmlns:a16="http://schemas.microsoft.com/office/drawing/2014/main" id="{745F1724-2973-489B-A4AA-E767F0516E29}"/>
+                <a16:creationId xmlns="" xmlns:a16="http://schemas.microsoft.com/office/drawing/2014/main" id="{745F1724-2973-489B-A4AA-E767F0516E29}"/>
               </a:ext>
             </a:extLst>
           </p:cNvPr>
@@ -2291,7 +2293,7 @@
           <p:cNvPr id="8" name="바닥글 개체 틀 7">
             <a:extLst>
               <a:ext uri="{FF2B5EF4-FFF2-40B4-BE49-F238E27FC236}">
-                <a16:creationId xmlns:a16="http://schemas.microsoft.com/office/drawing/2014/main" id="{515C428A-8D5E-4C92-B6BB-6A148A039615}"/>
+                <a16:creationId xmlns="" xmlns:a16="http://schemas.microsoft.com/office/drawing/2014/main" id="{515C428A-8D5E-4C92-B6BB-6A148A039615}"/>
               </a:ext>
             </a:extLst>
           </p:cNvPr>
@@ -2316,7 +2318,7 @@
           <p:cNvPr id="9" name="슬라이드 번호 개체 틀 8">
             <a:extLst>
               <a:ext uri="{FF2B5EF4-FFF2-40B4-BE49-F238E27FC236}">
-                <a16:creationId xmlns:a16="http://schemas.microsoft.com/office/drawing/2014/main" id="{BC37902A-4F89-4B63-977F-2DE9057AD985}"/>
+                <a16:creationId xmlns="" xmlns:a16="http://schemas.microsoft.com/office/drawing/2014/main" id="{BC37902A-4F89-4B63-977F-2DE9057AD985}"/>
               </a:ext>
             </a:extLst>
           </p:cNvPr>
@@ -2375,7 +2377,7 @@
           <p:cNvPr id="2" name="제목 1">
             <a:extLst>
               <a:ext uri="{FF2B5EF4-FFF2-40B4-BE49-F238E27FC236}">
-                <a16:creationId xmlns:a16="http://schemas.microsoft.com/office/drawing/2014/main" id="{B3DA4ADC-E950-4CEB-B381-43882CF64916}"/>
+                <a16:creationId xmlns="" xmlns:a16="http://schemas.microsoft.com/office/drawing/2014/main" id="{B3DA4ADC-E950-4CEB-B381-43882CF64916}"/>
               </a:ext>
             </a:extLst>
           </p:cNvPr>
@@ -2403,7 +2405,7 @@
           <p:cNvPr id="3" name="날짜 개체 틀 2">
             <a:extLst>
               <a:ext uri="{FF2B5EF4-FFF2-40B4-BE49-F238E27FC236}">
-                <a16:creationId xmlns:a16="http://schemas.microsoft.com/office/drawing/2014/main" id="{0FC68785-AA1F-4D72-A67D-E517290F36EA}"/>
+                <a16:creationId xmlns="" xmlns:a16="http://schemas.microsoft.com/office/drawing/2014/main" id="{0FC68785-AA1F-4D72-A67D-E517290F36EA}"/>
               </a:ext>
             </a:extLst>
           </p:cNvPr>
@@ -2432,7 +2434,7 @@
           <p:cNvPr id="4" name="바닥글 개체 틀 3">
             <a:extLst>
               <a:ext uri="{FF2B5EF4-FFF2-40B4-BE49-F238E27FC236}">
-                <a16:creationId xmlns:a16="http://schemas.microsoft.com/office/drawing/2014/main" id="{96DEF64A-9754-4816-A1DA-BE609691874D}"/>
+                <a16:creationId xmlns="" xmlns:a16="http://schemas.microsoft.com/office/drawing/2014/main" id="{96DEF64A-9754-4816-A1DA-BE609691874D}"/>
               </a:ext>
             </a:extLst>
           </p:cNvPr>
@@ -2457,7 +2459,7 @@
           <p:cNvPr id="5" name="슬라이드 번호 개체 틀 4">
             <a:extLst>
               <a:ext uri="{FF2B5EF4-FFF2-40B4-BE49-F238E27FC236}">
-                <a16:creationId xmlns:a16="http://schemas.microsoft.com/office/drawing/2014/main" id="{EB0CA7D5-F019-485F-A26F-B3A8F5862D28}"/>
+                <a16:creationId xmlns="" xmlns:a16="http://schemas.microsoft.com/office/drawing/2014/main" id="{EB0CA7D5-F019-485F-A26F-B3A8F5862D28}"/>
               </a:ext>
             </a:extLst>
           </p:cNvPr>
@@ -2516,7 +2518,7 @@
           <p:cNvPr id="2" name="날짜 개체 틀 1">
             <a:extLst>
               <a:ext uri="{FF2B5EF4-FFF2-40B4-BE49-F238E27FC236}">
-                <a16:creationId xmlns:a16="http://schemas.microsoft.com/office/drawing/2014/main" id="{18635F42-CEE6-47E4-A6A1-8BCD1CD2EC89}"/>
+                <a16:creationId xmlns="" xmlns:a16="http://schemas.microsoft.com/office/drawing/2014/main" id="{18635F42-CEE6-47E4-A6A1-8BCD1CD2EC89}"/>
               </a:ext>
             </a:extLst>
           </p:cNvPr>
@@ -2545,7 +2547,7 @@
           <p:cNvPr id="3" name="바닥글 개체 틀 2">
             <a:extLst>
               <a:ext uri="{FF2B5EF4-FFF2-40B4-BE49-F238E27FC236}">
-                <a16:creationId xmlns:a16="http://schemas.microsoft.com/office/drawing/2014/main" id="{9875EAD0-401B-4B38-9E90-E882C8AA329C}"/>
+                <a16:creationId xmlns="" xmlns:a16="http://schemas.microsoft.com/office/drawing/2014/main" id="{9875EAD0-401B-4B38-9E90-E882C8AA329C}"/>
               </a:ext>
             </a:extLst>
           </p:cNvPr>
@@ -2570,7 +2572,7 @@
           <p:cNvPr id="4" name="슬라이드 번호 개체 틀 3">
             <a:extLst>
               <a:ext uri="{FF2B5EF4-FFF2-40B4-BE49-F238E27FC236}">
-                <a16:creationId xmlns:a16="http://schemas.microsoft.com/office/drawing/2014/main" id="{2FC7974A-0628-4AEA-A29C-39F2BE7547FC}"/>
+                <a16:creationId xmlns="" xmlns:a16="http://schemas.microsoft.com/office/drawing/2014/main" id="{2FC7974A-0628-4AEA-A29C-39F2BE7547FC}"/>
               </a:ext>
             </a:extLst>
           </p:cNvPr>
@@ -2629,7 +2631,7 @@
           <p:cNvPr id="2" name="제목 1">
             <a:extLst>
               <a:ext uri="{FF2B5EF4-FFF2-40B4-BE49-F238E27FC236}">
-                <a16:creationId xmlns:a16="http://schemas.microsoft.com/office/drawing/2014/main" id="{DA10EB54-33FC-44C4-83AA-5D2EE1DA6A11}"/>
+                <a16:creationId xmlns="" xmlns:a16="http://schemas.microsoft.com/office/drawing/2014/main" id="{DA10EB54-33FC-44C4-83AA-5D2EE1DA6A11}"/>
               </a:ext>
             </a:extLst>
           </p:cNvPr>
@@ -2666,7 +2668,7 @@
           <p:cNvPr id="3" name="내용 개체 틀 2">
             <a:extLst>
               <a:ext uri="{FF2B5EF4-FFF2-40B4-BE49-F238E27FC236}">
-                <a16:creationId xmlns:a16="http://schemas.microsoft.com/office/drawing/2014/main" id="{76372A43-DB5F-4B97-A22D-2D5C8E5A4FF4}"/>
+                <a16:creationId xmlns="" xmlns:a16="http://schemas.microsoft.com/office/drawing/2014/main" id="{76372A43-DB5F-4B97-A22D-2D5C8E5A4FF4}"/>
               </a:ext>
             </a:extLst>
           </p:cNvPr>
@@ -2756,7 +2758,7 @@
           <p:cNvPr id="4" name="텍스트 개체 틀 3">
             <a:extLst>
               <a:ext uri="{FF2B5EF4-FFF2-40B4-BE49-F238E27FC236}">
-                <a16:creationId xmlns:a16="http://schemas.microsoft.com/office/drawing/2014/main" id="{7BBB4C81-C656-4EC2-AA65-5B4A55B196E8}"/>
+                <a16:creationId xmlns="" xmlns:a16="http://schemas.microsoft.com/office/drawing/2014/main" id="{7BBB4C81-C656-4EC2-AA65-5B4A55B196E8}"/>
               </a:ext>
             </a:extLst>
           </p:cNvPr>
@@ -2827,7 +2829,7 @@
           <p:cNvPr id="5" name="날짜 개체 틀 4">
             <a:extLst>
               <a:ext uri="{FF2B5EF4-FFF2-40B4-BE49-F238E27FC236}">
-                <a16:creationId xmlns:a16="http://schemas.microsoft.com/office/drawing/2014/main" id="{3D0EA2FE-E066-4E5F-8394-E441BDDAAEE5}"/>
+                <a16:creationId xmlns="" xmlns:a16="http://schemas.microsoft.com/office/drawing/2014/main" id="{3D0EA2FE-E066-4E5F-8394-E441BDDAAEE5}"/>
               </a:ext>
             </a:extLst>
           </p:cNvPr>
@@ -2856,7 +2858,7 @@
           <p:cNvPr id="6" name="바닥글 개체 틀 5">
             <a:extLst>
               <a:ext uri="{FF2B5EF4-FFF2-40B4-BE49-F238E27FC236}">
-                <a16:creationId xmlns:a16="http://schemas.microsoft.com/office/drawing/2014/main" id="{692EA81E-3DC0-40A2-8751-B36AD5613D35}"/>
+                <a16:creationId xmlns="" xmlns:a16="http://schemas.microsoft.com/office/drawing/2014/main" id="{692EA81E-3DC0-40A2-8751-B36AD5613D35}"/>
               </a:ext>
             </a:extLst>
           </p:cNvPr>
@@ -2881,7 +2883,7 @@
           <p:cNvPr id="7" name="슬라이드 번호 개체 틀 6">
             <a:extLst>
               <a:ext uri="{FF2B5EF4-FFF2-40B4-BE49-F238E27FC236}">
-                <a16:creationId xmlns:a16="http://schemas.microsoft.com/office/drawing/2014/main" id="{59D35E16-9F3D-48F8-846F-6F7B03B896A3}"/>
+                <a16:creationId xmlns="" xmlns:a16="http://schemas.microsoft.com/office/drawing/2014/main" id="{59D35E16-9F3D-48F8-846F-6F7B03B896A3}"/>
               </a:ext>
             </a:extLst>
           </p:cNvPr>
@@ -2940,7 +2942,7 @@
           <p:cNvPr id="2" name="제목 1">
             <a:extLst>
               <a:ext uri="{FF2B5EF4-FFF2-40B4-BE49-F238E27FC236}">
-                <a16:creationId xmlns:a16="http://schemas.microsoft.com/office/drawing/2014/main" id="{99709981-D810-4308-B1F6-5FC4DFD94275}"/>
+                <a16:creationId xmlns="" xmlns:a16="http://schemas.microsoft.com/office/drawing/2014/main" id="{99709981-D810-4308-B1F6-5FC4DFD94275}"/>
               </a:ext>
             </a:extLst>
           </p:cNvPr>
@@ -2977,7 +2979,7 @@
           <p:cNvPr id="3" name="그림 개체 틀 2">
             <a:extLst>
               <a:ext uri="{FF2B5EF4-FFF2-40B4-BE49-F238E27FC236}">
-                <a16:creationId xmlns:a16="http://schemas.microsoft.com/office/drawing/2014/main" id="{F386066C-4415-458A-BA04-ECB6FE20C658}"/>
+                <a16:creationId xmlns="" xmlns:a16="http://schemas.microsoft.com/office/drawing/2014/main" id="{F386066C-4415-458A-BA04-ECB6FE20C658}"/>
               </a:ext>
             </a:extLst>
           </p:cNvPr>
@@ -3044,7 +3046,7 @@
           <p:cNvPr id="4" name="텍스트 개체 틀 3">
             <a:extLst>
               <a:ext uri="{FF2B5EF4-FFF2-40B4-BE49-F238E27FC236}">
-                <a16:creationId xmlns:a16="http://schemas.microsoft.com/office/drawing/2014/main" id="{2ADEE0BA-08B9-4118-907F-0ECB51C7A072}"/>
+                <a16:creationId xmlns="" xmlns:a16="http://schemas.microsoft.com/office/drawing/2014/main" id="{2ADEE0BA-08B9-4118-907F-0ECB51C7A072}"/>
               </a:ext>
             </a:extLst>
           </p:cNvPr>
@@ -3115,7 +3117,7 @@
           <p:cNvPr id="5" name="날짜 개체 틀 4">
             <a:extLst>
               <a:ext uri="{FF2B5EF4-FFF2-40B4-BE49-F238E27FC236}">
-                <a16:creationId xmlns:a16="http://schemas.microsoft.com/office/drawing/2014/main" id="{5D2937AA-EB1C-4578-9A6E-AFD96C9C7EB3}"/>
+                <a16:creationId xmlns="" xmlns:a16="http://schemas.microsoft.com/office/drawing/2014/main" id="{5D2937AA-EB1C-4578-9A6E-AFD96C9C7EB3}"/>
               </a:ext>
             </a:extLst>
           </p:cNvPr>
@@ -3144,7 +3146,7 @@
           <p:cNvPr id="6" name="바닥글 개체 틀 5">
             <a:extLst>
               <a:ext uri="{FF2B5EF4-FFF2-40B4-BE49-F238E27FC236}">
-                <a16:creationId xmlns:a16="http://schemas.microsoft.com/office/drawing/2014/main" id="{78C992E6-0C6B-4383-8E2B-50B42D200764}"/>
+                <a16:creationId xmlns="" xmlns:a16="http://schemas.microsoft.com/office/drawing/2014/main" id="{78C992E6-0C6B-4383-8E2B-50B42D200764}"/>
               </a:ext>
             </a:extLst>
           </p:cNvPr>
@@ -3169,7 +3171,7 @@
           <p:cNvPr id="7" name="슬라이드 번호 개체 틀 6">
             <a:extLst>
               <a:ext uri="{FF2B5EF4-FFF2-40B4-BE49-F238E27FC236}">
-                <a16:creationId xmlns:a16="http://schemas.microsoft.com/office/drawing/2014/main" id="{746CD13C-6AF6-4931-823B-9EE833310EBF}"/>
+                <a16:creationId xmlns="" xmlns:a16="http://schemas.microsoft.com/office/drawing/2014/main" id="{746CD13C-6AF6-4931-823B-9EE833310EBF}"/>
               </a:ext>
             </a:extLst>
           </p:cNvPr>
@@ -3233,7 +3235,7 @@
           <p:cNvPr id="2" name="제목 개체 틀 1">
             <a:extLst>
               <a:ext uri="{FF2B5EF4-FFF2-40B4-BE49-F238E27FC236}">
-                <a16:creationId xmlns:a16="http://schemas.microsoft.com/office/drawing/2014/main" id="{862274F8-E551-475A-B056-F3EC7E6FC47D}"/>
+                <a16:creationId xmlns="" xmlns:a16="http://schemas.microsoft.com/office/drawing/2014/main" id="{862274F8-E551-475A-B056-F3EC7E6FC47D}"/>
               </a:ext>
             </a:extLst>
           </p:cNvPr>
@@ -3271,7 +3273,7 @@
           <p:cNvPr id="3" name="텍스트 개체 틀 2">
             <a:extLst>
               <a:ext uri="{FF2B5EF4-FFF2-40B4-BE49-F238E27FC236}">
-                <a16:creationId xmlns:a16="http://schemas.microsoft.com/office/drawing/2014/main" id="{8A2BFE91-7882-45DD-97FD-E2420DC4C14A}"/>
+                <a16:creationId xmlns="" xmlns:a16="http://schemas.microsoft.com/office/drawing/2014/main" id="{8A2BFE91-7882-45DD-97FD-E2420DC4C14A}"/>
               </a:ext>
             </a:extLst>
           </p:cNvPr>
@@ -3338,7 +3340,7 @@
           <p:cNvPr id="4" name="날짜 개체 틀 3">
             <a:extLst>
               <a:ext uri="{FF2B5EF4-FFF2-40B4-BE49-F238E27FC236}">
-                <a16:creationId xmlns:a16="http://schemas.microsoft.com/office/drawing/2014/main" id="{AD63ED9D-25C1-41C3-815F-FE3A8AC19399}"/>
+                <a16:creationId xmlns="" xmlns:a16="http://schemas.microsoft.com/office/drawing/2014/main" id="{AD63ED9D-25C1-41C3-815F-FE3A8AC19399}"/>
               </a:ext>
             </a:extLst>
           </p:cNvPr>
@@ -3385,7 +3387,7 @@
           <p:cNvPr id="5" name="바닥글 개체 틀 4">
             <a:extLst>
               <a:ext uri="{FF2B5EF4-FFF2-40B4-BE49-F238E27FC236}">
-                <a16:creationId xmlns:a16="http://schemas.microsoft.com/office/drawing/2014/main" id="{A85DAA47-51BD-47CD-9290-88CD2B757994}"/>
+                <a16:creationId xmlns="" xmlns:a16="http://schemas.microsoft.com/office/drawing/2014/main" id="{A85DAA47-51BD-47CD-9290-88CD2B757994}"/>
               </a:ext>
             </a:extLst>
           </p:cNvPr>
@@ -3428,7 +3430,7 @@
           <p:cNvPr id="6" name="슬라이드 번호 개체 틀 5">
             <a:extLst>
               <a:ext uri="{FF2B5EF4-FFF2-40B4-BE49-F238E27FC236}">
-                <a16:creationId xmlns:a16="http://schemas.microsoft.com/office/drawing/2014/main" id="{76B197EE-80A1-42F2-A9EF-BA35D9E5460E}"/>
+                <a16:creationId xmlns="" xmlns:a16="http://schemas.microsoft.com/office/drawing/2014/main" id="{76B197EE-80A1-42F2-A9EF-BA35D9E5460E}"/>
               </a:ext>
             </a:extLst>
           </p:cNvPr>
@@ -3796,7 +3798,7 @@
           <p:cNvPr id="17" name="직사각형 16">
             <a:extLst>
               <a:ext uri="{FF2B5EF4-FFF2-40B4-BE49-F238E27FC236}">
-                <a16:creationId xmlns:a16="http://schemas.microsoft.com/office/drawing/2014/main" id="{EB3ADEA3-B404-404F-9A38-E3BB35C3218B}"/>
+                <a16:creationId xmlns="" xmlns:a16="http://schemas.microsoft.com/office/drawing/2014/main" id="{EB3ADEA3-B404-404F-9A38-E3BB35C3218B}"/>
               </a:ext>
             </a:extLst>
           </p:cNvPr>
@@ -3848,7 +3850,7 @@
           <p:cNvPr id="23" name="TextBox 22">
             <a:extLst>
               <a:ext uri="{FF2B5EF4-FFF2-40B4-BE49-F238E27FC236}">
-                <a16:creationId xmlns:a16="http://schemas.microsoft.com/office/drawing/2014/main" id="{0F2DC298-17BE-43B3-90EC-963D79A68651}"/>
+                <a16:creationId xmlns="" xmlns:a16="http://schemas.microsoft.com/office/drawing/2014/main" id="{0F2DC298-17BE-43B3-90EC-963D79A68651}"/>
               </a:ext>
             </a:extLst>
           </p:cNvPr>
@@ -3915,7 +3917,7 @@
           <p:cNvPr id="7" name="TextBox 6">
             <a:extLst>
               <a:ext uri="{FF2B5EF4-FFF2-40B4-BE49-F238E27FC236}">
-                <a16:creationId xmlns:a16="http://schemas.microsoft.com/office/drawing/2014/main" id="{2CAF6DDE-25B6-4ABA-BBAD-079EC5698A99}"/>
+                <a16:creationId xmlns="" xmlns:a16="http://schemas.microsoft.com/office/drawing/2014/main" id="{2CAF6DDE-25B6-4ABA-BBAD-079EC5698A99}"/>
               </a:ext>
             </a:extLst>
           </p:cNvPr>
@@ -3979,7 +3981,7 @@
           <p:cNvPr id="18" name="TextBox 17">
             <a:extLst>
               <a:ext uri="{FF2B5EF4-FFF2-40B4-BE49-F238E27FC236}">
-                <a16:creationId xmlns:a16="http://schemas.microsoft.com/office/drawing/2014/main" id="{229F0366-DC94-4ED8-BE79-753942441E16}"/>
+                <a16:creationId xmlns="" xmlns:a16="http://schemas.microsoft.com/office/drawing/2014/main" id="{229F0366-DC94-4ED8-BE79-753942441E16}"/>
               </a:ext>
             </a:extLst>
           </p:cNvPr>
@@ -4172,7 +4174,7 @@
           <p:cNvPr id="37" name="TextBox 36">
             <a:extLst>
               <a:ext uri="{FF2B5EF4-FFF2-40B4-BE49-F238E27FC236}">
-                <a16:creationId xmlns:a16="http://schemas.microsoft.com/office/drawing/2014/main" id="{0262282F-C1CF-40FF-93CD-0F9399B4BCB7}"/>
+                <a16:creationId xmlns="" xmlns:a16="http://schemas.microsoft.com/office/drawing/2014/main" id="{0262282F-C1CF-40FF-93CD-0F9399B4BCB7}"/>
               </a:ext>
             </a:extLst>
           </p:cNvPr>
@@ -4301,7 +4303,7 @@
           <p:cNvPr id="30" name="직사각형 29">
             <a:extLst>
               <a:ext uri="{FF2B5EF4-FFF2-40B4-BE49-F238E27FC236}">
-                <a16:creationId xmlns:a16="http://schemas.microsoft.com/office/drawing/2014/main" id="{ED080E63-AEE0-4A6F-BC81-90F760C6B7DC}"/>
+                <a16:creationId xmlns="" xmlns:a16="http://schemas.microsoft.com/office/drawing/2014/main" id="{ED080E63-AEE0-4A6F-BC81-90F760C6B7DC}"/>
               </a:ext>
             </a:extLst>
           </p:cNvPr>
@@ -4355,7 +4357,7 @@
           <p:cNvPr id="41" name="TextBox 40">
             <a:extLst>
               <a:ext uri="{FF2B5EF4-FFF2-40B4-BE49-F238E27FC236}">
-                <a16:creationId xmlns:a16="http://schemas.microsoft.com/office/drawing/2014/main" id="{CC54DDD6-FA59-4091-B7CE-D26D47166693}"/>
+                <a16:creationId xmlns="" xmlns:a16="http://schemas.microsoft.com/office/drawing/2014/main" id="{CC54DDD6-FA59-4091-B7CE-D26D47166693}"/>
               </a:ext>
             </a:extLst>
           </p:cNvPr>
@@ -4458,7 +4460,7 @@
           <p:cNvPr id="19" name="TextBox 18">
             <a:extLst>
               <a:ext uri="{FF2B5EF4-FFF2-40B4-BE49-F238E27FC236}">
-                <a16:creationId xmlns:a16="http://schemas.microsoft.com/office/drawing/2014/main" id="{229F0366-DC94-4ED8-BE79-753942441E16}"/>
+                <a16:creationId xmlns="" xmlns:a16="http://schemas.microsoft.com/office/drawing/2014/main" id="{229F0366-DC94-4ED8-BE79-753942441E16}"/>
               </a:ext>
             </a:extLst>
           </p:cNvPr>
@@ -4576,7 +4578,7 @@
           <p:cNvPr id="28" name="TextBox 27">
             <a:extLst>
               <a:ext uri="{FF2B5EF4-FFF2-40B4-BE49-F238E27FC236}">
-                <a16:creationId xmlns:a16="http://schemas.microsoft.com/office/drawing/2014/main" id="{705574F8-F920-45A1-960F-564DA8F31D88}"/>
+                <a16:creationId xmlns="" xmlns:a16="http://schemas.microsoft.com/office/drawing/2014/main" id="{705574F8-F920-45A1-960F-564DA8F31D88}"/>
               </a:ext>
             </a:extLst>
           </p:cNvPr>
@@ -4642,7 +4644,7 @@
           <p:cNvPr id="26" name="직사각형 25">
             <a:extLst>
               <a:ext uri="{FF2B5EF4-FFF2-40B4-BE49-F238E27FC236}">
-                <a16:creationId xmlns:a16="http://schemas.microsoft.com/office/drawing/2014/main" id="{CAED0D3B-67FA-40A0-9C7E-75489BBC7DD1}"/>
+                <a16:creationId xmlns="" xmlns:a16="http://schemas.microsoft.com/office/drawing/2014/main" id="{CAED0D3B-67FA-40A0-9C7E-75489BBC7DD1}"/>
               </a:ext>
             </a:extLst>
           </p:cNvPr>
@@ -4694,7 +4696,7 @@
           <p:cNvPr id="27" name="직사각형 26">
             <a:extLst>
               <a:ext uri="{FF2B5EF4-FFF2-40B4-BE49-F238E27FC236}">
-                <a16:creationId xmlns:a16="http://schemas.microsoft.com/office/drawing/2014/main" id="{B0CD3A08-B9C1-45B8-BE30-AA97B8BD968C}"/>
+                <a16:creationId xmlns="" xmlns:a16="http://schemas.microsoft.com/office/drawing/2014/main" id="{B0CD3A08-B9C1-45B8-BE30-AA97B8BD968C}"/>
               </a:ext>
             </a:extLst>
           </p:cNvPr>
@@ -4749,7 +4751,7 @@
           <p:cNvPr id="16" name="직사각형 15">
             <a:extLst>
               <a:ext uri="{FF2B5EF4-FFF2-40B4-BE49-F238E27FC236}">
-                <a16:creationId xmlns:a16="http://schemas.microsoft.com/office/drawing/2014/main" id="{23631734-654A-4EE2-B918-D2E215587F07}"/>
+                <a16:creationId xmlns="" xmlns:a16="http://schemas.microsoft.com/office/drawing/2014/main" id="{23631734-654A-4EE2-B918-D2E215587F07}"/>
               </a:ext>
             </a:extLst>
           </p:cNvPr>
@@ -4810,7 +4812,7 @@
           <p:cNvPr id="25" name="직사각형 24">
             <a:extLst>
               <a:ext uri="{FF2B5EF4-FFF2-40B4-BE49-F238E27FC236}">
-                <a16:creationId xmlns:a16="http://schemas.microsoft.com/office/drawing/2014/main" id="{24B9253A-E9D5-465C-BDFC-C38EF3FFBE16}"/>
+                <a16:creationId xmlns="" xmlns:a16="http://schemas.microsoft.com/office/drawing/2014/main" id="{24B9253A-E9D5-465C-BDFC-C38EF3FFBE16}"/>
               </a:ext>
             </a:extLst>
           </p:cNvPr>
@@ -4862,7 +4864,7 @@
           <p:cNvPr id="32" name="직사각형 31">
             <a:extLst>
               <a:ext uri="{FF2B5EF4-FFF2-40B4-BE49-F238E27FC236}">
-                <a16:creationId xmlns:a16="http://schemas.microsoft.com/office/drawing/2014/main" id="{7A4B3E85-56EC-4834-8E84-99BF1BD50415}"/>
+                <a16:creationId xmlns="" xmlns:a16="http://schemas.microsoft.com/office/drawing/2014/main" id="{7A4B3E85-56EC-4834-8E84-99BF1BD50415}"/>
               </a:ext>
             </a:extLst>
           </p:cNvPr>
@@ -4909,6 +4911,61 @@
           </a:p>
         </p:txBody>
       </p:sp>
+      <p:sp>
+        <p:nvSpPr>
+          <p:cNvPr id="8" name="직사각형 7">
+            <a:extLst>
+              <a:ext uri="{FF2B5EF4-FFF2-40B4-BE49-F238E27FC236}">
+                <a16:creationId xmlns="" xmlns:a16="http://schemas.microsoft.com/office/drawing/2014/main" id="{D703A7DB-BACB-4AF0-B8CF-8C852EC45FE9}"/>
+              </a:ext>
+            </a:extLst>
+          </p:cNvPr>
+          <p:cNvSpPr/>
+          <p:nvPr/>
+        </p:nvSpPr>
+        <p:spPr>
+          <a:xfrm>
+            <a:off x="-91440" y="104120"/>
+            <a:ext cx="182880" cy="688065"/>
+          </a:xfrm>
+          <a:prstGeom prst="rect">
+            <a:avLst/>
+          </a:prstGeom>
+          <a:solidFill>
+            <a:schemeClr val="accent1">
+              <a:lumMod val="40000"/>
+              <a:lumOff val="60000"/>
+            </a:schemeClr>
+          </a:solidFill>
+          <a:ln>
+            <a:noFill/>
+          </a:ln>
+        </p:spPr>
+        <p:style>
+          <a:lnRef idx="2">
+            <a:schemeClr val="accent1">
+              <a:shade val="50000"/>
+            </a:schemeClr>
+          </a:lnRef>
+          <a:fillRef idx="1">
+            <a:schemeClr val="accent1"/>
+          </a:fillRef>
+          <a:effectRef idx="0">
+            <a:schemeClr val="accent1"/>
+          </a:effectRef>
+          <a:fontRef idx="minor">
+            <a:schemeClr val="lt1"/>
+          </a:fontRef>
+        </p:style>
+        <p:txBody>
+          <a:bodyPr rtlCol="0" anchor="ctr"/>
+          <a:lstStyle/>
+          <a:p>
+            <a:pPr algn="ctr"/>
+            <a:endParaRPr lang="ko-KR" altLang="en-US"/>
+          </a:p>
+        </p:txBody>
+      </p:sp>
     </p:spTree>
     <p:extLst>
       <p:ext uri="{BB962C8B-B14F-4D97-AF65-F5344CB8AC3E}">
@@ -4944,7 +5001,7 @@
           <p:cNvPr id="15" name="TextBox 14">
             <a:extLst>
               <a:ext uri="{FF2B5EF4-FFF2-40B4-BE49-F238E27FC236}">
-                <a16:creationId xmlns:a16="http://schemas.microsoft.com/office/drawing/2014/main" id="{B76B29C2-EB3F-40FE-9908-8B93E4235B78}"/>
+                <a16:creationId xmlns="" xmlns:a16="http://schemas.microsoft.com/office/drawing/2014/main" id="{B76B29C2-EB3F-40FE-9908-8B93E4235B78}"/>
               </a:ext>
             </a:extLst>
           </p:cNvPr>
@@ -5010,7 +5067,7 @@
           <p:cNvPr id="5" name="직사각형 4">
             <a:extLst>
               <a:ext uri="{FF2B5EF4-FFF2-40B4-BE49-F238E27FC236}">
-                <a16:creationId xmlns:a16="http://schemas.microsoft.com/office/drawing/2014/main" id="{48D06F82-12DC-4727-955A-17DFA6422558}"/>
+                <a16:creationId xmlns="" xmlns:a16="http://schemas.microsoft.com/office/drawing/2014/main" id="{48D06F82-12DC-4727-955A-17DFA6422558}"/>
               </a:ext>
             </a:extLst>
           </p:cNvPr>
@@ -5062,7 +5119,7 @@
           <p:cNvPr id="7" name="직사각형 6">
             <a:extLst>
               <a:ext uri="{FF2B5EF4-FFF2-40B4-BE49-F238E27FC236}">
-                <a16:creationId xmlns:a16="http://schemas.microsoft.com/office/drawing/2014/main" id="{ABF26904-18C6-4777-B07D-99A5D2F8A480}"/>
+                <a16:creationId xmlns="" xmlns:a16="http://schemas.microsoft.com/office/drawing/2014/main" id="{ABF26904-18C6-4777-B07D-99A5D2F8A480}"/>
               </a:ext>
             </a:extLst>
           </p:cNvPr>
@@ -5127,7 +5184,7 @@
           <p:cNvPr id="9" name="직사각형 8">
             <a:extLst>
               <a:ext uri="{FF2B5EF4-FFF2-40B4-BE49-F238E27FC236}">
-                <a16:creationId xmlns:a16="http://schemas.microsoft.com/office/drawing/2014/main" id="{0C4F22D3-C0F5-4B15-9131-96EC36C26B07}"/>
+                <a16:creationId xmlns="" xmlns:a16="http://schemas.microsoft.com/office/drawing/2014/main" id="{0C4F22D3-C0F5-4B15-9131-96EC36C26B07}"/>
               </a:ext>
             </a:extLst>
           </p:cNvPr>
@@ -5262,7 +5319,7 @@
           <p:cNvPr id="10" name="직사각형 9">
             <a:extLst>
               <a:ext uri="{FF2B5EF4-FFF2-40B4-BE49-F238E27FC236}">
-                <a16:creationId xmlns:a16="http://schemas.microsoft.com/office/drawing/2014/main" id="{ADAAAE89-1FD9-410C-A21F-D01B346F6A93}"/>
+                <a16:creationId xmlns="" xmlns:a16="http://schemas.microsoft.com/office/drawing/2014/main" id="{ADAAAE89-1FD9-410C-A21F-D01B346F6A93}"/>
               </a:ext>
             </a:extLst>
           </p:cNvPr>
@@ -5397,7 +5454,7 @@
           <p:cNvPr id="11" name="직사각형 10">
             <a:extLst>
               <a:ext uri="{FF2B5EF4-FFF2-40B4-BE49-F238E27FC236}">
-                <a16:creationId xmlns:a16="http://schemas.microsoft.com/office/drawing/2014/main" id="{5AFC9BB8-0ED3-47C7-AE39-1ED4DCEFB510}"/>
+                <a16:creationId xmlns="" xmlns:a16="http://schemas.microsoft.com/office/drawing/2014/main" id="{5AFC9BB8-0ED3-47C7-AE39-1ED4DCEFB510}"/>
               </a:ext>
             </a:extLst>
           </p:cNvPr>
@@ -5553,7 +5610,7 @@
           <p:cNvPr id="12" name="직선 연결선 11">
             <a:extLst>
               <a:ext uri="{FF2B5EF4-FFF2-40B4-BE49-F238E27FC236}">
-                <a16:creationId xmlns:a16="http://schemas.microsoft.com/office/drawing/2014/main" id="{CCAB9C50-DF0E-4566-B226-72E2DA13471E}"/>
+                <a16:creationId xmlns="" xmlns:a16="http://schemas.microsoft.com/office/drawing/2014/main" id="{CCAB9C50-DF0E-4566-B226-72E2DA13471E}"/>
               </a:ext>
             </a:extLst>
           </p:cNvPr>
@@ -5594,7 +5651,7 @@
           <p:cNvPr id="13" name="직선 연결선 12">
             <a:extLst>
               <a:ext uri="{FF2B5EF4-FFF2-40B4-BE49-F238E27FC236}">
-                <a16:creationId xmlns:a16="http://schemas.microsoft.com/office/drawing/2014/main" id="{18367708-4712-42B5-9FD3-B5E0EA47162E}"/>
+                <a16:creationId xmlns="" xmlns:a16="http://schemas.microsoft.com/office/drawing/2014/main" id="{18367708-4712-42B5-9FD3-B5E0EA47162E}"/>
               </a:ext>
             </a:extLst>
           </p:cNvPr>
@@ -5635,7 +5692,7 @@
           <p:cNvPr id="14" name="직사각형 13">
             <a:extLst>
               <a:ext uri="{FF2B5EF4-FFF2-40B4-BE49-F238E27FC236}">
-                <a16:creationId xmlns:a16="http://schemas.microsoft.com/office/drawing/2014/main" id="{A8FF912E-274C-4B40-B943-17CC62A5A849}"/>
+                <a16:creationId xmlns="" xmlns:a16="http://schemas.microsoft.com/office/drawing/2014/main" id="{A8FF912E-274C-4B40-B943-17CC62A5A849}"/>
               </a:ext>
             </a:extLst>
           </p:cNvPr>
@@ -5770,7 +5827,7 @@
           <p:cNvPr id="16" name="직사각형 15">
             <a:extLst>
               <a:ext uri="{FF2B5EF4-FFF2-40B4-BE49-F238E27FC236}">
-                <a16:creationId xmlns:a16="http://schemas.microsoft.com/office/drawing/2014/main" id="{0E9DA1DA-45E8-4BEB-BEE6-85B2C5D2E03D}"/>
+                <a16:creationId xmlns="" xmlns:a16="http://schemas.microsoft.com/office/drawing/2014/main" id="{0E9DA1DA-45E8-4BEB-BEE6-85B2C5D2E03D}"/>
               </a:ext>
             </a:extLst>
           </p:cNvPr>
@@ -5793,7 +5850,7 @@
           <a:lstStyle/>
           <a:p>
             <a:r>
-              <a:rPr lang="en-US" altLang="ko-KR" sz="3600" dirty="0">
+              <a:rPr lang="en-US" altLang="ko-KR" sz="3600" dirty="0" smtClean="0">
                 <a:ln>
                   <a:solidFill>
                     <a:schemeClr val="bg1">
@@ -5826,10 +5883,65 @@
           </a:p>
         </p:txBody>
       </p:sp>
+      <p:sp>
+        <p:nvSpPr>
+          <p:cNvPr id="17" name="직사각형 16">
+            <a:extLst>
+              <a:ext uri="{FF2B5EF4-FFF2-40B4-BE49-F238E27FC236}">
+                <a16:creationId xmlns="" xmlns:a16="http://schemas.microsoft.com/office/drawing/2014/main" id="{D703A7DB-BACB-4AF0-B8CF-8C852EC45FE9}"/>
+              </a:ext>
+            </a:extLst>
+          </p:cNvPr>
+          <p:cNvSpPr/>
+          <p:nvPr/>
+        </p:nvSpPr>
+        <p:spPr>
+          <a:xfrm>
+            <a:off x="-87229" y="101871"/>
+            <a:ext cx="182880" cy="688065"/>
+          </a:xfrm>
+          <a:prstGeom prst="rect">
+            <a:avLst/>
+          </a:prstGeom>
+          <a:solidFill>
+            <a:schemeClr val="accent1">
+              <a:lumMod val="40000"/>
+              <a:lumOff val="60000"/>
+            </a:schemeClr>
+          </a:solidFill>
+          <a:ln>
+            <a:noFill/>
+          </a:ln>
+        </p:spPr>
+        <p:style>
+          <a:lnRef idx="2">
+            <a:schemeClr val="accent1">
+              <a:shade val="50000"/>
+            </a:schemeClr>
+          </a:lnRef>
+          <a:fillRef idx="1">
+            <a:schemeClr val="accent1"/>
+          </a:fillRef>
+          <a:effectRef idx="0">
+            <a:schemeClr val="accent1"/>
+          </a:effectRef>
+          <a:fontRef idx="minor">
+            <a:schemeClr val="lt1"/>
+          </a:fontRef>
+        </p:style>
+        <p:txBody>
+          <a:bodyPr rtlCol="0" anchor="ctr"/>
+          <a:lstStyle/>
+          <a:p>
+            <a:pPr algn="ctr"/>
+            <a:endParaRPr lang="ko-KR" altLang="en-US"/>
+          </a:p>
+        </p:txBody>
+      </p:sp>
     </p:spTree>
     <p:extLst>
       <p:ext uri="{BB962C8B-B14F-4D97-AF65-F5344CB8AC3E}">
-        <p14:creationId xmlns:p14="http://schemas.microsoft.com/office/powerpoint/2010/main" val="2066069301"/>
+        <p14:creationId xmlns:p14="http://schemas.microsoft.com/office/powerpoint/2010/main" val="769711716"/>
       </p:ext>
     </p:extLst>
   </p:cSld>
@@ -5861,7 +5973,7 @@
           <p:cNvPr id="15" name="TextBox 14">
             <a:extLst>
               <a:ext uri="{FF2B5EF4-FFF2-40B4-BE49-F238E27FC236}">
-                <a16:creationId xmlns:a16="http://schemas.microsoft.com/office/drawing/2014/main" id="{B76B29C2-EB3F-40FE-9908-8B93E4235B78}"/>
+                <a16:creationId xmlns="" xmlns:a16="http://schemas.microsoft.com/office/drawing/2014/main" id="{B76B29C2-EB3F-40FE-9908-8B93E4235B78}"/>
               </a:ext>
             </a:extLst>
           </p:cNvPr>
@@ -5927,7 +6039,7 @@
           <p:cNvPr id="5" name="직사각형 4">
             <a:extLst>
               <a:ext uri="{FF2B5EF4-FFF2-40B4-BE49-F238E27FC236}">
-                <a16:creationId xmlns:a16="http://schemas.microsoft.com/office/drawing/2014/main" id="{48D06F82-12DC-4727-955A-17DFA6422558}"/>
+                <a16:creationId xmlns="" xmlns:a16="http://schemas.microsoft.com/office/drawing/2014/main" id="{48D06F82-12DC-4727-955A-17DFA6422558}"/>
               </a:ext>
             </a:extLst>
           </p:cNvPr>
@@ -5979,7 +6091,7 @@
           <p:cNvPr id="7" name="직사각형 6">
             <a:extLst>
               <a:ext uri="{FF2B5EF4-FFF2-40B4-BE49-F238E27FC236}">
-                <a16:creationId xmlns:a16="http://schemas.microsoft.com/office/drawing/2014/main" id="{ABF26904-18C6-4777-B07D-99A5D2F8A480}"/>
+                <a16:creationId xmlns="" xmlns:a16="http://schemas.microsoft.com/office/drawing/2014/main" id="{ABF26904-18C6-4777-B07D-99A5D2F8A480}"/>
               </a:ext>
             </a:extLst>
           </p:cNvPr>
@@ -6020,7 +6132,7 @@
                 <a:latin typeface="아리따-돋움(TTF)-Light" panose="02020603020101020101" pitchFamily="18" charset="-127"/>
                 <a:ea typeface="아리따-돋움(TTF)-Light" panose="02020603020101020101" pitchFamily="18" charset="-127"/>
               </a:rPr>
-              <a:t>Design</a:t>
+              <a:t>Result</a:t>
             </a:r>
             <a:endParaRPr lang="ko-KR" altLang="en-US" sz="2000" dirty="0">
               <a:ln>
@@ -6044,7 +6156,7 @@
           <p:cNvPr id="9" name="직사각형 8">
             <a:extLst>
               <a:ext uri="{FF2B5EF4-FFF2-40B4-BE49-F238E27FC236}">
-                <a16:creationId xmlns:a16="http://schemas.microsoft.com/office/drawing/2014/main" id="{0C4F22D3-C0F5-4B15-9131-96EC36C26B07}"/>
+                <a16:creationId xmlns="" xmlns:a16="http://schemas.microsoft.com/office/drawing/2014/main" id="{0C4F22D3-C0F5-4B15-9131-96EC36C26B07}"/>
               </a:ext>
             </a:extLst>
           </p:cNvPr>
@@ -6179,7 +6291,7 @@
           <p:cNvPr id="10" name="직사각형 9">
             <a:extLst>
               <a:ext uri="{FF2B5EF4-FFF2-40B4-BE49-F238E27FC236}">
-                <a16:creationId xmlns:a16="http://schemas.microsoft.com/office/drawing/2014/main" id="{ADAAAE89-1FD9-410C-A21F-D01B346F6A93}"/>
+                <a16:creationId xmlns="" xmlns:a16="http://schemas.microsoft.com/office/drawing/2014/main" id="{ADAAAE89-1FD9-410C-A21F-D01B346F6A93}"/>
               </a:ext>
             </a:extLst>
           </p:cNvPr>
@@ -6314,7 +6426,7 @@
           <p:cNvPr id="11" name="직사각형 10">
             <a:extLst>
               <a:ext uri="{FF2B5EF4-FFF2-40B4-BE49-F238E27FC236}">
-                <a16:creationId xmlns:a16="http://schemas.microsoft.com/office/drawing/2014/main" id="{5AFC9BB8-0ED3-47C7-AE39-1ED4DCEFB510}"/>
+                <a16:creationId xmlns="" xmlns:a16="http://schemas.microsoft.com/office/drawing/2014/main" id="{5AFC9BB8-0ED3-47C7-AE39-1ED4DCEFB510}"/>
               </a:ext>
             </a:extLst>
           </p:cNvPr>
@@ -6470,7 +6582,7 @@
           <p:cNvPr id="12" name="직선 연결선 11">
             <a:extLst>
               <a:ext uri="{FF2B5EF4-FFF2-40B4-BE49-F238E27FC236}">
-                <a16:creationId xmlns:a16="http://schemas.microsoft.com/office/drawing/2014/main" id="{CCAB9C50-DF0E-4566-B226-72E2DA13471E}"/>
+                <a16:creationId xmlns="" xmlns:a16="http://schemas.microsoft.com/office/drawing/2014/main" id="{CCAB9C50-DF0E-4566-B226-72E2DA13471E}"/>
               </a:ext>
             </a:extLst>
           </p:cNvPr>
@@ -6511,7 +6623,7 @@
           <p:cNvPr id="13" name="직선 연결선 12">
             <a:extLst>
               <a:ext uri="{FF2B5EF4-FFF2-40B4-BE49-F238E27FC236}">
-                <a16:creationId xmlns:a16="http://schemas.microsoft.com/office/drawing/2014/main" id="{18367708-4712-42B5-9FD3-B5E0EA47162E}"/>
+                <a16:creationId xmlns="" xmlns:a16="http://schemas.microsoft.com/office/drawing/2014/main" id="{18367708-4712-42B5-9FD3-B5E0EA47162E}"/>
               </a:ext>
             </a:extLst>
           </p:cNvPr>
@@ -6552,7 +6664,7 @@
           <p:cNvPr id="14" name="직사각형 13">
             <a:extLst>
               <a:ext uri="{FF2B5EF4-FFF2-40B4-BE49-F238E27FC236}">
-                <a16:creationId xmlns:a16="http://schemas.microsoft.com/office/drawing/2014/main" id="{A8FF912E-274C-4B40-B943-17CC62A5A849}"/>
+                <a16:creationId xmlns="" xmlns:a16="http://schemas.microsoft.com/office/drawing/2014/main" id="{A8FF912E-274C-4B40-B943-17CC62A5A849}"/>
               </a:ext>
             </a:extLst>
           </p:cNvPr>
@@ -6687,7 +6799,7 @@
           <p:cNvPr id="16" name="직사각형 15">
             <a:extLst>
               <a:ext uri="{FF2B5EF4-FFF2-40B4-BE49-F238E27FC236}">
-                <a16:creationId xmlns:a16="http://schemas.microsoft.com/office/drawing/2014/main" id="{0E9DA1DA-45E8-4BEB-BEE6-85B2C5D2E03D}"/>
+                <a16:creationId xmlns="" xmlns:a16="http://schemas.microsoft.com/office/drawing/2014/main" id="{0E9DA1DA-45E8-4BEB-BEE6-85B2C5D2E03D}"/>
               </a:ext>
             </a:extLst>
           </p:cNvPr>
@@ -6743,10 +6855,65 @@
           </a:p>
         </p:txBody>
       </p:sp>
+      <p:sp>
+        <p:nvSpPr>
+          <p:cNvPr id="17" name="직사각형 16">
+            <a:extLst>
+              <a:ext uri="{FF2B5EF4-FFF2-40B4-BE49-F238E27FC236}">
+                <a16:creationId xmlns="" xmlns:a16="http://schemas.microsoft.com/office/drawing/2014/main" id="{D703A7DB-BACB-4AF0-B8CF-8C852EC45FE9}"/>
+              </a:ext>
+            </a:extLst>
+          </p:cNvPr>
+          <p:cNvSpPr/>
+          <p:nvPr/>
+        </p:nvSpPr>
+        <p:spPr>
+          <a:xfrm>
+            <a:off x="-91440" y="104120"/>
+            <a:ext cx="182880" cy="688065"/>
+          </a:xfrm>
+          <a:prstGeom prst="rect">
+            <a:avLst/>
+          </a:prstGeom>
+          <a:solidFill>
+            <a:schemeClr val="accent1">
+              <a:lumMod val="40000"/>
+              <a:lumOff val="60000"/>
+            </a:schemeClr>
+          </a:solidFill>
+          <a:ln>
+            <a:noFill/>
+          </a:ln>
+        </p:spPr>
+        <p:style>
+          <a:lnRef idx="2">
+            <a:schemeClr val="accent1">
+              <a:shade val="50000"/>
+            </a:schemeClr>
+          </a:lnRef>
+          <a:fillRef idx="1">
+            <a:schemeClr val="accent1"/>
+          </a:fillRef>
+          <a:effectRef idx="0">
+            <a:schemeClr val="accent1"/>
+          </a:effectRef>
+          <a:fontRef idx="minor">
+            <a:schemeClr val="lt1"/>
+          </a:fontRef>
+        </p:style>
+        <p:txBody>
+          <a:bodyPr rtlCol="0" anchor="ctr"/>
+          <a:lstStyle/>
+          <a:p>
+            <a:pPr algn="ctr"/>
+            <a:endParaRPr lang="ko-KR" altLang="en-US"/>
+          </a:p>
+        </p:txBody>
+      </p:sp>
     </p:spTree>
     <p:extLst>
       <p:ext uri="{BB962C8B-B14F-4D97-AF65-F5344CB8AC3E}">
-        <p14:creationId xmlns:p14="http://schemas.microsoft.com/office/powerpoint/2010/main" val="769711716"/>
+        <p14:creationId xmlns:p14="http://schemas.microsoft.com/office/powerpoint/2010/main" val="3207463491"/>
       </p:ext>
     </p:extLst>
   </p:cSld>
@@ -6775,10 +6942,10 @@
       </p:grpSpPr>
       <p:sp>
         <p:nvSpPr>
-          <p:cNvPr id="15" name="TextBox 14">
-            <a:extLst>
-              <a:ext uri="{FF2B5EF4-FFF2-40B4-BE49-F238E27FC236}">
-                <a16:creationId xmlns:a16="http://schemas.microsoft.com/office/drawing/2014/main" id="{B76B29C2-EB3F-40FE-9908-8B93E4235B78}"/>
+          <p:cNvPr id="28" name="TextBox 27">
+            <a:extLst>
+              <a:ext uri="{FF2B5EF4-FFF2-40B4-BE49-F238E27FC236}">
+                <a16:creationId xmlns="" xmlns:a16="http://schemas.microsoft.com/office/drawing/2014/main" id="{705574F8-F920-45A1-960F-564DA8F31D88}"/>
               </a:ext>
             </a:extLst>
           </p:cNvPr>
@@ -6841,927 +7008,10 @@
       </p:sp>
       <p:sp>
         <p:nvSpPr>
-          <p:cNvPr id="5" name="직사각형 4">
-            <a:extLst>
-              <a:ext uri="{FF2B5EF4-FFF2-40B4-BE49-F238E27FC236}">
-                <a16:creationId xmlns:a16="http://schemas.microsoft.com/office/drawing/2014/main" id="{48D06F82-12DC-4727-955A-17DFA6422558}"/>
-              </a:ext>
-            </a:extLst>
-          </p:cNvPr>
-          <p:cNvSpPr/>
-          <p:nvPr/>
-        </p:nvSpPr>
-        <p:spPr>
-          <a:xfrm>
-            <a:off x="-91440" y="104120"/>
-            <a:ext cx="182880" cy="688065"/>
-          </a:xfrm>
-          <a:prstGeom prst="rect">
-            <a:avLst/>
-          </a:prstGeom>
-          <a:solidFill>
-            <a:schemeClr val="tx1"/>
-          </a:solidFill>
-          <a:ln>
-            <a:noFill/>
-          </a:ln>
-        </p:spPr>
-        <p:style>
-          <a:lnRef idx="2">
-            <a:schemeClr val="accent1">
-              <a:shade val="50000"/>
-            </a:schemeClr>
-          </a:lnRef>
-          <a:fillRef idx="1">
-            <a:schemeClr val="accent1"/>
-          </a:fillRef>
-          <a:effectRef idx="0">
-            <a:schemeClr val="accent1"/>
-          </a:effectRef>
-          <a:fontRef idx="minor">
-            <a:schemeClr val="lt1"/>
-          </a:fontRef>
-        </p:style>
-        <p:txBody>
-          <a:bodyPr rtlCol="0" anchor="ctr"/>
-          <a:lstStyle/>
-          <a:p>
-            <a:pPr algn="ctr"/>
-            <a:endParaRPr lang="ko-KR" altLang="en-US"/>
-          </a:p>
-        </p:txBody>
-      </p:sp>
-      <p:sp>
-        <p:nvSpPr>
-          <p:cNvPr id="7" name="직사각형 6">
-            <a:extLst>
-              <a:ext uri="{FF2B5EF4-FFF2-40B4-BE49-F238E27FC236}">
-                <a16:creationId xmlns:a16="http://schemas.microsoft.com/office/drawing/2014/main" id="{ABF26904-18C6-4777-B07D-99A5D2F8A480}"/>
-              </a:ext>
-            </a:extLst>
-          </p:cNvPr>
-          <p:cNvSpPr/>
-          <p:nvPr/>
-        </p:nvSpPr>
-        <p:spPr>
-          <a:xfrm>
-            <a:off x="192470" y="1501900"/>
-            <a:ext cx="2930874" cy="398820"/>
-          </a:xfrm>
-          <a:prstGeom prst="rect">
-            <a:avLst/>
-          </a:prstGeom>
-          <a:solidFill>
-            <a:srgbClr val="355A96"/>
-          </a:solidFill>
-        </p:spPr>
-        <p:txBody>
-          <a:bodyPr wrap="square">
-            <a:spAutoFit/>
-          </a:bodyPr>
-          <a:lstStyle/>
-          <a:p>
-            <a:pPr algn="ctr"/>
-            <a:r>
-              <a:rPr lang="en-US" altLang="ko-KR" sz="2000" dirty="0">
-                <a:ln>
-                  <a:solidFill>
-                    <a:schemeClr val="bg1">
-                      <a:alpha val="0"/>
-                    </a:schemeClr>
-                  </a:solidFill>
-                </a:ln>
-                <a:solidFill>
-                  <a:schemeClr val="bg1"/>
-                </a:solidFill>
-                <a:latin typeface="아리따-돋움(TTF)-Light" panose="02020603020101020101" pitchFamily="18" charset="-127"/>
-                <a:ea typeface="아리따-돋움(TTF)-Light" panose="02020603020101020101" pitchFamily="18" charset="-127"/>
-              </a:rPr>
-              <a:t>Result</a:t>
-            </a:r>
-            <a:endParaRPr lang="ko-KR" altLang="en-US" sz="2000" dirty="0">
-              <a:ln>
-                <a:solidFill>
-                  <a:schemeClr val="bg1">
-                    <a:alpha val="0"/>
-                  </a:schemeClr>
-                </a:solidFill>
-              </a:ln>
-              <a:solidFill>
-                <a:schemeClr val="bg1"/>
-              </a:solidFill>
-              <a:latin typeface="아리따-돋움(TTF)-Light" panose="02020603020101020101" pitchFamily="18" charset="-127"/>
-              <a:ea typeface="아리따-돋움(TTF)-Light" panose="02020603020101020101" pitchFamily="18" charset="-127"/>
-            </a:endParaRPr>
-          </a:p>
-        </p:txBody>
-      </p:sp>
-      <p:sp>
-        <p:nvSpPr>
-          <p:cNvPr id="9" name="직사각형 8">
-            <a:extLst>
-              <a:ext uri="{FF2B5EF4-FFF2-40B4-BE49-F238E27FC236}">
-                <a16:creationId xmlns:a16="http://schemas.microsoft.com/office/drawing/2014/main" id="{0C4F22D3-C0F5-4B15-9131-96EC36C26B07}"/>
-              </a:ext>
-            </a:extLst>
-          </p:cNvPr>
-          <p:cNvSpPr/>
-          <p:nvPr/>
-        </p:nvSpPr>
-        <p:spPr>
-          <a:xfrm>
-            <a:off x="6862565" y="1768353"/>
-            <a:ext cx="3951783" cy="705450"/>
-          </a:xfrm>
-          <a:prstGeom prst="rect">
-            <a:avLst/>
-          </a:prstGeom>
-        </p:spPr>
-        <p:txBody>
-          <a:bodyPr wrap="square">
-            <a:spAutoFit/>
-          </a:bodyPr>
-          <a:lstStyle/>
-          <a:p>
-            <a:pPr algn="just">
-              <a:lnSpc>
-                <a:spcPct val="107000"/>
-              </a:lnSpc>
-              <a:spcAft>
-                <a:spcPts val="800"/>
-              </a:spcAft>
-            </a:pPr>
-            <a:r>
-              <a:rPr lang="en-US" altLang="ko-KR" kern="100" dirty="0">
-                <a:ln>
-                  <a:solidFill>
-                    <a:srgbClr val="1E803F">
-                      <a:alpha val="0"/>
-                    </a:srgbClr>
-                  </a:solidFill>
-                </a:ln>
-                <a:latin typeface="아리따-돋움(TTF)-Light" panose="02020603020101020101" pitchFamily="18" charset="-127"/>
-                <a:ea typeface="아리따-돋움(TTF)-Light" panose="02020603020101020101" pitchFamily="18" charset="-127"/>
-                <a:cs typeface="Times New Roman" panose="02020603050405020304" pitchFamily="18" charset="0"/>
-              </a:rPr>
-              <a:t>(1) </a:t>
-            </a:r>
-            <a:r>
-              <a:rPr lang="ko-KR" altLang="en-US" kern="100" dirty="0">
-                <a:ln>
-                  <a:solidFill>
-                    <a:srgbClr val="1E803F">
-                      <a:alpha val="0"/>
-                    </a:srgbClr>
-                  </a:solidFill>
-                </a:ln>
-                <a:latin typeface="아리따-돋움(TTF)-Light" panose="02020603020101020101" pitchFamily="18" charset="-127"/>
-                <a:ea typeface="아리따-돋움(TTF)-Light" panose="02020603020101020101" pitchFamily="18" charset="-127"/>
-                <a:cs typeface="Times New Roman" panose="02020603050405020304" pitchFamily="18" charset="0"/>
-              </a:rPr>
-              <a:t>글</a:t>
-            </a:r>
-            <a:endParaRPr lang="ko-KR" altLang="ko-KR" kern="100" dirty="0">
-              <a:ln>
-                <a:solidFill>
-                  <a:srgbClr val="1E803F">
-                    <a:alpha val="0"/>
-                  </a:srgbClr>
-                </a:solidFill>
-              </a:ln>
-              <a:latin typeface="아리따-돋움(TTF)-Light" panose="02020603020101020101" pitchFamily="18" charset="-127"/>
-              <a:ea typeface="아리따-돋움(TTF)-Light" panose="02020603020101020101" pitchFamily="18" charset="-127"/>
-              <a:cs typeface="Times New Roman" panose="02020603050405020304" pitchFamily="18" charset="0"/>
-            </a:endParaRPr>
-          </a:p>
-          <a:p>
-            <a:pPr algn="just">
-              <a:lnSpc>
-                <a:spcPct val="107000"/>
-              </a:lnSpc>
-              <a:spcAft>
-                <a:spcPts val="800"/>
-              </a:spcAft>
-            </a:pPr>
-            <a:r>
-              <a:rPr lang="en-US" altLang="ko-KR" sz="1400" kern="100" dirty="0">
-                <a:ln>
-                  <a:solidFill>
-                    <a:srgbClr val="1E803F">
-                      <a:alpha val="0"/>
-                    </a:srgbClr>
-                  </a:solidFill>
-                </a:ln>
-                <a:latin typeface="아리따-돋움(TTF)-Light" panose="02020603020101020101" pitchFamily="18" charset="-127"/>
-                <a:ea typeface="아리따-돋움(TTF)-Light" panose="02020603020101020101" pitchFamily="18" charset="-127"/>
-                <a:cs typeface="Times New Roman" panose="02020603050405020304" pitchFamily="18" charset="0"/>
-              </a:rPr>
-              <a:t>1) </a:t>
-            </a:r>
-            <a:r>
-              <a:rPr lang="ko-KR" altLang="en-US" sz="1400" kern="100" dirty="0">
-                <a:ln>
-                  <a:solidFill>
-                    <a:srgbClr val="1E803F">
-                      <a:alpha val="0"/>
-                    </a:srgbClr>
-                  </a:solidFill>
-                </a:ln>
-                <a:latin typeface="아리따-돋움(TTF)-Light" panose="02020603020101020101" pitchFamily="18" charset="-127"/>
-                <a:ea typeface="아리따-돋움(TTF)-Light" panose="02020603020101020101" pitchFamily="18" charset="-127"/>
-                <a:cs typeface="Times New Roman" panose="02020603050405020304" pitchFamily="18" charset="0"/>
-              </a:rPr>
-              <a:t>글</a:t>
-            </a:r>
-            <a:endParaRPr lang="ko-KR" altLang="ko-KR" kern="100" dirty="0">
-              <a:ln>
-                <a:solidFill>
-                  <a:srgbClr val="1E803F">
-                    <a:alpha val="0"/>
-                  </a:srgbClr>
-                </a:solidFill>
-              </a:ln>
-              <a:solidFill>
-                <a:srgbClr val="1E803F"/>
-              </a:solidFill>
-              <a:latin typeface="아리따-돋움(TTF)-Light" panose="02020603020101020101" pitchFamily="18" charset="-127"/>
-              <a:ea typeface="아리따-돋움(TTF)-Light" panose="02020603020101020101" pitchFamily="18" charset="-127"/>
-              <a:cs typeface="Times New Roman" panose="02020603050405020304" pitchFamily="18" charset="0"/>
-            </a:endParaRPr>
-          </a:p>
-        </p:txBody>
-      </p:sp>
-      <p:sp>
-        <p:nvSpPr>
-          <p:cNvPr id="10" name="직사각형 9">
-            <a:extLst>
-              <a:ext uri="{FF2B5EF4-FFF2-40B4-BE49-F238E27FC236}">
-                <a16:creationId xmlns:a16="http://schemas.microsoft.com/office/drawing/2014/main" id="{ADAAAE89-1FD9-410C-A21F-D01B346F6A93}"/>
-              </a:ext>
-            </a:extLst>
-          </p:cNvPr>
-          <p:cNvSpPr/>
-          <p:nvPr/>
-        </p:nvSpPr>
-        <p:spPr>
-          <a:xfrm>
-            <a:off x="6862565" y="2723550"/>
-            <a:ext cx="3349946" cy="705450"/>
-          </a:xfrm>
-          <a:prstGeom prst="rect">
-            <a:avLst/>
-          </a:prstGeom>
-        </p:spPr>
-        <p:txBody>
-          <a:bodyPr wrap="square">
-            <a:spAutoFit/>
-          </a:bodyPr>
-          <a:lstStyle/>
-          <a:p>
-            <a:pPr algn="just">
-              <a:lnSpc>
-                <a:spcPct val="107000"/>
-              </a:lnSpc>
-              <a:spcAft>
-                <a:spcPts val="800"/>
-              </a:spcAft>
-            </a:pPr>
-            <a:r>
-              <a:rPr lang="en-US" altLang="ko-KR" kern="100" dirty="0">
-                <a:ln>
-                  <a:solidFill>
-                    <a:srgbClr val="1E803F">
-                      <a:alpha val="0"/>
-                    </a:srgbClr>
-                  </a:solidFill>
-                </a:ln>
-                <a:latin typeface="아리따-돋움(TTF)-Light" panose="02020603020101020101" pitchFamily="18" charset="-127"/>
-                <a:ea typeface="아리따-돋움(TTF)-Light" panose="02020603020101020101" pitchFamily="18" charset="-127"/>
-                <a:cs typeface="Times New Roman" panose="02020603050405020304" pitchFamily="18" charset="0"/>
-              </a:rPr>
-              <a:t>(1) </a:t>
-            </a:r>
-            <a:r>
-              <a:rPr lang="ko-KR" altLang="en-US" kern="100" dirty="0">
-                <a:ln>
-                  <a:solidFill>
-                    <a:srgbClr val="1E803F">
-                      <a:alpha val="0"/>
-                    </a:srgbClr>
-                  </a:solidFill>
-                </a:ln>
-                <a:latin typeface="아리따-돋움(TTF)-Light" panose="02020603020101020101" pitchFamily="18" charset="-127"/>
-                <a:ea typeface="아리따-돋움(TTF)-Light" panose="02020603020101020101" pitchFamily="18" charset="-127"/>
-                <a:cs typeface="Times New Roman" panose="02020603050405020304" pitchFamily="18" charset="0"/>
-              </a:rPr>
-              <a:t>글</a:t>
-            </a:r>
-            <a:endParaRPr lang="ko-KR" altLang="ko-KR" kern="100" dirty="0">
-              <a:ln>
-                <a:solidFill>
-                  <a:srgbClr val="1E803F">
-                    <a:alpha val="0"/>
-                  </a:srgbClr>
-                </a:solidFill>
-              </a:ln>
-              <a:latin typeface="아리따-돋움(TTF)-Light" panose="02020603020101020101" pitchFamily="18" charset="-127"/>
-              <a:ea typeface="아리따-돋움(TTF)-Light" panose="02020603020101020101" pitchFamily="18" charset="-127"/>
-              <a:cs typeface="Times New Roman" panose="02020603050405020304" pitchFamily="18" charset="0"/>
-            </a:endParaRPr>
-          </a:p>
-          <a:p>
-            <a:pPr algn="just">
-              <a:lnSpc>
-                <a:spcPct val="107000"/>
-              </a:lnSpc>
-              <a:spcAft>
-                <a:spcPts val="800"/>
-              </a:spcAft>
-            </a:pPr>
-            <a:r>
-              <a:rPr lang="en-US" altLang="ko-KR" sz="1400" kern="100" dirty="0">
-                <a:ln>
-                  <a:solidFill>
-                    <a:srgbClr val="1E803F">
-                      <a:alpha val="0"/>
-                    </a:srgbClr>
-                  </a:solidFill>
-                </a:ln>
-                <a:latin typeface="아리따-돋움(TTF)-Light" panose="02020603020101020101" pitchFamily="18" charset="-127"/>
-                <a:ea typeface="아리따-돋움(TTF)-Light" panose="02020603020101020101" pitchFamily="18" charset="-127"/>
-                <a:cs typeface="Times New Roman" panose="02020603050405020304" pitchFamily="18" charset="0"/>
-              </a:rPr>
-              <a:t>1) </a:t>
-            </a:r>
-            <a:r>
-              <a:rPr lang="ko-KR" altLang="en-US" sz="1400" kern="100" dirty="0">
-                <a:ln>
-                  <a:solidFill>
-                    <a:srgbClr val="1E803F">
-                      <a:alpha val="0"/>
-                    </a:srgbClr>
-                  </a:solidFill>
-                </a:ln>
-                <a:latin typeface="아리따-돋움(TTF)-Light" panose="02020603020101020101" pitchFamily="18" charset="-127"/>
-                <a:ea typeface="아리따-돋움(TTF)-Light" panose="02020603020101020101" pitchFamily="18" charset="-127"/>
-                <a:cs typeface="Times New Roman" panose="02020603050405020304" pitchFamily="18" charset="0"/>
-              </a:rPr>
-              <a:t>글</a:t>
-            </a:r>
-            <a:endParaRPr lang="ko-KR" altLang="ko-KR" kern="100" dirty="0">
-              <a:ln>
-                <a:solidFill>
-                  <a:srgbClr val="1E803F">
-                    <a:alpha val="0"/>
-                  </a:srgbClr>
-                </a:solidFill>
-              </a:ln>
-              <a:solidFill>
-                <a:srgbClr val="1E803F"/>
-              </a:solidFill>
-              <a:latin typeface="아리따-돋움(TTF)-Light" panose="02020603020101020101" pitchFamily="18" charset="-127"/>
-              <a:ea typeface="아리따-돋움(TTF)-Light" panose="02020603020101020101" pitchFamily="18" charset="-127"/>
-              <a:cs typeface="Times New Roman" panose="02020603050405020304" pitchFamily="18" charset="0"/>
-            </a:endParaRPr>
-          </a:p>
-        </p:txBody>
-      </p:sp>
-      <p:sp>
-        <p:nvSpPr>
-          <p:cNvPr id="11" name="직사각형 10">
-            <a:extLst>
-              <a:ext uri="{FF2B5EF4-FFF2-40B4-BE49-F238E27FC236}">
-                <a16:creationId xmlns:a16="http://schemas.microsoft.com/office/drawing/2014/main" id="{5AFC9BB8-0ED3-47C7-AE39-1ED4DCEFB510}"/>
-              </a:ext>
-            </a:extLst>
-          </p:cNvPr>
-          <p:cNvSpPr/>
-          <p:nvPr/>
-        </p:nvSpPr>
-        <p:spPr>
-          <a:xfrm>
-            <a:off x="6862565" y="3678747"/>
-            <a:ext cx="4873375" cy="1036502"/>
-          </a:xfrm>
-          <a:prstGeom prst="rect">
-            <a:avLst/>
-          </a:prstGeom>
-        </p:spPr>
-        <p:txBody>
-          <a:bodyPr wrap="square">
-            <a:spAutoFit/>
-          </a:bodyPr>
-          <a:lstStyle/>
-          <a:p>
-            <a:pPr algn="just">
-              <a:lnSpc>
-                <a:spcPct val="107000"/>
-              </a:lnSpc>
-              <a:spcAft>
-                <a:spcPts val="800"/>
-              </a:spcAft>
-            </a:pPr>
-            <a:r>
-              <a:rPr lang="en-US" altLang="ko-KR" kern="100" dirty="0">
-                <a:ln>
-                  <a:solidFill>
-                    <a:srgbClr val="1E803F">
-                      <a:alpha val="0"/>
-                    </a:srgbClr>
-                  </a:solidFill>
-                </a:ln>
-                <a:latin typeface="아리따-돋움(TTF)-Light" panose="02020603020101020101" pitchFamily="18" charset="-127"/>
-                <a:ea typeface="아리따-돋움(TTF)-Light" panose="02020603020101020101" pitchFamily="18" charset="-127"/>
-                <a:cs typeface="Times New Roman" panose="02020603050405020304" pitchFamily="18" charset="0"/>
-              </a:rPr>
-              <a:t>(1) </a:t>
-            </a:r>
-            <a:r>
-              <a:rPr lang="ko-KR" altLang="en-US" kern="100" dirty="0">
-                <a:ln>
-                  <a:solidFill>
-                    <a:srgbClr val="1E803F">
-                      <a:alpha val="0"/>
-                    </a:srgbClr>
-                  </a:solidFill>
-                </a:ln>
-                <a:latin typeface="아리따-돋움(TTF)-Light" panose="02020603020101020101" pitchFamily="18" charset="-127"/>
-                <a:ea typeface="아리따-돋움(TTF)-Light" panose="02020603020101020101" pitchFamily="18" charset="-127"/>
-                <a:cs typeface="Times New Roman" panose="02020603050405020304" pitchFamily="18" charset="0"/>
-              </a:rPr>
-              <a:t>글</a:t>
-            </a:r>
-            <a:endParaRPr lang="ko-KR" altLang="ko-KR" kern="100" dirty="0">
-              <a:ln>
-                <a:solidFill>
-                  <a:srgbClr val="1E803F">
-                    <a:alpha val="0"/>
-                  </a:srgbClr>
-                </a:solidFill>
-              </a:ln>
-              <a:latin typeface="아리따-돋움(TTF)-Light" panose="02020603020101020101" pitchFamily="18" charset="-127"/>
-              <a:ea typeface="아리따-돋움(TTF)-Light" panose="02020603020101020101" pitchFamily="18" charset="-127"/>
-              <a:cs typeface="Times New Roman" panose="02020603050405020304" pitchFamily="18" charset="0"/>
-            </a:endParaRPr>
-          </a:p>
-          <a:p>
-            <a:pPr marL="342900" indent="-342900" algn="just">
-              <a:lnSpc>
-                <a:spcPct val="107000"/>
-              </a:lnSpc>
-              <a:spcAft>
-                <a:spcPts val="800"/>
-              </a:spcAft>
-              <a:buAutoNum type="arabicParenR"/>
-            </a:pPr>
-            <a:r>
-              <a:rPr lang="ko-KR" altLang="en-US" sz="1400" kern="100" dirty="0">
-                <a:ln>
-                  <a:solidFill>
-                    <a:srgbClr val="1E803F">
-                      <a:alpha val="0"/>
-                    </a:srgbClr>
-                  </a:solidFill>
-                </a:ln>
-                <a:latin typeface="아리따-돋움(TTF)-Light" panose="02020603020101020101" pitchFamily="18" charset="-127"/>
-                <a:ea typeface="아리따-돋움(TTF)-Light" panose="02020603020101020101" pitchFamily="18" charset="-127"/>
-                <a:cs typeface="Times New Roman" panose="02020603050405020304" pitchFamily="18" charset="0"/>
-              </a:rPr>
-              <a:t>글</a:t>
-            </a:r>
-            <a:endParaRPr lang="en-US" altLang="ko-KR" sz="1400" kern="100" dirty="0">
-              <a:ln>
-                <a:solidFill>
-                  <a:srgbClr val="1E803F">
-                    <a:alpha val="0"/>
-                  </a:srgbClr>
-                </a:solidFill>
-              </a:ln>
-              <a:latin typeface="아리따-돋움(TTF)-Light" panose="02020603020101020101" pitchFamily="18" charset="-127"/>
-              <a:ea typeface="아리따-돋움(TTF)-Light" panose="02020603020101020101" pitchFamily="18" charset="-127"/>
-              <a:cs typeface="Times New Roman" panose="02020603050405020304" pitchFamily="18" charset="0"/>
-            </a:endParaRPr>
-          </a:p>
-          <a:p>
-            <a:pPr marL="342900" indent="-342900" algn="just">
-              <a:lnSpc>
-                <a:spcPct val="107000"/>
-              </a:lnSpc>
-              <a:spcAft>
-                <a:spcPts val="800"/>
-              </a:spcAft>
-              <a:buAutoNum type="arabicParenR"/>
-            </a:pPr>
-            <a:r>
-              <a:rPr lang="ko-KR" altLang="en-US" sz="1400" kern="100" dirty="0">
-                <a:ln>
-                  <a:solidFill>
-                    <a:srgbClr val="1E803F">
-                      <a:alpha val="0"/>
-                    </a:srgbClr>
-                  </a:solidFill>
-                </a:ln>
-                <a:latin typeface="아리따-돋움(TTF)-Light" panose="02020603020101020101" pitchFamily="18" charset="-127"/>
-                <a:ea typeface="아리따-돋움(TTF)-Light" panose="02020603020101020101" pitchFamily="18" charset="-127"/>
-                <a:cs typeface="Times New Roman" panose="02020603050405020304" pitchFamily="18" charset="0"/>
-              </a:rPr>
-              <a:t>글</a:t>
-            </a:r>
-            <a:endParaRPr lang="en-US" altLang="ko-KR" sz="1400" kern="100" dirty="0">
-              <a:ln>
-                <a:solidFill>
-                  <a:srgbClr val="1E803F">
-                    <a:alpha val="0"/>
-                  </a:srgbClr>
-                </a:solidFill>
-              </a:ln>
-              <a:latin typeface="아리따-돋움(TTF)-Light" panose="02020603020101020101" pitchFamily="18" charset="-127"/>
-              <a:ea typeface="아리따-돋움(TTF)-Light" panose="02020603020101020101" pitchFamily="18" charset="-127"/>
-              <a:cs typeface="Times New Roman" panose="02020603050405020304" pitchFamily="18" charset="0"/>
-            </a:endParaRPr>
-          </a:p>
-        </p:txBody>
-      </p:sp>
-      <p:cxnSp>
-        <p:nvCxnSpPr>
-          <p:cNvPr id="12" name="직선 연결선 11">
-            <a:extLst>
-              <a:ext uri="{FF2B5EF4-FFF2-40B4-BE49-F238E27FC236}">
-                <a16:creationId xmlns:a16="http://schemas.microsoft.com/office/drawing/2014/main" id="{CCAB9C50-DF0E-4566-B226-72E2DA13471E}"/>
-              </a:ext>
-            </a:extLst>
-          </p:cNvPr>
-          <p:cNvCxnSpPr/>
-          <p:nvPr/>
-        </p:nvCxnSpPr>
-        <p:spPr>
-          <a:xfrm>
-            <a:off x="6750121" y="1914251"/>
-            <a:ext cx="0" cy="4113902"/>
-          </a:xfrm>
-          <a:prstGeom prst="line">
-            <a:avLst/>
-          </a:prstGeom>
-          <a:ln>
-            <a:solidFill>
-              <a:srgbClr val="355A96"/>
-            </a:solidFill>
-          </a:ln>
-        </p:spPr>
-        <p:style>
-          <a:lnRef idx="1">
-            <a:schemeClr val="accent1"/>
-          </a:lnRef>
-          <a:fillRef idx="0">
-            <a:schemeClr val="accent1"/>
-          </a:fillRef>
-          <a:effectRef idx="0">
-            <a:schemeClr val="accent1"/>
-          </a:effectRef>
-          <a:fontRef idx="minor">
-            <a:schemeClr val="tx1"/>
-          </a:fontRef>
-        </p:style>
-      </p:cxnSp>
-      <p:cxnSp>
-        <p:nvCxnSpPr>
-          <p:cNvPr id="13" name="직선 연결선 12">
-            <a:extLst>
-              <a:ext uri="{FF2B5EF4-FFF2-40B4-BE49-F238E27FC236}">
-                <a16:creationId xmlns:a16="http://schemas.microsoft.com/office/drawing/2014/main" id="{18367708-4712-42B5-9FD3-B5E0EA47162E}"/>
-              </a:ext>
-            </a:extLst>
-          </p:cNvPr>
-          <p:cNvCxnSpPr/>
-          <p:nvPr/>
-        </p:nvCxnSpPr>
-        <p:spPr>
-          <a:xfrm>
-            <a:off x="11484795" y="1900720"/>
-            <a:ext cx="0" cy="4113902"/>
-          </a:xfrm>
-          <a:prstGeom prst="line">
-            <a:avLst/>
-          </a:prstGeom>
-          <a:ln>
-            <a:solidFill>
-              <a:srgbClr val="355A96"/>
-            </a:solidFill>
-          </a:ln>
-        </p:spPr>
-        <p:style>
-          <a:lnRef idx="1">
-            <a:schemeClr val="accent1"/>
-          </a:lnRef>
-          <a:fillRef idx="0">
-            <a:schemeClr val="accent1"/>
-          </a:fillRef>
-          <a:effectRef idx="0">
-            <a:schemeClr val="accent1"/>
-          </a:effectRef>
-          <a:fontRef idx="minor">
-            <a:schemeClr val="tx1"/>
-          </a:fontRef>
-        </p:style>
-      </p:cxnSp>
-      <p:sp>
-        <p:nvSpPr>
-          <p:cNvPr id="14" name="직사각형 13">
-            <a:extLst>
-              <a:ext uri="{FF2B5EF4-FFF2-40B4-BE49-F238E27FC236}">
-                <a16:creationId xmlns:a16="http://schemas.microsoft.com/office/drawing/2014/main" id="{A8FF912E-274C-4B40-B943-17CC62A5A849}"/>
-              </a:ext>
-            </a:extLst>
-          </p:cNvPr>
-          <p:cNvSpPr/>
-          <p:nvPr/>
-        </p:nvSpPr>
-        <p:spPr>
-          <a:xfrm>
-            <a:off x="6862565" y="4967048"/>
-            <a:ext cx="4873375" cy="703398"/>
-          </a:xfrm>
-          <a:prstGeom prst="rect">
-            <a:avLst/>
-          </a:prstGeom>
-        </p:spPr>
-        <p:txBody>
-          <a:bodyPr wrap="square">
-            <a:spAutoFit/>
-          </a:bodyPr>
-          <a:lstStyle/>
-          <a:p>
-            <a:pPr algn="just">
-              <a:lnSpc>
-                <a:spcPct val="107000"/>
-              </a:lnSpc>
-              <a:spcAft>
-                <a:spcPts val="800"/>
-              </a:spcAft>
-            </a:pPr>
-            <a:r>
-              <a:rPr lang="en-US" altLang="ko-KR" kern="100" dirty="0">
-                <a:ln>
-                  <a:solidFill>
-                    <a:srgbClr val="1E803F">
-                      <a:alpha val="0"/>
-                    </a:srgbClr>
-                  </a:solidFill>
-                </a:ln>
-                <a:latin typeface="아리따-돋움(TTF)-Light" panose="02020603020101020101" pitchFamily="18" charset="-127"/>
-                <a:ea typeface="아리따-돋움(TTF)-Light" panose="02020603020101020101" pitchFamily="18" charset="-127"/>
-                <a:cs typeface="Times New Roman" panose="02020603050405020304" pitchFamily="18" charset="0"/>
-              </a:rPr>
-              <a:t>(1) </a:t>
-            </a:r>
-            <a:r>
-              <a:rPr lang="ko-KR" altLang="en-US" kern="100" dirty="0">
-                <a:ln>
-                  <a:solidFill>
-                    <a:srgbClr val="1E803F">
-                      <a:alpha val="0"/>
-                    </a:srgbClr>
-                  </a:solidFill>
-                </a:ln>
-                <a:latin typeface="아리따-돋움(TTF)-Light" panose="02020603020101020101" pitchFamily="18" charset="-127"/>
-                <a:ea typeface="아리따-돋움(TTF)-Light" panose="02020603020101020101" pitchFamily="18" charset="-127"/>
-                <a:cs typeface="Times New Roman" panose="02020603050405020304" pitchFamily="18" charset="0"/>
-              </a:rPr>
-              <a:t>글</a:t>
-            </a:r>
-            <a:endParaRPr lang="ko-KR" altLang="ko-KR" kern="100" dirty="0">
-              <a:ln>
-                <a:solidFill>
-                  <a:srgbClr val="1E803F">
-                    <a:alpha val="0"/>
-                  </a:srgbClr>
-                </a:solidFill>
-              </a:ln>
-              <a:latin typeface="아리따-돋움(TTF)-Light" panose="02020603020101020101" pitchFamily="18" charset="-127"/>
-              <a:ea typeface="아리따-돋움(TTF)-Light" panose="02020603020101020101" pitchFamily="18" charset="-127"/>
-              <a:cs typeface="Times New Roman" panose="02020603050405020304" pitchFamily="18" charset="0"/>
-            </a:endParaRPr>
-          </a:p>
-          <a:p>
-            <a:pPr algn="just">
-              <a:lnSpc>
-                <a:spcPct val="107000"/>
-              </a:lnSpc>
-              <a:spcAft>
-                <a:spcPts val="800"/>
-              </a:spcAft>
-            </a:pPr>
-            <a:r>
-              <a:rPr lang="en-US" altLang="ko-KR" sz="1400" kern="100" dirty="0">
-                <a:ln>
-                  <a:solidFill>
-                    <a:srgbClr val="1E803F">
-                      <a:alpha val="0"/>
-                    </a:srgbClr>
-                  </a:solidFill>
-                </a:ln>
-                <a:latin typeface="아리따-돋움(TTF)-Light" panose="02020603020101020101" pitchFamily="18" charset="-127"/>
-                <a:ea typeface="아리따-돋움(TTF)-Light" panose="02020603020101020101" pitchFamily="18" charset="-127"/>
-                <a:cs typeface="Times New Roman" panose="02020603050405020304" pitchFamily="18" charset="0"/>
-              </a:rPr>
-              <a:t>1) </a:t>
-            </a:r>
-            <a:r>
-              <a:rPr lang="ko-KR" altLang="en-US" sz="1400" kern="100" dirty="0">
-                <a:ln>
-                  <a:solidFill>
-                    <a:srgbClr val="1E803F">
-                      <a:alpha val="0"/>
-                    </a:srgbClr>
-                  </a:solidFill>
-                </a:ln>
-                <a:latin typeface="아리따-돋움(TTF)-Light" panose="02020603020101020101" pitchFamily="18" charset="-127"/>
-                <a:ea typeface="아리따-돋움(TTF)-Light" panose="02020603020101020101" pitchFamily="18" charset="-127"/>
-                <a:cs typeface="Times New Roman" panose="02020603050405020304" pitchFamily="18" charset="0"/>
-              </a:rPr>
-              <a:t>글</a:t>
-            </a:r>
-            <a:r>
-              <a:rPr lang="en-US" altLang="ko-KR" sz="1400" kern="100" dirty="0">
-                <a:ln>
-                  <a:solidFill>
-                    <a:srgbClr val="1E803F">
-                      <a:alpha val="0"/>
-                    </a:srgbClr>
-                  </a:solidFill>
-                </a:ln>
-                <a:latin typeface="아리따-돋움(TTF)-Light" panose="02020603020101020101" pitchFamily="18" charset="-127"/>
-                <a:ea typeface="아리따-돋움(TTF)-Light" panose="02020603020101020101" pitchFamily="18" charset="-127"/>
-                <a:cs typeface="Times New Roman" panose="02020603050405020304" pitchFamily="18" charset="0"/>
-              </a:rPr>
-              <a:t>.</a:t>
-            </a:r>
-          </a:p>
-        </p:txBody>
-      </p:sp>
-      <p:sp>
-        <p:nvSpPr>
-          <p:cNvPr id="16" name="직사각형 15">
-            <a:extLst>
-              <a:ext uri="{FF2B5EF4-FFF2-40B4-BE49-F238E27FC236}">
-                <a16:creationId xmlns:a16="http://schemas.microsoft.com/office/drawing/2014/main" id="{0E9DA1DA-45E8-4BEB-BEE6-85B2C5D2E03D}"/>
-              </a:ext>
-            </a:extLst>
-          </p:cNvPr>
-          <p:cNvSpPr/>
-          <p:nvPr/>
-        </p:nvSpPr>
-        <p:spPr>
-          <a:xfrm>
-            <a:off x="91440" y="478720"/>
-            <a:ext cx="3474720" cy="646331"/>
-          </a:xfrm>
-          <a:prstGeom prst="rect">
-            <a:avLst/>
-          </a:prstGeom>
-        </p:spPr>
-        <p:txBody>
-          <a:bodyPr wrap="square">
-            <a:spAutoFit/>
-          </a:bodyPr>
-          <a:lstStyle/>
-          <a:p>
-            <a:r>
-              <a:rPr lang="en-US" altLang="ko-KR" sz="3600" dirty="0">
-                <a:ln>
-                  <a:solidFill>
-                    <a:schemeClr val="bg1">
-                      <a:alpha val="0"/>
-                    </a:schemeClr>
-                  </a:solidFill>
-                </a:ln>
-                <a:solidFill>
-                  <a:srgbClr val="355A96"/>
-                </a:solidFill>
-                <a:latin typeface="아리따-돋움(TTF)-Light" panose="02020603020101020101" pitchFamily="18" charset="-127"/>
-                <a:ea typeface="아리따-돋움(TTF)-Light" panose="02020603020101020101" pitchFamily="18" charset="-127"/>
-              </a:rPr>
-              <a:t>Model</a:t>
-            </a:r>
-            <a:endParaRPr lang="ko-KR" altLang="en-US" sz="3600" dirty="0">
-              <a:ln>
-                <a:solidFill>
-                  <a:schemeClr val="bg1">
-                    <a:alpha val="0"/>
-                  </a:schemeClr>
-                </a:solidFill>
-              </a:ln>
-              <a:solidFill>
-                <a:srgbClr val="355A96"/>
-              </a:solidFill>
-              <a:latin typeface="아리따-돋움(TTF)-Light" panose="02020603020101020101" pitchFamily="18" charset="-127"/>
-              <a:ea typeface="아리따-돋움(TTF)-Light" panose="02020603020101020101" pitchFamily="18" charset="-127"/>
-            </a:endParaRPr>
-          </a:p>
-        </p:txBody>
-      </p:sp>
-    </p:spTree>
-    <p:extLst>
-      <p:ext uri="{BB962C8B-B14F-4D97-AF65-F5344CB8AC3E}">
-        <p14:creationId xmlns:p14="http://schemas.microsoft.com/office/powerpoint/2010/main" val="3207463491"/>
-      </p:ext>
-    </p:extLst>
-  </p:cSld>
-  <p:clrMapOvr>
-    <a:masterClrMapping/>
-  </p:clrMapOvr>
-</p:sld>
-</file>
-
-<file path=ppt/slides/slide14.xml><?xml version="1.0" encoding="utf-8"?>
-<p:sld xmlns:a="http://schemas.openxmlformats.org/drawingml/2006/main" xmlns:r="http://schemas.openxmlformats.org/officeDocument/2006/relationships" xmlns:p="http://schemas.openxmlformats.org/presentationml/2006/main">
-  <p:cSld>
-    <p:spTree>
-      <p:nvGrpSpPr>
-        <p:cNvPr id="1" name=""/>
-        <p:cNvGrpSpPr/>
-        <p:nvPr/>
-      </p:nvGrpSpPr>
-      <p:grpSpPr>
-        <a:xfrm>
-          <a:off x="0" y="0"/>
-          <a:ext cx="0" cy="0"/>
-          <a:chOff x="0" y="0"/>
-          <a:chExt cx="0" cy="0"/>
-        </a:xfrm>
-      </p:grpSpPr>
-      <p:sp>
-        <p:nvSpPr>
-          <p:cNvPr id="28" name="TextBox 27">
-            <a:extLst>
-              <a:ext uri="{FF2B5EF4-FFF2-40B4-BE49-F238E27FC236}">
-                <a16:creationId xmlns:a16="http://schemas.microsoft.com/office/drawing/2014/main" id="{705574F8-F920-45A1-960F-564DA8F31D88}"/>
-              </a:ext>
-            </a:extLst>
-          </p:cNvPr>
-          <p:cNvSpPr txBox="1"/>
-          <p:nvPr/>
-        </p:nvSpPr>
-        <p:spPr>
-          <a:xfrm>
-            <a:off x="42848" y="294263"/>
-            <a:ext cx="1758815" cy="307777"/>
-          </a:xfrm>
-          <a:prstGeom prst="rect">
-            <a:avLst/>
-          </a:prstGeom>
-          <a:solidFill>
-            <a:srgbClr val="355A96"/>
-          </a:solidFill>
-        </p:spPr>
-        <p:txBody>
-          <a:bodyPr wrap="none" rtlCol="0">
-            <a:spAutoFit/>
-          </a:bodyPr>
-          <a:lstStyle/>
-          <a:p>
-            <a:r>
-              <a:rPr lang="en-US" altLang="ko-KR" sz="1400" b="1" dirty="0">
-                <a:ln>
-                  <a:solidFill>
-                    <a:schemeClr val="accent1">
-                      <a:shade val="50000"/>
-                      <a:alpha val="0"/>
-                    </a:schemeClr>
-                  </a:solidFill>
-                </a:ln>
-                <a:solidFill>
-                  <a:schemeClr val="bg1"/>
-                </a:solidFill>
-                <a:latin typeface="KoPub돋움체 Bold" panose="02020603020101020101" pitchFamily="18" charset="-127"/>
-                <a:ea typeface="KoPub돋움체 Bold" panose="02020603020101020101" pitchFamily="18" charset="-127"/>
-              </a:rPr>
-              <a:t>3. Implementation</a:t>
-            </a:r>
-            <a:endParaRPr lang="ko-KR" altLang="en-US" sz="1600" b="1" dirty="0">
-              <a:ln>
-                <a:solidFill>
-                  <a:schemeClr val="accent1">
-                    <a:shade val="50000"/>
-                    <a:alpha val="0"/>
-                  </a:schemeClr>
-                </a:solidFill>
-              </a:ln>
-              <a:solidFill>
-                <a:schemeClr val="bg1"/>
-              </a:solidFill>
-              <a:latin typeface="KoPub돋움체 Bold" panose="02020603020101020101" pitchFamily="18" charset="-127"/>
-              <a:ea typeface="KoPub돋움체 Bold" panose="02020603020101020101" pitchFamily="18" charset="-127"/>
-            </a:endParaRPr>
-          </a:p>
-        </p:txBody>
-      </p:sp>
-      <p:sp>
-        <p:nvSpPr>
           <p:cNvPr id="26" name="직사각형 25">
             <a:extLst>
               <a:ext uri="{FF2B5EF4-FFF2-40B4-BE49-F238E27FC236}">
-                <a16:creationId xmlns:a16="http://schemas.microsoft.com/office/drawing/2014/main" id="{CAED0D3B-67FA-40A0-9C7E-75489BBC7DD1}"/>
+                <a16:creationId xmlns="" xmlns:a16="http://schemas.microsoft.com/office/drawing/2014/main" id="{CAED0D3B-67FA-40A0-9C7E-75489BBC7DD1}"/>
               </a:ext>
             </a:extLst>
           </p:cNvPr>
@@ -7813,7 +7063,7 @@
           <p:cNvPr id="27" name="직사각형 26">
             <a:extLst>
               <a:ext uri="{FF2B5EF4-FFF2-40B4-BE49-F238E27FC236}">
-                <a16:creationId xmlns:a16="http://schemas.microsoft.com/office/drawing/2014/main" id="{B0CD3A08-B9C1-45B8-BE30-AA97B8BD968C}"/>
+                <a16:creationId xmlns="" xmlns:a16="http://schemas.microsoft.com/office/drawing/2014/main" id="{B0CD3A08-B9C1-45B8-BE30-AA97B8BD968C}"/>
               </a:ext>
             </a:extLst>
           </p:cNvPr>
@@ -7868,7 +7118,7 @@
           <p:cNvPr id="16" name="직사각형 15">
             <a:extLst>
               <a:ext uri="{FF2B5EF4-FFF2-40B4-BE49-F238E27FC236}">
-                <a16:creationId xmlns:a16="http://schemas.microsoft.com/office/drawing/2014/main" id="{23631734-654A-4EE2-B918-D2E215587F07}"/>
+                <a16:creationId xmlns="" xmlns:a16="http://schemas.microsoft.com/office/drawing/2014/main" id="{23631734-654A-4EE2-B918-D2E215587F07}"/>
               </a:ext>
             </a:extLst>
           </p:cNvPr>
@@ -7878,7 +7128,7 @@
         <p:spPr>
           <a:xfrm>
             <a:off x="91440" y="478720"/>
-            <a:ext cx="5047488" cy="646331"/>
+            <a:ext cx="3474720" cy="646331"/>
           </a:xfrm>
           <a:prstGeom prst="rect">
             <a:avLst/>
@@ -7905,7 +7155,7 @@
                 <a:latin typeface="아리따-돋움(TTF)-Light" panose="02020603020101020101" pitchFamily="18" charset="-127"/>
                 <a:ea typeface="아리따-돋움(TTF)-Light" panose="02020603020101020101" pitchFamily="18" charset="-127"/>
               </a:rPr>
-              <a:t>Performance Measure</a:t>
+              <a:t>Model</a:t>
             </a:r>
             <a:endParaRPr lang="ko-KR" altLang="en-US" sz="3600" dirty="0">
               <a:ln>
@@ -7929,7 +7179,7 @@
           <p:cNvPr id="25" name="직사각형 24">
             <a:extLst>
               <a:ext uri="{FF2B5EF4-FFF2-40B4-BE49-F238E27FC236}">
-                <a16:creationId xmlns:a16="http://schemas.microsoft.com/office/drawing/2014/main" id="{24B9253A-E9D5-465C-BDFC-C38EF3FFBE16}"/>
+                <a16:creationId xmlns="" xmlns:a16="http://schemas.microsoft.com/office/drawing/2014/main" id="{24B9253A-E9D5-465C-BDFC-C38EF3FFBE16}"/>
               </a:ext>
             </a:extLst>
           </p:cNvPr>
@@ -7981,7 +7231,7 @@
           <p:cNvPr id="32" name="직사각형 31">
             <a:extLst>
               <a:ext uri="{FF2B5EF4-FFF2-40B4-BE49-F238E27FC236}">
-                <a16:creationId xmlns:a16="http://schemas.microsoft.com/office/drawing/2014/main" id="{7A4B3E85-56EC-4834-8E84-99BF1BD50415}"/>
+                <a16:creationId xmlns="" xmlns:a16="http://schemas.microsoft.com/office/drawing/2014/main" id="{7A4B3E85-56EC-4834-8E84-99BF1BD50415}"/>
               </a:ext>
             </a:extLst>
           </p:cNvPr>
@@ -8028,10 +7278,65 @@
           </a:p>
         </p:txBody>
       </p:sp>
+      <p:sp>
+        <p:nvSpPr>
+          <p:cNvPr id="8" name="직사각형 7">
+            <a:extLst>
+              <a:ext uri="{FF2B5EF4-FFF2-40B4-BE49-F238E27FC236}">
+                <a16:creationId xmlns="" xmlns:a16="http://schemas.microsoft.com/office/drawing/2014/main" id="{D703A7DB-BACB-4AF0-B8CF-8C852EC45FE9}"/>
+              </a:ext>
+            </a:extLst>
+          </p:cNvPr>
+          <p:cNvSpPr/>
+          <p:nvPr/>
+        </p:nvSpPr>
+        <p:spPr>
+          <a:xfrm>
+            <a:off x="-91440" y="104118"/>
+            <a:ext cx="182880" cy="688065"/>
+          </a:xfrm>
+          <a:prstGeom prst="rect">
+            <a:avLst/>
+          </a:prstGeom>
+          <a:solidFill>
+            <a:schemeClr val="accent1">
+              <a:lumMod val="40000"/>
+              <a:lumOff val="60000"/>
+            </a:schemeClr>
+          </a:solidFill>
+          <a:ln>
+            <a:noFill/>
+          </a:ln>
+        </p:spPr>
+        <p:style>
+          <a:lnRef idx="2">
+            <a:schemeClr val="accent1">
+              <a:shade val="50000"/>
+            </a:schemeClr>
+          </a:lnRef>
+          <a:fillRef idx="1">
+            <a:schemeClr val="accent1"/>
+          </a:fillRef>
+          <a:effectRef idx="0">
+            <a:schemeClr val="accent1"/>
+          </a:effectRef>
+          <a:fontRef idx="minor">
+            <a:schemeClr val="lt1"/>
+          </a:fontRef>
+        </p:style>
+        <p:txBody>
+          <a:bodyPr rtlCol="0" anchor="ctr"/>
+          <a:lstStyle/>
+          <a:p>
+            <a:pPr algn="ctr"/>
+            <a:endParaRPr lang="ko-KR" altLang="en-US"/>
+          </a:p>
+        </p:txBody>
+      </p:sp>
     </p:spTree>
     <p:extLst>
       <p:ext uri="{BB962C8B-B14F-4D97-AF65-F5344CB8AC3E}">
-        <p14:creationId xmlns:p14="http://schemas.microsoft.com/office/powerpoint/2010/main" val="2204050425"/>
+        <p14:creationId xmlns:p14="http://schemas.microsoft.com/office/powerpoint/2010/main" val="1242108772"/>
       </p:ext>
     </p:extLst>
   </p:cSld>
@@ -8041,7 +7346,7 @@
 </p:sld>
 </file>
 
-<file path=ppt/slides/slide15.xml><?xml version="1.0" encoding="utf-8"?>
+<file path=ppt/slides/slide14.xml><?xml version="1.0" encoding="utf-8"?>
 <p:sld xmlns:a="http://schemas.openxmlformats.org/drawingml/2006/main" xmlns:r="http://schemas.openxmlformats.org/officeDocument/2006/relationships" xmlns:p="http://schemas.openxmlformats.org/presentationml/2006/main">
   <p:cSld>
     <p:spTree>
@@ -8063,7 +7368,7 @@
           <p:cNvPr id="15" name="TextBox 14">
             <a:extLst>
               <a:ext uri="{FF2B5EF4-FFF2-40B4-BE49-F238E27FC236}">
-                <a16:creationId xmlns:a16="http://schemas.microsoft.com/office/drawing/2014/main" id="{B76B29C2-EB3F-40FE-9908-8B93E4235B78}"/>
+                <a16:creationId xmlns="" xmlns:a16="http://schemas.microsoft.com/office/drawing/2014/main" id="{B76B29C2-EB3F-40FE-9908-8B93E4235B78}"/>
               </a:ext>
             </a:extLst>
           </p:cNvPr>
@@ -8129,7 +7434,7 @@
           <p:cNvPr id="5" name="직사각형 4">
             <a:extLst>
               <a:ext uri="{FF2B5EF4-FFF2-40B4-BE49-F238E27FC236}">
-                <a16:creationId xmlns:a16="http://schemas.microsoft.com/office/drawing/2014/main" id="{48D06F82-12DC-4727-955A-17DFA6422558}"/>
+                <a16:creationId xmlns="" xmlns:a16="http://schemas.microsoft.com/office/drawing/2014/main" id="{48D06F82-12DC-4727-955A-17DFA6422558}"/>
               </a:ext>
             </a:extLst>
           </p:cNvPr>
@@ -8181,7 +7486,7 @@
           <p:cNvPr id="7" name="직사각형 6">
             <a:extLst>
               <a:ext uri="{FF2B5EF4-FFF2-40B4-BE49-F238E27FC236}">
-                <a16:creationId xmlns:a16="http://schemas.microsoft.com/office/drawing/2014/main" id="{ABF26904-18C6-4777-B07D-99A5D2F8A480}"/>
+                <a16:creationId xmlns="" xmlns:a16="http://schemas.microsoft.com/office/drawing/2014/main" id="{ABF26904-18C6-4777-B07D-99A5D2F8A480}"/>
               </a:ext>
             </a:extLst>
           </p:cNvPr>
@@ -8222,7 +7527,7 @@
                 <a:latin typeface="아리따-돋움(TTF)-Light" panose="02020603020101020101" pitchFamily="18" charset="-127"/>
                 <a:ea typeface="아리따-돋움(TTF)-Light" panose="02020603020101020101" pitchFamily="18" charset="-127"/>
               </a:rPr>
-              <a:t>Result</a:t>
+              <a:t>Design</a:t>
             </a:r>
             <a:endParaRPr lang="ko-KR" altLang="en-US" sz="2000" dirty="0">
               <a:ln>
@@ -8246,7 +7551,7 @@
           <p:cNvPr id="9" name="직사각형 8">
             <a:extLst>
               <a:ext uri="{FF2B5EF4-FFF2-40B4-BE49-F238E27FC236}">
-                <a16:creationId xmlns:a16="http://schemas.microsoft.com/office/drawing/2014/main" id="{0C4F22D3-C0F5-4B15-9131-96EC36C26B07}"/>
+                <a16:creationId xmlns="" xmlns:a16="http://schemas.microsoft.com/office/drawing/2014/main" id="{0C4F22D3-C0F5-4B15-9131-96EC36C26B07}"/>
               </a:ext>
             </a:extLst>
           </p:cNvPr>
@@ -8381,7 +7686,7 @@
           <p:cNvPr id="10" name="직사각형 9">
             <a:extLst>
               <a:ext uri="{FF2B5EF4-FFF2-40B4-BE49-F238E27FC236}">
-                <a16:creationId xmlns:a16="http://schemas.microsoft.com/office/drawing/2014/main" id="{ADAAAE89-1FD9-410C-A21F-D01B346F6A93}"/>
+                <a16:creationId xmlns="" xmlns:a16="http://schemas.microsoft.com/office/drawing/2014/main" id="{ADAAAE89-1FD9-410C-A21F-D01B346F6A93}"/>
               </a:ext>
             </a:extLst>
           </p:cNvPr>
@@ -8516,7 +7821,7 @@
           <p:cNvPr id="11" name="직사각형 10">
             <a:extLst>
               <a:ext uri="{FF2B5EF4-FFF2-40B4-BE49-F238E27FC236}">
-                <a16:creationId xmlns:a16="http://schemas.microsoft.com/office/drawing/2014/main" id="{5AFC9BB8-0ED3-47C7-AE39-1ED4DCEFB510}"/>
+                <a16:creationId xmlns="" xmlns:a16="http://schemas.microsoft.com/office/drawing/2014/main" id="{5AFC9BB8-0ED3-47C7-AE39-1ED4DCEFB510}"/>
               </a:ext>
             </a:extLst>
           </p:cNvPr>
@@ -8672,7 +7977,7 @@
           <p:cNvPr id="12" name="직선 연결선 11">
             <a:extLst>
               <a:ext uri="{FF2B5EF4-FFF2-40B4-BE49-F238E27FC236}">
-                <a16:creationId xmlns:a16="http://schemas.microsoft.com/office/drawing/2014/main" id="{CCAB9C50-DF0E-4566-B226-72E2DA13471E}"/>
+                <a16:creationId xmlns="" xmlns:a16="http://schemas.microsoft.com/office/drawing/2014/main" id="{CCAB9C50-DF0E-4566-B226-72E2DA13471E}"/>
               </a:ext>
             </a:extLst>
           </p:cNvPr>
@@ -8713,7 +8018,7 @@
           <p:cNvPr id="13" name="직선 연결선 12">
             <a:extLst>
               <a:ext uri="{FF2B5EF4-FFF2-40B4-BE49-F238E27FC236}">
-                <a16:creationId xmlns:a16="http://schemas.microsoft.com/office/drawing/2014/main" id="{18367708-4712-42B5-9FD3-B5E0EA47162E}"/>
+                <a16:creationId xmlns="" xmlns:a16="http://schemas.microsoft.com/office/drawing/2014/main" id="{18367708-4712-42B5-9FD3-B5E0EA47162E}"/>
               </a:ext>
             </a:extLst>
           </p:cNvPr>
@@ -8754,7 +8059,7 @@
           <p:cNvPr id="14" name="직사각형 13">
             <a:extLst>
               <a:ext uri="{FF2B5EF4-FFF2-40B4-BE49-F238E27FC236}">
-                <a16:creationId xmlns:a16="http://schemas.microsoft.com/office/drawing/2014/main" id="{A8FF912E-274C-4B40-B943-17CC62A5A849}"/>
+                <a16:creationId xmlns="" xmlns:a16="http://schemas.microsoft.com/office/drawing/2014/main" id="{A8FF912E-274C-4B40-B943-17CC62A5A849}"/>
               </a:ext>
             </a:extLst>
           </p:cNvPr>
@@ -8886,10 +8191,10 @@
       </p:sp>
       <p:sp>
         <p:nvSpPr>
-          <p:cNvPr id="17" name="직사각형 16">
-            <a:extLst>
-              <a:ext uri="{FF2B5EF4-FFF2-40B4-BE49-F238E27FC236}">
-                <a16:creationId xmlns:a16="http://schemas.microsoft.com/office/drawing/2014/main" id="{1DD0110B-7E66-46C5-8A84-C15A442DEE81}"/>
+          <p:cNvPr id="16" name="직사각형 15">
+            <a:extLst>
+              <a:ext uri="{FF2B5EF4-FFF2-40B4-BE49-F238E27FC236}">
+                <a16:creationId xmlns="" xmlns:a16="http://schemas.microsoft.com/office/drawing/2014/main" id="{0E9DA1DA-45E8-4BEB-BEE6-85B2C5D2E03D}"/>
               </a:ext>
             </a:extLst>
           </p:cNvPr>
@@ -8899,7 +8204,7 @@
         <p:spPr>
           <a:xfrm>
             <a:off x="91440" y="478720"/>
-            <a:ext cx="4956048" cy="646331"/>
+            <a:ext cx="3474720" cy="646331"/>
           </a:xfrm>
           <a:prstGeom prst="rect">
             <a:avLst/>
@@ -8926,7 +8231,7 @@
                 <a:latin typeface="아리따-돋움(TTF)-Light" panose="02020603020101020101" pitchFamily="18" charset="-127"/>
                 <a:ea typeface="아리따-돋움(TTF)-Light" panose="02020603020101020101" pitchFamily="18" charset="-127"/>
               </a:rPr>
-              <a:t>Performance Measure</a:t>
+              <a:t>Model</a:t>
             </a:r>
             <a:endParaRPr lang="ko-KR" altLang="en-US" sz="3600" dirty="0">
               <a:ln>
@@ -8945,10 +8250,1037 @@
           </a:p>
         </p:txBody>
       </p:sp>
+      <p:sp>
+        <p:nvSpPr>
+          <p:cNvPr id="17" name="직사각형 16">
+            <a:extLst>
+              <a:ext uri="{FF2B5EF4-FFF2-40B4-BE49-F238E27FC236}">
+                <a16:creationId xmlns="" xmlns:a16="http://schemas.microsoft.com/office/drawing/2014/main" id="{D703A7DB-BACB-4AF0-B8CF-8C852EC45FE9}"/>
+              </a:ext>
+            </a:extLst>
+          </p:cNvPr>
+          <p:cNvSpPr/>
+          <p:nvPr/>
+        </p:nvSpPr>
+        <p:spPr>
+          <a:xfrm>
+            <a:off x="-91440" y="104120"/>
+            <a:ext cx="182880" cy="688065"/>
+          </a:xfrm>
+          <a:prstGeom prst="rect">
+            <a:avLst/>
+          </a:prstGeom>
+          <a:solidFill>
+            <a:schemeClr val="accent1">
+              <a:lumMod val="40000"/>
+              <a:lumOff val="60000"/>
+            </a:schemeClr>
+          </a:solidFill>
+          <a:ln>
+            <a:noFill/>
+          </a:ln>
+        </p:spPr>
+        <p:style>
+          <a:lnRef idx="2">
+            <a:schemeClr val="accent1">
+              <a:shade val="50000"/>
+            </a:schemeClr>
+          </a:lnRef>
+          <a:fillRef idx="1">
+            <a:schemeClr val="accent1"/>
+          </a:fillRef>
+          <a:effectRef idx="0">
+            <a:schemeClr val="accent1"/>
+          </a:effectRef>
+          <a:fontRef idx="minor">
+            <a:schemeClr val="lt1"/>
+          </a:fontRef>
+        </p:style>
+        <p:txBody>
+          <a:bodyPr rtlCol="0" anchor="ctr"/>
+          <a:lstStyle/>
+          <a:p>
+            <a:pPr algn="ctr"/>
+            <a:endParaRPr lang="ko-KR" altLang="en-US"/>
+          </a:p>
+        </p:txBody>
+      </p:sp>
     </p:spTree>
     <p:extLst>
       <p:ext uri="{BB962C8B-B14F-4D97-AF65-F5344CB8AC3E}">
-        <p14:creationId xmlns:p14="http://schemas.microsoft.com/office/powerpoint/2010/main" val="3295285755"/>
+        <p14:creationId xmlns:p14="http://schemas.microsoft.com/office/powerpoint/2010/main" val="833367130"/>
+      </p:ext>
+    </p:extLst>
+  </p:cSld>
+  <p:clrMapOvr>
+    <a:masterClrMapping/>
+  </p:clrMapOvr>
+</p:sld>
+</file>
+
+<file path=ppt/slides/slide15.xml><?xml version="1.0" encoding="utf-8"?>
+<p:sld xmlns:a="http://schemas.openxmlformats.org/drawingml/2006/main" xmlns:r="http://schemas.openxmlformats.org/officeDocument/2006/relationships" xmlns:p="http://schemas.openxmlformats.org/presentationml/2006/main">
+  <p:cSld>
+    <p:spTree>
+      <p:nvGrpSpPr>
+        <p:cNvPr id="1" name=""/>
+        <p:cNvGrpSpPr/>
+        <p:nvPr/>
+      </p:nvGrpSpPr>
+      <p:grpSpPr>
+        <a:xfrm>
+          <a:off x="0" y="0"/>
+          <a:ext cx="0" cy="0"/>
+          <a:chOff x="0" y="0"/>
+          <a:chExt cx="0" cy="0"/>
+        </a:xfrm>
+      </p:grpSpPr>
+      <p:sp>
+        <p:nvSpPr>
+          <p:cNvPr id="15" name="TextBox 14">
+            <a:extLst>
+              <a:ext uri="{FF2B5EF4-FFF2-40B4-BE49-F238E27FC236}">
+                <a16:creationId xmlns="" xmlns:a16="http://schemas.microsoft.com/office/drawing/2014/main" id="{B76B29C2-EB3F-40FE-9908-8B93E4235B78}"/>
+              </a:ext>
+            </a:extLst>
+          </p:cNvPr>
+          <p:cNvSpPr txBox="1"/>
+          <p:nvPr/>
+        </p:nvSpPr>
+        <p:spPr>
+          <a:xfrm>
+            <a:off x="42848" y="294263"/>
+            <a:ext cx="1758815" cy="307777"/>
+          </a:xfrm>
+          <a:prstGeom prst="rect">
+            <a:avLst/>
+          </a:prstGeom>
+          <a:solidFill>
+            <a:srgbClr val="355A96"/>
+          </a:solidFill>
+        </p:spPr>
+        <p:txBody>
+          <a:bodyPr wrap="none" rtlCol="0">
+            <a:spAutoFit/>
+          </a:bodyPr>
+          <a:lstStyle/>
+          <a:p>
+            <a:r>
+              <a:rPr lang="en-US" altLang="ko-KR" sz="1400" b="1" dirty="0">
+                <a:ln>
+                  <a:solidFill>
+                    <a:schemeClr val="accent1">
+                      <a:shade val="50000"/>
+                      <a:alpha val="0"/>
+                    </a:schemeClr>
+                  </a:solidFill>
+                </a:ln>
+                <a:solidFill>
+                  <a:schemeClr val="bg1"/>
+                </a:solidFill>
+                <a:latin typeface="KoPub돋움체 Bold" panose="02020603020101020101" pitchFamily="18" charset="-127"/>
+                <a:ea typeface="KoPub돋움체 Bold" panose="02020603020101020101" pitchFamily="18" charset="-127"/>
+              </a:rPr>
+              <a:t>3. Implementation</a:t>
+            </a:r>
+            <a:endParaRPr lang="ko-KR" altLang="en-US" sz="1600" b="1" dirty="0">
+              <a:ln>
+                <a:solidFill>
+                  <a:schemeClr val="accent1">
+                    <a:shade val="50000"/>
+                    <a:alpha val="0"/>
+                  </a:schemeClr>
+                </a:solidFill>
+              </a:ln>
+              <a:solidFill>
+                <a:schemeClr val="bg1"/>
+              </a:solidFill>
+              <a:latin typeface="KoPub돋움체 Bold" panose="02020603020101020101" pitchFamily="18" charset="-127"/>
+              <a:ea typeface="KoPub돋움체 Bold" panose="02020603020101020101" pitchFamily="18" charset="-127"/>
+            </a:endParaRPr>
+          </a:p>
+        </p:txBody>
+      </p:sp>
+      <p:sp>
+        <p:nvSpPr>
+          <p:cNvPr id="5" name="직사각형 4">
+            <a:extLst>
+              <a:ext uri="{FF2B5EF4-FFF2-40B4-BE49-F238E27FC236}">
+                <a16:creationId xmlns="" xmlns:a16="http://schemas.microsoft.com/office/drawing/2014/main" id="{48D06F82-12DC-4727-955A-17DFA6422558}"/>
+              </a:ext>
+            </a:extLst>
+          </p:cNvPr>
+          <p:cNvSpPr/>
+          <p:nvPr/>
+        </p:nvSpPr>
+        <p:spPr>
+          <a:xfrm>
+            <a:off x="-91440" y="104120"/>
+            <a:ext cx="182880" cy="688065"/>
+          </a:xfrm>
+          <a:prstGeom prst="rect">
+            <a:avLst/>
+          </a:prstGeom>
+          <a:solidFill>
+            <a:schemeClr val="tx1"/>
+          </a:solidFill>
+          <a:ln>
+            <a:noFill/>
+          </a:ln>
+        </p:spPr>
+        <p:style>
+          <a:lnRef idx="2">
+            <a:schemeClr val="accent1">
+              <a:shade val="50000"/>
+            </a:schemeClr>
+          </a:lnRef>
+          <a:fillRef idx="1">
+            <a:schemeClr val="accent1"/>
+          </a:fillRef>
+          <a:effectRef idx="0">
+            <a:schemeClr val="accent1"/>
+          </a:effectRef>
+          <a:fontRef idx="minor">
+            <a:schemeClr val="lt1"/>
+          </a:fontRef>
+        </p:style>
+        <p:txBody>
+          <a:bodyPr rtlCol="0" anchor="ctr"/>
+          <a:lstStyle/>
+          <a:p>
+            <a:pPr algn="ctr"/>
+            <a:endParaRPr lang="ko-KR" altLang="en-US"/>
+          </a:p>
+        </p:txBody>
+      </p:sp>
+      <p:sp>
+        <p:nvSpPr>
+          <p:cNvPr id="7" name="직사각형 6">
+            <a:extLst>
+              <a:ext uri="{FF2B5EF4-FFF2-40B4-BE49-F238E27FC236}">
+                <a16:creationId xmlns="" xmlns:a16="http://schemas.microsoft.com/office/drawing/2014/main" id="{ABF26904-18C6-4777-B07D-99A5D2F8A480}"/>
+              </a:ext>
+            </a:extLst>
+          </p:cNvPr>
+          <p:cNvSpPr/>
+          <p:nvPr/>
+        </p:nvSpPr>
+        <p:spPr>
+          <a:xfrm>
+            <a:off x="192470" y="1501900"/>
+            <a:ext cx="2930874" cy="398820"/>
+          </a:xfrm>
+          <a:prstGeom prst="rect">
+            <a:avLst/>
+          </a:prstGeom>
+          <a:solidFill>
+            <a:srgbClr val="355A96"/>
+          </a:solidFill>
+        </p:spPr>
+        <p:txBody>
+          <a:bodyPr wrap="square">
+            <a:spAutoFit/>
+          </a:bodyPr>
+          <a:lstStyle/>
+          <a:p>
+            <a:pPr algn="ctr"/>
+            <a:r>
+              <a:rPr lang="en-US" altLang="ko-KR" sz="2000" dirty="0">
+                <a:ln>
+                  <a:solidFill>
+                    <a:schemeClr val="bg1">
+                      <a:alpha val="0"/>
+                    </a:schemeClr>
+                  </a:solidFill>
+                </a:ln>
+                <a:solidFill>
+                  <a:schemeClr val="bg1"/>
+                </a:solidFill>
+                <a:latin typeface="아리따-돋움(TTF)-Light" panose="02020603020101020101" pitchFamily="18" charset="-127"/>
+                <a:ea typeface="아리따-돋움(TTF)-Light" panose="02020603020101020101" pitchFamily="18" charset="-127"/>
+              </a:rPr>
+              <a:t>Result</a:t>
+            </a:r>
+            <a:endParaRPr lang="ko-KR" altLang="en-US" sz="2000" dirty="0">
+              <a:ln>
+                <a:solidFill>
+                  <a:schemeClr val="bg1">
+                    <a:alpha val="0"/>
+                  </a:schemeClr>
+                </a:solidFill>
+              </a:ln>
+              <a:solidFill>
+                <a:schemeClr val="bg1"/>
+              </a:solidFill>
+              <a:latin typeface="아리따-돋움(TTF)-Light" panose="02020603020101020101" pitchFamily="18" charset="-127"/>
+              <a:ea typeface="아리따-돋움(TTF)-Light" panose="02020603020101020101" pitchFamily="18" charset="-127"/>
+            </a:endParaRPr>
+          </a:p>
+        </p:txBody>
+      </p:sp>
+      <p:sp>
+        <p:nvSpPr>
+          <p:cNvPr id="9" name="직사각형 8">
+            <a:extLst>
+              <a:ext uri="{FF2B5EF4-FFF2-40B4-BE49-F238E27FC236}">
+                <a16:creationId xmlns="" xmlns:a16="http://schemas.microsoft.com/office/drawing/2014/main" id="{0C4F22D3-C0F5-4B15-9131-96EC36C26B07}"/>
+              </a:ext>
+            </a:extLst>
+          </p:cNvPr>
+          <p:cNvSpPr/>
+          <p:nvPr/>
+        </p:nvSpPr>
+        <p:spPr>
+          <a:xfrm>
+            <a:off x="6862565" y="1768353"/>
+            <a:ext cx="3951783" cy="705450"/>
+          </a:xfrm>
+          <a:prstGeom prst="rect">
+            <a:avLst/>
+          </a:prstGeom>
+        </p:spPr>
+        <p:txBody>
+          <a:bodyPr wrap="square">
+            <a:spAutoFit/>
+          </a:bodyPr>
+          <a:lstStyle/>
+          <a:p>
+            <a:pPr algn="just">
+              <a:lnSpc>
+                <a:spcPct val="107000"/>
+              </a:lnSpc>
+              <a:spcAft>
+                <a:spcPts val="800"/>
+              </a:spcAft>
+            </a:pPr>
+            <a:r>
+              <a:rPr lang="en-US" altLang="ko-KR" kern="100" dirty="0">
+                <a:ln>
+                  <a:solidFill>
+                    <a:srgbClr val="1E803F">
+                      <a:alpha val="0"/>
+                    </a:srgbClr>
+                  </a:solidFill>
+                </a:ln>
+                <a:latin typeface="아리따-돋움(TTF)-Light" panose="02020603020101020101" pitchFamily="18" charset="-127"/>
+                <a:ea typeface="아리따-돋움(TTF)-Light" panose="02020603020101020101" pitchFamily="18" charset="-127"/>
+                <a:cs typeface="Times New Roman" panose="02020603050405020304" pitchFamily="18" charset="0"/>
+              </a:rPr>
+              <a:t>(1) </a:t>
+            </a:r>
+            <a:r>
+              <a:rPr lang="ko-KR" altLang="en-US" kern="100" dirty="0">
+                <a:ln>
+                  <a:solidFill>
+                    <a:srgbClr val="1E803F">
+                      <a:alpha val="0"/>
+                    </a:srgbClr>
+                  </a:solidFill>
+                </a:ln>
+                <a:latin typeface="아리따-돋움(TTF)-Light" panose="02020603020101020101" pitchFamily="18" charset="-127"/>
+                <a:ea typeface="아리따-돋움(TTF)-Light" panose="02020603020101020101" pitchFamily="18" charset="-127"/>
+                <a:cs typeface="Times New Roman" panose="02020603050405020304" pitchFamily="18" charset="0"/>
+              </a:rPr>
+              <a:t>글</a:t>
+            </a:r>
+            <a:endParaRPr lang="ko-KR" altLang="ko-KR" kern="100" dirty="0">
+              <a:ln>
+                <a:solidFill>
+                  <a:srgbClr val="1E803F">
+                    <a:alpha val="0"/>
+                  </a:srgbClr>
+                </a:solidFill>
+              </a:ln>
+              <a:latin typeface="아리따-돋움(TTF)-Light" panose="02020603020101020101" pitchFamily="18" charset="-127"/>
+              <a:ea typeface="아리따-돋움(TTF)-Light" panose="02020603020101020101" pitchFamily="18" charset="-127"/>
+              <a:cs typeface="Times New Roman" panose="02020603050405020304" pitchFamily="18" charset="0"/>
+            </a:endParaRPr>
+          </a:p>
+          <a:p>
+            <a:pPr algn="just">
+              <a:lnSpc>
+                <a:spcPct val="107000"/>
+              </a:lnSpc>
+              <a:spcAft>
+                <a:spcPts val="800"/>
+              </a:spcAft>
+            </a:pPr>
+            <a:r>
+              <a:rPr lang="en-US" altLang="ko-KR" sz="1400" kern="100" dirty="0">
+                <a:ln>
+                  <a:solidFill>
+                    <a:srgbClr val="1E803F">
+                      <a:alpha val="0"/>
+                    </a:srgbClr>
+                  </a:solidFill>
+                </a:ln>
+                <a:latin typeface="아리따-돋움(TTF)-Light" panose="02020603020101020101" pitchFamily="18" charset="-127"/>
+                <a:ea typeface="아리따-돋움(TTF)-Light" panose="02020603020101020101" pitchFamily="18" charset="-127"/>
+                <a:cs typeface="Times New Roman" panose="02020603050405020304" pitchFamily="18" charset="0"/>
+              </a:rPr>
+              <a:t>1) </a:t>
+            </a:r>
+            <a:r>
+              <a:rPr lang="ko-KR" altLang="en-US" sz="1400" kern="100" dirty="0">
+                <a:ln>
+                  <a:solidFill>
+                    <a:srgbClr val="1E803F">
+                      <a:alpha val="0"/>
+                    </a:srgbClr>
+                  </a:solidFill>
+                </a:ln>
+                <a:latin typeface="아리따-돋움(TTF)-Light" panose="02020603020101020101" pitchFamily="18" charset="-127"/>
+                <a:ea typeface="아리따-돋움(TTF)-Light" panose="02020603020101020101" pitchFamily="18" charset="-127"/>
+                <a:cs typeface="Times New Roman" panose="02020603050405020304" pitchFamily="18" charset="0"/>
+              </a:rPr>
+              <a:t>글</a:t>
+            </a:r>
+            <a:endParaRPr lang="ko-KR" altLang="ko-KR" kern="100" dirty="0">
+              <a:ln>
+                <a:solidFill>
+                  <a:srgbClr val="1E803F">
+                    <a:alpha val="0"/>
+                  </a:srgbClr>
+                </a:solidFill>
+              </a:ln>
+              <a:solidFill>
+                <a:srgbClr val="1E803F"/>
+              </a:solidFill>
+              <a:latin typeface="아리따-돋움(TTF)-Light" panose="02020603020101020101" pitchFamily="18" charset="-127"/>
+              <a:ea typeface="아리따-돋움(TTF)-Light" panose="02020603020101020101" pitchFamily="18" charset="-127"/>
+              <a:cs typeface="Times New Roman" panose="02020603050405020304" pitchFamily="18" charset="0"/>
+            </a:endParaRPr>
+          </a:p>
+        </p:txBody>
+      </p:sp>
+      <p:sp>
+        <p:nvSpPr>
+          <p:cNvPr id="10" name="직사각형 9">
+            <a:extLst>
+              <a:ext uri="{FF2B5EF4-FFF2-40B4-BE49-F238E27FC236}">
+                <a16:creationId xmlns="" xmlns:a16="http://schemas.microsoft.com/office/drawing/2014/main" id="{ADAAAE89-1FD9-410C-A21F-D01B346F6A93}"/>
+              </a:ext>
+            </a:extLst>
+          </p:cNvPr>
+          <p:cNvSpPr/>
+          <p:nvPr/>
+        </p:nvSpPr>
+        <p:spPr>
+          <a:xfrm>
+            <a:off x="6862565" y="2723550"/>
+            <a:ext cx="3349946" cy="705450"/>
+          </a:xfrm>
+          <a:prstGeom prst="rect">
+            <a:avLst/>
+          </a:prstGeom>
+        </p:spPr>
+        <p:txBody>
+          <a:bodyPr wrap="square">
+            <a:spAutoFit/>
+          </a:bodyPr>
+          <a:lstStyle/>
+          <a:p>
+            <a:pPr algn="just">
+              <a:lnSpc>
+                <a:spcPct val="107000"/>
+              </a:lnSpc>
+              <a:spcAft>
+                <a:spcPts val="800"/>
+              </a:spcAft>
+            </a:pPr>
+            <a:r>
+              <a:rPr lang="en-US" altLang="ko-KR" kern="100" dirty="0">
+                <a:ln>
+                  <a:solidFill>
+                    <a:srgbClr val="1E803F">
+                      <a:alpha val="0"/>
+                    </a:srgbClr>
+                  </a:solidFill>
+                </a:ln>
+                <a:latin typeface="아리따-돋움(TTF)-Light" panose="02020603020101020101" pitchFamily="18" charset="-127"/>
+                <a:ea typeface="아리따-돋움(TTF)-Light" panose="02020603020101020101" pitchFamily="18" charset="-127"/>
+                <a:cs typeface="Times New Roman" panose="02020603050405020304" pitchFamily="18" charset="0"/>
+              </a:rPr>
+              <a:t>(1) </a:t>
+            </a:r>
+            <a:r>
+              <a:rPr lang="ko-KR" altLang="en-US" kern="100" dirty="0">
+                <a:ln>
+                  <a:solidFill>
+                    <a:srgbClr val="1E803F">
+                      <a:alpha val="0"/>
+                    </a:srgbClr>
+                  </a:solidFill>
+                </a:ln>
+                <a:latin typeface="아리따-돋움(TTF)-Light" panose="02020603020101020101" pitchFamily="18" charset="-127"/>
+                <a:ea typeface="아리따-돋움(TTF)-Light" panose="02020603020101020101" pitchFamily="18" charset="-127"/>
+                <a:cs typeface="Times New Roman" panose="02020603050405020304" pitchFamily="18" charset="0"/>
+              </a:rPr>
+              <a:t>글</a:t>
+            </a:r>
+            <a:endParaRPr lang="ko-KR" altLang="ko-KR" kern="100" dirty="0">
+              <a:ln>
+                <a:solidFill>
+                  <a:srgbClr val="1E803F">
+                    <a:alpha val="0"/>
+                  </a:srgbClr>
+                </a:solidFill>
+              </a:ln>
+              <a:latin typeface="아리따-돋움(TTF)-Light" panose="02020603020101020101" pitchFamily="18" charset="-127"/>
+              <a:ea typeface="아리따-돋움(TTF)-Light" panose="02020603020101020101" pitchFamily="18" charset="-127"/>
+              <a:cs typeface="Times New Roman" panose="02020603050405020304" pitchFamily="18" charset="0"/>
+            </a:endParaRPr>
+          </a:p>
+          <a:p>
+            <a:pPr algn="just">
+              <a:lnSpc>
+                <a:spcPct val="107000"/>
+              </a:lnSpc>
+              <a:spcAft>
+                <a:spcPts val="800"/>
+              </a:spcAft>
+            </a:pPr>
+            <a:r>
+              <a:rPr lang="en-US" altLang="ko-KR" sz="1400" kern="100" dirty="0">
+                <a:ln>
+                  <a:solidFill>
+                    <a:srgbClr val="1E803F">
+                      <a:alpha val="0"/>
+                    </a:srgbClr>
+                  </a:solidFill>
+                </a:ln>
+                <a:latin typeface="아리따-돋움(TTF)-Light" panose="02020603020101020101" pitchFamily="18" charset="-127"/>
+                <a:ea typeface="아리따-돋움(TTF)-Light" panose="02020603020101020101" pitchFamily="18" charset="-127"/>
+                <a:cs typeface="Times New Roman" panose="02020603050405020304" pitchFamily="18" charset="0"/>
+              </a:rPr>
+              <a:t>1) </a:t>
+            </a:r>
+            <a:r>
+              <a:rPr lang="ko-KR" altLang="en-US" sz="1400" kern="100" dirty="0">
+                <a:ln>
+                  <a:solidFill>
+                    <a:srgbClr val="1E803F">
+                      <a:alpha val="0"/>
+                    </a:srgbClr>
+                  </a:solidFill>
+                </a:ln>
+                <a:latin typeface="아리따-돋움(TTF)-Light" panose="02020603020101020101" pitchFamily="18" charset="-127"/>
+                <a:ea typeface="아리따-돋움(TTF)-Light" panose="02020603020101020101" pitchFamily="18" charset="-127"/>
+                <a:cs typeface="Times New Roman" panose="02020603050405020304" pitchFamily="18" charset="0"/>
+              </a:rPr>
+              <a:t>글</a:t>
+            </a:r>
+            <a:endParaRPr lang="ko-KR" altLang="ko-KR" kern="100" dirty="0">
+              <a:ln>
+                <a:solidFill>
+                  <a:srgbClr val="1E803F">
+                    <a:alpha val="0"/>
+                  </a:srgbClr>
+                </a:solidFill>
+              </a:ln>
+              <a:solidFill>
+                <a:srgbClr val="1E803F"/>
+              </a:solidFill>
+              <a:latin typeface="아리따-돋움(TTF)-Light" panose="02020603020101020101" pitchFamily="18" charset="-127"/>
+              <a:ea typeface="아리따-돋움(TTF)-Light" panose="02020603020101020101" pitchFamily="18" charset="-127"/>
+              <a:cs typeface="Times New Roman" panose="02020603050405020304" pitchFamily="18" charset="0"/>
+            </a:endParaRPr>
+          </a:p>
+        </p:txBody>
+      </p:sp>
+      <p:sp>
+        <p:nvSpPr>
+          <p:cNvPr id="11" name="직사각형 10">
+            <a:extLst>
+              <a:ext uri="{FF2B5EF4-FFF2-40B4-BE49-F238E27FC236}">
+                <a16:creationId xmlns="" xmlns:a16="http://schemas.microsoft.com/office/drawing/2014/main" id="{5AFC9BB8-0ED3-47C7-AE39-1ED4DCEFB510}"/>
+              </a:ext>
+            </a:extLst>
+          </p:cNvPr>
+          <p:cNvSpPr/>
+          <p:nvPr/>
+        </p:nvSpPr>
+        <p:spPr>
+          <a:xfrm>
+            <a:off x="6862565" y="3678747"/>
+            <a:ext cx="4873375" cy="1036502"/>
+          </a:xfrm>
+          <a:prstGeom prst="rect">
+            <a:avLst/>
+          </a:prstGeom>
+        </p:spPr>
+        <p:txBody>
+          <a:bodyPr wrap="square">
+            <a:spAutoFit/>
+          </a:bodyPr>
+          <a:lstStyle/>
+          <a:p>
+            <a:pPr algn="just">
+              <a:lnSpc>
+                <a:spcPct val="107000"/>
+              </a:lnSpc>
+              <a:spcAft>
+                <a:spcPts val="800"/>
+              </a:spcAft>
+            </a:pPr>
+            <a:r>
+              <a:rPr lang="en-US" altLang="ko-KR" kern="100" dirty="0">
+                <a:ln>
+                  <a:solidFill>
+                    <a:srgbClr val="1E803F">
+                      <a:alpha val="0"/>
+                    </a:srgbClr>
+                  </a:solidFill>
+                </a:ln>
+                <a:latin typeface="아리따-돋움(TTF)-Light" panose="02020603020101020101" pitchFamily="18" charset="-127"/>
+                <a:ea typeface="아리따-돋움(TTF)-Light" panose="02020603020101020101" pitchFamily="18" charset="-127"/>
+                <a:cs typeface="Times New Roman" panose="02020603050405020304" pitchFamily="18" charset="0"/>
+              </a:rPr>
+              <a:t>(1) </a:t>
+            </a:r>
+            <a:r>
+              <a:rPr lang="ko-KR" altLang="en-US" kern="100" dirty="0">
+                <a:ln>
+                  <a:solidFill>
+                    <a:srgbClr val="1E803F">
+                      <a:alpha val="0"/>
+                    </a:srgbClr>
+                  </a:solidFill>
+                </a:ln>
+                <a:latin typeface="아리따-돋움(TTF)-Light" panose="02020603020101020101" pitchFamily="18" charset="-127"/>
+                <a:ea typeface="아리따-돋움(TTF)-Light" panose="02020603020101020101" pitchFamily="18" charset="-127"/>
+                <a:cs typeface="Times New Roman" panose="02020603050405020304" pitchFamily="18" charset="0"/>
+              </a:rPr>
+              <a:t>글</a:t>
+            </a:r>
+            <a:endParaRPr lang="ko-KR" altLang="ko-KR" kern="100" dirty="0">
+              <a:ln>
+                <a:solidFill>
+                  <a:srgbClr val="1E803F">
+                    <a:alpha val="0"/>
+                  </a:srgbClr>
+                </a:solidFill>
+              </a:ln>
+              <a:latin typeface="아리따-돋움(TTF)-Light" panose="02020603020101020101" pitchFamily="18" charset="-127"/>
+              <a:ea typeface="아리따-돋움(TTF)-Light" panose="02020603020101020101" pitchFamily="18" charset="-127"/>
+              <a:cs typeface="Times New Roman" panose="02020603050405020304" pitchFamily="18" charset="0"/>
+            </a:endParaRPr>
+          </a:p>
+          <a:p>
+            <a:pPr marL="342900" indent="-342900" algn="just">
+              <a:lnSpc>
+                <a:spcPct val="107000"/>
+              </a:lnSpc>
+              <a:spcAft>
+                <a:spcPts val="800"/>
+              </a:spcAft>
+              <a:buAutoNum type="arabicParenR"/>
+            </a:pPr>
+            <a:r>
+              <a:rPr lang="ko-KR" altLang="en-US" sz="1400" kern="100" dirty="0">
+                <a:ln>
+                  <a:solidFill>
+                    <a:srgbClr val="1E803F">
+                      <a:alpha val="0"/>
+                    </a:srgbClr>
+                  </a:solidFill>
+                </a:ln>
+                <a:latin typeface="아리따-돋움(TTF)-Light" panose="02020603020101020101" pitchFamily="18" charset="-127"/>
+                <a:ea typeface="아리따-돋움(TTF)-Light" panose="02020603020101020101" pitchFamily="18" charset="-127"/>
+                <a:cs typeface="Times New Roman" panose="02020603050405020304" pitchFamily="18" charset="0"/>
+              </a:rPr>
+              <a:t>글</a:t>
+            </a:r>
+            <a:endParaRPr lang="en-US" altLang="ko-KR" sz="1400" kern="100" dirty="0">
+              <a:ln>
+                <a:solidFill>
+                  <a:srgbClr val="1E803F">
+                    <a:alpha val="0"/>
+                  </a:srgbClr>
+                </a:solidFill>
+              </a:ln>
+              <a:latin typeface="아리따-돋움(TTF)-Light" panose="02020603020101020101" pitchFamily="18" charset="-127"/>
+              <a:ea typeface="아리따-돋움(TTF)-Light" panose="02020603020101020101" pitchFamily="18" charset="-127"/>
+              <a:cs typeface="Times New Roman" panose="02020603050405020304" pitchFamily="18" charset="0"/>
+            </a:endParaRPr>
+          </a:p>
+          <a:p>
+            <a:pPr marL="342900" indent="-342900" algn="just">
+              <a:lnSpc>
+                <a:spcPct val="107000"/>
+              </a:lnSpc>
+              <a:spcAft>
+                <a:spcPts val="800"/>
+              </a:spcAft>
+              <a:buAutoNum type="arabicParenR"/>
+            </a:pPr>
+            <a:r>
+              <a:rPr lang="ko-KR" altLang="en-US" sz="1400" kern="100" dirty="0">
+                <a:ln>
+                  <a:solidFill>
+                    <a:srgbClr val="1E803F">
+                      <a:alpha val="0"/>
+                    </a:srgbClr>
+                  </a:solidFill>
+                </a:ln>
+                <a:latin typeface="아리따-돋움(TTF)-Light" panose="02020603020101020101" pitchFamily="18" charset="-127"/>
+                <a:ea typeface="아리따-돋움(TTF)-Light" panose="02020603020101020101" pitchFamily="18" charset="-127"/>
+                <a:cs typeface="Times New Roman" panose="02020603050405020304" pitchFamily="18" charset="0"/>
+              </a:rPr>
+              <a:t>글</a:t>
+            </a:r>
+            <a:endParaRPr lang="en-US" altLang="ko-KR" sz="1400" kern="100" dirty="0">
+              <a:ln>
+                <a:solidFill>
+                  <a:srgbClr val="1E803F">
+                    <a:alpha val="0"/>
+                  </a:srgbClr>
+                </a:solidFill>
+              </a:ln>
+              <a:latin typeface="아리따-돋움(TTF)-Light" panose="02020603020101020101" pitchFamily="18" charset="-127"/>
+              <a:ea typeface="아리따-돋움(TTF)-Light" panose="02020603020101020101" pitchFamily="18" charset="-127"/>
+              <a:cs typeface="Times New Roman" panose="02020603050405020304" pitchFamily="18" charset="0"/>
+            </a:endParaRPr>
+          </a:p>
+        </p:txBody>
+      </p:sp>
+      <p:cxnSp>
+        <p:nvCxnSpPr>
+          <p:cNvPr id="12" name="직선 연결선 11">
+            <a:extLst>
+              <a:ext uri="{FF2B5EF4-FFF2-40B4-BE49-F238E27FC236}">
+                <a16:creationId xmlns="" xmlns:a16="http://schemas.microsoft.com/office/drawing/2014/main" id="{CCAB9C50-DF0E-4566-B226-72E2DA13471E}"/>
+              </a:ext>
+            </a:extLst>
+          </p:cNvPr>
+          <p:cNvCxnSpPr/>
+          <p:nvPr/>
+        </p:nvCxnSpPr>
+        <p:spPr>
+          <a:xfrm>
+            <a:off x="6750121" y="1914251"/>
+            <a:ext cx="0" cy="4113902"/>
+          </a:xfrm>
+          <a:prstGeom prst="line">
+            <a:avLst/>
+          </a:prstGeom>
+          <a:ln>
+            <a:solidFill>
+              <a:srgbClr val="355A96"/>
+            </a:solidFill>
+          </a:ln>
+        </p:spPr>
+        <p:style>
+          <a:lnRef idx="1">
+            <a:schemeClr val="accent1"/>
+          </a:lnRef>
+          <a:fillRef idx="0">
+            <a:schemeClr val="accent1"/>
+          </a:fillRef>
+          <a:effectRef idx="0">
+            <a:schemeClr val="accent1"/>
+          </a:effectRef>
+          <a:fontRef idx="minor">
+            <a:schemeClr val="tx1"/>
+          </a:fontRef>
+        </p:style>
+      </p:cxnSp>
+      <p:cxnSp>
+        <p:nvCxnSpPr>
+          <p:cNvPr id="13" name="직선 연결선 12">
+            <a:extLst>
+              <a:ext uri="{FF2B5EF4-FFF2-40B4-BE49-F238E27FC236}">
+                <a16:creationId xmlns="" xmlns:a16="http://schemas.microsoft.com/office/drawing/2014/main" id="{18367708-4712-42B5-9FD3-B5E0EA47162E}"/>
+              </a:ext>
+            </a:extLst>
+          </p:cNvPr>
+          <p:cNvCxnSpPr/>
+          <p:nvPr/>
+        </p:nvCxnSpPr>
+        <p:spPr>
+          <a:xfrm>
+            <a:off x="11484795" y="1900720"/>
+            <a:ext cx="0" cy="4113902"/>
+          </a:xfrm>
+          <a:prstGeom prst="line">
+            <a:avLst/>
+          </a:prstGeom>
+          <a:ln>
+            <a:solidFill>
+              <a:srgbClr val="355A96"/>
+            </a:solidFill>
+          </a:ln>
+        </p:spPr>
+        <p:style>
+          <a:lnRef idx="1">
+            <a:schemeClr val="accent1"/>
+          </a:lnRef>
+          <a:fillRef idx="0">
+            <a:schemeClr val="accent1"/>
+          </a:fillRef>
+          <a:effectRef idx="0">
+            <a:schemeClr val="accent1"/>
+          </a:effectRef>
+          <a:fontRef idx="minor">
+            <a:schemeClr val="tx1"/>
+          </a:fontRef>
+        </p:style>
+      </p:cxnSp>
+      <p:sp>
+        <p:nvSpPr>
+          <p:cNvPr id="14" name="직사각형 13">
+            <a:extLst>
+              <a:ext uri="{FF2B5EF4-FFF2-40B4-BE49-F238E27FC236}">
+                <a16:creationId xmlns="" xmlns:a16="http://schemas.microsoft.com/office/drawing/2014/main" id="{A8FF912E-274C-4B40-B943-17CC62A5A849}"/>
+              </a:ext>
+            </a:extLst>
+          </p:cNvPr>
+          <p:cNvSpPr/>
+          <p:nvPr/>
+        </p:nvSpPr>
+        <p:spPr>
+          <a:xfrm>
+            <a:off x="6862565" y="4967048"/>
+            <a:ext cx="4873375" cy="703398"/>
+          </a:xfrm>
+          <a:prstGeom prst="rect">
+            <a:avLst/>
+          </a:prstGeom>
+        </p:spPr>
+        <p:txBody>
+          <a:bodyPr wrap="square">
+            <a:spAutoFit/>
+          </a:bodyPr>
+          <a:lstStyle/>
+          <a:p>
+            <a:pPr algn="just">
+              <a:lnSpc>
+                <a:spcPct val="107000"/>
+              </a:lnSpc>
+              <a:spcAft>
+                <a:spcPts val="800"/>
+              </a:spcAft>
+            </a:pPr>
+            <a:r>
+              <a:rPr lang="en-US" altLang="ko-KR" kern="100" dirty="0">
+                <a:ln>
+                  <a:solidFill>
+                    <a:srgbClr val="1E803F">
+                      <a:alpha val="0"/>
+                    </a:srgbClr>
+                  </a:solidFill>
+                </a:ln>
+                <a:latin typeface="아리따-돋움(TTF)-Light" panose="02020603020101020101" pitchFamily="18" charset="-127"/>
+                <a:ea typeface="아리따-돋움(TTF)-Light" panose="02020603020101020101" pitchFamily="18" charset="-127"/>
+                <a:cs typeface="Times New Roman" panose="02020603050405020304" pitchFamily="18" charset="0"/>
+              </a:rPr>
+              <a:t>(1) </a:t>
+            </a:r>
+            <a:r>
+              <a:rPr lang="ko-KR" altLang="en-US" kern="100" dirty="0">
+                <a:ln>
+                  <a:solidFill>
+                    <a:srgbClr val="1E803F">
+                      <a:alpha val="0"/>
+                    </a:srgbClr>
+                  </a:solidFill>
+                </a:ln>
+                <a:latin typeface="아리따-돋움(TTF)-Light" panose="02020603020101020101" pitchFamily="18" charset="-127"/>
+                <a:ea typeface="아리따-돋움(TTF)-Light" panose="02020603020101020101" pitchFamily="18" charset="-127"/>
+                <a:cs typeface="Times New Roman" panose="02020603050405020304" pitchFamily="18" charset="0"/>
+              </a:rPr>
+              <a:t>글</a:t>
+            </a:r>
+            <a:endParaRPr lang="ko-KR" altLang="ko-KR" kern="100" dirty="0">
+              <a:ln>
+                <a:solidFill>
+                  <a:srgbClr val="1E803F">
+                    <a:alpha val="0"/>
+                  </a:srgbClr>
+                </a:solidFill>
+              </a:ln>
+              <a:latin typeface="아리따-돋움(TTF)-Light" panose="02020603020101020101" pitchFamily="18" charset="-127"/>
+              <a:ea typeface="아리따-돋움(TTF)-Light" panose="02020603020101020101" pitchFamily="18" charset="-127"/>
+              <a:cs typeface="Times New Roman" panose="02020603050405020304" pitchFamily="18" charset="0"/>
+            </a:endParaRPr>
+          </a:p>
+          <a:p>
+            <a:pPr algn="just">
+              <a:lnSpc>
+                <a:spcPct val="107000"/>
+              </a:lnSpc>
+              <a:spcAft>
+                <a:spcPts val="800"/>
+              </a:spcAft>
+            </a:pPr>
+            <a:r>
+              <a:rPr lang="en-US" altLang="ko-KR" sz="1400" kern="100" dirty="0">
+                <a:ln>
+                  <a:solidFill>
+                    <a:srgbClr val="1E803F">
+                      <a:alpha val="0"/>
+                    </a:srgbClr>
+                  </a:solidFill>
+                </a:ln>
+                <a:latin typeface="아리따-돋움(TTF)-Light" panose="02020603020101020101" pitchFamily="18" charset="-127"/>
+                <a:ea typeface="아리따-돋움(TTF)-Light" panose="02020603020101020101" pitchFamily="18" charset="-127"/>
+                <a:cs typeface="Times New Roman" panose="02020603050405020304" pitchFamily="18" charset="0"/>
+              </a:rPr>
+              <a:t>1) </a:t>
+            </a:r>
+            <a:r>
+              <a:rPr lang="ko-KR" altLang="en-US" sz="1400" kern="100" dirty="0">
+                <a:ln>
+                  <a:solidFill>
+                    <a:srgbClr val="1E803F">
+                      <a:alpha val="0"/>
+                    </a:srgbClr>
+                  </a:solidFill>
+                </a:ln>
+                <a:latin typeface="아리따-돋움(TTF)-Light" panose="02020603020101020101" pitchFamily="18" charset="-127"/>
+                <a:ea typeface="아리따-돋움(TTF)-Light" panose="02020603020101020101" pitchFamily="18" charset="-127"/>
+                <a:cs typeface="Times New Roman" panose="02020603050405020304" pitchFamily="18" charset="0"/>
+              </a:rPr>
+              <a:t>글</a:t>
+            </a:r>
+            <a:r>
+              <a:rPr lang="en-US" altLang="ko-KR" sz="1400" kern="100" dirty="0">
+                <a:ln>
+                  <a:solidFill>
+                    <a:srgbClr val="1E803F">
+                      <a:alpha val="0"/>
+                    </a:srgbClr>
+                  </a:solidFill>
+                </a:ln>
+                <a:latin typeface="아리따-돋움(TTF)-Light" panose="02020603020101020101" pitchFamily="18" charset="-127"/>
+                <a:ea typeface="아리따-돋움(TTF)-Light" panose="02020603020101020101" pitchFamily="18" charset="-127"/>
+                <a:cs typeface="Times New Roman" panose="02020603050405020304" pitchFamily="18" charset="0"/>
+              </a:rPr>
+              <a:t>.</a:t>
+            </a:r>
+          </a:p>
+        </p:txBody>
+      </p:sp>
+      <p:sp>
+        <p:nvSpPr>
+          <p:cNvPr id="16" name="직사각형 15">
+            <a:extLst>
+              <a:ext uri="{FF2B5EF4-FFF2-40B4-BE49-F238E27FC236}">
+                <a16:creationId xmlns="" xmlns:a16="http://schemas.microsoft.com/office/drawing/2014/main" id="{0E9DA1DA-45E8-4BEB-BEE6-85B2C5D2E03D}"/>
+              </a:ext>
+            </a:extLst>
+          </p:cNvPr>
+          <p:cNvSpPr/>
+          <p:nvPr/>
+        </p:nvSpPr>
+        <p:spPr>
+          <a:xfrm>
+            <a:off x="91440" y="478720"/>
+            <a:ext cx="3474720" cy="646331"/>
+          </a:xfrm>
+          <a:prstGeom prst="rect">
+            <a:avLst/>
+          </a:prstGeom>
+        </p:spPr>
+        <p:txBody>
+          <a:bodyPr wrap="square">
+            <a:spAutoFit/>
+          </a:bodyPr>
+          <a:lstStyle/>
+          <a:p>
+            <a:r>
+              <a:rPr lang="en-US" altLang="ko-KR" sz="3600" dirty="0">
+                <a:ln>
+                  <a:solidFill>
+                    <a:schemeClr val="bg1">
+                      <a:alpha val="0"/>
+                    </a:schemeClr>
+                  </a:solidFill>
+                </a:ln>
+                <a:solidFill>
+                  <a:srgbClr val="355A96"/>
+                </a:solidFill>
+                <a:latin typeface="아리따-돋움(TTF)-Light" panose="02020603020101020101" pitchFamily="18" charset="-127"/>
+                <a:ea typeface="아리따-돋움(TTF)-Light" panose="02020603020101020101" pitchFamily="18" charset="-127"/>
+              </a:rPr>
+              <a:t>Model</a:t>
+            </a:r>
+            <a:endParaRPr lang="ko-KR" altLang="en-US" sz="3600" dirty="0">
+              <a:ln>
+                <a:solidFill>
+                  <a:schemeClr val="bg1">
+                    <a:alpha val="0"/>
+                  </a:schemeClr>
+                </a:solidFill>
+              </a:ln>
+              <a:solidFill>
+                <a:srgbClr val="355A96"/>
+              </a:solidFill>
+              <a:latin typeface="아리따-돋움(TTF)-Light" panose="02020603020101020101" pitchFamily="18" charset="-127"/>
+              <a:ea typeface="아리따-돋움(TTF)-Light" panose="02020603020101020101" pitchFamily="18" charset="-127"/>
+            </a:endParaRPr>
+          </a:p>
+        </p:txBody>
+      </p:sp>
+      <p:sp>
+        <p:nvSpPr>
+          <p:cNvPr id="17" name="직사각형 16">
+            <a:extLst>
+              <a:ext uri="{FF2B5EF4-FFF2-40B4-BE49-F238E27FC236}">
+                <a16:creationId xmlns="" xmlns:a16="http://schemas.microsoft.com/office/drawing/2014/main" id="{D703A7DB-BACB-4AF0-B8CF-8C852EC45FE9}"/>
+              </a:ext>
+            </a:extLst>
+          </p:cNvPr>
+          <p:cNvSpPr/>
+          <p:nvPr/>
+        </p:nvSpPr>
+        <p:spPr>
+          <a:xfrm>
+            <a:off x="-91440" y="101871"/>
+            <a:ext cx="182880" cy="688065"/>
+          </a:xfrm>
+          <a:prstGeom prst="rect">
+            <a:avLst/>
+          </a:prstGeom>
+          <a:solidFill>
+            <a:schemeClr val="accent1">
+              <a:lumMod val="40000"/>
+              <a:lumOff val="60000"/>
+            </a:schemeClr>
+          </a:solidFill>
+          <a:ln>
+            <a:noFill/>
+          </a:ln>
+        </p:spPr>
+        <p:style>
+          <a:lnRef idx="2">
+            <a:schemeClr val="accent1">
+              <a:shade val="50000"/>
+            </a:schemeClr>
+          </a:lnRef>
+          <a:fillRef idx="1">
+            <a:schemeClr val="accent1"/>
+          </a:fillRef>
+          <a:effectRef idx="0">
+            <a:schemeClr val="accent1"/>
+          </a:effectRef>
+          <a:fontRef idx="minor">
+            <a:schemeClr val="lt1"/>
+          </a:fontRef>
+        </p:style>
+        <p:txBody>
+          <a:bodyPr rtlCol="0" anchor="ctr"/>
+          <a:lstStyle/>
+          <a:p>
+            <a:pPr algn="ctr"/>
+            <a:endParaRPr lang="ko-KR" altLang="en-US"/>
+          </a:p>
+        </p:txBody>
+      </p:sp>
+    </p:spTree>
+    <p:extLst>
+      <p:ext uri="{BB962C8B-B14F-4D97-AF65-F5344CB8AC3E}">
+        <p14:creationId xmlns:p14="http://schemas.microsoft.com/office/powerpoint/2010/main" val="74510355"/>
       </p:ext>
     </p:extLst>
   </p:cSld>
@@ -8980,7 +9312,7 @@
           <p:cNvPr id="28" name="TextBox 27">
             <a:extLst>
               <a:ext uri="{FF2B5EF4-FFF2-40B4-BE49-F238E27FC236}">
-                <a16:creationId xmlns:a16="http://schemas.microsoft.com/office/drawing/2014/main" id="{705574F8-F920-45A1-960F-564DA8F31D88}"/>
+                <a16:creationId xmlns="" xmlns:a16="http://schemas.microsoft.com/office/drawing/2014/main" id="{705574F8-F920-45A1-960F-564DA8F31D88}"/>
               </a:ext>
             </a:extLst>
           </p:cNvPr>
@@ -9046,7 +9378,7 @@
           <p:cNvPr id="26" name="직사각형 25">
             <a:extLst>
               <a:ext uri="{FF2B5EF4-FFF2-40B4-BE49-F238E27FC236}">
-                <a16:creationId xmlns:a16="http://schemas.microsoft.com/office/drawing/2014/main" id="{CAED0D3B-67FA-40A0-9C7E-75489BBC7DD1}"/>
+                <a16:creationId xmlns="" xmlns:a16="http://schemas.microsoft.com/office/drawing/2014/main" id="{CAED0D3B-67FA-40A0-9C7E-75489BBC7DD1}"/>
               </a:ext>
             </a:extLst>
           </p:cNvPr>
@@ -9098,7 +9430,7 @@
           <p:cNvPr id="27" name="직사각형 26">
             <a:extLst>
               <a:ext uri="{FF2B5EF4-FFF2-40B4-BE49-F238E27FC236}">
-                <a16:creationId xmlns:a16="http://schemas.microsoft.com/office/drawing/2014/main" id="{B0CD3A08-B9C1-45B8-BE30-AA97B8BD968C}"/>
+                <a16:creationId xmlns="" xmlns:a16="http://schemas.microsoft.com/office/drawing/2014/main" id="{B0CD3A08-B9C1-45B8-BE30-AA97B8BD968C}"/>
               </a:ext>
             </a:extLst>
           </p:cNvPr>
@@ -9153,7 +9485,7 @@
           <p:cNvPr id="16" name="직사각형 15">
             <a:extLst>
               <a:ext uri="{FF2B5EF4-FFF2-40B4-BE49-F238E27FC236}">
-                <a16:creationId xmlns:a16="http://schemas.microsoft.com/office/drawing/2014/main" id="{23631734-654A-4EE2-B918-D2E215587F07}"/>
+                <a16:creationId xmlns="" xmlns:a16="http://schemas.microsoft.com/office/drawing/2014/main" id="{23631734-654A-4EE2-B918-D2E215587F07}"/>
               </a:ext>
             </a:extLst>
           </p:cNvPr>
@@ -9163,7 +9495,7 @@
         <p:spPr>
           <a:xfrm>
             <a:off x="91440" y="478720"/>
-            <a:ext cx="5029200" cy="646331"/>
+            <a:ext cx="5047488" cy="646331"/>
           </a:xfrm>
           <a:prstGeom prst="rect">
             <a:avLst/>
@@ -9190,7 +9522,7 @@
                 <a:latin typeface="아리따-돋움(TTF)-Light" panose="02020603020101020101" pitchFamily="18" charset="-127"/>
                 <a:ea typeface="아리따-돋움(TTF)-Light" panose="02020603020101020101" pitchFamily="18" charset="-127"/>
               </a:rPr>
-              <a:t>Visualization</a:t>
+              <a:t>Performance Measure</a:t>
             </a:r>
             <a:endParaRPr lang="ko-KR" altLang="en-US" sz="3600" dirty="0">
               <a:ln>
@@ -9214,7 +9546,7 @@
           <p:cNvPr id="25" name="직사각형 24">
             <a:extLst>
               <a:ext uri="{FF2B5EF4-FFF2-40B4-BE49-F238E27FC236}">
-                <a16:creationId xmlns:a16="http://schemas.microsoft.com/office/drawing/2014/main" id="{24B9253A-E9D5-465C-BDFC-C38EF3FFBE16}"/>
+                <a16:creationId xmlns="" xmlns:a16="http://schemas.microsoft.com/office/drawing/2014/main" id="{24B9253A-E9D5-465C-BDFC-C38EF3FFBE16}"/>
               </a:ext>
             </a:extLst>
           </p:cNvPr>
@@ -9266,7 +9598,7 @@
           <p:cNvPr id="32" name="직사각형 31">
             <a:extLst>
               <a:ext uri="{FF2B5EF4-FFF2-40B4-BE49-F238E27FC236}">
-                <a16:creationId xmlns:a16="http://schemas.microsoft.com/office/drawing/2014/main" id="{7A4B3E85-56EC-4834-8E84-99BF1BD50415}"/>
+                <a16:creationId xmlns="" xmlns:a16="http://schemas.microsoft.com/office/drawing/2014/main" id="{7A4B3E85-56EC-4834-8E84-99BF1BD50415}"/>
               </a:ext>
             </a:extLst>
           </p:cNvPr>
@@ -9313,10 +9645,65 @@
           </a:p>
         </p:txBody>
       </p:sp>
+      <p:sp>
+        <p:nvSpPr>
+          <p:cNvPr id="8" name="직사각형 7">
+            <a:extLst>
+              <a:ext uri="{FF2B5EF4-FFF2-40B4-BE49-F238E27FC236}">
+                <a16:creationId xmlns="" xmlns:a16="http://schemas.microsoft.com/office/drawing/2014/main" id="{D703A7DB-BACB-4AF0-B8CF-8C852EC45FE9}"/>
+              </a:ext>
+            </a:extLst>
+          </p:cNvPr>
+          <p:cNvSpPr/>
+          <p:nvPr/>
+        </p:nvSpPr>
+        <p:spPr>
+          <a:xfrm>
+            <a:off x="-91440" y="104118"/>
+            <a:ext cx="182880" cy="688065"/>
+          </a:xfrm>
+          <a:prstGeom prst="rect">
+            <a:avLst/>
+          </a:prstGeom>
+          <a:solidFill>
+            <a:schemeClr val="accent1">
+              <a:lumMod val="40000"/>
+              <a:lumOff val="60000"/>
+            </a:schemeClr>
+          </a:solidFill>
+          <a:ln>
+            <a:noFill/>
+          </a:ln>
+        </p:spPr>
+        <p:style>
+          <a:lnRef idx="2">
+            <a:schemeClr val="accent1">
+              <a:shade val="50000"/>
+            </a:schemeClr>
+          </a:lnRef>
+          <a:fillRef idx="1">
+            <a:schemeClr val="accent1"/>
+          </a:fillRef>
+          <a:effectRef idx="0">
+            <a:schemeClr val="accent1"/>
+          </a:effectRef>
+          <a:fontRef idx="minor">
+            <a:schemeClr val="lt1"/>
+          </a:fontRef>
+        </p:style>
+        <p:txBody>
+          <a:bodyPr rtlCol="0" anchor="ctr"/>
+          <a:lstStyle/>
+          <a:p>
+            <a:pPr algn="ctr"/>
+            <a:endParaRPr lang="ko-KR" altLang="en-US"/>
+          </a:p>
+        </p:txBody>
+      </p:sp>
     </p:spTree>
     <p:extLst>
       <p:ext uri="{BB962C8B-B14F-4D97-AF65-F5344CB8AC3E}">
-        <p14:creationId xmlns:p14="http://schemas.microsoft.com/office/powerpoint/2010/main" val="251287022"/>
+        <p14:creationId xmlns:p14="http://schemas.microsoft.com/office/powerpoint/2010/main" val="2204050425"/>
       </p:ext>
     </p:extLst>
   </p:cSld>
@@ -9348,7 +9735,7 @@
           <p:cNvPr id="15" name="TextBox 14">
             <a:extLst>
               <a:ext uri="{FF2B5EF4-FFF2-40B4-BE49-F238E27FC236}">
-                <a16:creationId xmlns:a16="http://schemas.microsoft.com/office/drawing/2014/main" id="{B76B29C2-EB3F-40FE-9908-8B93E4235B78}"/>
+                <a16:creationId xmlns="" xmlns:a16="http://schemas.microsoft.com/office/drawing/2014/main" id="{B76B29C2-EB3F-40FE-9908-8B93E4235B78}"/>
               </a:ext>
             </a:extLst>
           </p:cNvPr>
@@ -9414,7 +9801,7 @@
           <p:cNvPr id="5" name="직사각형 4">
             <a:extLst>
               <a:ext uri="{FF2B5EF4-FFF2-40B4-BE49-F238E27FC236}">
-                <a16:creationId xmlns:a16="http://schemas.microsoft.com/office/drawing/2014/main" id="{48D06F82-12DC-4727-955A-17DFA6422558}"/>
+                <a16:creationId xmlns="" xmlns:a16="http://schemas.microsoft.com/office/drawing/2014/main" id="{48D06F82-12DC-4727-955A-17DFA6422558}"/>
               </a:ext>
             </a:extLst>
           </p:cNvPr>
@@ -9466,7 +9853,7 @@
           <p:cNvPr id="7" name="직사각형 6">
             <a:extLst>
               <a:ext uri="{FF2B5EF4-FFF2-40B4-BE49-F238E27FC236}">
-                <a16:creationId xmlns:a16="http://schemas.microsoft.com/office/drawing/2014/main" id="{ABF26904-18C6-4777-B07D-99A5D2F8A480}"/>
+                <a16:creationId xmlns="" xmlns:a16="http://schemas.microsoft.com/office/drawing/2014/main" id="{ABF26904-18C6-4777-B07D-99A5D2F8A480}"/>
               </a:ext>
             </a:extLst>
           </p:cNvPr>
@@ -9531,7 +9918,7 @@
           <p:cNvPr id="9" name="직사각형 8">
             <a:extLst>
               <a:ext uri="{FF2B5EF4-FFF2-40B4-BE49-F238E27FC236}">
-                <a16:creationId xmlns:a16="http://schemas.microsoft.com/office/drawing/2014/main" id="{0C4F22D3-C0F5-4B15-9131-96EC36C26B07}"/>
+                <a16:creationId xmlns="" xmlns:a16="http://schemas.microsoft.com/office/drawing/2014/main" id="{0C4F22D3-C0F5-4B15-9131-96EC36C26B07}"/>
               </a:ext>
             </a:extLst>
           </p:cNvPr>
@@ -9666,7 +10053,7 @@
           <p:cNvPr id="10" name="직사각형 9">
             <a:extLst>
               <a:ext uri="{FF2B5EF4-FFF2-40B4-BE49-F238E27FC236}">
-                <a16:creationId xmlns:a16="http://schemas.microsoft.com/office/drawing/2014/main" id="{ADAAAE89-1FD9-410C-A21F-D01B346F6A93}"/>
+                <a16:creationId xmlns="" xmlns:a16="http://schemas.microsoft.com/office/drawing/2014/main" id="{ADAAAE89-1FD9-410C-A21F-D01B346F6A93}"/>
               </a:ext>
             </a:extLst>
           </p:cNvPr>
@@ -9801,7 +10188,7 @@
           <p:cNvPr id="11" name="직사각형 10">
             <a:extLst>
               <a:ext uri="{FF2B5EF4-FFF2-40B4-BE49-F238E27FC236}">
-                <a16:creationId xmlns:a16="http://schemas.microsoft.com/office/drawing/2014/main" id="{5AFC9BB8-0ED3-47C7-AE39-1ED4DCEFB510}"/>
+                <a16:creationId xmlns="" xmlns:a16="http://schemas.microsoft.com/office/drawing/2014/main" id="{5AFC9BB8-0ED3-47C7-AE39-1ED4DCEFB510}"/>
               </a:ext>
             </a:extLst>
           </p:cNvPr>
@@ -9957,7 +10344,7 @@
           <p:cNvPr id="12" name="직선 연결선 11">
             <a:extLst>
               <a:ext uri="{FF2B5EF4-FFF2-40B4-BE49-F238E27FC236}">
-                <a16:creationId xmlns:a16="http://schemas.microsoft.com/office/drawing/2014/main" id="{CCAB9C50-DF0E-4566-B226-72E2DA13471E}"/>
+                <a16:creationId xmlns="" xmlns:a16="http://schemas.microsoft.com/office/drawing/2014/main" id="{CCAB9C50-DF0E-4566-B226-72E2DA13471E}"/>
               </a:ext>
             </a:extLst>
           </p:cNvPr>
@@ -9998,7 +10385,7 @@
           <p:cNvPr id="13" name="직선 연결선 12">
             <a:extLst>
               <a:ext uri="{FF2B5EF4-FFF2-40B4-BE49-F238E27FC236}">
-                <a16:creationId xmlns:a16="http://schemas.microsoft.com/office/drawing/2014/main" id="{18367708-4712-42B5-9FD3-B5E0EA47162E}"/>
+                <a16:creationId xmlns="" xmlns:a16="http://schemas.microsoft.com/office/drawing/2014/main" id="{18367708-4712-42B5-9FD3-B5E0EA47162E}"/>
               </a:ext>
             </a:extLst>
           </p:cNvPr>
@@ -10039,7 +10426,7 @@
           <p:cNvPr id="14" name="직사각형 13">
             <a:extLst>
               <a:ext uri="{FF2B5EF4-FFF2-40B4-BE49-F238E27FC236}">
-                <a16:creationId xmlns:a16="http://schemas.microsoft.com/office/drawing/2014/main" id="{A8FF912E-274C-4B40-B943-17CC62A5A849}"/>
+                <a16:creationId xmlns="" xmlns:a16="http://schemas.microsoft.com/office/drawing/2014/main" id="{A8FF912E-274C-4B40-B943-17CC62A5A849}"/>
               </a:ext>
             </a:extLst>
           </p:cNvPr>
@@ -10174,7 +10561,7 @@
           <p:cNvPr id="17" name="직사각형 16">
             <a:extLst>
               <a:ext uri="{FF2B5EF4-FFF2-40B4-BE49-F238E27FC236}">
-                <a16:creationId xmlns:a16="http://schemas.microsoft.com/office/drawing/2014/main" id="{1DD0110B-7E66-46C5-8A84-C15A442DEE81}"/>
+                <a16:creationId xmlns="" xmlns:a16="http://schemas.microsoft.com/office/drawing/2014/main" id="{1DD0110B-7E66-46C5-8A84-C15A442DEE81}"/>
               </a:ext>
             </a:extLst>
           </p:cNvPr>
@@ -10184,7 +10571,7 @@
         <p:spPr>
           <a:xfrm>
             <a:off x="91440" y="478720"/>
-            <a:ext cx="4526280" cy="646331"/>
+            <a:ext cx="4956048" cy="646331"/>
           </a:xfrm>
           <a:prstGeom prst="rect">
             <a:avLst/>
@@ -10211,7 +10598,7 @@
                 <a:latin typeface="아리따-돋움(TTF)-Light" panose="02020603020101020101" pitchFamily="18" charset="-127"/>
                 <a:ea typeface="아리따-돋움(TTF)-Light" panose="02020603020101020101" pitchFamily="18" charset="-127"/>
               </a:rPr>
-              <a:t>Visualization</a:t>
+              <a:t>Performance Measure</a:t>
             </a:r>
             <a:endParaRPr lang="ko-KR" altLang="en-US" sz="3600" dirty="0">
               <a:ln>
@@ -10230,10 +10617,65 @@
           </a:p>
         </p:txBody>
       </p:sp>
+      <p:sp>
+        <p:nvSpPr>
+          <p:cNvPr id="16" name="직사각형 15">
+            <a:extLst>
+              <a:ext uri="{FF2B5EF4-FFF2-40B4-BE49-F238E27FC236}">
+                <a16:creationId xmlns="" xmlns:a16="http://schemas.microsoft.com/office/drawing/2014/main" id="{D703A7DB-BACB-4AF0-B8CF-8C852EC45FE9}"/>
+              </a:ext>
+            </a:extLst>
+          </p:cNvPr>
+          <p:cNvSpPr/>
+          <p:nvPr/>
+        </p:nvSpPr>
+        <p:spPr>
+          <a:xfrm>
+            <a:off x="-91440" y="104120"/>
+            <a:ext cx="182880" cy="688065"/>
+          </a:xfrm>
+          <a:prstGeom prst="rect">
+            <a:avLst/>
+          </a:prstGeom>
+          <a:solidFill>
+            <a:schemeClr val="accent1">
+              <a:lumMod val="40000"/>
+              <a:lumOff val="60000"/>
+            </a:schemeClr>
+          </a:solidFill>
+          <a:ln>
+            <a:noFill/>
+          </a:ln>
+        </p:spPr>
+        <p:style>
+          <a:lnRef idx="2">
+            <a:schemeClr val="accent1">
+              <a:shade val="50000"/>
+            </a:schemeClr>
+          </a:lnRef>
+          <a:fillRef idx="1">
+            <a:schemeClr val="accent1"/>
+          </a:fillRef>
+          <a:effectRef idx="0">
+            <a:schemeClr val="accent1"/>
+          </a:effectRef>
+          <a:fontRef idx="minor">
+            <a:schemeClr val="lt1"/>
+          </a:fontRef>
+        </p:style>
+        <p:txBody>
+          <a:bodyPr rtlCol="0" anchor="ctr"/>
+          <a:lstStyle/>
+          <a:p>
+            <a:pPr algn="ctr"/>
+            <a:endParaRPr lang="ko-KR" altLang="en-US"/>
+          </a:p>
+        </p:txBody>
+      </p:sp>
     </p:spTree>
     <p:extLst>
       <p:ext uri="{BB962C8B-B14F-4D97-AF65-F5344CB8AC3E}">
-        <p14:creationId xmlns:p14="http://schemas.microsoft.com/office/powerpoint/2010/main" val="2513060675"/>
+        <p14:creationId xmlns:p14="http://schemas.microsoft.com/office/powerpoint/2010/main" val="3295285755"/>
       </p:ext>
     </p:extLst>
   </p:cSld>
@@ -10262,10 +10704,10 @@
       </p:grpSpPr>
       <p:sp>
         <p:nvSpPr>
-          <p:cNvPr id="15" name="TextBox 14">
-            <a:extLst>
-              <a:ext uri="{FF2B5EF4-FFF2-40B4-BE49-F238E27FC236}">
-                <a16:creationId xmlns:a16="http://schemas.microsoft.com/office/drawing/2014/main" id="{B76B29C2-EB3F-40FE-9908-8B93E4235B78}"/>
+          <p:cNvPr id="28" name="TextBox 27">
+            <a:extLst>
+              <a:ext uri="{FF2B5EF4-FFF2-40B4-BE49-F238E27FC236}">
+                <a16:creationId xmlns="" xmlns:a16="http://schemas.microsoft.com/office/drawing/2014/main" id="{705574F8-F920-45A1-960F-564DA8F31D88}"/>
               </a:ext>
             </a:extLst>
           </p:cNvPr>
@@ -10328,10 +10770,178 @@
       </p:sp>
       <p:sp>
         <p:nvSpPr>
-          <p:cNvPr id="5" name="직사각형 4">
-            <a:extLst>
-              <a:ext uri="{FF2B5EF4-FFF2-40B4-BE49-F238E27FC236}">
-                <a16:creationId xmlns:a16="http://schemas.microsoft.com/office/drawing/2014/main" id="{48D06F82-12DC-4727-955A-17DFA6422558}"/>
+          <p:cNvPr id="26" name="직사각형 25">
+            <a:extLst>
+              <a:ext uri="{FF2B5EF4-FFF2-40B4-BE49-F238E27FC236}">
+                <a16:creationId xmlns="" xmlns:a16="http://schemas.microsoft.com/office/drawing/2014/main" id="{CAED0D3B-67FA-40A0-9C7E-75489BBC7DD1}"/>
+              </a:ext>
+            </a:extLst>
+          </p:cNvPr>
+          <p:cNvSpPr/>
+          <p:nvPr/>
+        </p:nvSpPr>
+        <p:spPr>
+          <a:xfrm>
+            <a:off x="1199414" y="1771417"/>
+            <a:ext cx="10202779" cy="3664851"/>
+          </a:xfrm>
+          <a:prstGeom prst="rect">
+            <a:avLst/>
+          </a:prstGeom>
+          <a:solidFill>
+            <a:srgbClr val="355A96"/>
+          </a:solidFill>
+          <a:ln>
+            <a:noFill/>
+          </a:ln>
+        </p:spPr>
+        <p:style>
+          <a:lnRef idx="2">
+            <a:schemeClr val="accent1">
+              <a:shade val="50000"/>
+            </a:schemeClr>
+          </a:lnRef>
+          <a:fillRef idx="1">
+            <a:schemeClr val="accent1"/>
+          </a:fillRef>
+          <a:effectRef idx="0">
+            <a:schemeClr val="accent1"/>
+          </a:effectRef>
+          <a:fontRef idx="minor">
+            <a:schemeClr val="lt1"/>
+          </a:fontRef>
+        </p:style>
+        <p:txBody>
+          <a:bodyPr rtlCol="0" anchor="ctr"/>
+          <a:lstStyle/>
+          <a:p>
+            <a:pPr algn="ctr"/>
+            <a:endParaRPr lang="ko-KR" altLang="en-US"/>
+          </a:p>
+        </p:txBody>
+      </p:sp>
+      <p:sp>
+        <p:nvSpPr>
+          <p:cNvPr id="27" name="직사각형 26">
+            <a:extLst>
+              <a:ext uri="{FF2B5EF4-FFF2-40B4-BE49-F238E27FC236}">
+                <a16:creationId xmlns="" xmlns:a16="http://schemas.microsoft.com/office/drawing/2014/main" id="{B0CD3A08-B9C1-45B8-BE30-AA97B8BD968C}"/>
+              </a:ext>
+            </a:extLst>
+          </p:cNvPr>
+          <p:cNvSpPr/>
+          <p:nvPr/>
+        </p:nvSpPr>
+        <p:spPr>
+          <a:xfrm>
+            <a:off x="0" y="2344153"/>
+            <a:ext cx="12192000" cy="3092115"/>
+          </a:xfrm>
+          <a:prstGeom prst="rect">
+            <a:avLst/>
+          </a:prstGeom>
+          <a:solidFill>
+            <a:schemeClr val="accent5">
+              <a:lumMod val="20000"/>
+              <a:lumOff val="80000"/>
+            </a:schemeClr>
+          </a:solidFill>
+          <a:ln>
+            <a:noFill/>
+          </a:ln>
+        </p:spPr>
+        <p:style>
+          <a:lnRef idx="2">
+            <a:schemeClr val="accent1">
+              <a:shade val="50000"/>
+            </a:schemeClr>
+          </a:lnRef>
+          <a:fillRef idx="1">
+            <a:schemeClr val="accent1"/>
+          </a:fillRef>
+          <a:effectRef idx="0">
+            <a:schemeClr val="accent1"/>
+          </a:effectRef>
+          <a:fontRef idx="minor">
+            <a:schemeClr val="lt1"/>
+          </a:fontRef>
+        </p:style>
+        <p:txBody>
+          <a:bodyPr rtlCol="0" anchor="ctr"/>
+          <a:lstStyle/>
+          <a:p>
+            <a:pPr algn="ctr"/>
+            <a:endParaRPr lang="ko-KR" altLang="en-US"/>
+          </a:p>
+        </p:txBody>
+      </p:sp>
+      <p:sp>
+        <p:nvSpPr>
+          <p:cNvPr id="16" name="직사각형 15">
+            <a:extLst>
+              <a:ext uri="{FF2B5EF4-FFF2-40B4-BE49-F238E27FC236}">
+                <a16:creationId xmlns="" xmlns:a16="http://schemas.microsoft.com/office/drawing/2014/main" id="{23631734-654A-4EE2-B918-D2E215587F07}"/>
+              </a:ext>
+            </a:extLst>
+          </p:cNvPr>
+          <p:cNvSpPr/>
+          <p:nvPr/>
+        </p:nvSpPr>
+        <p:spPr>
+          <a:xfrm>
+            <a:off x="91440" y="478720"/>
+            <a:ext cx="5029200" cy="646331"/>
+          </a:xfrm>
+          <a:prstGeom prst="rect">
+            <a:avLst/>
+          </a:prstGeom>
+        </p:spPr>
+        <p:txBody>
+          <a:bodyPr wrap="square">
+            <a:spAutoFit/>
+          </a:bodyPr>
+          <a:lstStyle/>
+          <a:p>
+            <a:r>
+              <a:rPr lang="en-US" altLang="ko-KR" sz="3600" dirty="0">
+                <a:ln>
+                  <a:solidFill>
+                    <a:schemeClr val="bg1">
+                      <a:alpha val="0"/>
+                    </a:schemeClr>
+                  </a:solidFill>
+                </a:ln>
+                <a:solidFill>
+                  <a:srgbClr val="355A96"/>
+                </a:solidFill>
+                <a:latin typeface="아리따-돋움(TTF)-Light" panose="02020603020101020101" pitchFamily="18" charset="-127"/>
+                <a:ea typeface="아리따-돋움(TTF)-Light" panose="02020603020101020101" pitchFamily="18" charset="-127"/>
+              </a:rPr>
+              <a:t>Visualization</a:t>
+            </a:r>
+            <a:endParaRPr lang="ko-KR" altLang="en-US" sz="3600" dirty="0">
+              <a:ln>
+                <a:solidFill>
+                  <a:schemeClr val="bg1">
+                    <a:alpha val="0"/>
+                  </a:schemeClr>
+                </a:solidFill>
+              </a:ln>
+              <a:solidFill>
+                <a:srgbClr val="355A96"/>
+              </a:solidFill>
+              <a:latin typeface="아리따-돋움(TTF)-Light" panose="02020603020101020101" pitchFamily="18" charset="-127"/>
+              <a:ea typeface="아리따-돋움(TTF)-Light" panose="02020603020101020101" pitchFamily="18" charset="-127"/>
+            </a:endParaRPr>
+          </a:p>
+        </p:txBody>
+      </p:sp>
+      <p:sp>
+        <p:nvSpPr>
+          <p:cNvPr id="25" name="직사각형 24">
+            <a:extLst>
+              <a:ext uri="{FF2B5EF4-FFF2-40B4-BE49-F238E27FC236}">
+                <a16:creationId xmlns="" xmlns:a16="http://schemas.microsoft.com/office/drawing/2014/main" id="{24B9253A-E9D5-465C-BDFC-C38EF3FFBE16}"/>
               </a:ext>
             </a:extLst>
           </p:cNvPr>
@@ -10380,10 +10990,10 @@
       </p:sp>
       <p:sp>
         <p:nvSpPr>
-          <p:cNvPr id="7" name="직사각형 6">
-            <a:extLst>
-              <a:ext uri="{FF2B5EF4-FFF2-40B4-BE49-F238E27FC236}">
-                <a16:creationId xmlns:a16="http://schemas.microsoft.com/office/drawing/2014/main" id="{ABF26904-18C6-4777-B07D-99A5D2F8A480}"/>
+          <p:cNvPr id="32" name="직사각형 31">
+            <a:extLst>
+              <a:ext uri="{FF2B5EF4-FFF2-40B4-BE49-F238E27FC236}">
+                <a16:creationId xmlns="" xmlns:a16="http://schemas.microsoft.com/office/drawing/2014/main" id="{7A4B3E85-56EC-4834-8E84-99BF1BD50415}"/>
               </a:ext>
             </a:extLst>
           </p:cNvPr>
@@ -10392,8 +11002,8 @@
         </p:nvSpPr>
         <p:spPr>
           <a:xfrm>
-            <a:off x="192470" y="1501900"/>
-            <a:ext cx="2930874" cy="398820"/>
+            <a:off x="0" y="6034497"/>
+            <a:ext cx="12192000" cy="850490"/>
           </a:xfrm>
           <a:prstGeom prst="rect">
             <a:avLst/>
@@ -10401,756 +11011,94 @@
           <a:solidFill>
             <a:srgbClr val="355A96"/>
           </a:solidFill>
-        </p:spPr>
-        <p:txBody>
-          <a:bodyPr wrap="square">
-            <a:spAutoFit/>
-          </a:bodyPr>
-          <a:lstStyle/>
-          <a:p>
-            <a:pPr algn="ctr"/>
-            <a:r>
-              <a:rPr lang="en-US" altLang="ko-KR" sz="2000" dirty="0">
-                <a:ln>
-                  <a:solidFill>
-                    <a:schemeClr val="bg1">
-                      <a:alpha val="0"/>
-                    </a:schemeClr>
-                  </a:solidFill>
-                </a:ln>
-                <a:solidFill>
-                  <a:schemeClr val="bg1"/>
-                </a:solidFill>
-                <a:latin typeface="아리따-돋움(TTF)-Light" panose="02020603020101020101" pitchFamily="18" charset="-127"/>
-                <a:ea typeface="아리따-돋움(TTF)-Light" panose="02020603020101020101" pitchFamily="18" charset="-127"/>
-              </a:rPr>
-              <a:t>Result</a:t>
-            </a:r>
-            <a:endParaRPr lang="ko-KR" altLang="en-US" sz="2000" dirty="0">
-              <a:ln>
-                <a:solidFill>
-                  <a:schemeClr val="bg1">
-                    <a:alpha val="0"/>
-                  </a:schemeClr>
-                </a:solidFill>
-              </a:ln>
-              <a:solidFill>
-                <a:schemeClr val="bg1"/>
-              </a:solidFill>
-              <a:latin typeface="아리따-돋움(TTF)-Light" panose="02020603020101020101" pitchFamily="18" charset="-127"/>
-              <a:ea typeface="아리따-돋움(TTF)-Light" panose="02020603020101020101" pitchFamily="18" charset="-127"/>
-            </a:endParaRPr>
-          </a:p>
-        </p:txBody>
-      </p:sp>
-      <p:sp>
-        <p:nvSpPr>
-          <p:cNvPr id="9" name="직사각형 8">
-            <a:extLst>
-              <a:ext uri="{FF2B5EF4-FFF2-40B4-BE49-F238E27FC236}">
-                <a16:creationId xmlns:a16="http://schemas.microsoft.com/office/drawing/2014/main" id="{0C4F22D3-C0F5-4B15-9131-96EC36C26B07}"/>
-              </a:ext>
-            </a:extLst>
-          </p:cNvPr>
-          <p:cNvSpPr/>
-          <p:nvPr/>
-        </p:nvSpPr>
-        <p:spPr>
-          <a:xfrm>
-            <a:off x="6862565" y="1768353"/>
-            <a:ext cx="3951783" cy="705450"/>
-          </a:xfrm>
-          <a:prstGeom prst="rect">
-            <a:avLst/>
-          </a:prstGeom>
-        </p:spPr>
-        <p:txBody>
-          <a:bodyPr wrap="square">
-            <a:spAutoFit/>
-          </a:bodyPr>
-          <a:lstStyle/>
-          <a:p>
-            <a:pPr algn="just">
-              <a:lnSpc>
-                <a:spcPct val="107000"/>
-              </a:lnSpc>
-              <a:spcAft>
-                <a:spcPts val="800"/>
-              </a:spcAft>
-            </a:pPr>
-            <a:r>
-              <a:rPr lang="en-US" altLang="ko-KR" kern="100" dirty="0">
-                <a:ln>
-                  <a:solidFill>
-                    <a:srgbClr val="1E803F">
-                      <a:alpha val="0"/>
-                    </a:srgbClr>
-                  </a:solidFill>
-                </a:ln>
-                <a:latin typeface="아리따-돋움(TTF)-Light" panose="02020603020101020101" pitchFamily="18" charset="-127"/>
-                <a:ea typeface="아리따-돋움(TTF)-Light" panose="02020603020101020101" pitchFamily="18" charset="-127"/>
-                <a:cs typeface="Times New Roman" panose="02020603050405020304" pitchFamily="18" charset="0"/>
-              </a:rPr>
-              <a:t>(1) </a:t>
-            </a:r>
-            <a:r>
-              <a:rPr lang="ko-KR" altLang="en-US" kern="100" dirty="0">
-                <a:ln>
-                  <a:solidFill>
-                    <a:srgbClr val="1E803F">
-                      <a:alpha val="0"/>
-                    </a:srgbClr>
-                  </a:solidFill>
-                </a:ln>
-                <a:latin typeface="아리따-돋움(TTF)-Light" panose="02020603020101020101" pitchFamily="18" charset="-127"/>
-                <a:ea typeface="아리따-돋움(TTF)-Light" panose="02020603020101020101" pitchFamily="18" charset="-127"/>
-                <a:cs typeface="Times New Roman" panose="02020603050405020304" pitchFamily="18" charset="0"/>
-              </a:rPr>
-              <a:t>글</a:t>
-            </a:r>
-            <a:endParaRPr lang="ko-KR" altLang="ko-KR" kern="100" dirty="0">
-              <a:ln>
-                <a:solidFill>
-                  <a:srgbClr val="1E803F">
-                    <a:alpha val="0"/>
-                  </a:srgbClr>
-                </a:solidFill>
-              </a:ln>
-              <a:latin typeface="아리따-돋움(TTF)-Light" panose="02020603020101020101" pitchFamily="18" charset="-127"/>
-              <a:ea typeface="아리따-돋움(TTF)-Light" panose="02020603020101020101" pitchFamily="18" charset="-127"/>
-              <a:cs typeface="Times New Roman" panose="02020603050405020304" pitchFamily="18" charset="0"/>
-            </a:endParaRPr>
-          </a:p>
-          <a:p>
-            <a:pPr algn="just">
-              <a:lnSpc>
-                <a:spcPct val="107000"/>
-              </a:lnSpc>
-              <a:spcAft>
-                <a:spcPts val="800"/>
-              </a:spcAft>
-            </a:pPr>
-            <a:r>
-              <a:rPr lang="en-US" altLang="ko-KR" sz="1400" kern="100" dirty="0">
-                <a:ln>
-                  <a:solidFill>
-                    <a:srgbClr val="1E803F">
-                      <a:alpha val="0"/>
-                    </a:srgbClr>
-                  </a:solidFill>
-                </a:ln>
-                <a:latin typeface="아리따-돋움(TTF)-Light" panose="02020603020101020101" pitchFamily="18" charset="-127"/>
-                <a:ea typeface="아리따-돋움(TTF)-Light" panose="02020603020101020101" pitchFamily="18" charset="-127"/>
-                <a:cs typeface="Times New Roman" panose="02020603050405020304" pitchFamily="18" charset="0"/>
-              </a:rPr>
-              <a:t>1) </a:t>
-            </a:r>
-            <a:r>
-              <a:rPr lang="ko-KR" altLang="en-US" sz="1400" kern="100" dirty="0">
-                <a:ln>
-                  <a:solidFill>
-                    <a:srgbClr val="1E803F">
-                      <a:alpha val="0"/>
-                    </a:srgbClr>
-                  </a:solidFill>
-                </a:ln>
-                <a:latin typeface="아리따-돋움(TTF)-Light" panose="02020603020101020101" pitchFamily="18" charset="-127"/>
-                <a:ea typeface="아리따-돋움(TTF)-Light" panose="02020603020101020101" pitchFamily="18" charset="-127"/>
-                <a:cs typeface="Times New Roman" panose="02020603050405020304" pitchFamily="18" charset="0"/>
-              </a:rPr>
-              <a:t>글</a:t>
-            </a:r>
-            <a:endParaRPr lang="ko-KR" altLang="ko-KR" kern="100" dirty="0">
-              <a:ln>
-                <a:solidFill>
-                  <a:srgbClr val="1E803F">
-                    <a:alpha val="0"/>
-                  </a:srgbClr>
-                </a:solidFill>
-              </a:ln>
-              <a:solidFill>
-                <a:srgbClr val="1E803F"/>
-              </a:solidFill>
-              <a:latin typeface="아리따-돋움(TTF)-Light" panose="02020603020101020101" pitchFamily="18" charset="-127"/>
-              <a:ea typeface="아리따-돋움(TTF)-Light" panose="02020603020101020101" pitchFamily="18" charset="-127"/>
-              <a:cs typeface="Times New Roman" panose="02020603050405020304" pitchFamily="18" charset="0"/>
-            </a:endParaRPr>
-          </a:p>
-        </p:txBody>
-      </p:sp>
-      <p:sp>
-        <p:nvSpPr>
-          <p:cNvPr id="10" name="직사각형 9">
-            <a:extLst>
-              <a:ext uri="{FF2B5EF4-FFF2-40B4-BE49-F238E27FC236}">
-                <a16:creationId xmlns:a16="http://schemas.microsoft.com/office/drawing/2014/main" id="{ADAAAE89-1FD9-410C-A21F-D01B346F6A93}"/>
-              </a:ext>
-            </a:extLst>
-          </p:cNvPr>
-          <p:cNvSpPr/>
-          <p:nvPr/>
-        </p:nvSpPr>
-        <p:spPr>
-          <a:xfrm>
-            <a:off x="6862565" y="2723550"/>
-            <a:ext cx="3349946" cy="705450"/>
-          </a:xfrm>
-          <a:prstGeom prst="rect">
-            <a:avLst/>
-          </a:prstGeom>
-        </p:spPr>
-        <p:txBody>
-          <a:bodyPr wrap="square">
-            <a:spAutoFit/>
-          </a:bodyPr>
-          <a:lstStyle/>
-          <a:p>
-            <a:pPr algn="just">
-              <a:lnSpc>
-                <a:spcPct val="107000"/>
-              </a:lnSpc>
-              <a:spcAft>
-                <a:spcPts val="800"/>
-              </a:spcAft>
-            </a:pPr>
-            <a:r>
-              <a:rPr lang="en-US" altLang="ko-KR" kern="100" dirty="0">
-                <a:ln>
-                  <a:solidFill>
-                    <a:srgbClr val="1E803F">
-                      <a:alpha val="0"/>
-                    </a:srgbClr>
-                  </a:solidFill>
-                </a:ln>
-                <a:latin typeface="아리따-돋움(TTF)-Light" panose="02020603020101020101" pitchFamily="18" charset="-127"/>
-                <a:ea typeface="아리따-돋움(TTF)-Light" panose="02020603020101020101" pitchFamily="18" charset="-127"/>
-                <a:cs typeface="Times New Roman" panose="02020603050405020304" pitchFamily="18" charset="0"/>
-              </a:rPr>
-              <a:t>(1) </a:t>
-            </a:r>
-            <a:r>
-              <a:rPr lang="ko-KR" altLang="en-US" kern="100" dirty="0">
-                <a:ln>
-                  <a:solidFill>
-                    <a:srgbClr val="1E803F">
-                      <a:alpha val="0"/>
-                    </a:srgbClr>
-                  </a:solidFill>
-                </a:ln>
-                <a:latin typeface="아리따-돋움(TTF)-Light" panose="02020603020101020101" pitchFamily="18" charset="-127"/>
-                <a:ea typeface="아리따-돋움(TTF)-Light" panose="02020603020101020101" pitchFamily="18" charset="-127"/>
-                <a:cs typeface="Times New Roman" panose="02020603050405020304" pitchFamily="18" charset="0"/>
-              </a:rPr>
-              <a:t>글</a:t>
-            </a:r>
-            <a:endParaRPr lang="ko-KR" altLang="ko-KR" kern="100" dirty="0">
-              <a:ln>
-                <a:solidFill>
-                  <a:srgbClr val="1E803F">
-                    <a:alpha val="0"/>
-                  </a:srgbClr>
-                </a:solidFill>
-              </a:ln>
-              <a:latin typeface="아리따-돋움(TTF)-Light" panose="02020603020101020101" pitchFamily="18" charset="-127"/>
-              <a:ea typeface="아리따-돋움(TTF)-Light" panose="02020603020101020101" pitchFamily="18" charset="-127"/>
-              <a:cs typeface="Times New Roman" panose="02020603050405020304" pitchFamily="18" charset="0"/>
-            </a:endParaRPr>
-          </a:p>
-          <a:p>
-            <a:pPr algn="just">
-              <a:lnSpc>
-                <a:spcPct val="107000"/>
-              </a:lnSpc>
-              <a:spcAft>
-                <a:spcPts val="800"/>
-              </a:spcAft>
-            </a:pPr>
-            <a:r>
-              <a:rPr lang="en-US" altLang="ko-KR" sz="1400" kern="100" dirty="0">
-                <a:ln>
-                  <a:solidFill>
-                    <a:srgbClr val="1E803F">
-                      <a:alpha val="0"/>
-                    </a:srgbClr>
-                  </a:solidFill>
-                </a:ln>
-                <a:latin typeface="아리따-돋움(TTF)-Light" panose="02020603020101020101" pitchFamily="18" charset="-127"/>
-                <a:ea typeface="아리따-돋움(TTF)-Light" panose="02020603020101020101" pitchFamily="18" charset="-127"/>
-                <a:cs typeface="Times New Roman" panose="02020603050405020304" pitchFamily="18" charset="0"/>
-              </a:rPr>
-              <a:t>1) </a:t>
-            </a:r>
-            <a:r>
-              <a:rPr lang="ko-KR" altLang="en-US" sz="1400" kern="100" dirty="0">
-                <a:ln>
-                  <a:solidFill>
-                    <a:srgbClr val="1E803F">
-                      <a:alpha val="0"/>
-                    </a:srgbClr>
-                  </a:solidFill>
-                </a:ln>
-                <a:latin typeface="아리따-돋움(TTF)-Light" panose="02020603020101020101" pitchFamily="18" charset="-127"/>
-                <a:ea typeface="아리따-돋움(TTF)-Light" panose="02020603020101020101" pitchFamily="18" charset="-127"/>
-                <a:cs typeface="Times New Roman" panose="02020603050405020304" pitchFamily="18" charset="0"/>
-              </a:rPr>
-              <a:t>글</a:t>
-            </a:r>
-            <a:endParaRPr lang="ko-KR" altLang="ko-KR" kern="100" dirty="0">
-              <a:ln>
-                <a:solidFill>
-                  <a:srgbClr val="1E803F">
-                    <a:alpha val="0"/>
-                  </a:srgbClr>
-                </a:solidFill>
-              </a:ln>
-              <a:solidFill>
-                <a:srgbClr val="1E803F"/>
-              </a:solidFill>
-              <a:latin typeface="아리따-돋움(TTF)-Light" panose="02020603020101020101" pitchFamily="18" charset="-127"/>
-              <a:ea typeface="아리따-돋움(TTF)-Light" panose="02020603020101020101" pitchFamily="18" charset="-127"/>
-              <a:cs typeface="Times New Roman" panose="02020603050405020304" pitchFamily="18" charset="0"/>
-            </a:endParaRPr>
-          </a:p>
-        </p:txBody>
-      </p:sp>
-      <p:sp>
-        <p:nvSpPr>
-          <p:cNvPr id="11" name="직사각형 10">
-            <a:extLst>
-              <a:ext uri="{FF2B5EF4-FFF2-40B4-BE49-F238E27FC236}">
-                <a16:creationId xmlns:a16="http://schemas.microsoft.com/office/drawing/2014/main" id="{5AFC9BB8-0ED3-47C7-AE39-1ED4DCEFB510}"/>
-              </a:ext>
-            </a:extLst>
-          </p:cNvPr>
-          <p:cNvSpPr/>
-          <p:nvPr/>
-        </p:nvSpPr>
-        <p:spPr>
-          <a:xfrm>
-            <a:off x="6862565" y="3678747"/>
-            <a:ext cx="4873375" cy="1036502"/>
-          </a:xfrm>
-          <a:prstGeom prst="rect">
-            <a:avLst/>
-          </a:prstGeom>
-        </p:spPr>
-        <p:txBody>
-          <a:bodyPr wrap="square">
-            <a:spAutoFit/>
-          </a:bodyPr>
-          <a:lstStyle/>
-          <a:p>
-            <a:pPr algn="just">
-              <a:lnSpc>
-                <a:spcPct val="107000"/>
-              </a:lnSpc>
-              <a:spcAft>
-                <a:spcPts val="800"/>
-              </a:spcAft>
-            </a:pPr>
-            <a:r>
-              <a:rPr lang="en-US" altLang="ko-KR" kern="100" dirty="0">
-                <a:ln>
-                  <a:solidFill>
-                    <a:srgbClr val="1E803F">
-                      <a:alpha val="0"/>
-                    </a:srgbClr>
-                  </a:solidFill>
-                </a:ln>
-                <a:latin typeface="아리따-돋움(TTF)-Light" panose="02020603020101020101" pitchFamily="18" charset="-127"/>
-                <a:ea typeface="아리따-돋움(TTF)-Light" panose="02020603020101020101" pitchFamily="18" charset="-127"/>
-                <a:cs typeface="Times New Roman" panose="02020603050405020304" pitchFamily="18" charset="0"/>
-              </a:rPr>
-              <a:t>(1) </a:t>
-            </a:r>
-            <a:r>
-              <a:rPr lang="ko-KR" altLang="en-US" kern="100" dirty="0">
-                <a:ln>
-                  <a:solidFill>
-                    <a:srgbClr val="1E803F">
-                      <a:alpha val="0"/>
-                    </a:srgbClr>
-                  </a:solidFill>
-                </a:ln>
-                <a:latin typeface="아리따-돋움(TTF)-Light" panose="02020603020101020101" pitchFamily="18" charset="-127"/>
-                <a:ea typeface="아리따-돋움(TTF)-Light" panose="02020603020101020101" pitchFamily="18" charset="-127"/>
-                <a:cs typeface="Times New Roman" panose="02020603050405020304" pitchFamily="18" charset="0"/>
-              </a:rPr>
-              <a:t>글</a:t>
-            </a:r>
-            <a:endParaRPr lang="ko-KR" altLang="ko-KR" kern="100" dirty="0">
-              <a:ln>
-                <a:solidFill>
-                  <a:srgbClr val="1E803F">
-                    <a:alpha val="0"/>
-                  </a:srgbClr>
-                </a:solidFill>
-              </a:ln>
-              <a:latin typeface="아리따-돋움(TTF)-Light" panose="02020603020101020101" pitchFamily="18" charset="-127"/>
-              <a:ea typeface="아리따-돋움(TTF)-Light" panose="02020603020101020101" pitchFamily="18" charset="-127"/>
-              <a:cs typeface="Times New Roman" panose="02020603050405020304" pitchFamily="18" charset="0"/>
-            </a:endParaRPr>
-          </a:p>
-          <a:p>
-            <a:pPr marL="342900" indent="-342900" algn="just">
-              <a:lnSpc>
-                <a:spcPct val="107000"/>
-              </a:lnSpc>
-              <a:spcAft>
-                <a:spcPts val="800"/>
-              </a:spcAft>
-              <a:buAutoNum type="arabicParenR"/>
-            </a:pPr>
-            <a:r>
-              <a:rPr lang="ko-KR" altLang="en-US" sz="1400" kern="100" dirty="0">
-                <a:ln>
-                  <a:solidFill>
-                    <a:srgbClr val="1E803F">
-                      <a:alpha val="0"/>
-                    </a:srgbClr>
-                  </a:solidFill>
-                </a:ln>
-                <a:latin typeface="아리따-돋움(TTF)-Light" panose="02020603020101020101" pitchFamily="18" charset="-127"/>
-                <a:ea typeface="아리따-돋움(TTF)-Light" panose="02020603020101020101" pitchFamily="18" charset="-127"/>
-                <a:cs typeface="Times New Roman" panose="02020603050405020304" pitchFamily="18" charset="0"/>
-              </a:rPr>
-              <a:t>글</a:t>
-            </a:r>
-            <a:endParaRPr lang="en-US" altLang="ko-KR" sz="1400" kern="100" dirty="0">
-              <a:ln>
-                <a:solidFill>
-                  <a:srgbClr val="1E803F">
-                    <a:alpha val="0"/>
-                  </a:srgbClr>
-                </a:solidFill>
-              </a:ln>
-              <a:latin typeface="아리따-돋움(TTF)-Light" panose="02020603020101020101" pitchFamily="18" charset="-127"/>
-              <a:ea typeface="아리따-돋움(TTF)-Light" panose="02020603020101020101" pitchFamily="18" charset="-127"/>
-              <a:cs typeface="Times New Roman" panose="02020603050405020304" pitchFamily="18" charset="0"/>
-            </a:endParaRPr>
-          </a:p>
-          <a:p>
-            <a:pPr marL="342900" indent="-342900" algn="just">
-              <a:lnSpc>
-                <a:spcPct val="107000"/>
-              </a:lnSpc>
-              <a:spcAft>
-                <a:spcPts val="800"/>
-              </a:spcAft>
-              <a:buAutoNum type="arabicParenR"/>
-            </a:pPr>
-            <a:r>
-              <a:rPr lang="ko-KR" altLang="en-US" sz="1400" kern="100" dirty="0">
-                <a:ln>
-                  <a:solidFill>
-                    <a:srgbClr val="1E803F">
-                      <a:alpha val="0"/>
-                    </a:srgbClr>
-                  </a:solidFill>
-                </a:ln>
-                <a:latin typeface="아리따-돋움(TTF)-Light" panose="02020603020101020101" pitchFamily="18" charset="-127"/>
-                <a:ea typeface="아리따-돋움(TTF)-Light" panose="02020603020101020101" pitchFamily="18" charset="-127"/>
-                <a:cs typeface="Times New Roman" panose="02020603050405020304" pitchFamily="18" charset="0"/>
-              </a:rPr>
-              <a:t>글</a:t>
-            </a:r>
-            <a:endParaRPr lang="en-US" altLang="ko-KR" sz="1400" kern="100" dirty="0">
-              <a:ln>
-                <a:solidFill>
-                  <a:srgbClr val="1E803F">
-                    <a:alpha val="0"/>
-                  </a:srgbClr>
-                </a:solidFill>
-              </a:ln>
-              <a:latin typeface="아리따-돋움(TTF)-Light" panose="02020603020101020101" pitchFamily="18" charset="-127"/>
-              <a:ea typeface="아리따-돋움(TTF)-Light" panose="02020603020101020101" pitchFamily="18" charset="-127"/>
-              <a:cs typeface="Times New Roman" panose="02020603050405020304" pitchFamily="18" charset="0"/>
-            </a:endParaRPr>
-          </a:p>
-        </p:txBody>
-      </p:sp>
-      <p:cxnSp>
-        <p:nvCxnSpPr>
-          <p:cNvPr id="12" name="직선 연결선 11">
-            <a:extLst>
-              <a:ext uri="{FF2B5EF4-FFF2-40B4-BE49-F238E27FC236}">
-                <a16:creationId xmlns:a16="http://schemas.microsoft.com/office/drawing/2014/main" id="{CCAB9C50-DF0E-4566-B226-72E2DA13471E}"/>
-              </a:ext>
-            </a:extLst>
-          </p:cNvPr>
-          <p:cNvCxnSpPr/>
-          <p:nvPr/>
-        </p:nvCxnSpPr>
-        <p:spPr>
-          <a:xfrm>
-            <a:off x="6750121" y="1914251"/>
-            <a:ext cx="0" cy="4113902"/>
-          </a:xfrm>
-          <a:prstGeom prst="line">
-            <a:avLst/>
-          </a:prstGeom>
           <a:ln>
-            <a:solidFill>
-              <a:srgbClr val="355A96"/>
-            </a:solidFill>
+            <a:noFill/>
           </a:ln>
         </p:spPr>
         <p:style>
-          <a:lnRef idx="1">
-            <a:schemeClr val="accent1"/>
+          <a:lnRef idx="2">
+            <a:schemeClr val="accent1">
+              <a:shade val="50000"/>
+            </a:schemeClr>
           </a:lnRef>
-          <a:fillRef idx="0">
+          <a:fillRef idx="1">
             <a:schemeClr val="accent1"/>
           </a:fillRef>
           <a:effectRef idx="0">
             <a:schemeClr val="accent1"/>
           </a:effectRef>
           <a:fontRef idx="minor">
-            <a:schemeClr val="tx1"/>
+            <a:schemeClr val="lt1"/>
           </a:fontRef>
         </p:style>
-      </p:cxnSp>
-      <p:cxnSp>
-        <p:nvCxnSpPr>
-          <p:cNvPr id="13" name="직선 연결선 12">
-            <a:extLst>
-              <a:ext uri="{FF2B5EF4-FFF2-40B4-BE49-F238E27FC236}">
-                <a16:creationId xmlns:a16="http://schemas.microsoft.com/office/drawing/2014/main" id="{18367708-4712-42B5-9FD3-B5E0EA47162E}"/>
-              </a:ext>
-            </a:extLst>
-          </p:cNvPr>
-          <p:cNvCxnSpPr/>
+        <p:txBody>
+          <a:bodyPr rtlCol="0" anchor="ctr"/>
+          <a:lstStyle/>
+          <a:p>
+            <a:pPr algn="r"/>
+            <a:endParaRPr lang="ko-KR" altLang="en-US" dirty="0"/>
+          </a:p>
+        </p:txBody>
+      </p:sp>
+      <p:sp>
+        <p:nvSpPr>
+          <p:cNvPr id="8" name="직사각형 7">
+            <a:extLst>
+              <a:ext uri="{FF2B5EF4-FFF2-40B4-BE49-F238E27FC236}">
+                <a16:creationId xmlns="" xmlns:a16="http://schemas.microsoft.com/office/drawing/2014/main" id="{D703A7DB-BACB-4AF0-B8CF-8C852EC45FE9}"/>
+              </a:ext>
+            </a:extLst>
+          </p:cNvPr>
+          <p:cNvSpPr/>
           <p:nvPr/>
-        </p:nvCxnSpPr>
+        </p:nvSpPr>
         <p:spPr>
           <a:xfrm>
-            <a:off x="11484795" y="1900720"/>
-            <a:ext cx="0" cy="4113902"/>
+            <a:off x="-91440" y="104120"/>
+            <a:ext cx="182880" cy="688065"/>
           </a:xfrm>
-          <a:prstGeom prst="line">
+          <a:prstGeom prst="rect">
             <a:avLst/>
           </a:prstGeom>
+          <a:solidFill>
+            <a:schemeClr val="accent1">
+              <a:lumMod val="40000"/>
+              <a:lumOff val="60000"/>
+            </a:schemeClr>
+          </a:solidFill>
           <a:ln>
-            <a:solidFill>
-              <a:srgbClr val="355A96"/>
-            </a:solidFill>
+            <a:noFill/>
           </a:ln>
         </p:spPr>
         <p:style>
-          <a:lnRef idx="1">
-            <a:schemeClr val="accent1"/>
+          <a:lnRef idx="2">
+            <a:schemeClr val="accent1">
+              <a:shade val="50000"/>
+            </a:schemeClr>
           </a:lnRef>
-          <a:fillRef idx="0">
+          <a:fillRef idx="1">
             <a:schemeClr val="accent1"/>
           </a:fillRef>
           <a:effectRef idx="0">
             <a:schemeClr val="accent1"/>
           </a:effectRef>
           <a:fontRef idx="minor">
-            <a:schemeClr val="tx1"/>
+            <a:schemeClr val="lt1"/>
           </a:fontRef>
         </p:style>
-      </p:cxnSp>
-      <p:sp>
-        <p:nvSpPr>
-          <p:cNvPr id="14" name="직사각형 13">
-            <a:extLst>
-              <a:ext uri="{FF2B5EF4-FFF2-40B4-BE49-F238E27FC236}">
-                <a16:creationId xmlns:a16="http://schemas.microsoft.com/office/drawing/2014/main" id="{A8FF912E-274C-4B40-B943-17CC62A5A849}"/>
-              </a:ext>
-            </a:extLst>
-          </p:cNvPr>
-          <p:cNvSpPr/>
-          <p:nvPr/>
-        </p:nvSpPr>
-        <p:spPr>
-          <a:xfrm>
-            <a:off x="6862565" y="4967048"/>
-            <a:ext cx="4873375" cy="703398"/>
-          </a:xfrm>
-          <a:prstGeom prst="rect">
-            <a:avLst/>
-          </a:prstGeom>
-        </p:spPr>
         <p:txBody>
-          <a:bodyPr wrap="square">
-            <a:spAutoFit/>
-          </a:bodyPr>
+          <a:bodyPr rtlCol="0" anchor="ctr"/>
           <a:lstStyle/>
           <a:p>
-            <a:pPr algn="just">
-              <a:lnSpc>
-                <a:spcPct val="107000"/>
-              </a:lnSpc>
-              <a:spcAft>
-                <a:spcPts val="800"/>
-              </a:spcAft>
-            </a:pPr>
-            <a:r>
-              <a:rPr lang="en-US" altLang="ko-KR" kern="100" dirty="0">
-                <a:ln>
-                  <a:solidFill>
-                    <a:srgbClr val="1E803F">
-                      <a:alpha val="0"/>
-                    </a:srgbClr>
-                  </a:solidFill>
-                </a:ln>
-                <a:latin typeface="아리따-돋움(TTF)-Light" panose="02020603020101020101" pitchFamily="18" charset="-127"/>
-                <a:ea typeface="아리따-돋움(TTF)-Light" panose="02020603020101020101" pitchFamily="18" charset="-127"/>
-                <a:cs typeface="Times New Roman" panose="02020603050405020304" pitchFamily="18" charset="0"/>
-              </a:rPr>
-              <a:t>(1) </a:t>
-            </a:r>
-            <a:r>
-              <a:rPr lang="ko-KR" altLang="en-US" kern="100" dirty="0">
-                <a:ln>
-                  <a:solidFill>
-                    <a:srgbClr val="1E803F">
-                      <a:alpha val="0"/>
-                    </a:srgbClr>
-                  </a:solidFill>
-                </a:ln>
-                <a:latin typeface="아리따-돋움(TTF)-Light" panose="02020603020101020101" pitchFamily="18" charset="-127"/>
-                <a:ea typeface="아리따-돋움(TTF)-Light" panose="02020603020101020101" pitchFamily="18" charset="-127"/>
-                <a:cs typeface="Times New Roman" panose="02020603050405020304" pitchFamily="18" charset="0"/>
-              </a:rPr>
-              <a:t>글</a:t>
-            </a:r>
-            <a:endParaRPr lang="ko-KR" altLang="ko-KR" kern="100" dirty="0">
-              <a:ln>
-                <a:solidFill>
-                  <a:srgbClr val="1E803F">
-                    <a:alpha val="0"/>
-                  </a:srgbClr>
-                </a:solidFill>
-              </a:ln>
-              <a:latin typeface="아리따-돋움(TTF)-Light" panose="02020603020101020101" pitchFamily="18" charset="-127"/>
-              <a:ea typeface="아리따-돋움(TTF)-Light" panose="02020603020101020101" pitchFamily="18" charset="-127"/>
-              <a:cs typeface="Times New Roman" panose="02020603050405020304" pitchFamily="18" charset="0"/>
-            </a:endParaRPr>
-          </a:p>
-          <a:p>
-            <a:pPr algn="just">
-              <a:lnSpc>
-                <a:spcPct val="107000"/>
-              </a:lnSpc>
-              <a:spcAft>
-                <a:spcPts val="800"/>
-              </a:spcAft>
-            </a:pPr>
-            <a:r>
-              <a:rPr lang="en-US" altLang="ko-KR" sz="1400" kern="100" dirty="0">
-                <a:ln>
-                  <a:solidFill>
-                    <a:srgbClr val="1E803F">
-                      <a:alpha val="0"/>
-                    </a:srgbClr>
-                  </a:solidFill>
-                </a:ln>
-                <a:latin typeface="아리따-돋움(TTF)-Light" panose="02020603020101020101" pitchFamily="18" charset="-127"/>
-                <a:ea typeface="아리따-돋움(TTF)-Light" panose="02020603020101020101" pitchFamily="18" charset="-127"/>
-                <a:cs typeface="Times New Roman" panose="02020603050405020304" pitchFamily="18" charset="0"/>
-              </a:rPr>
-              <a:t>1) </a:t>
-            </a:r>
-            <a:r>
-              <a:rPr lang="ko-KR" altLang="en-US" sz="1400" kern="100" dirty="0">
-                <a:ln>
-                  <a:solidFill>
-                    <a:srgbClr val="1E803F">
-                      <a:alpha val="0"/>
-                    </a:srgbClr>
-                  </a:solidFill>
-                </a:ln>
-                <a:latin typeface="아리따-돋움(TTF)-Light" panose="02020603020101020101" pitchFamily="18" charset="-127"/>
-                <a:ea typeface="아리따-돋움(TTF)-Light" panose="02020603020101020101" pitchFamily="18" charset="-127"/>
-                <a:cs typeface="Times New Roman" panose="02020603050405020304" pitchFamily="18" charset="0"/>
-              </a:rPr>
-              <a:t>글</a:t>
-            </a:r>
-            <a:r>
-              <a:rPr lang="en-US" altLang="ko-KR" sz="1400" kern="100" dirty="0">
-                <a:ln>
-                  <a:solidFill>
-                    <a:srgbClr val="1E803F">
-                      <a:alpha val="0"/>
-                    </a:srgbClr>
-                  </a:solidFill>
-                </a:ln>
-                <a:latin typeface="아리따-돋움(TTF)-Light" panose="02020603020101020101" pitchFamily="18" charset="-127"/>
-                <a:ea typeface="아리따-돋움(TTF)-Light" panose="02020603020101020101" pitchFamily="18" charset="-127"/>
-                <a:cs typeface="Times New Roman" panose="02020603050405020304" pitchFamily="18" charset="0"/>
-              </a:rPr>
-              <a:t>.</a:t>
-            </a:r>
-          </a:p>
-        </p:txBody>
-      </p:sp>
-      <p:sp>
-        <p:nvSpPr>
-          <p:cNvPr id="17" name="직사각형 16">
-            <a:extLst>
-              <a:ext uri="{FF2B5EF4-FFF2-40B4-BE49-F238E27FC236}">
-                <a16:creationId xmlns:a16="http://schemas.microsoft.com/office/drawing/2014/main" id="{1DD0110B-7E66-46C5-8A84-C15A442DEE81}"/>
-              </a:ext>
-            </a:extLst>
-          </p:cNvPr>
-          <p:cNvSpPr/>
-          <p:nvPr/>
-        </p:nvSpPr>
-        <p:spPr>
-          <a:xfrm>
-            <a:off x="91440" y="478720"/>
-            <a:ext cx="4526280" cy="646331"/>
-          </a:xfrm>
-          <a:prstGeom prst="rect">
-            <a:avLst/>
-          </a:prstGeom>
-        </p:spPr>
-        <p:txBody>
-          <a:bodyPr wrap="square">
-            <a:spAutoFit/>
-          </a:bodyPr>
-          <a:lstStyle/>
-          <a:p>
-            <a:r>
-              <a:rPr lang="en-US" altLang="ko-KR" sz="3600" dirty="0">
-                <a:ln>
-                  <a:solidFill>
-                    <a:schemeClr val="bg1">
-                      <a:alpha val="0"/>
-                    </a:schemeClr>
-                  </a:solidFill>
-                </a:ln>
-                <a:solidFill>
-                  <a:srgbClr val="355A96"/>
-                </a:solidFill>
-                <a:latin typeface="아리따-돋움(TTF)-Light" panose="02020603020101020101" pitchFamily="18" charset="-127"/>
-                <a:ea typeface="아리따-돋움(TTF)-Light" panose="02020603020101020101" pitchFamily="18" charset="-127"/>
-              </a:rPr>
-              <a:t>Visualization</a:t>
-            </a:r>
-            <a:endParaRPr lang="ko-KR" altLang="en-US" sz="3600" dirty="0">
-              <a:ln>
-                <a:solidFill>
-                  <a:schemeClr val="bg1">
-                    <a:alpha val="0"/>
-                  </a:schemeClr>
-                </a:solidFill>
-              </a:ln>
-              <a:solidFill>
-                <a:srgbClr val="355A96"/>
-              </a:solidFill>
-              <a:latin typeface="아리따-돋움(TTF)-Light" panose="02020603020101020101" pitchFamily="18" charset="-127"/>
-              <a:ea typeface="아리따-돋움(TTF)-Light" panose="02020603020101020101" pitchFamily="18" charset="-127"/>
-            </a:endParaRPr>
+            <a:pPr algn="ctr"/>
+            <a:endParaRPr lang="ko-KR" altLang="en-US"/>
           </a:p>
         </p:txBody>
       </p:sp>
     </p:spTree>
     <p:extLst>
       <p:ext uri="{BB962C8B-B14F-4D97-AF65-F5344CB8AC3E}">
-        <p14:creationId xmlns:p14="http://schemas.microsoft.com/office/powerpoint/2010/main" val="502518425"/>
+        <p14:creationId xmlns:p14="http://schemas.microsoft.com/office/powerpoint/2010/main" val="251287022"/>
       </p:ext>
     </p:extLst>
   </p:cSld>
@@ -11179,251 +11127,26 @@
       </p:grpSpPr>
       <p:sp>
         <p:nvSpPr>
-          <p:cNvPr id="22" name="직사각형 21">
-            <a:extLst>
-              <a:ext uri="{FF2B5EF4-FFF2-40B4-BE49-F238E27FC236}">
-                <a16:creationId xmlns:a16="http://schemas.microsoft.com/office/drawing/2014/main" id="{0D23CACA-CE4D-4905-8B72-5CB4A45F4007}"/>
-              </a:ext>
-            </a:extLst>
-          </p:cNvPr>
-          <p:cNvSpPr/>
+          <p:cNvPr id="15" name="TextBox 14">
+            <a:extLst>
+              <a:ext uri="{FF2B5EF4-FFF2-40B4-BE49-F238E27FC236}">
+                <a16:creationId xmlns="" xmlns:a16="http://schemas.microsoft.com/office/drawing/2014/main" id="{B76B29C2-EB3F-40FE-9908-8B93E4235B78}"/>
+              </a:ext>
+            </a:extLst>
+          </p:cNvPr>
+          <p:cNvSpPr txBox="1"/>
           <p:nvPr/>
         </p:nvSpPr>
         <p:spPr>
           <a:xfrm>
-            <a:off x="0" y="6034497"/>
-            <a:ext cx="12192000" cy="850490"/>
+            <a:off x="42848" y="294263"/>
+            <a:ext cx="1758815" cy="307777"/>
           </a:xfrm>
           <a:prstGeom prst="rect">
             <a:avLst/>
           </a:prstGeom>
           <a:solidFill>
-            <a:srgbClr val="1E803F"/>
-          </a:solidFill>
-          <a:ln>
-            <a:noFill/>
-          </a:ln>
-        </p:spPr>
-        <p:style>
-          <a:lnRef idx="2">
-            <a:schemeClr val="accent1">
-              <a:shade val="50000"/>
-            </a:schemeClr>
-          </a:lnRef>
-          <a:fillRef idx="1">
-            <a:schemeClr val="accent1"/>
-          </a:fillRef>
-          <a:effectRef idx="0">
-            <a:schemeClr val="accent1"/>
-          </a:effectRef>
-          <a:fontRef idx="minor">
-            <a:schemeClr val="lt1"/>
-          </a:fontRef>
-        </p:style>
-        <p:txBody>
-          <a:bodyPr rtlCol="0" anchor="ctr"/>
-          <a:lstStyle/>
-          <a:p>
-            <a:pPr algn="r"/>
-            <a:endParaRPr lang="ko-KR" altLang="en-US" dirty="0"/>
-          </a:p>
-        </p:txBody>
-      </p:sp>
-      <p:sp>
-        <p:nvSpPr>
-          <p:cNvPr id="16" name="직사각형 15">
-            <a:extLst>
-              <a:ext uri="{FF2B5EF4-FFF2-40B4-BE49-F238E27FC236}">
-                <a16:creationId xmlns:a16="http://schemas.microsoft.com/office/drawing/2014/main" id="{7F73543C-E678-4175-BA8C-F569F722D659}"/>
-              </a:ext>
-            </a:extLst>
-          </p:cNvPr>
-          <p:cNvSpPr/>
-          <p:nvPr/>
-        </p:nvSpPr>
-        <p:spPr>
-          <a:xfrm>
-            <a:off x="1179094" y="1771417"/>
-            <a:ext cx="10202779" cy="3664851"/>
-          </a:xfrm>
-          <a:prstGeom prst="rect">
-            <a:avLst/>
-          </a:prstGeom>
-          <a:solidFill>
-            <a:srgbClr val="1E803F"/>
-          </a:solidFill>
-          <a:ln>
-            <a:noFill/>
-          </a:ln>
-        </p:spPr>
-        <p:style>
-          <a:lnRef idx="2">
-            <a:schemeClr val="accent1">
-              <a:shade val="50000"/>
-            </a:schemeClr>
-          </a:lnRef>
-          <a:fillRef idx="1">
-            <a:schemeClr val="accent1"/>
-          </a:fillRef>
-          <a:effectRef idx="0">
-            <a:schemeClr val="accent1"/>
-          </a:effectRef>
-          <a:fontRef idx="minor">
-            <a:schemeClr val="lt1"/>
-          </a:fontRef>
-        </p:style>
-        <p:txBody>
-          <a:bodyPr rtlCol="0" anchor="ctr"/>
-          <a:lstStyle/>
-          <a:p>
-            <a:pPr algn="ctr"/>
-            <a:endParaRPr lang="ko-KR" altLang="en-US"/>
-          </a:p>
-        </p:txBody>
-      </p:sp>
-      <p:sp>
-        <p:nvSpPr>
-          <p:cNvPr id="17" name="직사각형 16">
-            <a:extLst>
-              <a:ext uri="{FF2B5EF4-FFF2-40B4-BE49-F238E27FC236}">
-                <a16:creationId xmlns:a16="http://schemas.microsoft.com/office/drawing/2014/main" id="{D8DE1DC9-5F05-4935-B334-30C89086EB0A}"/>
-              </a:ext>
-            </a:extLst>
-          </p:cNvPr>
-          <p:cNvSpPr/>
-          <p:nvPr/>
-        </p:nvSpPr>
-        <p:spPr>
-          <a:xfrm>
-            <a:off x="0" y="2344153"/>
-            <a:ext cx="12192000" cy="3092115"/>
-          </a:xfrm>
-          <a:prstGeom prst="rect">
-            <a:avLst/>
-          </a:prstGeom>
-          <a:solidFill>
-            <a:schemeClr val="accent6">
-              <a:lumMod val="20000"/>
-              <a:lumOff val="80000"/>
-            </a:schemeClr>
-          </a:solidFill>
-          <a:ln>
-            <a:noFill/>
-          </a:ln>
-        </p:spPr>
-        <p:style>
-          <a:lnRef idx="2">
-            <a:schemeClr val="accent1">
-              <a:shade val="50000"/>
-            </a:schemeClr>
-          </a:lnRef>
-          <a:fillRef idx="1">
-            <a:schemeClr val="accent1"/>
-          </a:fillRef>
-          <a:effectRef idx="0">
-            <a:schemeClr val="accent1"/>
-          </a:effectRef>
-          <a:fontRef idx="minor">
-            <a:schemeClr val="lt1"/>
-          </a:fontRef>
-        </p:style>
-        <p:txBody>
-          <a:bodyPr rtlCol="0" anchor="ctr"/>
-          <a:lstStyle/>
-          <a:p>
-            <a:pPr algn="ctr"/>
-            <a:endParaRPr lang="ko-KR" altLang="en-US"/>
-          </a:p>
-        </p:txBody>
-      </p:sp>
-      <p:sp>
-        <p:nvSpPr>
-          <p:cNvPr id="3" name="직사각형 2">
-            <a:extLst>
-              <a:ext uri="{FF2B5EF4-FFF2-40B4-BE49-F238E27FC236}">
-                <a16:creationId xmlns:a16="http://schemas.microsoft.com/office/drawing/2014/main" id="{7A88A710-ADB2-470D-B516-0B28EDEAE25F}"/>
-              </a:ext>
-            </a:extLst>
-          </p:cNvPr>
-          <p:cNvSpPr/>
-          <p:nvPr/>
-        </p:nvSpPr>
-        <p:spPr>
-          <a:xfrm>
-            <a:off x="22842" y="602040"/>
-            <a:ext cx="4033520" cy="646331"/>
-          </a:xfrm>
-          <a:prstGeom prst="rect">
-            <a:avLst/>
-          </a:prstGeom>
-        </p:spPr>
-        <p:txBody>
-          <a:bodyPr wrap="square">
-            <a:spAutoFit/>
-          </a:bodyPr>
-          <a:lstStyle/>
-          <a:p>
-            <a:r>
-              <a:rPr lang="en-US" altLang="ko-KR" sz="3600" dirty="0">
-                <a:ln>
-                  <a:solidFill>
-                    <a:schemeClr val="accent1">
-                      <a:shade val="50000"/>
-                      <a:alpha val="0"/>
-                    </a:schemeClr>
-                  </a:solidFill>
-                </a:ln>
-                <a:solidFill>
-                  <a:srgbClr val="1E803F"/>
-                </a:solidFill>
-                <a:latin typeface="아리따-돋움(TTF)-Light" panose="02020603020101020101" pitchFamily="18" charset="-127"/>
-                <a:ea typeface="아리따-돋움(TTF)-Light" panose="02020603020101020101" pitchFamily="18" charset="-127"/>
-              </a:rPr>
-              <a:t>Result Evaluation</a:t>
-            </a:r>
-            <a:endParaRPr lang="ko-KR" altLang="en-US" sz="3600" dirty="0">
-              <a:ln>
-                <a:solidFill>
-                  <a:schemeClr val="accent1">
-                    <a:shade val="50000"/>
-                    <a:alpha val="0"/>
-                  </a:schemeClr>
-                </a:solidFill>
-              </a:ln>
-              <a:solidFill>
-                <a:srgbClr val="1E803F"/>
-              </a:solidFill>
-              <a:latin typeface="아리따-돋움(TTF)-Light" panose="02020603020101020101" pitchFamily="18" charset="-127"/>
-              <a:ea typeface="아리따-돋움(TTF)-Light" panose="02020603020101020101" pitchFamily="18" charset="-127"/>
-            </a:endParaRPr>
-          </a:p>
-        </p:txBody>
-      </p:sp>
-      <p:sp>
-        <p:nvSpPr>
-          <p:cNvPr id="28" name="TextBox 27">
-            <a:extLst>
-              <a:ext uri="{FF2B5EF4-FFF2-40B4-BE49-F238E27FC236}">
-                <a16:creationId xmlns:a16="http://schemas.microsoft.com/office/drawing/2014/main" id="{EBD9D0F0-9BF7-452F-A241-B3AD0C81A1C6}"/>
-              </a:ext>
-            </a:extLst>
-          </p:cNvPr>
-          <p:cNvSpPr txBox="1"/>
-          <p:nvPr/>
-        </p:nvSpPr>
-        <p:spPr>
-          <a:xfrm>
-            <a:off x="22842" y="294263"/>
-            <a:ext cx="1864741" cy="307777"/>
-          </a:xfrm>
-          <a:prstGeom prst="rect">
-            <a:avLst/>
-          </a:prstGeom>
-          <a:solidFill>
-            <a:schemeClr val="accent6">
-              <a:lumMod val="20000"/>
-              <a:lumOff val="80000"/>
-            </a:schemeClr>
+            <a:srgbClr val="355A96"/>
           </a:solidFill>
         </p:spPr>
         <p:txBody>
@@ -11443,32 +11166,14 @@
                   </a:solidFill>
                 </a:ln>
                 <a:solidFill>
-                  <a:srgbClr val="1E803F"/>
+                  <a:schemeClr val="bg1"/>
                 </a:solidFill>
                 <a:latin typeface="KoPub돋움체 Bold" panose="02020603020101020101" pitchFamily="18" charset="-127"/>
                 <a:ea typeface="KoPub돋움체 Bold" panose="02020603020101020101" pitchFamily="18" charset="-127"/>
               </a:rPr>
-              <a:t>3. </a:t>
-            </a:r>
-            <a:r>
-              <a:rPr lang="en-US" altLang="ko-KR" sz="1400" b="1" dirty="0">
-                <a:ln>
-                  <a:solidFill>
-                    <a:schemeClr val="accent1">
-                      <a:shade val="50000"/>
-                      <a:alpha val="0"/>
-                    </a:schemeClr>
-                  </a:solidFill>
-                </a:ln>
-                <a:solidFill>
-                  <a:srgbClr val="1E803F"/>
-                </a:solidFill>
-                <a:latin typeface="KoPub돋움체 Bold" panose="02020603020101020101" pitchFamily="18" charset="-127"/>
-                <a:ea typeface="아리따-돋움(TTF)-Light" panose="02020603020101020101" pitchFamily="18" charset="-127"/>
-              </a:rPr>
-              <a:t>Result Evaluation</a:t>
-            </a:r>
-            <a:endParaRPr lang="ko-KR" altLang="en-US" sz="1400" b="1" dirty="0">
+              <a:t>3. Implementation</a:t>
+            </a:r>
+            <a:endParaRPr lang="ko-KR" altLang="en-US" sz="1600" b="1" dirty="0">
               <a:ln>
                 <a:solidFill>
                   <a:schemeClr val="accent1">
@@ -11478,20 +11183,20 @@
                 </a:solidFill>
               </a:ln>
               <a:solidFill>
-                <a:srgbClr val="1E803F"/>
+                <a:schemeClr val="bg1"/>
               </a:solidFill>
-              <a:latin typeface="아리따-돋움(TTF)-Light" panose="02020603020101020101" pitchFamily="18" charset="-127"/>
-              <a:ea typeface="아리따-돋움(TTF)-Light" panose="02020603020101020101" pitchFamily="18" charset="-127"/>
+              <a:latin typeface="KoPub돋움체 Bold" panose="02020603020101020101" pitchFamily="18" charset="-127"/>
+              <a:ea typeface="KoPub돋움체 Bold" panose="02020603020101020101" pitchFamily="18" charset="-127"/>
             </a:endParaRPr>
           </a:p>
         </p:txBody>
       </p:sp>
       <p:sp>
         <p:nvSpPr>
-          <p:cNvPr id="29" name="직사각형 28">
-            <a:extLst>
-              <a:ext uri="{FF2B5EF4-FFF2-40B4-BE49-F238E27FC236}">
-                <a16:creationId xmlns:a16="http://schemas.microsoft.com/office/drawing/2014/main" id="{A5B76934-C669-4221-B328-28C462E2B865}"/>
+          <p:cNvPr id="5" name="직사각형 4">
+            <a:extLst>
+              <a:ext uri="{FF2B5EF4-FFF2-40B4-BE49-F238E27FC236}">
+                <a16:creationId xmlns="" xmlns:a16="http://schemas.microsoft.com/office/drawing/2014/main" id="{48D06F82-12DC-4727-955A-17DFA6422558}"/>
               </a:ext>
             </a:extLst>
           </p:cNvPr>
@@ -11538,10 +11243,834 @@
           </a:p>
         </p:txBody>
       </p:sp>
+      <p:sp>
+        <p:nvSpPr>
+          <p:cNvPr id="7" name="직사각형 6">
+            <a:extLst>
+              <a:ext uri="{FF2B5EF4-FFF2-40B4-BE49-F238E27FC236}">
+                <a16:creationId xmlns="" xmlns:a16="http://schemas.microsoft.com/office/drawing/2014/main" id="{ABF26904-18C6-4777-B07D-99A5D2F8A480}"/>
+              </a:ext>
+            </a:extLst>
+          </p:cNvPr>
+          <p:cNvSpPr/>
+          <p:nvPr/>
+        </p:nvSpPr>
+        <p:spPr>
+          <a:xfrm>
+            <a:off x="192470" y="1501900"/>
+            <a:ext cx="2930874" cy="398820"/>
+          </a:xfrm>
+          <a:prstGeom prst="rect">
+            <a:avLst/>
+          </a:prstGeom>
+          <a:solidFill>
+            <a:srgbClr val="355A96"/>
+          </a:solidFill>
+        </p:spPr>
+        <p:txBody>
+          <a:bodyPr wrap="square">
+            <a:spAutoFit/>
+          </a:bodyPr>
+          <a:lstStyle/>
+          <a:p>
+            <a:pPr algn="ctr"/>
+            <a:r>
+              <a:rPr lang="en-US" altLang="ko-KR" sz="2000" dirty="0">
+                <a:ln>
+                  <a:solidFill>
+                    <a:schemeClr val="bg1">
+                      <a:alpha val="0"/>
+                    </a:schemeClr>
+                  </a:solidFill>
+                </a:ln>
+                <a:solidFill>
+                  <a:schemeClr val="bg1"/>
+                </a:solidFill>
+                <a:latin typeface="아리따-돋움(TTF)-Light" panose="02020603020101020101" pitchFamily="18" charset="-127"/>
+                <a:ea typeface="아리따-돋움(TTF)-Light" panose="02020603020101020101" pitchFamily="18" charset="-127"/>
+              </a:rPr>
+              <a:t>Result</a:t>
+            </a:r>
+            <a:endParaRPr lang="ko-KR" altLang="en-US" sz="2000" dirty="0">
+              <a:ln>
+                <a:solidFill>
+                  <a:schemeClr val="bg1">
+                    <a:alpha val="0"/>
+                  </a:schemeClr>
+                </a:solidFill>
+              </a:ln>
+              <a:solidFill>
+                <a:schemeClr val="bg1"/>
+              </a:solidFill>
+              <a:latin typeface="아리따-돋움(TTF)-Light" panose="02020603020101020101" pitchFamily="18" charset="-127"/>
+              <a:ea typeface="아리따-돋움(TTF)-Light" panose="02020603020101020101" pitchFamily="18" charset="-127"/>
+            </a:endParaRPr>
+          </a:p>
+        </p:txBody>
+      </p:sp>
+      <p:sp>
+        <p:nvSpPr>
+          <p:cNvPr id="9" name="직사각형 8">
+            <a:extLst>
+              <a:ext uri="{FF2B5EF4-FFF2-40B4-BE49-F238E27FC236}">
+                <a16:creationId xmlns="" xmlns:a16="http://schemas.microsoft.com/office/drawing/2014/main" id="{0C4F22D3-C0F5-4B15-9131-96EC36C26B07}"/>
+              </a:ext>
+            </a:extLst>
+          </p:cNvPr>
+          <p:cNvSpPr/>
+          <p:nvPr/>
+        </p:nvSpPr>
+        <p:spPr>
+          <a:xfrm>
+            <a:off x="6862565" y="1768353"/>
+            <a:ext cx="3951783" cy="705450"/>
+          </a:xfrm>
+          <a:prstGeom prst="rect">
+            <a:avLst/>
+          </a:prstGeom>
+        </p:spPr>
+        <p:txBody>
+          <a:bodyPr wrap="square">
+            <a:spAutoFit/>
+          </a:bodyPr>
+          <a:lstStyle/>
+          <a:p>
+            <a:pPr algn="just">
+              <a:lnSpc>
+                <a:spcPct val="107000"/>
+              </a:lnSpc>
+              <a:spcAft>
+                <a:spcPts val="800"/>
+              </a:spcAft>
+            </a:pPr>
+            <a:r>
+              <a:rPr lang="en-US" altLang="ko-KR" kern="100" dirty="0">
+                <a:ln>
+                  <a:solidFill>
+                    <a:srgbClr val="1E803F">
+                      <a:alpha val="0"/>
+                    </a:srgbClr>
+                  </a:solidFill>
+                </a:ln>
+                <a:latin typeface="아리따-돋움(TTF)-Light" panose="02020603020101020101" pitchFamily="18" charset="-127"/>
+                <a:ea typeface="아리따-돋움(TTF)-Light" panose="02020603020101020101" pitchFamily="18" charset="-127"/>
+                <a:cs typeface="Times New Roman" panose="02020603050405020304" pitchFamily="18" charset="0"/>
+              </a:rPr>
+              <a:t>(1) </a:t>
+            </a:r>
+            <a:r>
+              <a:rPr lang="ko-KR" altLang="en-US" kern="100" dirty="0">
+                <a:ln>
+                  <a:solidFill>
+                    <a:srgbClr val="1E803F">
+                      <a:alpha val="0"/>
+                    </a:srgbClr>
+                  </a:solidFill>
+                </a:ln>
+                <a:latin typeface="아리따-돋움(TTF)-Light" panose="02020603020101020101" pitchFamily="18" charset="-127"/>
+                <a:ea typeface="아리따-돋움(TTF)-Light" panose="02020603020101020101" pitchFamily="18" charset="-127"/>
+                <a:cs typeface="Times New Roman" panose="02020603050405020304" pitchFamily="18" charset="0"/>
+              </a:rPr>
+              <a:t>글</a:t>
+            </a:r>
+            <a:endParaRPr lang="ko-KR" altLang="ko-KR" kern="100" dirty="0">
+              <a:ln>
+                <a:solidFill>
+                  <a:srgbClr val="1E803F">
+                    <a:alpha val="0"/>
+                  </a:srgbClr>
+                </a:solidFill>
+              </a:ln>
+              <a:latin typeface="아리따-돋움(TTF)-Light" panose="02020603020101020101" pitchFamily="18" charset="-127"/>
+              <a:ea typeface="아리따-돋움(TTF)-Light" panose="02020603020101020101" pitchFamily="18" charset="-127"/>
+              <a:cs typeface="Times New Roman" panose="02020603050405020304" pitchFamily="18" charset="0"/>
+            </a:endParaRPr>
+          </a:p>
+          <a:p>
+            <a:pPr algn="just">
+              <a:lnSpc>
+                <a:spcPct val="107000"/>
+              </a:lnSpc>
+              <a:spcAft>
+                <a:spcPts val="800"/>
+              </a:spcAft>
+            </a:pPr>
+            <a:r>
+              <a:rPr lang="en-US" altLang="ko-KR" sz="1400" kern="100" dirty="0">
+                <a:ln>
+                  <a:solidFill>
+                    <a:srgbClr val="1E803F">
+                      <a:alpha val="0"/>
+                    </a:srgbClr>
+                  </a:solidFill>
+                </a:ln>
+                <a:latin typeface="아리따-돋움(TTF)-Light" panose="02020603020101020101" pitchFamily="18" charset="-127"/>
+                <a:ea typeface="아리따-돋움(TTF)-Light" panose="02020603020101020101" pitchFamily="18" charset="-127"/>
+                <a:cs typeface="Times New Roman" panose="02020603050405020304" pitchFamily="18" charset="0"/>
+              </a:rPr>
+              <a:t>1) </a:t>
+            </a:r>
+            <a:r>
+              <a:rPr lang="ko-KR" altLang="en-US" sz="1400" kern="100" dirty="0">
+                <a:ln>
+                  <a:solidFill>
+                    <a:srgbClr val="1E803F">
+                      <a:alpha val="0"/>
+                    </a:srgbClr>
+                  </a:solidFill>
+                </a:ln>
+                <a:latin typeface="아리따-돋움(TTF)-Light" panose="02020603020101020101" pitchFamily="18" charset="-127"/>
+                <a:ea typeface="아리따-돋움(TTF)-Light" panose="02020603020101020101" pitchFamily="18" charset="-127"/>
+                <a:cs typeface="Times New Roman" panose="02020603050405020304" pitchFamily="18" charset="0"/>
+              </a:rPr>
+              <a:t>글</a:t>
+            </a:r>
+            <a:endParaRPr lang="ko-KR" altLang="ko-KR" kern="100" dirty="0">
+              <a:ln>
+                <a:solidFill>
+                  <a:srgbClr val="1E803F">
+                    <a:alpha val="0"/>
+                  </a:srgbClr>
+                </a:solidFill>
+              </a:ln>
+              <a:solidFill>
+                <a:srgbClr val="1E803F"/>
+              </a:solidFill>
+              <a:latin typeface="아리따-돋움(TTF)-Light" panose="02020603020101020101" pitchFamily="18" charset="-127"/>
+              <a:ea typeface="아리따-돋움(TTF)-Light" panose="02020603020101020101" pitchFamily="18" charset="-127"/>
+              <a:cs typeface="Times New Roman" panose="02020603050405020304" pitchFamily="18" charset="0"/>
+            </a:endParaRPr>
+          </a:p>
+        </p:txBody>
+      </p:sp>
+      <p:sp>
+        <p:nvSpPr>
+          <p:cNvPr id="10" name="직사각형 9">
+            <a:extLst>
+              <a:ext uri="{FF2B5EF4-FFF2-40B4-BE49-F238E27FC236}">
+                <a16:creationId xmlns="" xmlns:a16="http://schemas.microsoft.com/office/drawing/2014/main" id="{ADAAAE89-1FD9-410C-A21F-D01B346F6A93}"/>
+              </a:ext>
+            </a:extLst>
+          </p:cNvPr>
+          <p:cNvSpPr/>
+          <p:nvPr/>
+        </p:nvSpPr>
+        <p:spPr>
+          <a:xfrm>
+            <a:off x="6862565" y="2723550"/>
+            <a:ext cx="3349946" cy="705450"/>
+          </a:xfrm>
+          <a:prstGeom prst="rect">
+            <a:avLst/>
+          </a:prstGeom>
+        </p:spPr>
+        <p:txBody>
+          <a:bodyPr wrap="square">
+            <a:spAutoFit/>
+          </a:bodyPr>
+          <a:lstStyle/>
+          <a:p>
+            <a:pPr algn="just">
+              <a:lnSpc>
+                <a:spcPct val="107000"/>
+              </a:lnSpc>
+              <a:spcAft>
+                <a:spcPts val="800"/>
+              </a:spcAft>
+            </a:pPr>
+            <a:r>
+              <a:rPr lang="en-US" altLang="ko-KR" kern="100" dirty="0">
+                <a:ln>
+                  <a:solidFill>
+                    <a:srgbClr val="1E803F">
+                      <a:alpha val="0"/>
+                    </a:srgbClr>
+                  </a:solidFill>
+                </a:ln>
+                <a:latin typeface="아리따-돋움(TTF)-Light" panose="02020603020101020101" pitchFamily="18" charset="-127"/>
+                <a:ea typeface="아리따-돋움(TTF)-Light" panose="02020603020101020101" pitchFamily="18" charset="-127"/>
+                <a:cs typeface="Times New Roman" panose="02020603050405020304" pitchFamily="18" charset="0"/>
+              </a:rPr>
+              <a:t>(1) </a:t>
+            </a:r>
+            <a:r>
+              <a:rPr lang="ko-KR" altLang="en-US" kern="100" dirty="0">
+                <a:ln>
+                  <a:solidFill>
+                    <a:srgbClr val="1E803F">
+                      <a:alpha val="0"/>
+                    </a:srgbClr>
+                  </a:solidFill>
+                </a:ln>
+                <a:latin typeface="아리따-돋움(TTF)-Light" panose="02020603020101020101" pitchFamily="18" charset="-127"/>
+                <a:ea typeface="아리따-돋움(TTF)-Light" panose="02020603020101020101" pitchFamily="18" charset="-127"/>
+                <a:cs typeface="Times New Roman" panose="02020603050405020304" pitchFamily="18" charset="0"/>
+              </a:rPr>
+              <a:t>글</a:t>
+            </a:r>
+            <a:endParaRPr lang="ko-KR" altLang="ko-KR" kern="100" dirty="0">
+              <a:ln>
+                <a:solidFill>
+                  <a:srgbClr val="1E803F">
+                    <a:alpha val="0"/>
+                  </a:srgbClr>
+                </a:solidFill>
+              </a:ln>
+              <a:latin typeface="아리따-돋움(TTF)-Light" panose="02020603020101020101" pitchFamily="18" charset="-127"/>
+              <a:ea typeface="아리따-돋움(TTF)-Light" panose="02020603020101020101" pitchFamily="18" charset="-127"/>
+              <a:cs typeface="Times New Roman" panose="02020603050405020304" pitchFamily="18" charset="0"/>
+            </a:endParaRPr>
+          </a:p>
+          <a:p>
+            <a:pPr algn="just">
+              <a:lnSpc>
+                <a:spcPct val="107000"/>
+              </a:lnSpc>
+              <a:spcAft>
+                <a:spcPts val="800"/>
+              </a:spcAft>
+            </a:pPr>
+            <a:r>
+              <a:rPr lang="en-US" altLang="ko-KR" sz="1400" kern="100" dirty="0">
+                <a:ln>
+                  <a:solidFill>
+                    <a:srgbClr val="1E803F">
+                      <a:alpha val="0"/>
+                    </a:srgbClr>
+                  </a:solidFill>
+                </a:ln>
+                <a:latin typeface="아리따-돋움(TTF)-Light" panose="02020603020101020101" pitchFamily="18" charset="-127"/>
+                <a:ea typeface="아리따-돋움(TTF)-Light" panose="02020603020101020101" pitchFamily="18" charset="-127"/>
+                <a:cs typeface="Times New Roman" panose="02020603050405020304" pitchFamily="18" charset="0"/>
+              </a:rPr>
+              <a:t>1) </a:t>
+            </a:r>
+            <a:r>
+              <a:rPr lang="ko-KR" altLang="en-US" sz="1400" kern="100" dirty="0">
+                <a:ln>
+                  <a:solidFill>
+                    <a:srgbClr val="1E803F">
+                      <a:alpha val="0"/>
+                    </a:srgbClr>
+                  </a:solidFill>
+                </a:ln>
+                <a:latin typeface="아리따-돋움(TTF)-Light" panose="02020603020101020101" pitchFamily="18" charset="-127"/>
+                <a:ea typeface="아리따-돋움(TTF)-Light" panose="02020603020101020101" pitchFamily="18" charset="-127"/>
+                <a:cs typeface="Times New Roman" panose="02020603050405020304" pitchFamily="18" charset="0"/>
+              </a:rPr>
+              <a:t>글</a:t>
+            </a:r>
+            <a:endParaRPr lang="ko-KR" altLang="ko-KR" kern="100" dirty="0">
+              <a:ln>
+                <a:solidFill>
+                  <a:srgbClr val="1E803F">
+                    <a:alpha val="0"/>
+                  </a:srgbClr>
+                </a:solidFill>
+              </a:ln>
+              <a:solidFill>
+                <a:srgbClr val="1E803F"/>
+              </a:solidFill>
+              <a:latin typeface="아리따-돋움(TTF)-Light" panose="02020603020101020101" pitchFamily="18" charset="-127"/>
+              <a:ea typeface="아리따-돋움(TTF)-Light" panose="02020603020101020101" pitchFamily="18" charset="-127"/>
+              <a:cs typeface="Times New Roman" panose="02020603050405020304" pitchFamily="18" charset="0"/>
+            </a:endParaRPr>
+          </a:p>
+        </p:txBody>
+      </p:sp>
+      <p:sp>
+        <p:nvSpPr>
+          <p:cNvPr id="11" name="직사각형 10">
+            <a:extLst>
+              <a:ext uri="{FF2B5EF4-FFF2-40B4-BE49-F238E27FC236}">
+                <a16:creationId xmlns="" xmlns:a16="http://schemas.microsoft.com/office/drawing/2014/main" id="{5AFC9BB8-0ED3-47C7-AE39-1ED4DCEFB510}"/>
+              </a:ext>
+            </a:extLst>
+          </p:cNvPr>
+          <p:cNvSpPr/>
+          <p:nvPr/>
+        </p:nvSpPr>
+        <p:spPr>
+          <a:xfrm>
+            <a:off x="6862565" y="3678747"/>
+            <a:ext cx="4873375" cy="1036502"/>
+          </a:xfrm>
+          <a:prstGeom prst="rect">
+            <a:avLst/>
+          </a:prstGeom>
+        </p:spPr>
+        <p:txBody>
+          <a:bodyPr wrap="square">
+            <a:spAutoFit/>
+          </a:bodyPr>
+          <a:lstStyle/>
+          <a:p>
+            <a:pPr algn="just">
+              <a:lnSpc>
+                <a:spcPct val="107000"/>
+              </a:lnSpc>
+              <a:spcAft>
+                <a:spcPts val="800"/>
+              </a:spcAft>
+            </a:pPr>
+            <a:r>
+              <a:rPr lang="en-US" altLang="ko-KR" kern="100" dirty="0">
+                <a:ln>
+                  <a:solidFill>
+                    <a:srgbClr val="1E803F">
+                      <a:alpha val="0"/>
+                    </a:srgbClr>
+                  </a:solidFill>
+                </a:ln>
+                <a:latin typeface="아리따-돋움(TTF)-Light" panose="02020603020101020101" pitchFamily="18" charset="-127"/>
+                <a:ea typeface="아리따-돋움(TTF)-Light" panose="02020603020101020101" pitchFamily="18" charset="-127"/>
+                <a:cs typeface="Times New Roman" panose="02020603050405020304" pitchFamily="18" charset="0"/>
+              </a:rPr>
+              <a:t>(1) </a:t>
+            </a:r>
+            <a:r>
+              <a:rPr lang="ko-KR" altLang="en-US" kern="100" dirty="0">
+                <a:ln>
+                  <a:solidFill>
+                    <a:srgbClr val="1E803F">
+                      <a:alpha val="0"/>
+                    </a:srgbClr>
+                  </a:solidFill>
+                </a:ln>
+                <a:latin typeface="아리따-돋움(TTF)-Light" panose="02020603020101020101" pitchFamily="18" charset="-127"/>
+                <a:ea typeface="아리따-돋움(TTF)-Light" panose="02020603020101020101" pitchFamily="18" charset="-127"/>
+                <a:cs typeface="Times New Roman" panose="02020603050405020304" pitchFamily="18" charset="0"/>
+              </a:rPr>
+              <a:t>글</a:t>
+            </a:r>
+            <a:endParaRPr lang="ko-KR" altLang="ko-KR" kern="100" dirty="0">
+              <a:ln>
+                <a:solidFill>
+                  <a:srgbClr val="1E803F">
+                    <a:alpha val="0"/>
+                  </a:srgbClr>
+                </a:solidFill>
+              </a:ln>
+              <a:latin typeface="아리따-돋움(TTF)-Light" panose="02020603020101020101" pitchFamily="18" charset="-127"/>
+              <a:ea typeface="아리따-돋움(TTF)-Light" panose="02020603020101020101" pitchFamily="18" charset="-127"/>
+              <a:cs typeface="Times New Roman" panose="02020603050405020304" pitchFamily="18" charset="0"/>
+            </a:endParaRPr>
+          </a:p>
+          <a:p>
+            <a:pPr marL="342900" indent="-342900" algn="just">
+              <a:lnSpc>
+                <a:spcPct val="107000"/>
+              </a:lnSpc>
+              <a:spcAft>
+                <a:spcPts val="800"/>
+              </a:spcAft>
+              <a:buAutoNum type="arabicParenR"/>
+            </a:pPr>
+            <a:r>
+              <a:rPr lang="ko-KR" altLang="en-US" sz="1400" kern="100" dirty="0">
+                <a:ln>
+                  <a:solidFill>
+                    <a:srgbClr val="1E803F">
+                      <a:alpha val="0"/>
+                    </a:srgbClr>
+                  </a:solidFill>
+                </a:ln>
+                <a:latin typeface="아리따-돋움(TTF)-Light" panose="02020603020101020101" pitchFamily="18" charset="-127"/>
+                <a:ea typeface="아리따-돋움(TTF)-Light" panose="02020603020101020101" pitchFamily="18" charset="-127"/>
+                <a:cs typeface="Times New Roman" panose="02020603050405020304" pitchFamily="18" charset="0"/>
+              </a:rPr>
+              <a:t>글</a:t>
+            </a:r>
+            <a:endParaRPr lang="en-US" altLang="ko-KR" sz="1400" kern="100" dirty="0">
+              <a:ln>
+                <a:solidFill>
+                  <a:srgbClr val="1E803F">
+                    <a:alpha val="0"/>
+                  </a:srgbClr>
+                </a:solidFill>
+              </a:ln>
+              <a:latin typeface="아리따-돋움(TTF)-Light" panose="02020603020101020101" pitchFamily="18" charset="-127"/>
+              <a:ea typeface="아리따-돋움(TTF)-Light" panose="02020603020101020101" pitchFamily="18" charset="-127"/>
+              <a:cs typeface="Times New Roman" panose="02020603050405020304" pitchFamily="18" charset="0"/>
+            </a:endParaRPr>
+          </a:p>
+          <a:p>
+            <a:pPr marL="342900" indent="-342900" algn="just">
+              <a:lnSpc>
+                <a:spcPct val="107000"/>
+              </a:lnSpc>
+              <a:spcAft>
+                <a:spcPts val="800"/>
+              </a:spcAft>
+              <a:buAutoNum type="arabicParenR"/>
+            </a:pPr>
+            <a:r>
+              <a:rPr lang="ko-KR" altLang="en-US" sz="1400" kern="100" dirty="0">
+                <a:ln>
+                  <a:solidFill>
+                    <a:srgbClr val="1E803F">
+                      <a:alpha val="0"/>
+                    </a:srgbClr>
+                  </a:solidFill>
+                </a:ln>
+                <a:latin typeface="아리따-돋움(TTF)-Light" panose="02020603020101020101" pitchFamily="18" charset="-127"/>
+                <a:ea typeface="아리따-돋움(TTF)-Light" panose="02020603020101020101" pitchFamily="18" charset="-127"/>
+                <a:cs typeface="Times New Roman" panose="02020603050405020304" pitchFamily="18" charset="0"/>
+              </a:rPr>
+              <a:t>글</a:t>
+            </a:r>
+            <a:endParaRPr lang="en-US" altLang="ko-KR" sz="1400" kern="100" dirty="0">
+              <a:ln>
+                <a:solidFill>
+                  <a:srgbClr val="1E803F">
+                    <a:alpha val="0"/>
+                  </a:srgbClr>
+                </a:solidFill>
+              </a:ln>
+              <a:latin typeface="아리따-돋움(TTF)-Light" panose="02020603020101020101" pitchFamily="18" charset="-127"/>
+              <a:ea typeface="아리따-돋움(TTF)-Light" panose="02020603020101020101" pitchFamily="18" charset="-127"/>
+              <a:cs typeface="Times New Roman" panose="02020603050405020304" pitchFamily="18" charset="0"/>
+            </a:endParaRPr>
+          </a:p>
+        </p:txBody>
+      </p:sp>
+      <p:cxnSp>
+        <p:nvCxnSpPr>
+          <p:cNvPr id="12" name="직선 연결선 11">
+            <a:extLst>
+              <a:ext uri="{FF2B5EF4-FFF2-40B4-BE49-F238E27FC236}">
+                <a16:creationId xmlns="" xmlns:a16="http://schemas.microsoft.com/office/drawing/2014/main" id="{CCAB9C50-DF0E-4566-B226-72E2DA13471E}"/>
+              </a:ext>
+            </a:extLst>
+          </p:cNvPr>
+          <p:cNvCxnSpPr/>
+          <p:nvPr/>
+        </p:nvCxnSpPr>
+        <p:spPr>
+          <a:xfrm>
+            <a:off x="6750121" y="1914251"/>
+            <a:ext cx="0" cy="4113902"/>
+          </a:xfrm>
+          <a:prstGeom prst="line">
+            <a:avLst/>
+          </a:prstGeom>
+          <a:ln>
+            <a:solidFill>
+              <a:srgbClr val="355A96"/>
+            </a:solidFill>
+          </a:ln>
+        </p:spPr>
+        <p:style>
+          <a:lnRef idx="1">
+            <a:schemeClr val="accent1"/>
+          </a:lnRef>
+          <a:fillRef idx="0">
+            <a:schemeClr val="accent1"/>
+          </a:fillRef>
+          <a:effectRef idx="0">
+            <a:schemeClr val="accent1"/>
+          </a:effectRef>
+          <a:fontRef idx="minor">
+            <a:schemeClr val="tx1"/>
+          </a:fontRef>
+        </p:style>
+      </p:cxnSp>
+      <p:cxnSp>
+        <p:nvCxnSpPr>
+          <p:cNvPr id="13" name="직선 연결선 12">
+            <a:extLst>
+              <a:ext uri="{FF2B5EF4-FFF2-40B4-BE49-F238E27FC236}">
+                <a16:creationId xmlns="" xmlns:a16="http://schemas.microsoft.com/office/drawing/2014/main" id="{18367708-4712-42B5-9FD3-B5E0EA47162E}"/>
+              </a:ext>
+            </a:extLst>
+          </p:cNvPr>
+          <p:cNvCxnSpPr/>
+          <p:nvPr/>
+        </p:nvCxnSpPr>
+        <p:spPr>
+          <a:xfrm>
+            <a:off x="11484795" y="1900720"/>
+            <a:ext cx="0" cy="4113902"/>
+          </a:xfrm>
+          <a:prstGeom prst="line">
+            <a:avLst/>
+          </a:prstGeom>
+          <a:ln>
+            <a:solidFill>
+              <a:srgbClr val="355A96"/>
+            </a:solidFill>
+          </a:ln>
+        </p:spPr>
+        <p:style>
+          <a:lnRef idx="1">
+            <a:schemeClr val="accent1"/>
+          </a:lnRef>
+          <a:fillRef idx="0">
+            <a:schemeClr val="accent1"/>
+          </a:fillRef>
+          <a:effectRef idx="0">
+            <a:schemeClr val="accent1"/>
+          </a:effectRef>
+          <a:fontRef idx="minor">
+            <a:schemeClr val="tx1"/>
+          </a:fontRef>
+        </p:style>
+      </p:cxnSp>
+      <p:sp>
+        <p:nvSpPr>
+          <p:cNvPr id="14" name="직사각형 13">
+            <a:extLst>
+              <a:ext uri="{FF2B5EF4-FFF2-40B4-BE49-F238E27FC236}">
+                <a16:creationId xmlns="" xmlns:a16="http://schemas.microsoft.com/office/drawing/2014/main" id="{A8FF912E-274C-4B40-B943-17CC62A5A849}"/>
+              </a:ext>
+            </a:extLst>
+          </p:cNvPr>
+          <p:cNvSpPr/>
+          <p:nvPr/>
+        </p:nvSpPr>
+        <p:spPr>
+          <a:xfrm>
+            <a:off x="6862565" y="4967048"/>
+            <a:ext cx="4873375" cy="703398"/>
+          </a:xfrm>
+          <a:prstGeom prst="rect">
+            <a:avLst/>
+          </a:prstGeom>
+        </p:spPr>
+        <p:txBody>
+          <a:bodyPr wrap="square">
+            <a:spAutoFit/>
+          </a:bodyPr>
+          <a:lstStyle/>
+          <a:p>
+            <a:pPr algn="just">
+              <a:lnSpc>
+                <a:spcPct val="107000"/>
+              </a:lnSpc>
+              <a:spcAft>
+                <a:spcPts val="800"/>
+              </a:spcAft>
+            </a:pPr>
+            <a:r>
+              <a:rPr lang="en-US" altLang="ko-KR" kern="100" dirty="0">
+                <a:ln>
+                  <a:solidFill>
+                    <a:srgbClr val="1E803F">
+                      <a:alpha val="0"/>
+                    </a:srgbClr>
+                  </a:solidFill>
+                </a:ln>
+                <a:latin typeface="아리따-돋움(TTF)-Light" panose="02020603020101020101" pitchFamily="18" charset="-127"/>
+                <a:ea typeface="아리따-돋움(TTF)-Light" panose="02020603020101020101" pitchFamily="18" charset="-127"/>
+                <a:cs typeface="Times New Roman" panose="02020603050405020304" pitchFamily="18" charset="0"/>
+              </a:rPr>
+              <a:t>(1) </a:t>
+            </a:r>
+            <a:r>
+              <a:rPr lang="ko-KR" altLang="en-US" kern="100" dirty="0">
+                <a:ln>
+                  <a:solidFill>
+                    <a:srgbClr val="1E803F">
+                      <a:alpha val="0"/>
+                    </a:srgbClr>
+                  </a:solidFill>
+                </a:ln>
+                <a:latin typeface="아리따-돋움(TTF)-Light" panose="02020603020101020101" pitchFamily="18" charset="-127"/>
+                <a:ea typeface="아리따-돋움(TTF)-Light" panose="02020603020101020101" pitchFamily="18" charset="-127"/>
+                <a:cs typeface="Times New Roman" panose="02020603050405020304" pitchFamily="18" charset="0"/>
+              </a:rPr>
+              <a:t>글</a:t>
+            </a:r>
+            <a:endParaRPr lang="ko-KR" altLang="ko-KR" kern="100" dirty="0">
+              <a:ln>
+                <a:solidFill>
+                  <a:srgbClr val="1E803F">
+                    <a:alpha val="0"/>
+                  </a:srgbClr>
+                </a:solidFill>
+              </a:ln>
+              <a:latin typeface="아리따-돋움(TTF)-Light" panose="02020603020101020101" pitchFamily="18" charset="-127"/>
+              <a:ea typeface="아리따-돋움(TTF)-Light" panose="02020603020101020101" pitchFamily="18" charset="-127"/>
+              <a:cs typeface="Times New Roman" panose="02020603050405020304" pitchFamily="18" charset="0"/>
+            </a:endParaRPr>
+          </a:p>
+          <a:p>
+            <a:pPr algn="just">
+              <a:lnSpc>
+                <a:spcPct val="107000"/>
+              </a:lnSpc>
+              <a:spcAft>
+                <a:spcPts val="800"/>
+              </a:spcAft>
+            </a:pPr>
+            <a:r>
+              <a:rPr lang="en-US" altLang="ko-KR" sz="1400" kern="100" dirty="0">
+                <a:ln>
+                  <a:solidFill>
+                    <a:srgbClr val="1E803F">
+                      <a:alpha val="0"/>
+                    </a:srgbClr>
+                  </a:solidFill>
+                </a:ln>
+                <a:latin typeface="아리따-돋움(TTF)-Light" panose="02020603020101020101" pitchFamily="18" charset="-127"/>
+                <a:ea typeface="아리따-돋움(TTF)-Light" panose="02020603020101020101" pitchFamily="18" charset="-127"/>
+                <a:cs typeface="Times New Roman" panose="02020603050405020304" pitchFamily="18" charset="0"/>
+              </a:rPr>
+              <a:t>1) </a:t>
+            </a:r>
+            <a:r>
+              <a:rPr lang="ko-KR" altLang="en-US" sz="1400" kern="100" dirty="0">
+                <a:ln>
+                  <a:solidFill>
+                    <a:srgbClr val="1E803F">
+                      <a:alpha val="0"/>
+                    </a:srgbClr>
+                  </a:solidFill>
+                </a:ln>
+                <a:latin typeface="아리따-돋움(TTF)-Light" panose="02020603020101020101" pitchFamily="18" charset="-127"/>
+                <a:ea typeface="아리따-돋움(TTF)-Light" panose="02020603020101020101" pitchFamily="18" charset="-127"/>
+                <a:cs typeface="Times New Roman" panose="02020603050405020304" pitchFamily="18" charset="0"/>
+              </a:rPr>
+              <a:t>글</a:t>
+            </a:r>
+            <a:r>
+              <a:rPr lang="en-US" altLang="ko-KR" sz="1400" kern="100" dirty="0">
+                <a:ln>
+                  <a:solidFill>
+                    <a:srgbClr val="1E803F">
+                      <a:alpha val="0"/>
+                    </a:srgbClr>
+                  </a:solidFill>
+                </a:ln>
+                <a:latin typeface="아리따-돋움(TTF)-Light" panose="02020603020101020101" pitchFamily="18" charset="-127"/>
+                <a:ea typeface="아리따-돋움(TTF)-Light" panose="02020603020101020101" pitchFamily="18" charset="-127"/>
+                <a:cs typeface="Times New Roman" panose="02020603050405020304" pitchFamily="18" charset="0"/>
+              </a:rPr>
+              <a:t>.</a:t>
+            </a:r>
+          </a:p>
+        </p:txBody>
+      </p:sp>
+      <p:sp>
+        <p:nvSpPr>
+          <p:cNvPr id="17" name="직사각형 16">
+            <a:extLst>
+              <a:ext uri="{FF2B5EF4-FFF2-40B4-BE49-F238E27FC236}">
+                <a16:creationId xmlns="" xmlns:a16="http://schemas.microsoft.com/office/drawing/2014/main" id="{1DD0110B-7E66-46C5-8A84-C15A442DEE81}"/>
+              </a:ext>
+            </a:extLst>
+          </p:cNvPr>
+          <p:cNvSpPr/>
+          <p:nvPr/>
+        </p:nvSpPr>
+        <p:spPr>
+          <a:xfrm>
+            <a:off x="91440" y="478720"/>
+            <a:ext cx="4526280" cy="646331"/>
+          </a:xfrm>
+          <a:prstGeom prst="rect">
+            <a:avLst/>
+          </a:prstGeom>
+        </p:spPr>
+        <p:txBody>
+          <a:bodyPr wrap="square">
+            <a:spAutoFit/>
+          </a:bodyPr>
+          <a:lstStyle/>
+          <a:p>
+            <a:r>
+              <a:rPr lang="en-US" altLang="ko-KR" sz="3600" dirty="0">
+                <a:ln>
+                  <a:solidFill>
+                    <a:schemeClr val="bg1">
+                      <a:alpha val="0"/>
+                    </a:schemeClr>
+                  </a:solidFill>
+                </a:ln>
+                <a:solidFill>
+                  <a:srgbClr val="355A96"/>
+                </a:solidFill>
+                <a:latin typeface="아리따-돋움(TTF)-Light" panose="02020603020101020101" pitchFamily="18" charset="-127"/>
+                <a:ea typeface="아리따-돋움(TTF)-Light" panose="02020603020101020101" pitchFamily="18" charset="-127"/>
+              </a:rPr>
+              <a:t>Visualization</a:t>
+            </a:r>
+            <a:endParaRPr lang="ko-KR" altLang="en-US" sz="3600" dirty="0">
+              <a:ln>
+                <a:solidFill>
+                  <a:schemeClr val="bg1">
+                    <a:alpha val="0"/>
+                  </a:schemeClr>
+                </a:solidFill>
+              </a:ln>
+              <a:solidFill>
+                <a:srgbClr val="355A96"/>
+              </a:solidFill>
+              <a:latin typeface="아리따-돋움(TTF)-Light" panose="02020603020101020101" pitchFamily="18" charset="-127"/>
+              <a:ea typeface="아리따-돋움(TTF)-Light" panose="02020603020101020101" pitchFamily="18" charset="-127"/>
+            </a:endParaRPr>
+          </a:p>
+        </p:txBody>
+      </p:sp>
+      <p:sp>
+        <p:nvSpPr>
+          <p:cNvPr id="16" name="직사각형 15">
+            <a:extLst>
+              <a:ext uri="{FF2B5EF4-FFF2-40B4-BE49-F238E27FC236}">
+                <a16:creationId xmlns="" xmlns:a16="http://schemas.microsoft.com/office/drawing/2014/main" id="{D703A7DB-BACB-4AF0-B8CF-8C852EC45FE9}"/>
+              </a:ext>
+            </a:extLst>
+          </p:cNvPr>
+          <p:cNvSpPr/>
+          <p:nvPr/>
+        </p:nvSpPr>
+        <p:spPr>
+          <a:xfrm>
+            <a:off x="-91440" y="104120"/>
+            <a:ext cx="182880" cy="688065"/>
+          </a:xfrm>
+          <a:prstGeom prst="rect">
+            <a:avLst/>
+          </a:prstGeom>
+          <a:solidFill>
+            <a:schemeClr val="accent1">
+              <a:lumMod val="40000"/>
+              <a:lumOff val="60000"/>
+            </a:schemeClr>
+          </a:solidFill>
+          <a:ln>
+            <a:noFill/>
+          </a:ln>
+        </p:spPr>
+        <p:style>
+          <a:lnRef idx="2">
+            <a:schemeClr val="accent1">
+              <a:shade val="50000"/>
+            </a:schemeClr>
+          </a:lnRef>
+          <a:fillRef idx="1">
+            <a:schemeClr val="accent1"/>
+          </a:fillRef>
+          <a:effectRef idx="0">
+            <a:schemeClr val="accent1"/>
+          </a:effectRef>
+          <a:fontRef idx="minor">
+            <a:schemeClr val="lt1"/>
+          </a:fontRef>
+        </p:style>
+        <p:txBody>
+          <a:bodyPr rtlCol="0" anchor="ctr"/>
+          <a:lstStyle/>
+          <a:p>
+            <a:pPr algn="ctr"/>
+            <a:endParaRPr lang="ko-KR" altLang="en-US"/>
+          </a:p>
+        </p:txBody>
+      </p:sp>
     </p:spTree>
     <p:extLst>
       <p:ext uri="{BB962C8B-B14F-4D97-AF65-F5344CB8AC3E}">
-        <p14:creationId xmlns:p14="http://schemas.microsoft.com/office/powerpoint/2010/main" val="246069232"/>
+        <p14:creationId xmlns:p14="http://schemas.microsoft.com/office/powerpoint/2010/main" val="2513060675"/>
       </p:ext>
     </p:extLst>
   </p:cSld>
@@ -11573,7 +12102,7 @@
           <p:cNvPr id="3" name="자유형: 도형 2">
             <a:extLst>
               <a:ext uri="{FF2B5EF4-FFF2-40B4-BE49-F238E27FC236}">
-                <a16:creationId xmlns:a16="http://schemas.microsoft.com/office/drawing/2014/main" id="{DD62B9B0-063C-4416-B10C-C6052265C674}"/>
+                <a16:creationId xmlns="" xmlns:a16="http://schemas.microsoft.com/office/drawing/2014/main" id="{DD62B9B0-063C-4416-B10C-C6052265C674}"/>
               </a:ext>
             </a:extLst>
           </p:cNvPr>
@@ -11731,7 +12260,7 @@
           <p:cNvPr id="7" name="TextBox 6">
             <a:extLst>
               <a:ext uri="{FF2B5EF4-FFF2-40B4-BE49-F238E27FC236}">
-                <a16:creationId xmlns:a16="http://schemas.microsoft.com/office/drawing/2014/main" id="{7C76116C-4BA9-4E4A-A099-11165D1F0C3E}"/>
+                <a16:creationId xmlns="" xmlns:a16="http://schemas.microsoft.com/office/drawing/2014/main" id="{7C76116C-4BA9-4E4A-A099-11165D1F0C3E}"/>
               </a:ext>
             </a:extLst>
           </p:cNvPr>
@@ -11801,7 +12330,7 @@
           <p:cNvPr id="9" name="TextBox 8">
             <a:extLst>
               <a:ext uri="{FF2B5EF4-FFF2-40B4-BE49-F238E27FC236}">
-                <a16:creationId xmlns:a16="http://schemas.microsoft.com/office/drawing/2014/main" id="{1101654A-F2A4-4E01-B994-138D27A7D897}"/>
+                <a16:creationId xmlns="" xmlns:a16="http://schemas.microsoft.com/office/drawing/2014/main" id="{1101654A-F2A4-4E01-B994-138D27A7D897}"/>
               </a:ext>
             </a:extLst>
           </p:cNvPr>
@@ -11871,7 +12400,7 @@
           <p:cNvPr id="10" name="화살표: 갈매기형 수장 9">
             <a:extLst>
               <a:ext uri="{FF2B5EF4-FFF2-40B4-BE49-F238E27FC236}">
-                <a16:creationId xmlns:a16="http://schemas.microsoft.com/office/drawing/2014/main" id="{C4339ACE-244D-4144-86C8-F66EC642A8E2}"/>
+                <a16:creationId xmlns="" xmlns:a16="http://schemas.microsoft.com/office/drawing/2014/main" id="{C4339ACE-244D-4144-86C8-F66EC642A8E2}"/>
               </a:ext>
             </a:extLst>
           </p:cNvPr>
@@ -11927,7 +12456,7 @@
           <p:cNvPr id="14" name="화살표: 갈매기형 수장 13">
             <a:extLst>
               <a:ext uri="{FF2B5EF4-FFF2-40B4-BE49-F238E27FC236}">
-                <a16:creationId xmlns:a16="http://schemas.microsoft.com/office/drawing/2014/main" id="{15BD7B50-9492-4719-8184-8A965664E6CC}"/>
+                <a16:creationId xmlns="" xmlns:a16="http://schemas.microsoft.com/office/drawing/2014/main" id="{15BD7B50-9492-4719-8184-8A965664E6CC}"/>
               </a:ext>
             </a:extLst>
           </p:cNvPr>
@@ -11983,7 +12512,7 @@
           <p:cNvPr id="15" name="TextBox 14">
             <a:extLst>
               <a:ext uri="{FF2B5EF4-FFF2-40B4-BE49-F238E27FC236}">
-                <a16:creationId xmlns:a16="http://schemas.microsoft.com/office/drawing/2014/main" id="{2169006D-CFE3-489A-B87C-6BF6B9950EBA}"/>
+                <a16:creationId xmlns="" xmlns:a16="http://schemas.microsoft.com/office/drawing/2014/main" id="{2169006D-CFE3-489A-B87C-6BF6B9950EBA}"/>
               </a:ext>
             </a:extLst>
           </p:cNvPr>
@@ -12048,7 +12577,7 @@
           <p:cNvPr id="16" name="TextBox 15">
             <a:extLst>
               <a:ext uri="{FF2B5EF4-FFF2-40B4-BE49-F238E27FC236}">
-                <a16:creationId xmlns:a16="http://schemas.microsoft.com/office/drawing/2014/main" id="{35B88D06-D8AD-46A9-8FB9-6DD3C18E6AE9}"/>
+                <a16:creationId xmlns="" xmlns:a16="http://schemas.microsoft.com/office/drawing/2014/main" id="{35B88D06-D8AD-46A9-8FB9-6DD3C18E6AE9}"/>
               </a:ext>
             </a:extLst>
           </p:cNvPr>
@@ -12113,7 +12642,7 @@
           <p:cNvPr id="17" name="TextBox 16">
             <a:extLst>
               <a:ext uri="{FF2B5EF4-FFF2-40B4-BE49-F238E27FC236}">
-                <a16:creationId xmlns:a16="http://schemas.microsoft.com/office/drawing/2014/main" id="{475CA182-F688-4565-94FC-1047670679EA}"/>
+                <a16:creationId xmlns="" xmlns:a16="http://schemas.microsoft.com/office/drawing/2014/main" id="{475CA182-F688-4565-94FC-1047670679EA}"/>
               </a:ext>
             </a:extLst>
           </p:cNvPr>
@@ -12183,7 +12712,7 @@
           <p:cNvPr id="19" name="화살표: 갈매기형 수장 18">
             <a:extLst>
               <a:ext uri="{FF2B5EF4-FFF2-40B4-BE49-F238E27FC236}">
-                <a16:creationId xmlns:a16="http://schemas.microsoft.com/office/drawing/2014/main" id="{35B2C02E-F505-4A37-85F5-7A4F31EE78DD}"/>
+                <a16:creationId xmlns="" xmlns:a16="http://schemas.microsoft.com/office/drawing/2014/main" id="{35B2C02E-F505-4A37-85F5-7A4F31EE78DD}"/>
               </a:ext>
             </a:extLst>
           </p:cNvPr>
@@ -12239,7 +12768,7 @@
           <p:cNvPr id="20" name="TextBox 19">
             <a:extLst>
               <a:ext uri="{FF2B5EF4-FFF2-40B4-BE49-F238E27FC236}">
-                <a16:creationId xmlns:a16="http://schemas.microsoft.com/office/drawing/2014/main" id="{72DB97D4-38DF-4C70-8E37-02D884DF8F77}"/>
+                <a16:creationId xmlns="" xmlns:a16="http://schemas.microsoft.com/office/drawing/2014/main" id="{72DB97D4-38DF-4C70-8E37-02D884DF8F77}"/>
               </a:ext>
             </a:extLst>
           </p:cNvPr>
@@ -12304,7 +12833,7 @@
           <p:cNvPr id="21" name="TextBox 20">
             <a:extLst>
               <a:ext uri="{FF2B5EF4-FFF2-40B4-BE49-F238E27FC236}">
-                <a16:creationId xmlns:a16="http://schemas.microsoft.com/office/drawing/2014/main" id="{65E313D9-3FA0-4B8A-B22C-98F35B483028}"/>
+                <a16:creationId xmlns="" xmlns:a16="http://schemas.microsoft.com/office/drawing/2014/main" id="{65E313D9-3FA0-4B8A-B22C-98F35B483028}"/>
               </a:ext>
             </a:extLst>
           </p:cNvPr>
@@ -12393,7 +12922,7 @@
           <p:cNvPr id="22" name="TextBox 21">
             <a:extLst>
               <a:ext uri="{FF2B5EF4-FFF2-40B4-BE49-F238E27FC236}">
-                <a16:creationId xmlns:a16="http://schemas.microsoft.com/office/drawing/2014/main" id="{80F0FF91-32DD-4FD8-9187-0466376E83EA}"/>
+                <a16:creationId xmlns="" xmlns:a16="http://schemas.microsoft.com/office/drawing/2014/main" id="{80F0FF91-32DD-4FD8-9187-0466376E83EA}"/>
               </a:ext>
             </a:extLst>
           </p:cNvPr>
@@ -12463,7 +12992,7 @@
           <p:cNvPr id="23" name="화살표: 갈매기형 수장 22">
             <a:extLst>
               <a:ext uri="{FF2B5EF4-FFF2-40B4-BE49-F238E27FC236}">
-                <a16:creationId xmlns:a16="http://schemas.microsoft.com/office/drawing/2014/main" id="{104E5D9E-DE39-4EBB-9D0B-03EF312989E7}"/>
+                <a16:creationId xmlns="" xmlns:a16="http://schemas.microsoft.com/office/drawing/2014/main" id="{104E5D9E-DE39-4EBB-9D0B-03EF312989E7}"/>
               </a:ext>
             </a:extLst>
           </p:cNvPr>
@@ -12519,7 +13048,7 @@
           <p:cNvPr id="24" name="TextBox 23">
             <a:extLst>
               <a:ext uri="{FF2B5EF4-FFF2-40B4-BE49-F238E27FC236}">
-                <a16:creationId xmlns:a16="http://schemas.microsoft.com/office/drawing/2014/main" id="{6FFD3240-684F-4A90-8516-08E36F18445C}"/>
+                <a16:creationId xmlns="" xmlns:a16="http://schemas.microsoft.com/office/drawing/2014/main" id="{6FFD3240-684F-4A90-8516-08E36F18445C}"/>
               </a:ext>
             </a:extLst>
           </p:cNvPr>
@@ -12584,7 +13113,7 @@
           <p:cNvPr id="25" name="TextBox 24">
             <a:extLst>
               <a:ext uri="{FF2B5EF4-FFF2-40B4-BE49-F238E27FC236}">
-                <a16:creationId xmlns:a16="http://schemas.microsoft.com/office/drawing/2014/main" id="{F6FF4581-C68D-482A-A42F-5A14D60FC062}"/>
+                <a16:creationId xmlns="" xmlns:a16="http://schemas.microsoft.com/office/drawing/2014/main" id="{F6FF4581-C68D-482A-A42F-5A14D60FC062}"/>
               </a:ext>
             </a:extLst>
           </p:cNvPr>
@@ -12648,7 +13177,7 @@
           <p:cNvPr id="26" name="타원 25">
             <a:extLst>
               <a:ext uri="{FF2B5EF4-FFF2-40B4-BE49-F238E27FC236}">
-                <a16:creationId xmlns:a16="http://schemas.microsoft.com/office/drawing/2014/main" id="{48C1FF98-AC38-4C13-A3FB-D04CED474134}"/>
+                <a16:creationId xmlns="" xmlns:a16="http://schemas.microsoft.com/office/drawing/2014/main" id="{48C1FF98-AC38-4C13-A3FB-D04CED474134}"/>
               </a:ext>
             </a:extLst>
           </p:cNvPr>
@@ -12700,7 +13229,7 @@
           <p:cNvPr id="27" name="타원 26">
             <a:extLst>
               <a:ext uri="{FF2B5EF4-FFF2-40B4-BE49-F238E27FC236}">
-                <a16:creationId xmlns:a16="http://schemas.microsoft.com/office/drawing/2014/main" id="{48C1FF98-AC38-4C13-A3FB-D04CED474134}"/>
+                <a16:creationId xmlns="" xmlns:a16="http://schemas.microsoft.com/office/drawing/2014/main" id="{48C1FF98-AC38-4C13-A3FB-D04CED474134}"/>
               </a:ext>
             </a:extLst>
           </p:cNvPr>
@@ -12752,7 +13281,7 @@
           <p:cNvPr id="28" name="타원 27">
             <a:extLst>
               <a:ext uri="{FF2B5EF4-FFF2-40B4-BE49-F238E27FC236}">
-                <a16:creationId xmlns:a16="http://schemas.microsoft.com/office/drawing/2014/main" id="{48C1FF98-AC38-4C13-A3FB-D04CED474134}"/>
+                <a16:creationId xmlns="" xmlns:a16="http://schemas.microsoft.com/office/drawing/2014/main" id="{48C1FF98-AC38-4C13-A3FB-D04CED474134}"/>
               </a:ext>
             </a:extLst>
           </p:cNvPr>
@@ -12804,7 +13333,7 @@
           <p:cNvPr id="29" name="타원 28">
             <a:extLst>
               <a:ext uri="{FF2B5EF4-FFF2-40B4-BE49-F238E27FC236}">
-                <a16:creationId xmlns:a16="http://schemas.microsoft.com/office/drawing/2014/main" id="{48C1FF98-AC38-4C13-A3FB-D04CED474134}"/>
+                <a16:creationId xmlns="" xmlns:a16="http://schemas.microsoft.com/office/drawing/2014/main" id="{48C1FF98-AC38-4C13-A3FB-D04CED474134}"/>
               </a:ext>
             </a:extLst>
           </p:cNvPr>
@@ -12856,7 +13385,7 @@
           <p:cNvPr id="30" name="타원 29">
             <a:extLst>
               <a:ext uri="{FF2B5EF4-FFF2-40B4-BE49-F238E27FC236}">
-                <a16:creationId xmlns:a16="http://schemas.microsoft.com/office/drawing/2014/main" id="{48C1FF98-AC38-4C13-A3FB-D04CED474134}"/>
+                <a16:creationId xmlns="" xmlns:a16="http://schemas.microsoft.com/office/drawing/2014/main" id="{48C1FF98-AC38-4C13-A3FB-D04CED474134}"/>
               </a:ext>
             </a:extLst>
           </p:cNvPr>
@@ -12908,7 +13437,7 @@
           <p:cNvPr id="31" name="TextBox 30">
             <a:extLst>
               <a:ext uri="{FF2B5EF4-FFF2-40B4-BE49-F238E27FC236}">
-                <a16:creationId xmlns:a16="http://schemas.microsoft.com/office/drawing/2014/main" id="{E704380C-BD72-4201-81F4-F9495147338C}"/>
+                <a16:creationId xmlns="" xmlns:a16="http://schemas.microsoft.com/office/drawing/2014/main" id="{E704380C-BD72-4201-81F4-F9495147338C}"/>
               </a:ext>
             </a:extLst>
           </p:cNvPr>
@@ -12971,7 +13500,7 @@
           <p:cNvPr id="32" name="TextBox 31">
             <a:extLst>
               <a:ext uri="{FF2B5EF4-FFF2-40B4-BE49-F238E27FC236}">
-                <a16:creationId xmlns:a16="http://schemas.microsoft.com/office/drawing/2014/main" id="{F1DEED97-139B-47BB-9AC1-5CC5CFA2ABBE}"/>
+                <a16:creationId xmlns="" xmlns:a16="http://schemas.microsoft.com/office/drawing/2014/main" id="{F1DEED97-139B-47BB-9AC1-5CC5CFA2ABBE}"/>
               </a:ext>
             </a:extLst>
           </p:cNvPr>
@@ -13139,10 +13668,10 @@
       </p:grpSpPr>
       <p:sp>
         <p:nvSpPr>
-          <p:cNvPr id="32" name="TextBox 31">
-            <a:extLst>
-              <a:ext uri="{FF2B5EF4-FFF2-40B4-BE49-F238E27FC236}">
-                <a16:creationId xmlns:a16="http://schemas.microsoft.com/office/drawing/2014/main" id="{70565632-CACC-4C18-B37E-8EE40AB89240}"/>
+          <p:cNvPr id="15" name="TextBox 14">
+            <a:extLst>
+              <a:ext uri="{FF2B5EF4-FFF2-40B4-BE49-F238E27FC236}">
+                <a16:creationId xmlns="" xmlns:a16="http://schemas.microsoft.com/office/drawing/2014/main" id="{B76B29C2-EB3F-40FE-9908-8B93E4235B78}"/>
               </a:ext>
             </a:extLst>
           </p:cNvPr>
@@ -13151,17 +13680,14 @@
         </p:nvSpPr>
         <p:spPr>
           <a:xfrm>
-            <a:off x="22842" y="294263"/>
-            <a:ext cx="1864741" cy="307777"/>
+            <a:off x="42848" y="294263"/>
+            <a:ext cx="1758815" cy="307777"/>
           </a:xfrm>
           <a:prstGeom prst="rect">
             <a:avLst/>
           </a:prstGeom>
           <a:solidFill>
-            <a:schemeClr val="accent6">
-              <a:lumMod val="20000"/>
-              <a:lumOff val="80000"/>
-            </a:schemeClr>
+            <a:srgbClr val="355A96"/>
           </a:solidFill>
         </p:spPr>
         <p:txBody>
@@ -13181,32 +13707,14 @@
                   </a:solidFill>
                 </a:ln>
                 <a:solidFill>
-                  <a:srgbClr val="1E803F"/>
+                  <a:schemeClr val="bg1"/>
                 </a:solidFill>
                 <a:latin typeface="KoPub돋움체 Bold" panose="02020603020101020101" pitchFamily="18" charset="-127"/>
                 <a:ea typeface="KoPub돋움체 Bold" panose="02020603020101020101" pitchFamily="18" charset="-127"/>
               </a:rPr>
-              <a:t>3. </a:t>
-            </a:r>
-            <a:r>
-              <a:rPr lang="en-US" altLang="ko-KR" sz="1400" b="1" dirty="0">
-                <a:ln>
-                  <a:solidFill>
-                    <a:schemeClr val="accent1">
-                      <a:shade val="50000"/>
-                      <a:alpha val="0"/>
-                    </a:schemeClr>
-                  </a:solidFill>
-                </a:ln>
-                <a:solidFill>
-                  <a:srgbClr val="1E803F"/>
-                </a:solidFill>
-                <a:latin typeface="KoPub돋움체 Bold" panose="02020603020101020101" pitchFamily="18" charset="-127"/>
-                <a:ea typeface="아리따-돋움(TTF)-Light" panose="02020603020101020101" pitchFamily="18" charset="-127"/>
-              </a:rPr>
-              <a:t>Result Evaluation</a:t>
-            </a:r>
-            <a:endParaRPr lang="ko-KR" altLang="en-US" sz="1400" b="1" dirty="0">
+              <a:t>3. Implementation</a:t>
+            </a:r>
+            <a:endParaRPr lang="ko-KR" altLang="en-US" sz="1600" b="1" dirty="0">
               <a:ln>
                 <a:solidFill>
                   <a:schemeClr val="accent1">
@@ -13216,20 +13724,20 @@
                 </a:solidFill>
               </a:ln>
               <a:solidFill>
-                <a:srgbClr val="1E803F"/>
+                <a:schemeClr val="bg1"/>
               </a:solidFill>
-              <a:latin typeface="아리따-돋움(TTF)-Light" panose="02020603020101020101" pitchFamily="18" charset="-127"/>
-              <a:ea typeface="아리따-돋움(TTF)-Light" panose="02020603020101020101" pitchFamily="18" charset="-127"/>
+              <a:latin typeface="KoPub돋움체 Bold" panose="02020603020101020101" pitchFamily="18" charset="-127"/>
+              <a:ea typeface="KoPub돋움체 Bold" panose="02020603020101020101" pitchFamily="18" charset="-127"/>
             </a:endParaRPr>
           </a:p>
         </p:txBody>
       </p:sp>
       <p:sp>
         <p:nvSpPr>
-          <p:cNvPr id="11" name="직사각형 10">
-            <a:extLst>
-              <a:ext uri="{FF2B5EF4-FFF2-40B4-BE49-F238E27FC236}">
-                <a16:creationId xmlns:a16="http://schemas.microsoft.com/office/drawing/2014/main" id="{E978BCA0-B148-42BC-B518-7952EE405DC0}"/>
+          <p:cNvPr id="5" name="직사각형 4">
+            <a:extLst>
+              <a:ext uri="{FF2B5EF4-FFF2-40B4-BE49-F238E27FC236}">
+                <a16:creationId xmlns="" xmlns:a16="http://schemas.microsoft.com/office/drawing/2014/main" id="{48D06F82-12DC-4727-955A-17DFA6422558}"/>
               </a:ext>
             </a:extLst>
           </p:cNvPr>
@@ -13278,10 +13786,864 @@
       </p:sp>
       <p:sp>
         <p:nvSpPr>
-          <p:cNvPr id="36" name="직사각형 35">
-            <a:extLst>
-              <a:ext uri="{FF2B5EF4-FFF2-40B4-BE49-F238E27FC236}">
-                <a16:creationId xmlns:a16="http://schemas.microsoft.com/office/drawing/2014/main" id="{650B129E-2E60-4990-B080-EE4A72E5355E}"/>
+          <p:cNvPr id="7" name="직사각형 6">
+            <a:extLst>
+              <a:ext uri="{FF2B5EF4-FFF2-40B4-BE49-F238E27FC236}">
+                <a16:creationId xmlns="" xmlns:a16="http://schemas.microsoft.com/office/drawing/2014/main" id="{ABF26904-18C6-4777-B07D-99A5D2F8A480}"/>
+              </a:ext>
+            </a:extLst>
+          </p:cNvPr>
+          <p:cNvSpPr/>
+          <p:nvPr/>
+        </p:nvSpPr>
+        <p:spPr>
+          <a:xfrm>
+            <a:off x="192470" y="1501900"/>
+            <a:ext cx="2930874" cy="398820"/>
+          </a:xfrm>
+          <a:prstGeom prst="rect">
+            <a:avLst/>
+          </a:prstGeom>
+          <a:solidFill>
+            <a:srgbClr val="355A96"/>
+          </a:solidFill>
+        </p:spPr>
+        <p:txBody>
+          <a:bodyPr wrap="square">
+            <a:spAutoFit/>
+          </a:bodyPr>
+          <a:lstStyle/>
+          <a:p>
+            <a:pPr algn="ctr"/>
+            <a:r>
+              <a:rPr lang="en-US" altLang="ko-KR" sz="2000" dirty="0">
+                <a:ln>
+                  <a:solidFill>
+                    <a:schemeClr val="bg1">
+                      <a:alpha val="0"/>
+                    </a:schemeClr>
+                  </a:solidFill>
+                </a:ln>
+                <a:solidFill>
+                  <a:schemeClr val="bg1"/>
+                </a:solidFill>
+                <a:latin typeface="아리따-돋움(TTF)-Light" panose="02020603020101020101" pitchFamily="18" charset="-127"/>
+                <a:ea typeface="아리따-돋움(TTF)-Light" panose="02020603020101020101" pitchFamily="18" charset="-127"/>
+              </a:rPr>
+              <a:t>Result</a:t>
+            </a:r>
+            <a:endParaRPr lang="ko-KR" altLang="en-US" sz="2000" dirty="0">
+              <a:ln>
+                <a:solidFill>
+                  <a:schemeClr val="bg1">
+                    <a:alpha val="0"/>
+                  </a:schemeClr>
+                </a:solidFill>
+              </a:ln>
+              <a:solidFill>
+                <a:schemeClr val="bg1"/>
+              </a:solidFill>
+              <a:latin typeface="아리따-돋움(TTF)-Light" panose="02020603020101020101" pitchFamily="18" charset="-127"/>
+              <a:ea typeface="아리따-돋움(TTF)-Light" panose="02020603020101020101" pitchFamily="18" charset="-127"/>
+            </a:endParaRPr>
+          </a:p>
+        </p:txBody>
+      </p:sp>
+      <p:sp>
+        <p:nvSpPr>
+          <p:cNvPr id="9" name="직사각형 8">
+            <a:extLst>
+              <a:ext uri="{FF2B5EF4-FFF2-40B4-BE49-F238E27FC236}">
+                <a16:creationId xmlns="" xmlns:a16="http://schemas.microsoft.com/office/drawing/2014/main" id="{0C4F22D3-C0F5-4B15-9131-96EC36C26B07}"/>
+              </a:ext>
+            </a:extLst>
+          </p:cNvPr>
+          <p:cNvSpPr/>
+          <p:nvPr/>
+        </p:nvSpPr>
+        <p:spPr>
+          <a:xfrm>
+            <a:off x="6862565" y="1768353"/>
+            <a:ext cx="3951783" cy="705450"/>
+          </a:xfrm>
+          <a:prstGeom prst="rect">
+            <a:avLst/>
+          </a:prstGeom>
+        </p:spPr>
+        <p:txBody>
+          <a:bodyPr wrap="square">
+            <a:spAutoFit/>
+          </a:bodyPr>
+          <a:lstStyle/>
+          <a:p>
+            <a:pPr algn="just">
+              <a:lnSpc>
+                <a:spcPct val="107000"/>
+              </a:lnSpc>
+              <a:spcAft>
+                <a:spcPts val="800"/>
+              </a:spcAft>
+            </a:pPr>
+            <a:r>
+              <a:rPr lang="en-US" altLang="ko-KR" kern="100" dirty="0">
+                <a:ln>
+                  <a:solidFill>
+                    <a:srgbClr val="1E803F">
+                      <a:alpha val="0"/>
+                    </a:srgbClr>
+                  </a:solidFill>
+                </a:ln>
+                <a:latin typeface="아리따-돋움(TTF)-Light" panose="02020603020101020101" pitchFamily="18" charset="-127"/>
+                <a:ea typeface="아리따-돋움(TTF)-Light" panose="02020603020101020101" pitchFamily="18" charset="-127"/>
+                <a:cs typeface="Times New Roman" panose="02020603050405020304" pitchFamily="18" charset="0"/>
+              </a:rPr>
+              <a:t>(1) </a:t>
+            </a:r>
+            <a:r>
+              <a:rPr lang="ko-KR" altLang="en-US" kern="100" dirty="0">
+                <a:ln>
+                  <a:solidFill>
+                    <a:srgbClr val="1E803F">
+                      <a:alpha val="0"/>
+                    </a:srgbClr>
+                  </a:solidFill>
+                </a:ln>
+                <a:latin typeface="아리따-돋움(TTF)-Light" panose="02020603020101020101" pitchFamily="18" charset="-127"/>
+                <a:ea typeface="아리따-돋움(TTF)-Light" panose="02020603020101020101" pitchFamily="18" charset="-127"/>
+                <a:cs typeface="Times New Roman" panose="02020603050405020304" pitchFamily="18" charset="0"/>
+              </a:rPr>
+              <a:t>글</a:t>
+            </a:r>
+            <a:endParaRPr lang="ko-KR" altLang="ko-KR" kern="100" dirty="0">
+              <a:ln>
+                <a:solidFill>
+                  <a:srgbClr val="1E803F">
+                    <a:alpha val="0"/>
+                  </a:srgbClr>
+                </a:solidFill>
+              </a:ln>
+              <a:latin typeface="아리따-돋움(TTF)-Light" panose="02020603020101020101" pitchFamily="18" charset="-127"/>
+              <a:ea typeface="아리따-돋움(TTF)-Light" panose="02020603020101020101" pitchFamily="18" charset="-127"/>
+              <a:cs typeface="Times New Roman" panose="02020603050405020304" pitchFamily="18" charset="0"/>
+            </a:endParaRPr>
+          </a:p>
+          <a:p>
+            <a:pPr algn="just">
+              <a:lnSpc>
+                <a:spcPct val="107000"/>
+              </a:lnSpc>
+              <a:spcAft>
+                <a:spcPts val="800"/>
+              </a:spcAft>
+            </a:pPr>
+            <a:r>
+              <a:rPr lang="en-US" altLang="ko-KR" sz="1400" kern="100" dirty="0">
+                <a:ln>
+                  <a:solidFill>
+                    <a:srgbClr val="1E803F">
+                      <a:alpha val="0"/>
+                    </a:srgbClr>
+                  </a:solidFill>
+                </a:ln>
+                <a:latin typeface="아리따-돋움(TTF)-Light" panose="02020603020101020101" pitchFamily="18" charset="-127"/>
+                <a:ea typeface="아리따-돋움(TTF)-Light" panose="02020603020101020101" pitchFamily="18" charset="-127"/>
+                <a:cs typeface="Times New Roman" panose="02020603050405020304" pitchFamily="18" charset="0"/>
+              </a:rPr>
+              <a:t>1) </a:t>
+            </a:r>
+            <a:r>
+              <a:rPr lang="ko-KR" altLang="en-US" sz="1400" kern="100" dirty="0">
+                <a:ln>
+                  <a:solidFill>
+                    <a:srgbClr val="1E803F">
+                      <a:alpha val="0"/>
+                    </a:srgbClr>
+                  </a:solidFill>
+                </a:ln>
+                <a:latin typeface="아리따-돋움(TTF)-Light" panose="02020603020101020101" pitchFamily="18" charset="-127"/>
+                <a:ea typeface="아리따-돋움(TTF)-Light" panose="02020603020101020101" pitchFamily="18" charset="-127"/>
+                <a:cs typeface="Times New Roman" panose="02020603050405020304" pitchFamily="18" charset="0"/>
+              </a:rPr>
+              <a:t>글</a:t>
+            </a:r>
+            <a:endParaRPr lang="ko-KR" altLang="ko-KR" kern="100" dirty="0">
+              <a:ln>
+                <a:solidFill>
+                  <a:srgbClr val="1E803F">
+                    <a:alpha val="0"/>
+                  </a:srgbClr>
+                </a:solidFill>
+              </a:ln>
+              <a:solidFill>
+                <a:srgbClr val="1E803F"/>
+              </a:solidFill>
+              <a:latin typeface="아리따-돋움(TTF)-Light" panose="02020603020101020101" pitchFamily="18" charset="-127"/>
+              <a:ea typeface="아리따-돋움(TTF)-Light" panose="02020603020101020101" pitchFamily="18" charset="-127"/>
+              <a:cs typeface="Times New Roman" panose="02020603050405020304" pitchFamily="18" charset="0"/>
+            </a:endParaRPr>
+          </a:p>
+        </p:txBody>
+      </p:sp>
+      <p:sp>
+        <p:nvSpPr>
+          <p:cNvPr id="10" name="직사각형 9">
+            <a:extLst>
+              <a:ext uri="{FF2B5EF4-FFF2-40B4-BE49-F238E27FC236}">
+                <a16:creationId xmlns="" xmlns:a16="http://schemas.microsoft.com/office/drawing/2014/main" id="{ADAAAE89-1FD9-410C-A21F-D01B346F6A93}"/>
+              </a:ext>
+            </a:extLst>
+          </p:cNvPr>
+          <p:cNvSpPr/>
+          <p:nvPr/>
+        </p:nvSpPr>
+        <p:spPr>
+          <a:xfrm>
+            <a:off x="6862565" y="2723550"/>
+            <a:ext cx="3349946" cy="705450"/>
+          </a:xfrm>
+          <a:prstGeom prst="rect">
+            <a:avLst/>
+          </a:prstGeom>
+        </p:spPr>
+        <p:txBody>
+          <a:bodyPr wrap="square">
+            <a:spAutoFit/>
+          </a:bodyPr>
+          <a:lstStyle/>
+          <a:p>
+            <a:pPr algn="just">
+              <a:lnSpc>
+                <a:spcPct val="107000"/>
+              </a:lnSpc>
+              <a:spcAft>
+                <a:spcPts val="800"/>
+              </a:spcAft>
+            </a:pPr>
+            <a:r>
+              <a:rPr lang="en-US" altLang="ko-KR" kern="100" dirty="0">
+                <a:ln>
+                  <a:solidFill>
+                    <a:srgbClr val="1E803F">
+                      <a:alpha val="0"/>
+                    </a:srgbClr>
+                  </a:solidFill>
+                </a:ln>
+                <a:latin typeface="아리따-돋움(TTF)-Light" panose="02020603020101020101" pitchFamily="18" charset="-127"/>
+                <a:ea typeface="아리따-돋움(TTF)-Light" panose="02020603020101020101" pitchFamily="18" charset="-127"/>
+                <a:cs typeface="Times New Roman" panose="02020603050405020304" pitchFamily="18" charset="0"/>
+              </a:rPr>
+              <a:t>(1) </a:t>
+            </a:r>
+            <a:r>
+              <a:rPr lang="ko-KR" altLang="en-US" kern="100" dirty="0">
+                <a:ln>
+                  <a:solidFill>
+                    <a:srgbClr val="1E803F">
+                      <a:alpha val="0"/>
+                    </a:srgbClr>
+                  </a:solidFill>
+                </a:ln>
+                <a:latin typeface="아리따-돋움(TTF)-Light" panose="02020603020101020101" pitchFamily="18" charset="-127"/>
+                <a:ea typeface="아리따-돋움(TTF)-Light" panose="02020603020101020101" pitchFamily="18" charset="-127"/>
+                <a:cs typeface="Times New Roman" panose="02020603050405020304" pitchFamily="18" charset="0"/>
+              </a:rPr>
+              <a:t>글</a:t>
+            </a:r>
+            <a:endParaRPr lang="ko-KR" altLang="ko-KR" kern="100" dirty="0">
+              <a:ln>
+                <a:solidFill>
+                  <a:srgbClr val="1E803F">
+                    <a:alpha val="0"/>
+                  </a:srgbClr>
+                </a:solidFill>
+              </a:ln>
+              <a:latin typeface="아리따-돋움(TTF)-Light" panose="02020603020101020101" pitchFamily="18" charset="-127"/>
+              <a:ea typeface="아리따-돋움(TTF)-Light" panose="02020603020101020101" pitchFamily="18" charset="-127"/>
+              <a:cs typeface="Times New Roman" panose="02020603050405020304" pitchFamily="18" charset="0"/>
+            </a:endParaRPr>
+          </a:p>
+          <a:p>
+            <a:pPr algn="just">
+              <a:lnSpc>
+                <a:spcPct val="107000"/>
+              </a:lnSpc>
+              <a:spcAft>
+                <a:spcPts val="800"/>
+              </a:spcAft>
+            </a:pPr>
+            <a:r>
+              <a:rPr lang="en-US" altLang="ko-KR" sz="1400" kern="100" dirty="0">
+                <a:ln>
+                  <a:solidFill>
+                    <a:srgbClr val="1E803F">
+                      <a:alpha val="0"/>
+                    </a:srgbClr>
+                  </a:solidFill>
+                </a:ln>
+                <a:latin typeface="아리따-돋움(TTF)-Light" panose="02020603020101020101" pitchFamily="18" charset="-127"/>
+                <a:ea typeface="아리따-돋움(TTF)-Light" panose="02020603020101020101" pitchFamily="18" charset="-127"/>
+                <a:cs typeface="Times New Roman" panose="02020603050405020304" pitchFamily="18" charset="0"/>
+              </a:rPr>
+              <a:t>1) </a:t>
+            </a:r>
+            <a:r>
+              <a:rPr lang="ko-KR" altLang="en-US" sz="1400" kern="100" dirty="0">
+                <a:ln>
+                  <a:solidFill>
+                    <a:srgbClr val="1E803F">
+                      <a:alpha val="0"/>
+                    </a:srgbClr>
+                  </a:solidFill>
+                </a:ln>
+                <a:latin typeface="아리따-돋움(TTF)-Light" panose="02020603020101020101" pitchFamily="18" charset="-127"/>
+                <a:ea typeface="아리따-돋움(TTF)-Light" panose="02020603020101020101" pitchFamily="18" charset="-127"/>
+                <a:cs typeface="Times New Roman" panose="02020603050405020304" pitchFamily="18" charset="0"/>
+              </a:rPr>
+              <a:t>글</a:t>
+            </a:r>
+            <a:endParaRPr lang="ko-KR" altLang="ko-KR" kern="100" dirty="0">
+              <a:ln>
+                <a:solidFill>
+                  <a:srgbClr val="1E803F">
+                    <a:alpha val="0"/>
+                  </a:srgbClr>
+                </a:solidFill>
+              </a:ln>
+              <a:solidFill>
+                <a:srgbClr val="1E803F"/>
+              </a:solidFill>
+              <a:latin typeface="아리따-돋움(TTF)-Light" panose="02020603020101020101" pitchFamily="18" charset="-127"/>
+              <a:ea typeface="아리따-돋움(TTF)-Light" panose="02020603020101020101" pitchFamily="18" charset="-127"/>
+              <a:cs typeface="Times New Roman" panose="02020603050405020304" pitchFamily="18" charset="0"/>
+            </a:endParaRPr>
+          </a:p>
+        </p:txBody>
+      </p:sp>
+      <p:sp>
+        <p:nvSpPr>
+          <p:cNvPr id="11" name="직사각형 10">
+            <a:extLst>
+              <a:ext uri="{FF2B5EF4-FFF2-40B4-BE49-F238E27FC236}">
+                <a16:creationId xmlns="" xmlns:a16="http://schemas.microsoft.com/office/drawing/2014/main" id="{5AFC9BB8-0ED3-47C7-AE39-1ED4DCEFB510}"/>
+              </a:ext>
+            </a:extLst>
+          </p:cNvPr>
+          <p:cNvSpPr/>
+          <p:nvPr/>
+        </p:nvSpPr>
+        <p:spPr>
+          <a:xfrm>
+            <a:off x="6862565" y="3678747"/>
+            <a:ext cx="4873375" cy="1036502"/>
+          </a:xfrm>
+          <a:prstGeom prst="rect">
+            <a:avLst/>
+          </a:prstGeom>
+        </p:spPr>
+        <p:txBody>
+          <a:bodyPr wrap="square">
+            <a:spAutoFit/>
+          </a:bodyPr>
+          <a:lstStyle/>
+          <a:p>
+            <a:pPr algn="just">
+              <a:lnSpc>
+                <a:spcPct val="107000"/>
+              </a:lnSpc>
+              <a:spcAft>
+                <a:spcPts val="800"/>
+              </a:spcAft>
+            </a:pPr>
+            <a:r>
+              <a:rPr lang="en-US" altLang="ko-KR" kern="100" dirty="0">
+                <a:ln>
+                  <a:solidFill>
+                    <a:srgbClr val="1E803F">
+                      <a:alpha val="0"/>
+                    </a:srgbClr>
+                  </a:solidFill>
+                </a:ln>
+                <a:latin typeface="아리따-돋움(TTF)-Light" panose="02020603020101020101" pitchFamily="18" charset="-127"/>
+                <a:ea typeface="아리따-돋움(TTF)-Light" panose="02020603020101020101" pitchFamily="18" charset="-127"/>
+                <a:cs typeface="Times New Roman" panose="02020603050405020304" pitchFamily="18" charset="0"/>
+              </a:rPr>
+              <a:t>(1) </a:t>
+            </a:r>
+            <a:r>
+              <a:rPr lang="ko-KR" altLang="en-US" kern="100" dirty="0">
+                <a:ln>
+                  <a:solidFill>
+                    <a:srgbClr val="1E803F">
+                      <a:alpha val="0"/>
+                    </a:srgbClr>
+                  </a:solidFill>
+                </a:ln>
+                <a:latin typeface="아리따-돋움(TTF)-Light" panose="02020603020101020101" pitchFamily="18" charset="-127"/>
+                <a:ea typeface="아리따-돋움(TTF)-Light" panose="02020603020101020101" pitchFamily="18" charset="-127"/>
+                <a:cs typeface="Times New Roman" panose="02020603050405020304" pitchFamily="18" charset="0"/>
+              </a:rPr>
+              <a:t>글</a:t>
+            </a:r>
+            <a:endParaRPr lang="ko-KR" altLang="ko-KR" kern="100" dirty="0">
+              <a:ln>
+                <a:solidFill>
+                  <a:srgbClr val="1E803F">
+                    <a:alpha val="0"/>
+                  </a:srgbClr>
+                </a:solidFill>
+              </a:ln>
+              <a:latin typeface="아리따-돋움(TTF)-Light" panose="02020603020101020101" pitchFamily="18" charset="-127"/>
+              <a:ea typeface="아리따-돋움(TTF)-Light" panose="02020603020101020101" pitchFamily="18" charset="-127"/>
+              <a:cs typeface="Times New Roman" panose="02020603050405020304" pitchFamily="18" charset="0"/>
+            </a:endParaRPr>
+          </a:p>
+          <a:p>
+            <a:pPr marL="342900" indent="-342900" algn="just">
+              <a:lnSpc>
+                <a:spcPct val="107000"/>
+              </a:lnSpc>
+              <a:spcAft>
+                <a:spcPts val="800"/>
+              </a:spcAft>
+              <a:buAutoNum type="arabicParenR"/>
+            </a:pPr>
+            <a:r>
+              <a:rPr lang="ko-KR" altLang="en-US" sz="1400" kern="100" dirty="0">
+                <a:ln>
+                  <a:solidFill>
+                    <a:srgbClr val="1E803F">
+                      <a:alpha val="0"/>
+                    </a:srgbClr>
+                  </a:solidFill>
+                </a:ln>
+                <a:latin typeface="아리따-돋움(TTF)-Light" panose="02020603020101020101" pitchFamily="18" charset="-127"/>
+                <a:ea typeface="아리따-돋움(TTF)-Light" panose="02020603020101020101" pitchFamily="18" charset="-127"/>
+                <a:cs typeface="Times New Roman" panose="02020603050405020304" pitchFamily="18" charset="0"/>
+              </a:rPr>
+              <a:t>글</a:t>
+            </a:r>
+            <a:endParaRPr lang="en-US" altLang="ko-KR" sz="1400" kern="100" dirty="0">
+              <a:ln>
+                <a:solidFill>
+                  <a:srgbClr val="1E803F">
+                    <a:alpha val="0"/>
+                  </a:srgbClr>
+                </a:solidFill>
+              </a:ln>
+              <a:latin typeface="아리따-돋움(TTF)-Light" panose="02020603020101020101" pitchFamily="18" charset="-127"/>
+              <a:ea typeface="아리따-돋움(TTF)-Light" panose="02020603020101020101" pitchFamily="18" charset="-127"/>
+              <a:cs typeface="Times New Roman" panose="02020603050405020304" pitchFamily="18" charset="0"/>
+            </a:endParaRPr>
+          </a:p>
+          <a:p>
+            <a:pPr marL="342900" indent="-342900" algn="just">
+              <a:lnSpc>
+                <a:spcPct val="107000"/>
+              </a:lnSpc>
+              <a:spcAft>
+                <a:spcPts val="800"/>
+              </a:spcAft>
+              <a:buAutoNum type="arabicParenR"/>
+            </a:pPr>
+            <a:r>
+              <a:rPr lang="ko-KR" altLang="en-US" sz="1400" kern="100" dirty="0">
+                <a:ln>
+                  <a:solidFill>
+                    <a:srgbClr val="1E803F">
+                      <a:alpha val="0"/>
+                    </a:srgbClr>
+                  </a:solidFill>
+                </a:ln>
+                <a:latin typeface="아리따-돋움(TTF)-Light" panose="02020603020101020101" pitchFamily="18" charset="-127"/>
+                <a:ea typeface="아리따-돋움(TTF)-Light" panose="02020603020101020101" pitchFamily="18" charset="-127"/>
+                <a:cs typeface="Times New Roman" panose="02020603050405020304" pitchFamily="18" charset="0"/>
+              </a:rPr>
+              <a:t>글</a:t>
+            </a:r>
+            <a:endParaRPr lang="en-US" altLang="ko-KR" sz="1400" kern="100" dirty="0">
+              <a:ln>
+                <a:solidFill>
+                  <a:srgbClr val="1E803F">
+                    <a:alpha val="0"/>
+                  </a:srgbClr>
+                </a:solidFill>
+              </a:ln>
+              <a:latin typeface="아리따-돋움(TTF)-Light" panose="02020603020101020101" pitchFamily="18" charset="-127"/>
+              <a:ea typeface="아리따-돋움(TTF)-Light" panose="02020603020101020101" pitchFamily="18" charset="-127"/>
+              <a:cs typeface="Times New Roman" panose="02020603050405020304" pitchFamily="18" charset="0"/>
+            </a:endParaRPr>
+          </a:p>
+        </p:txBody>
+      </p:sp>
+      <p:cxnSp>
+        <p:nvCxnSpPr>
+          <p:cNvPr id="12" name="직선 연결선 11">
+            <a:extLst>
+              <a:ext uri="{FF2B5EF4-FFF2-40B4-BE49-F238E27FC236}">
+                <a16:creationId xmlns="" xmlns:a16="http://schemas.microsoft.com/office/drawing/2014/main" id="{CCAB9C50-DF0E-4566-B226-72E2DA13471E}"/>
+              </a:ext>
+            </a:extLst>
+          </p:cNvPr>
+          <p:cNvCxnSpPr/>
+          <p:nvPr/>
+        </p:nvCxnSpPr>
+        <p:spPr>
+          <a:xfrm>
+            <a:off x="6750121" y="1914251"/>
+            <a:ext cx="0" cy="4113902"/>
+          </a:xfrm>
+          <a:prstGeom prst="line">
+            <a:avLst/>
+          </a:prstGeom>
+          <a:ln>
+            <a:solidFill>
+              <a:srgbClr val="355A96"/>
+            </a:solidFill>
+          </a:ln>
+        </p:spPr>
+        <p:style>
+          <a:lnRef idx="1">
+            <a:schemeClr val="accent1"/>
+          </a:lnRef>
+          <a:fillRef idx="0">
+            <a:schemeClr val="accent1"/>
+          </a:fillRef>
+          <a:effectRef idx="0">
+            <a:schemeClr val="accent1"/>
+          </a:effectRef>
+          <a:fontRef idx="minor">
+            <a:schemeClr val="tx1"/>
+          </a:fontRef>
+        </p:style>
+      </p:cxnSp>
+      <p:cxnSp>
+        <p:nvCxnSpPr>
+          <p:cNvPr id="13" name="직선 연결선 12">
+            <a:extLst>
+              <a:ext uri="{FF2B5EF4-FFF2-40B4-BE49-F238E27FC236}">
+                <a16:creationId xmlns="" xmlns:a16="http://schemas.microsoft.com/office/drawing/2014/main" id="{18367708-4712-42B5-9FD3-B5E0EA47162E}"/>
+              </a:ext>
+            </a:extLst>
+          </p:cNvPr>
+          <p:cNvCxnSpPr/>
+          <p:nvPr/>
+        </p:nvCxnSpPr>
+        <p:spPr>
+          <a:xfrm>
+            <a:off x="11484795" y="1900720"/>
+            <a:ext cx="0" cy="4113902"/>
+          </a:xfrm>
+          <a:prstGeom prst="line">
+            <a:avLst/>
+          </a:prstGeom>
+          <a:ln>
+            <a:solidFill>
+              <a:srgbClr val="355A96"/>
+            </a:solidFill>
+          </a:ln>
+        </p:spPr>
+        <p:style>
+          <a:lnRef idx="1">
+            <a:schemeClr val="accent1"/>
+          </a:lnRef>
+          <a:fillRef idx="0">
+            <a:schemeClr val="accent1"/>
+          </a:fillRef>
+          <a:effectRef idx="0">
+            <a:schemeClr val="accent1"/>
+          </a:effectRef>
+          <a:fontRef idx="minor">
+            <a:schemeClr val="tx1"/>
+          </a:fontRef>
+        </p:style>
+      </p:cxnSp>
+      <p:sp>
+        <p:nvSpPr>
+          <p:cNvPr id="14" name="직사각형 13">
+            <a:extLst>
+              <a:ext uri="{FF2B5EF4-FFF2-40B4-BE49-F238E27FC236}">
+                <a16:creationId xmlns="" xmlns:a16="http://schemas.microsoft.com/office/drawing/2014/main" id="{A8FF912E-274C-4B40-B943-17CC62A5A849}"/>
+              </a:ext>
+            </a:extLst>
+          </p:cNvPr>
+          <p:cNvSpPr/>
+          <p:nvPr/>
+        </p:nvSpPr>
+        <p:spPr>
+          <a:xfrm>
+            <a:off x="6862565" y="4967048"/>
+            <a:ext cx="4873375" cy="703398"/>
+          </a:xfrm>
+          <a:prstGeom prst="rect">
+            <a:avLst/>
+          </a:prstGeom>
+        </p:spPr>
+        <p:txBody>
+          <a:bodyPr wrap="square">
+            <a:spAutoFit/>
+          </a:bodyPr>
+          <a:lstStyle/>
+          <a:p>
+            <a:pPr algn="just">
+              <a:lnSpc>
+                <a:spcPct val="107000"/>
+              </a:lnSpc>
+              <a:spcAft>
+                <a:spcPts val="800"/>
+              </a:spcAft>
+            </a:pPr>
+            <a:r>
+              <a:rPr lang="en-US" altLang="ko-KR" kern="100" dirty="0">
+                <a:ln>
+                  <a:solidFill>
+                    <a:srgbClr val="1E803F">
+                      <a:alpha val="0"/>
+                    </a:srgbClr>
+                  </a:solidFill>
+                </a:ln>
+                <a:latin typeface="아리따-돋움(TTF)-Light" panose="02020603020101020101" pitchFamily="18" charset="-127"/>
+                <a:ea typeface="아리따-돋움(TTF)-Light" panose="02020603020101020101" pitchFamily="18" charset="-127"/>
+                <a:cs typeface="Times New Roman" panose="02020603050405020304" pitchFamily="18" charset="0"/>
+              </a:rPr>
+              <a:t>(1) </a:t>
+            </a:r>
+            <a:r>
+              <a:rPr lang="ko-KR" altLang="en-US" kern="100" dirty="0">
+                <a:ln>
+                  <a:solidFill>
+                    <a:srgbClr val="1E803F">
+                      <a:alpha val="0"/>
+                    </a:srgbClr>
+                  </a:solidFill>
+                </a:ln>
+                <a:latin typeface="아리따-돋움(TTF)-Light" panose="02020603020101020101" pitchFamily="18" charset="-127"/>
+                <a:ea typeface="아리따-돋움(TTF)-Light" panose="02020603020101020101" pitchFamily="18" charset="-127"/>
+                <a:cs typeface="Times New Roman" panose="02020603050405020304" pitchFamily="18" charset="0"/>
+              </a:rPr>
+              <a:t>글</a:t>
+            </a:r>
+            <a:endParaRPr lang="ko-KR" altLang="ko-KR" kern="100" dirty="0">
+              <a:ln>
+                <a:solidFill>
+                  <a:srgbClr val="1E803F">
+                    <a:alpha val="0"/>
+                  </a:srgbClr>
+                </a:solidFill>
+              </a:ln>
+              <a:latin typeface="아리따-돋움(TTF)-Light" panose="02020603020101020101" pitchFamily="18" charset="-127"/>
+              <a:ea typeface="아리따-돋움(TTF)-Light" panose="02020603020101020101" pitchFamily="18" charset="-127"/>
+              <a:cs typeface="Times New Roman" panose="02020603050405020304" pitchFamily="18" charset="0"/>
+            </a:endParaRPr>
+          </a:p>
+          <a:p>
+            <a:pPr algn="just">
+              <a:lnSpc>
+                <a:spcPct val="107000"/>
+              </a:lnSpc>
+              <a:spcAft>
+                <a:spcPts val="800"/>
+              </a:spcAft>
+            </a:pPr>
+            <a:r>
+              <a:rPr lang="en-US" altLang="ko-KR" sz="1400" kern="100" dirty="0">
+                <a:ln>
+                  <a:solidFill>
+                    <a:srgbClr val="1E803F">
+                      <a:alpha val="0"/>
+                    </a:srgbClr>
+                  </a:solidFill>
+                </a:ln>
+                <a:latin typeface="아리따-돋움(TTF)-Light" panose="02020603020101020101" pitchFamily="18" charset="-127"/>
+                <a:ea typeface="아리따-돋움(TTF)-Light" panose="02020603020101020101" pitchFamily="18" charset="-127"/>
+                <a:cs typeface="Times New Roman" panose="02020603050405020304" pitchFamily="18" charset="0"/>
+              </a:rPr>
+              <a:t>1) </a:t>
+            </a:r>
+            <a:r>
+              <a:rPr lang="ko-KR" altLang="en-US" sz="1400" kern="100" dirty="0">
+                <a:ln>
+                  <a:solidFill>
+                    <a:srgbClr val="1E803F">
+                      <a:alpha val="0"/>
+                    </a:srgbClr>
+                  </a:solidFill>
+                </a:ln>
+                <a:latin typeface="아리따-돋움(TTF)-Light" panose="02020603020101020101" pitchFamily="18" charset="-127"/>
+                <a:ea typeface="아리따-돋움(TTF)-Light" panose="02020603020101020101" pitchFamily="18" charset="-127"/>
+                <a:cs typeface="Times New Roman" panose="02020603050405020304" pitchFamily="18" charset="0"/>
+              </a:rPr>
+              <a:t>글</a:t>
+            </a:r>
+            <a:r>
+              <a:rPr lang="en-US" altLang="ko-KR" sz="1400" kern="100" dirty="0">
+                <a:ln>
+                  <a:solidFill>
+                    <a:srgbClr val="1E803F">
+                      <a:alpha val="0"/>
+                    </a:srgbClr>
+                  </a:solidFill>
+                </a:ln>
+                <a:latin typeface="아리따-돋움(TTF)-Light" panose="02020603020101020101" pitchFamily="18" charset="-127"/>
+                <a:ea typeface="아리따-돋움(TTF)-Light" panose="02020603020101020101" pitchFamily="18" charset="-127"/>
+                <a:cs typeface="Times New Roman" panose="02020603050405020304" pitchFamily="18" charset="0"/>
+              </a:rPr>
+              <a:t>.</a:t>
+            </a:r>
+          </a:p>
+        </p:txBody>
+      </p:sp>
+      <p:sp>
+        <p:nvSpPr>
+          <p:cNvPr id="17" name="직사각형 16">
+            <a:extLst>
+              <a:ext uri="{FF2B5EF4-FFF2-40B4-BE49-F238E27FC236}">
+                <a16:creationId xmlns="" xmlns:a16="http://schemas.microsoft.com/office/drawing/2014/main" id="{1DD0110B-7E66-46C5-8A84-C15A442DEE81}"/>
+              </a:ext>
+            </a:extLst>
+          </p:cNvPr>
+          <p:cNvSpPr/>
+          <p:nvPr/>
+        </p:nvSpPr>
+        <p:spPr>
+          <a:xfrm>
+            <a:off x="91440" y="478720"/>
+            <a:ext cx="4526280" cy="646331"/>
+          </a:xfrm>
+          <a:prstGeom prst="rect">
+            <a:avLst/>
+          </a:prstGeom>
+        </p:spPr>
+        <p:txBody>
+          <a:bodyPr wrap="square">
+            <a:spAutoFit/>
+          </a:bodyPr>
+          <a:lstStyle/>
+          <a:p>
+            <a:r>
+              <a:rPr lang="en-US" altLang="ko-KR" sz="3600" dirty="0">
+                <a:ln>
+                  <a:solidFill>
+                    <a:schemeClr val="bg1">
+                      <a:alpha val="0"/>
+                    </a:schemeClr>
+                  </a:solidFill>
+                </a:ln>
+                <a:solidFill>
+                  <a:srgbClr val="355A96"/>
+                </a:solidFill>
+                <a:latin typeface="아리따-돋움(TTF)-Light" panose="02020603020101020101" pitchFamily="18" charset="-127"/>
+                <a:ea typeface="아리따-돋움(TTF)-Light" panose="02020603020101020101" pitchFamily="18" charset="-127"/>
+              </a:rPr>
+              <a:t>Visualization</a:t>
+            </a:r>
+            <a:endParaRPr lang="ko-KR" altLang="en-US" sz="3600" dirty="0">
+              <a:ln>
+                <a:solidFill>
+                  <a:schemeClr val="bg1">
+                    <a:alpha val="0"/>
+                  </a:schemeClr>
+                </a:solidFill>
+              </a:ln>
+              <a:solidFill>
+                <a:srgbClr val="355A96"/>
+              </a:solidFill>
+              <a:latin typeface="아리따-돋움(TTF)-Light" panose="02020603020101020101" pitchFamily="18" charset="-127"/>
+              <a:ea typeface="아리따-돋움(TTF)-Light" panose="02020603020101020101" pitchFamily="18" charset="-127"/>
+            </a:endParaRPr>
+          </a:p>
+        </p:txBody>
+      </p:sp>
+      <p:sp>
+        <p:nvSpPr>
+          <p:cNvPr id="16" name="직사각형 15">
+            <a:extLst>
+              <a:ext uri="{FF2B5EF4-FFF2-40B4-BE49-F238E27FC236}">
+                <a16:creationId xmlns="" xmlns:a16="http://schemas.microsoft.com/office/drawing/2014/main" id="{D703A7DB-BACB-4AF0-B8CF-8C852EC45FE9}"/>
+              </a:ext>
+            </a:extLst>
+          </p:cNvPr>
+          <p:cNvSpPr/>
+          <p:nvPr/>
+        </p:nvSpPr>
+        <p:spPr>
+          <a:xfrm>
+            <a:off x="-93595" y="101871"/>
+            <a:ext cx="182880" cy="688065"/>
+          </a:xfrm>
+          <a:prstGeom prst="rect">
+            <a:avLst/>
+          </a:prstGeom>
+          <a:solidFill>
+            <a:schemeClr val="accent1">
+              <a:lumMod val="40000"/>
+              <a:lumOff val="60000"/>
+            </a:schemeClr>
+          </a:solidFill>
+          <a:ln>
+            <a:noFill/>
+          </a:ln>
+        </p:spPr>
+        <p:style>
+          <a:lnRef idx="2">
+            <a:schemeClr val="accent1">
+              <a:shade val="50000"/>
+            </a:schemeClr>
+          </a:lnRef>
+          <a:fillRef idx="1">
+            <a:schemeClr val="accent1"/>
+          </a:fillRef>
+          <a:effectRef idx="0">
+            <a:schemeClr val="accent1"/>
+          </a:effectRef>
+          <a:fontRef idx="minor">
+            <a:schemeClr val="lt1"/>
+          </a:fontRef>
+        </p:style>
+        <p:txBody>
+          <a:bodyPr rtlCol="0" anchor="ctr"/>
+          <a:lstStyle/>
+          <a:p>
+            <a:pPr algn="ctr"/>
+            <a:endParaRPr lang="ko-KR" altLang="en-US"/>
+          </a:p>
+        </p:txBody>
+      </p:sp>
+    </p:spTree>
+    <p:extLst>
+      <p:ext uri="{BB962C8B-B14F-4D97-AF65-F5344CB8AC3E}">
+        <p14:creationId xmlns:p14="http://schemas.microsoft.com/office/powerpoint/2010/main" val="502518425"/>
+      </p:ext>
+    </p:extLst>
+  </p:cSld>
+  <p:clrMapOvr>
+    <a:masterClrMapping/>
+  </p:clrMapOvr>
+</p:sld>
+</file>
+
+<file path=ppt/slides/slide21.xml><?xml version="1.0" encoding="utf-8"?>
+<p:sld xmlns:a="http://schemas.openxmlformats.org/drawingml/2006/main" xmlns:r="http://schemas.openxmlformats.org/officeDocument/2006/relationships" xmlns:p="http://schemas.openxmlformats.org/presentationml/2006/main">
+  <p:cSld>
+    <p:spTree>
+      <p:nvGrpSpPr>
+        <p:cNvPr id="1" name=""/>
+        <p:cNvGrpSpPr/>
+        <p:nvPr/>
+      </p:nvGrpSpPr>
+      <p:grpSpPr>
+        <a:xfrm>
+          <a:off x="0" y="0"/>
+          <a:ext cx="0" cy="0"/>
+          <a:chOff x="0" y="0"/>
+          <a:chExt cx="0" cy="0"/>
+        </a:xfrm>
+      </p:grpSpPr>
+      <p:sp>
+        <p:nvSpPr>
+          <p:cNvPr id="22" name="직사각형 21">
+            <a:extLst>
+              <a:ext uri="{FF2B5EF4-FFF2-40B4-BE49-F238E27FC236}">
+                <a16:creationId xmlns="" xmlns:a16="http://schemas.microsoft.com/office/drawing/2014/main" id="{0D23CACA-CE4D-4905-8B72-5CB4A45F4007}"/>
               </a:ext>
             </a:extLst>
           </p:cNvPr>
@@ -13330,10 +14692,117 @@
       </p:sp>
       <p:sp>
         <p:nvSpPr>
-          <p:cNvPr id="28" name="직사각형 27">
-            <a:extLst>
-              <a:ext uri="{FF2B5EF4-FFF2-40B4-BE49-F238E27FC236}">
-                <a16:creationId xmlns:a16="http://schemas.microsoft.com/office/drawing/2014/main" id="{9621D986-71F8-4392-83CB-2ED5F1454772}"/>
+          <p:cNvPr id="16" name="직사각형 15">
+            <a:extLst>
+              <a:ext uri="{FF2B5EF4-FFF2-40B4-BE49-F238E27FC236}">
+                <a16:creationId xmlns="" xmlns:a16="http://schemas.microsoft.com/office/drawing/2014/main" id="{7F73543C-E678-4175-BA8C-F569F722D659}"/>
+              </a:ext>
+            </a:extLst>
+          </p:cNvPr>
+          <p:cNvSpPr/>
+          <p:nvPr/>
+        </p:nvSpPr>
+        <p:spPr>
+          <a:xfrm>
+            <a:off x="1179094" y="1771417"/>
+            <a:ext cx="10202779" cy="3664851"/>
+          </a:xfrm>
+          <a:prstGeom prst="rect">
+            <a:avLst/>
+          </a:prstGeom>
+          <a:solidFill>
+            <a:srgbClr val="1E803F"/>
+          </a:solidFill>
+          <a:ln>
+            <a:noFill/>
+          </a:ln>
+        </p:spPr>
+        <p:style>
+          <a:lnRef idx="2">
+            <a:schemeClr val="accent1">
+              <a:shade val="50000"/>
+            </a:schemeClr>
+          </a:lnRef>
+          <a:fillRef idx="1">
+            <a:schemeClr val="accent1"/>
+          </a:fillRef>
+          <a:effectRef idx="0">
+            <a:schemeClr val="accent1"/>
+          </a:effectRef>
+          <a:fontRef idx="minor">
+            <a:schemeClr val="lt1"/>
+          </a:fontRef>
+        </p:style>
+        <p:txBody>
+          <a:bodyPr rtlCol="0" anchor="ctr"/>
+          <a:lstStyle/>
+          <a:p>
+            <a:pPr algn="ctr"/>
+            <a:endParaRPr lang="ko-KR" altLang="en-US"/>
+          </a:p>
+        </p:txBody>
+      </p:sp>
+      <p:sp>
+        <p:nvSpPr>
+          <p:cNvPr id="17" name="직사각형 16">
+            <a:extLst>
+              <a:ext uri="{FF2B5EF4-FFF2-40B4-BE49-F238E27FC236}">
+                <a16:creationId xmlns="" xmlns:a16="http://schemas.microsoft.com/office/drawing/2014/main" id="{D8DE1DC9-5F05-4935-B334-30C89086EB0A}"/>
+              </a:ext>
+            </a:extLst>
+          </p:cNvPr>
+          <p:cNvSpPr/>
+          <p:nvPr/>
+        </p:nvSpPr>
+        <p:spPr>
+          <a:xfrm>
+            <a:off x="0" y="2344153"/>
+            <a:ext cx="12192000" cy="3092115"/>
+          </a:xfrm>
+          <a:prstGeom prst="rect">
+            <a:avLst/>
+          </a:prstGeom>
+          <a:solidFill>
+            <a:schemeClr val="accent6">
+              <a:lumMod val="20000"/>
+              <a:lumOff val="80000"/>
+            </a:schemeClr>
+          </a:solidFill>
+          <a:ln>
+            <a:noFill/>
+          </a:ln>
+        </p:spPr>
+        <p:style>
+          <a:lnRef idx="2">
+            <a:schemeClr val="accent1">
+              <a:shade val="50000"/>
+            </a:schemeClr>
+          </a:lnRef>
+          <a:fillRef idx="1">
+            <a:schemeClr val="accent1"/>
+          </a:fillRef>
+          <a:effectRef idx="0">
+            <a:schemeClr val="accent1"/>
+          </a:effectRef>
+          <a:fontRef idx="minor">
+            <a:schemeClr val="lt1"/>
+          </a:fontRef>
+        </p:style>
+        <p:txBody>
+          <a:bodyPr rtlCol="0" anchor="ctr"/>
+          <a:lstStyle/>
+          <a:p>
+            <a:pPr algn="ctr"/>
+            <a:endParaRPr lang="ko-KR" altLang="en-US"/>
+          </a:p>
+        </p:txBody>
+      </p:sp>
+      <p:sp>
+        <p:nvSpPr>
+          <p:cNvPr id="3" name="직사각형 2">
+            <a:extLst>
+              <a:ext uri="{FF2B5EF4-FFF2-40B4-BE49-F238E27FC236}">
+                <a16:creationId xmlns="" xmlns:a16="http://schemas.microsoft.com/office/drawing/2014/main" id="{7A88A710-ADB2-470D-B516-0B28EDEAE25F}"/>
               </a:ext>
             </a:extLst>
           </p:cNvPr>
@@ -13391,6 +14860,539 @@
           </a:p>
         </p:txBody>
       </p:sp>
+      <p:sp>
+        <p:nvSpPr>
+          <p:cNvPr id="28" name="TextBox 27">
+            <a:extLst>
+              <a:ext uri="{FF2B5EF4-FFF2-40B4-BE49-F238E27FC236}">
+                <a16:creationId xmlns="" xmlns:a16="http://schemas.microsoft.com/office/drawing/2014/main" id="{EBD9D0F0-9BF7-452F-A241-B3AD0C81A1C6}"/>
+              </a:ext>
+            </a:extLst>
+          </p:cNvPr>
+          <p:cNvSpPr txBox="1"/>
+          <p:nvPr/>
+        </p:nvSpPr>
+        <p:spPr>
+          <a:xfrm>
+            <a:off x="22842" y="294263"/>
+            <a:ext cx="1864741" cy="307777"/>
+          </a:xfrm>
+          <a:prstGeom prst="rect">
+            <a:avLst/>
+          </a:prstGeom>
+          <a:solidFill>
+            <a:schemeClr val="accent6">
+              <a:lumMod val="20000"/>
+              <a:lumOff val="80000"/>
+            </a:schemeClr>
+          </a:solidFill>
+        </p:spPr>
+        <p:txBody>
+          <a:bodyPr wrap="none" rtlCol="0">
+            <a:spAutoFit/>
+          </a:bodyPr>
+          <a:lstStyle/>
+          <a:p>
+            <a:r>
+              <a:rPr lang="en-US" altLang="ko-KR" sz="1400" b="1" dirty="0">
+                <a:ln>
+                  <a:solidFill>
+                    <a:schemeClr val="accent1">
+                      <a:shade val="50000"/>
+                      <a:alpha val="0"/>
+                    </a:schemeClr>
+                  </a:solidFill>
+                </a:ln>
+                <a:solidFill>
+                  <a:srgbClr val="1E803F"/>
+                </a:solidFill>
+                <a:latin typeface="KoPub돋움체 Bold" panose="02020603020101020101" pitchFamily="18" charset="-127"/>
+                <a:ea typeface="KoPub돋움체 Bold" panose="02020603020101020101" pitchFamily="18" charset="-127"/>
+              </a:rPr>
+              <a:t>3. </a:t>
+            </a:r>
+            <a:r>
+              <a:rPr lang="en-US" altLang="ko-KR" sz="1400" b="1" dirty="0">
+                <a:ln>
+                  <a:solidFill>
+                    <a:schemeClr val="accent1">
+                      <a:shade val="50000"/>
+                      <a:alpha val="0"/>
+                    </a:schemeClr>
+                  </a:solidFill>
+                </a:ln>
+                <a:solidFill>
+                  <a:srgbClr val="1E803F"/>
+                </a:solidFill>
+                <a:latin typeface="KoPub돋움체 Bold" panose="02020603020101020101" pitchFamily="18" charset="-127"/>
+                <a:ea typeface="아리따-돋움(TTF)-Light" panose="02020603020101020101" pitchFamily="18" charset="-127"/>
+              </a:rPr>
+              <a:t>Result Evaluation</a:t>
+            </a:r>
+            <a:endParaRPr lang="ko-KR" altLang="en-US" sz="1400" b="1" dirty="0">
+              <a:ln>
+                <a:solidFill>
+                  <a:schemeClr val="accent1">
+                    <a:shade val="50000"/>
+                    <a:alpha val="0"/>
+                  </a:schemeClr>
+                </a:solidFill>
+              </a:ln>
+              <a:solidFill>
+                <a:srgbClr val="1E803F"/>
+              </a:solidFill>
+              <a:latin typeface="아리따-돋움(TTF)-Light" panose="02020603020101020101" pitchFamily="18" charset="-127"/>
+              <a:ea typeface="아리따-돋움(TTF)-Light" panose="02020603020101020101" pitchFamily="18" charset="-127"/>
+            </a:endParaRPr>
+          </a:p>
+        </p:txBody>
+      </p:sp>
+      <p:sp>
+        <p:nvSpPr>
+          <p:cNvPr id="29" name="직사각형 28">
+            <a:extLst>
+              <a:ext uri="{FF2B5EF4-FFF2-40B4-BE49-F238E27FC236}">
+                <a16:creationId xmlns="" xmlns:a16="http://schemas.microsoft.com/office/drawing/2014/main" id="{A5B76934-C669-4221-B328-28C462E2B865}"/>
+              </a:ext>
+            </a:extLst>
+          </p:cNvPr>
+          <p:cNvSpPr/>
+          <p:nvPr/>
+        </p:nvSpPr>
+        <p:spPr>
+          <a:xfrm>
+            <a:off x="-91440" y="104120"/>
+            <a:ext cx="182880" cy="688065"/>
+          </a:xfrm>
+          <a:prstGeom prst="rect">
+            <a:avLst/>
+          </a:prstGeom>
+          <a:solidFill>
+            <a:schemeClr val="tx1"/>
+          </a:solidFill>
+          <a:ln>
+            <a:noFill/>
+          </a:ln>
+        </p:spPr>
+        <p:style>
+          <a:lnRef idx="2">
+            <a:schemeClr val="accent1">
+              <a:shade val="50000"/>
+            </a:schemeClr>
+          </a:lnRef>
+          <a:fillRef idx="1">
+            <a:schemeClr val="accent1"/>
+          </a:fillRef>
+          <a:effectRef idx="0">
+            <a:schemeClr val="accent1"/>
+          </a:effectRef>
+          <a:fontRef idx="minor">
+            <a:schemeClr val="lt1"/>
+          </a:fontRef>
+        </p:style>
+        <p:txBody>
+          <a:bodyPr rtlCol="0" anchor="ctr"/>
+          <a:lstStyle/>
+          <a:p>
+            <a:pPr algn="ctr"/>
+            <a:endParaRPr lang="ko-KR" altLang="en-US"/>
+          </a:p>
+        </p:txBody>
+      </p:sp>
+      <p:sp>
+        <p:nvSpPr>
+          <p:cNvPr id="8" name="직사각형 7">
+            <a:extLst>
+              <a:ext uri="{FF2B5EF4-FFF2-40B4-BE49-F238E27FC236}">
+                <a16:creationId xmlns="" xmlns:a16="http://schemas.microsoft.com/office/drawing/2014/main" id="{E284CC68-7224-4DDA-9BE4-E84F6B4F2F62}"/>
+              </a:ext>
+            </a:extLst>
+          </p:cNvPr>
+          <p:cNvSpPr/>
+          <p:nvPr/>
+        </p:nvSpPr>
+        <p:spPr>
+          <a:xfrm>
+            <a:off x="-91440" y="104120"/>
+            <a:ext cx="182880" cy="688065"/>
+          </a:xfrm>
+          <a:prstGeom prst="rect">
+            <a:avLst/>
+          </a:prstGeom>
+          <a:solidFill>
+            <a:schemeClr val="accent6">
+              <a:lumMod val="60000"/>
+              <a:lumOff val="40000"/>
+            </a:schemeClr>
+          </a:solidFill>
+          <a:ln>
+            <a:noFill/>
+          </a:ln>
+        </p:spPr>
+        <p:style>
+          <a:lnRef idx="2">
+            <a:schemeClr val="accent1">
+              <a:shade val="50000"/>
+            </a:schemeClr>
+          </a:lnRef>
+          <a:fillRef idx="1">
+            <a:schemeClr val="accent1"/>
+          </a:fillRef>
+          <a:effectRef idx="0">
+            <a:schemeClr val="accent1"/>
+          </a:effectRef>
+          <a:fontRef idx="minor">
+            <a:schemeClr val="lt1"/>
+          </a:fontRef>
+        </p:style>
+        <p:txBody>
+          <a:bodyPr rtlCol="0" anchor="ctr"/>
+          <a:lstStyle/>
+          <a:p>
+            <a:pPr algn="ctr"/>
+            <a:endParaRPr lang="ko-KR" altLang="en-US"/>
+          </a:p>
+        </p:txBody>
+      </p:sp>
+    </p:spTree>
+    <p:extLst>
+      <p:ext uri="{BB962C8B-B14F-4D97-AF65-F5344CB8AC3E}">
+        <p14:creationId xmlns:p14="http://schemas.microsoft.com/office/powerpoint/2010/main" val="246069232"/>
+      </p:ext>
+    </p:extLst>
+  </p:cSld>
+  <p:clrMapOvr>
+    <a:masterClrMapping/>
+  </p:clrMapOvr>
+</p:sld>
+</file>
+
+<file path=ppt/slides/slide22.xml><?xml version="1.0" encoding="utf-8"?>
+<p:sld xmlns:a="http://schemas.openxmlformats.org/drawingml/2006/main" xmlns:r="http://schemas.openxmlformats.org/officeDocument/2006/relationships" xmlns:p="http://schemas.openxmlformats.org/presentationml/2006/main">
+  <p:cSld>
+    <p:spTree>
+      <p:nvGrpSpPr>
+        <p:cNvPr id="1" name=""/>
+        <p:cNvGrpSpPr/>
+        <p:nvPr/>
+      </p:nvGrpSpPr>
+      <p:grpSpPr>
+        <a:xfrm>
+          <a:off x="0" y="0"/>
+          <a:ext cx="0" cy="0"/>
+          <a:chOff x="0" y="0"/>
+          <a:chExt cx="0" cy="0"/>
+        </a:xfrm>
+      </p:grpSpPr>
+      <p:sp>
+        <p:nvSpPr>
+          <p:cNvPr id="32" name="TextBox 31">
+            <a:extLst>
+              <a:ext uri="{FF2B5EF4-FFF2-40B4-BE49-F238E27FC236}">
+                <a16:creationId xmlns="" xmlns:a16="http://schemas.microsoft.com/office/drawing/2014/main" id="{70565632-CACC-4C18-B37E-8EE40AB89240}"/>
+              </a:ext>
+            </a:extLst>
+          </p:cNvPr>
+          <p:cNvSpPr txBox="1"/>
+          <p:nvPr/>
+        </p:nvSpPr>
+        <p:spPr>
+          <a:xfrm>
+            <a:off x="22842" y="294263"/>
+            <a:ext cx="1864741" cy="307777"/>
+          </a:xfrm>
+          <a:prstGeom prst="rect">
+            <a:avLst/>
+          </a:prstGeom>
+          <a:solidFill>
+            <a:schemeClr val="accent6">
+              <a:lumMod val="20000"/>
+              <a:lumOff val="80000"/>
+            </a:schemeClr>
+          </a:solidFill>
+        </p:spPr>
+        <p:txBody>
+          <a:bodyPr wrap="none" rtlCol="0">
+            <a:spAutoFit/>
+          </a:bodyPr>
+          <a:lstStyle/>
+          <a:p>
+            <a:r>
+              <a:rPr lang="en-US" altLang="ko-KR" sz="1400" b="1" dirty="0">
+                <a:ln>
+                  <a:solidFill>
+                    <a:schemeClr val="accent1">
+                      <a:shade val="50000"/>
+                      <a:alpha val="0"/>
+                    </a:schemeClr>
+                  </a:solidFill>
+                </a:ln>
+                <a:solidFill>
+                  <a:srgbClr val="1E803F"/>
+                </a:solidFill>
+                <a:latin typeface="KoPub돋움체 Bold" panose="02020603020101020101" pitchFamily="18" charset="-127"/>
+                <a:ea typeface="KoPub돋움체 Bold" panose="02020603020101020101" pitchFamily="18" charset="-127"/>
+              </a:rPr>
+              <a:t>3. </a:t>
+            </a:r>
+            <a:r>
+              <a:rPr lang="en-US" altLang="ko-KR" sz="1400" b="1" dirty="0">
+                <a:ln>
+                  <a:solidFill>
+                    <a:schemeClr val="accent1">
+                      <a:shade val="50000"/>
+                      <a:alpha val="0"/>
+                    </a:schemeClr>
+                  </a:solidFill>
+                </a:ln>
+                <a:solidFill>
+                  <a:srgbClr val="1E803F"/>
+                </a:solidFill>
+                <a:latin typeface="KoPub돋움체 Bold" panose="02020603020101020101" pitchFamily="18" charset="-127"/>
+                <a:ea typeface="아리따-돋움(TTF)-Light" panose="02020603020101020101" pitchFamily="18" charset="-127"/>
+              </a:rPr>
+              <a:t>Result Evaluation</a:t>
+            </a:r>
+            <a:endParaRPr lang="ko-KR" altLang="en-US" sz="1400" b="1" dirty="0">
+              <a:ln>
+                <a:solidFill>
+                  <a:schemeClr val="accent1">
+                    <a:shade val="50000"/>
+                    <a:alpha val="0"/>
+                  </a:schemeClr>
+                </a:solidFill>
+              </a:ln>
+              <a:solidFill>
+                <a:srgbClr val="1E803F"/>
+              </a:solidFill>
+              <a:latin typeface="아리따-돋움(TTF)-Light" panose="02020603020101020101" pitchFamily="18" charset="-127"/>
+              <a:ea typeface="아리따-돋움(TTF)-Light" panose="02020603020101020101" pitchFamily="18" charset="-127"/>
+            </a:endParaRPr>
+          </a:p>
+        </p:txBody>
+      </p:sp>
+      <p:sp>
+        <p:nvSpPr>
+          <p:cNvPr id="11" name="직사각형 10">
+            <a:extLst>
+              <a:ext uri="{FF2B5EF4-FFF2-40B4-BE49-F238E27FC236}">
+                <a16:creationId xmlns="" xmlns:a16="http://schemas.microsoft.com/office/drawing/2014/main" id="{E978BCA0-B148-42BC-B518-7952EE405DC0}"/>
+              </a:ext>
+            </a:extLst>
+          </p:cNvPr>
+          <p:cNvSpPr/>
+          <p:nvPr/>
+        </p:nvSpPr>
+        <p:spPr>
+          <a:xfrm>
+            <a:off x="-91440" y="104120"/>
+            <a:ext cx="182880" cy="688065"/>
+          </a:xfrm>
+          <a:prstGeom prst="rect">
+            <a:avLst/>
+          </a:prstGeom>
+          <a:solidFill>
+            <a:schemeClr val="tx1"/>
+          </a:solidFill>
+          <a:ln>
+            <a:noFill/>
+          </a:ln>
+        </p:spPr>
+        <p:style>
+          <a:lnRef idx="2">
+            <a:schemeClr val="accent1">
+              <a:shade val="50000"/>
+            </a:schemeClr>
+          </a:lnRef>
+          <a:fillRef idx="1">
+            <a:schemeClr val="accent1"/>
+          </a:fillRef>
+          <a:effectRef idx="0">
+            <a:schemeClr val="accent1"/>
+          </a:effectRef>
+          <a:fontRef idx="minor">
+            <a:schemeClr val="lt1"/>
+          </a:fontRef>
+        </p:style>
+        <p:txBody>
+          <a:bodyPr rtlCol="0" anchor="ctr"/>
+          <a:lstStyle/>
+          <a:p>
+            <a:pPr algn="ctr"/>
+            <a:endParaRPr lang="ko-KR" altLang="en-US"/>
+          </a:p>
+        </p:txBody>
+      </p:sp>
+      <p:sp>
+        <p:nvSpPr>
+          <p:cNvPr id="36" name="직사각형 35">
+            <a:extLst>
+              <a:ext uri="{FF2B5EF4-FFF2-40B4-BE49-F238E27FC236}">
+                <a16:creationId xmlns="" xmlns:a16="http://schemas.microsoft.com/office/drawing/2014/main" id="{650B129E-2E60-4990-B080-EE4A72E5355E}"/>
+              </a:ext>
+            </a:extLst>
+          </p:cNvPr>
+          <p:cNvSpPr/>
+          <p:nvPr/>
+        </p:nvSpPr>
+        <p:spPr>
+          <a:xfrm>
+            <a:off x="0" y="6034497"/>
+            <a:ext cx="12192000" cy="850490"/>
+          </a:xfrm>
+          <a:prstGeom prst="rect">
+            <a:avLst/>
+          </a:prstGeom>
+          <a:solidFill>
+            <a:srgbClr val="1E803F"/>
+          </a:solidFill>
+          <a:ln>
+            <a:noFill/>
+          </a:ln>
+        </p:spPr>
+        <p:style>
+          <a:lnRef idx="2">
+            <a:schemeClr val="accent1">
+              <a:shade val="50000"/>
+            </a:schemeClr>
+          </a:lnRef>
+          <a:fillRef idx="1">
+            <a:schemeClr val="accent1"/>
+          </a:fillRef>
+          <a:effectRef idx="0">
+            <a:schemeClr val="accent1"/>
+          </a:effectRef>
+          <a:fontRef idx="minor">
+            <a:schemeClr val="lt1"/>
+          </a:fontRef>
+        </p:style>
+        <p:txBody>
+          <a:bodyPr rtlCol="0" anchor="ctr"/>
+          <a:lstStyle/>
+          <a:p>
+            <a:pPr algn="r"/>
+            <a:endParaRPr lang="ko-KR" altLang="en-US" dirty="0"/>
+          </a:p>
+        </p:txBody>
+      </p:sp>
+      <p:sp>
+        <p:nvSpPr>
+          <p:cNvPr id="28" name="직사각형 27">
+            <a:extLst>
+              <a:ext uri="{FF2B5EF4-FFF2-40B4-BE49-F238E27FC236}">
+                <a16:creationId xmlns="" xmlns:a16="http://schemas.microsoft.com/office/drawing/2014/main" id="{9621D986-71F8-4392-83CB-2ED5F1454772}"/>
+              </a:ext>
+            </a:extLst>
+          </p:cNvPr>
+          <p:cNvSpPr/>
+          <p:nvPr/>
+        </p:nvSpPr>
+        <p:spPr>
+          <a:xfrm>
+            <a:off x="22842" y="602040"/>
+            <a:ext cx="4033520" cy="646331"/>
+          </a:xfrm>
+          <a:prstGeom prst="rect">
+            <a:avLst/>
+          </a:prstGeom>
+        </p:spPr>
+        <p:txBody>
+          <a:bodyPr wrap="square">
+            <a:spAutoFit/>
+          </a:bodyPr>
+          <a:lstStyle/>
+          <a:p>
+            <a:r>
+              <a:rPr lang="en-US" altLang="ko-KR" sz="3600" dirty="0">
+                <a:ln>
+                  <a:solidFill>
+                    <a:schemeClr val="accent1">
+                      <a:shade val="50000"/>
+                      <a:alpha val="0"/>
+                    </a:schemeClr>
+                  </a:solidFill>
+                </a:ln>
+                <a:solidFill>
+                  <a:srgbClr val="1E803F"/>
+                </a:solidFill>
+                <a:latin typeface="아리따-돋움(TTF)-Light" panose="02020603020101020101" pitchFamily="18" charset="-127"/>
+                <a:ea typeface="아리따-돋움(TTF)-Light" panose="02020603020101020101" pitchFamily="18" charset="-127"/>
+              </a:rPr>
+              <a:t>Result Evaluation</a:t>
+            </a:r>
+            <a:endParaRPr lang="ko-KR" altLang="en-US" sz="3600" dirty="0">
+              <a:ln>
+                <a:solidFill>
+                  <a:schemeClr val="accent1">
+                    <a:shade val="50000"/>
+                    <a:alpha val="0"/>
+                  </a:schemeClr>
+                </a:solidFill>
+              </a:ln>
+              <a:solidFill>
+                <a:srgbClr val="1E803F"/>
+              </a:solidFill>
+              <a:latin typeface="아리따-돋움(TTF)-Light" panose="02020603020101020101" pitchFamily="18" charset="-127"/>
+              <a:ea typeface="아리따-돋움(TTF)-Light" panose="02020603020101020101" pitchFamily="18" charset="-127"/>
+            </a:endParaRPr>
+          </a:p>
+        </p:txBody>
+      </p:sp>
+      <p:sp>
+        <p:nvSpPr>
+          <p:cNvPr id="6" name="직사각형 5">
+            <a:extLst>
+              <a:ext uri="{FF2B5EF4-FFF2-40B4-BE49-F238E27FC236}">
+                <a16:creationId xmlns="" xmlns:a16="http://schemas.microsoft.com/office/drawing/2014/main" id="{E284CC68-7224-4DDA-9BE4-E84F6B4F2F62}"/>
+              </a:ext>
+            </a:extLst>
+          </p:cNvPr>
+          <p:cNvSpPr/>
+          <p:nvPr/>
+        </p:nvSpPr>
+        <p:spPr>
+          <a:xfrm>
+            <a:off x="-91440" y="104120"/>
+            <a:ext cx="182880" cy="688065"/>
+          </a:xfrm>
+          <a:prstGeom prst="rect">
+            <a:avLst/>
+          </a:prstGeom>
+          <a:solidFill>
+            <a:schemeClr val="accent6">
+              <a:lumMod val="60000"/>
+              <a:lumOff val="40000"/>
+            </a:schemeClr>
+          </a:solidFill>
+          <a:ln>
+            <a:noFill/>
+          </a:ln>
+        </p:spPr>
+        <p:style>
+          <a:lnRef idx="2">
+            <a:schemeClr val="accent1">
+              <a:shade val="50000"/>
+            </a:schemeClr>
+          </a:lnRef>
+          <a:fillRef idx="1">
+            <a:schemeClr val="accent1"/>
+          </a:fillRef>
+          <a:effectRef idx="0">
+            <a:schemeClr val="accent1"/>
+          </a:effectRef>
+          <a:fontRef idx="minor">
+            <a:schemeClr val="lt1"/>
+          </a:fontRef>
+        </p:style>
+        <p:txBody>
+          <a:bodyPr rtlCol="0" anchor="ctr"/>
+          <a:lstStyle/>
+          <a:p>
+            <a:pPr algn="ctr"/>
+            <a:endParaRPr lang="ko-KR" altLang="en-US"/>
+          </a:p>
+        </p:txBody>
+      </p:sp>
     </p:spTree>
     <p:extLst>
       <p:ext uri="{BB962C8B-B14F-4D97-AF65-F5344CB8AC3E}">
@@ -13404,7 +15406,7 @@
 </p:sld>
 </file>
 
-<file path=ppt/slides/slide21.xml><?xml version="1.0" encoding="utf-8"?>
+<file path=ppt/slides/slide23.xml><?xml version="1.0" encoding="utf-8"?>
 <p:sld xmlns:a="http://schemas.openxmlformats.org/drawingml/2006/main" xmlns:r="http://schemas.openxmlformats.org/officeDocument/2006/relationships" xmlns:p="http://schemas.openxmlformats.org/presentationml/2006/main">
   <p:cSld>
     <p:spTree>
@@ -13426,7 +15428,7 @@
           <p:cNvPr id="2" name="직사각형 1">
             <a:extLst>
               <a:ext uri="{FF2B5EF4-FFF2-40B4-BE49-F238E27FC236}">
-                <a16:creationId xmlns:a16="http://schemas.microsoft.com/office/drawing/2014/main" id="{765C0334-3436-457E-97AC-7E834920F065}"/>
+                <a16:creationId xmlns="" xmlns:a16="http://schemas.microsoft.com/office/drawing/2014/main" id="{765C0334-3436-457E-97AC-7E834920F065}"/>
               </a:ext>
             </a:extLst>
           </p:cNvPr>
@@ -13521,7 +15523,7 @@
           <p:cNvPr id="6" name="그림 5">
             <a:extLst>
               <a:ext uri="{FF2B5EF4-FFF2-40B4-BE49-F238E27FC236}">
-                <a16:creationId xmlns:a16="http://schemas.microsoft.com/office/drawing/2014/main" id="{CF4D2E2C-13B4-4B35-8D96-74985781817B}"/>
+                <a16:creationId xmlns="" xmlns:a16="http://schemas.microsoft.com/office/drawing/2014/main" id="{CF4D2E2C-13B4-4B35-8D96-74985781817B}"/>
               </a:ext>
             </a:extLst>
           </p:cNvPr>
@@ -13551,7 +15553,7 @@
           <p:cNvPr id="7" name="그림 6">
             <a:extLst>
               <a:ext uri="{FF2B5EF4-FFF2-40B4-BE49-F238E27FC236}">
-                <a16:creationId xmlns:a16="http://schemas.microsoft.com/office/drawing/2014/main" id="{074C8402-83B5-4A6F-B4AA-B4E1E8F1BC8E}"/>
+                <a16:creationId xmlns="" xmlns:a16="http://schemas.microsoft.com/office/drawing/2014/main" id="{074C8402-83B5-4A6F-B4AA-B4E1E8F1BC8E}"/>
               </a:ext>
             </a:extLst>
           </p:cNvPr>
@@ -13581,7 +15583,7 @@
           <p:cNvPr id="8" name="Picture 6" descr="toilettreeì ëí ì´ë¯¸ì§ ê²ìê²°ê³¼">
             <a:extLst>
               <a:ext uri="{FF2B5EF4-FFF2-40B4-BE49-F238E27FC236}">
-                <a16:creationId xmlns:a16="http://schemas.microsoft.com/office/drawing/2014/main" id="{F0626367-1B03-470B-9F11-348093FCDE87}"/>
+                <a16:creationId xmlns="" xmlns:a16="http://schemas.microsoft.com/office/drawing/2014/main" id="{F0626367-1B03-470B-9F11-348093FCDE87}"/>
               </a:ext>
             </a:extLst>
           </p:cNvPr>
@@ -13628,7 +15630,7 @@
           <p:cNvPr id="9" name="Picture 4" descr="íëìëì ëí ì´ë¯¸ì§ ê²ìê²°ê³¼">
             <a:extLst>
               <a:ext uri="{FF2B5EF4-FFF2-40B4-BE49-F238E27FC236}">
-                <a16:creationId xmlns:a16="http://schemas.microsoft.com/office/drawing/2014/main" id="{46F3B7D0-4F5A-4294-AD69-5D64D46D07C8}"/>
+                <a16:creationId xmlns="" xmlns:a16="http://schemas.microsoft.com/office/drawing/2014/main" id="{46F3B7D0-4F5A-4294-AD69-5D64D46D07C8}"/>
               </a:ext>
             </a:extLst>
           </p:cNvPr>
@@ -13675,7 +15677,7 @@
           <p:cNvPr id="12" name="사각형: 잘린 대각선 방향 모서리 11">
             <a:extLst>
               <a:ext uri="{FF2B5EF4-FFF2-40B4-BE49-F238E27FC236}">
-                <a16:creationId xmlns:a16="http://schemas.microsoft.com/office/drawing/2014/main" id="{81C584B7-3480-4492-BC4E-19DF51DDD750}"/>
+                <a16:creationId xmlns="" xmlns:a16="http://schemas.microsoft.com/office/drawing/2014/main" id="{81C584B7-3480-4492-BC4E-19DF51DDD750}"/>
               </a:ext>
             </a:extLst>
           </p:cNvPr>
@@ -13732,7 +15734,7 @@
           <p:cNvPr id="13" name="그룹 12">
             <a:extLst>
               <a:ext uri="{FF2B5EF4-FFF2-40B4-BE49-F238E27FC236}">
-                <a16:creationId xmlns:a16="http://schemas.microsoft.com/office/drawing/2014/main" id="{E3B7381B-6856-4465-8FD4-A1CEC603AC91}"/>
+                <a16:creationId xmlns="" xmlns:a16="http://schemas.microsoft.com/office/drawing/2014/main" id="{E3B7381B-6856-4465-8FD4-A1CEC603AC91}"/>
               </a:ext>
             </a:extLst>
           </p:cNvPr>
@@ -13755,7 +15757,7 @@
             <p:cNvPr id="14" name="직사각형 13">
               <a:extLst>
                 <a:ext uri="{FF2B5EF4-FFF2-40B4-BE49-F238E27FC236}">
-                  <a16:creationId xmlns:a16="http://schemas.microsoft.com/office/drawing/2014/main" id="{EDE33671-AE82-4610-963A-2C5655D36BCA}"/>
+                  <a16:creationId xmlns="" xmlns:a16="http://schemas.microsoft.com/office/drawing/2014/main" id="{EDE33671-AE82-4610-963A-2C5655D36BCA}"/>
                 </a:ext>
               </a:extLst>
             </p:cNvPr>
@@ -13805,7 +15807,7 @@
             <p:cNvPr id="15" name="이등변 삼각형 14">
               <a:extLst>
                 <a:ext uri="{FF2B5EF4-FFF2-40B4-BE49-F238E27FC236}">
-                  <a16:creationId xmlns:a16="http://schemas.microsoft.com/office/drawing/2014/main" id="{D1F3B07B-D88A-4ACC-A7DA-D00B781434D7}"/>
+                  <a16:creationId xmlns="" xmlns:a16="http://schemas.microsoft.com/office/drawing/2014/main" id="{D1F3B07B-D88A-4ACC-A7DA-D00B781434D7}"/>
                 </a:ext>
               </a:extLst>
             </p:cNvPr>
@@ -13857,7 +15859,7 @@
             <p:cNvPr id="16" name="이등변 삼각형 15">
               <a:extLst>
                 <a:ext uri="{FF2B5EF4-FFF2-40B4-BE49-F238E27FC236}">
-                  <a16:creationId xmlns:a16="http://schemas.microsoft.com/office/drawing/2014/main" id="{2B6D835C-6BAC-4804-93B3-5A4BEBB29FFA}"/>
+                  <a16:creationId xmlns="" xmlns:a16="http://schemas.microsoft.com/office/drawing/2014/main" id="{2B6D835C-6BAC-4804-93B3-5A4BEBB29FFA}"/>
                 </a:ext>
               </a:extLst>
             </p:cNvPr>
@@ -13910,7 +15912,7 @@
           <p:cNvPr id="17" name="그룹 16">
             <a:extLst>
               <a:ext uri="{FF2B5EF4-FFF2-40B4-BE49-F238E27FC236}">
-                <a16:creationId xmlns:a16="http://schemas.microsoft.com/office/drawing/2014/main" id="{0EEC89EB-030D-4E6D-A0A3-DB781A0CF80B}"/>
+                <a16:creationId xmlns="" xmlns:a16="http://schemas.microsoft.com/office/drawing/2014/main" id="{0EEC89EB-030D-4E6D-A0A3-DB781A0CF80B}"/>
               </a:ext>
             </a:extLst>
           </p:cNvPr>
@@ -13933,7 +15935,7 @@
             <p:cNvPr id="18" name="직사각형 17">
               <a:extLst>
                 <a:ext uri="{FF2B5EF4-FFF2-40B4-BE49-F238E27FC236}">
-                  <a16:creationId xmlns:a16="http://schemas.microsoft.com/office/drawing/2014/main" id="{F27027DF-C44C-4BEC-95C1-1C85D6C5B480}"/>
+                  <a16:creationId xmlns="" xmlns:a16="http://schemas.microsoft.com/office/drawing/2014/main" id="{F27027DF-C44C-4BEC-95C1-1C85D6C5B480}"/>
                 </a:ext>
               </a:extLst>
             </p:cNvPr>
@@ -13983,7 +15985,7 @@
             <p:cNvPr id="19" name="이등변 삼각형 18">
               <a:extLst>
                 <a:ext uri="{FF2B5EF4-FFF2-40B4-BE49-F238E27FC236}">
-                  <a16:creationId xmlns:a16="http://schemas.microsoft.com/office/drawing/2014/main" id="{514A5402-96A2-4426-AB29-68CECF2E92E4}"/>
+                  <a16:creationId xmlns="" xmlns:a16="http://schemas.microsoft.com/office/drawing/2014/main" id="{514A5402-96A2-4426-AB29-68CECF2E92E4}"/>
                 </a:ext>
               </a:extLst>
             </p:cNvPr>
@@ -14035,7 +16037,7 @@
             <p:cNvPr id="20" name="이등변 삼각형 19">
               <a:extLst>
                 <a:ext uri="{FF2B5EF4-FFF2-40B4-BE49-F238E27FC236}">
-                  <a16:creationId xmlns:a16="http://schemas.microsoft.com/office/drawing/2014/main" id="{A5BD67B9-DED8-4BA9-BCBD-3A49CEB6B47F}"/>
+                  <a16:creationId xmlns="" xmlns:a16="http://schemas.microsoft.com/office/drawing/2014/main" id="{A5BD67B9-DED8-4BA9-BCBD-3A49CEB6B47F}"/>
                 </a:ext>
               </a:extLst>
             </p:cNvPr>
@@ -14088,7 +16090,7 @@
           <p:cNvPr id="23" name="그룹 22">
             <a:extLst>
               <a:ext uri="{FF2B5EF4-FFF2-40B4-BE49-F238E27FC236}">
-                <a16:creationId xmlns:a16="http://schemas.microsoft.com/office/drawing/2014/main" id="{13B736C8-A820-4C60-B870-472022E63155}"/>
+                <a16:creationId xmlns="" xmlns:a16="http://schemas.microsoft.com/office/drawing/2014/main" id="{13B736C8-A820-4C60-B870-472022E63155}"/>
               </a:ext>
             </a:extLst>
           </p:cNvPr>
@@ -14108,7 +16110,7 @@
             <p:cNvPr id="21" name="직사각형 20">
               <a:extLst>
                 <a:ext uri="{FF2B5EF4-FFF2-40B4-BE49-F238E27FC236}">
-                  <a16:creationId xmlns:a16="http://schemas.microsoft.com/office/drawing/2014/main" id="{AA9C5100-4EDD-407F-8FC0-75C51483B018}"/>
+                  <a16:creationId xmlns="" xmlns:a16="http://schemas.microsoft.com/office/drawing/2014/main" id="{AA9C5100-4EDD-407F-8FC0-75C51483B018}"/>
                 </a:ext>
               </a:extLst>
             </p:cNvPr>
@@ -14160,7 +16162,7 @@
             <p:cNvPr id="22" name="이등변 삼각형 21">
               <a:extLst>
                 <a:ext uri="{FF2B5EF4-FFF2-40B4-BE49-F238E27FC236}">
-                  <a16:creationId xmlns:a16="http://schemas.microsoft.com/office/drawing/2014/main" id="{423966ED-CDBA-4B77-8928-EFB6BA860CFF}"/>
+                  <a16:creationId xmlns="" xmlns:a16="http://schemas.microsoft.com/office/drawing/2014/main" id="{423966ED-CDBA-4B77-8928-EFB6BA860CFF}"/>
                 </a:ext>
               </a:extLst>
             </p:cNvPr>
@@ -14213,7 +16215,7 @@
           <p:cNvPr id="11" name="직사각형 10">
             <a:extLst>
               <a:ext uri="{FF2B5EF4-FFF2-40B4-BE49-F238E27FC236}">
-                <a16:creationId xmlns:a16="http://schemas.microsoft.com/office/drawing/2014/main" id="{2B31FD69-0EF8-4AFA-B722-7A4BF1E91AA7}"/>
+                <a16:creationId xmlns="" xmlns:a16="http://schemas.microsoft.com/office/drawing/2014/main" id="{2B31FD69-0EF8-4AFA-B722-7A4BF1E91AA7}"/>
               </a:ext>
             </a:extLst>
           </p:cNvPr>
@@ -14467,7 +16469,7 @@
           <p:cNvPr id="24" name="그룹 23">
             <a:extLst>
               <a:ext uri="{FF2B5EF4-FFF2-40B4-BE49-F238E27FC236}">
-                <a16:creationId xmlns:a16="http://schemas.microsoft.com/office/drawing/2014/main" id="{B7617698-7AEE-47CB-B7F1-7CB202E1C130}"/>
+                <a16:creationId xmlns="" xmlns:a16="http://schemas.microsoft.com/office/drawing/2014/main" id="{B7617698-7AEE-47CB-B7F1-7CB202E1C130}"/>
               </a:ext>
             </a:extLst>
           </p:cNvPr>
@@ -14490,7 +16492,7 @@
             <p:cNvPr id="25" name="직사각형 24">
               <a:extLst>
                 <a:ext uri="{FF2B5EF4-FFF2-40B4-BE49-F238E27FC236}">
-                  <a16:creationId xmlns:a16="http://schemas.microsoft.com/office/drawing/2014/main" id="{C3B29FE9-1009-4F20-AF74-7E103C87A1B2}"/>
+                  <a16:creationId xmlns="" xmlns:a16="http://schemas.microsoft.com/office/drawing/2014/main" id="{C3B29FE9-1009-4F20-AF74-7E103C87A1B2}"/>
                 </a:ext>
               </a:extLst>
             </p:cNvPr>
@@ -14540,7 +16542,7 @@
             <p:cNvPr id="26" name="이등변 삼각형 25">
               <a:extLst>
                 <a:ext uri="{FF2B5EF4-FFF2-40B4-BE49-F238E27FC236}">
-                  <a16:creationId xmlns:a16="http://schemas.microsoft.com/office/drawing/2014/main" id="{8F68F626-732E-4449-B0F0-94993A4B76E9}"/>
+                  <a16:creationId xmlns="" xmlns:a16="http://schemas.microsoft.com/office/drawing/2014/main" id="{8F68F626-732E-4449-B0F0-94993A4B76E9}"/>
                 </a:ext>
               </a:extLst>
             </p:cNvPr>
@@ -14592,7 +16594,7 @@
             <p:cNvPr id="27" name="이등변 삼각형 26">
               <a:extLst>
                 <a:ext uri="{FF2B5EF4-FFF2-40B4-BE49-F238E27FC236}">
-                  <a16:creationId xmlns:a16="http://schemas.microsoft.com/office/drawing/2014/main" id="{B6EE4166-29BE-4329-99B6-6A99ADFC91C6}"/>
+                  <a16:creationId xmlns="" xmlns:a16="http://schemas.microsoft.com/office/drawing/2014/main" id="{B6EE4166-29BE-4329-99B6-6A99ADFC91C6}"/>
                 </a:ext>
               </a:extLst>
             </p:cNvPr>
@@ -14645,7 +16647,7 @@
           <p:cNvPr id="28" name="그룹 27">
             <a:extLst>
               <a:ext uri="{FF2B5EF4-FFF2-40B4-BE49-F238E27FC236}">
-                <a16:creationId xmlns:a16="http://schemas.microsoft.com/office/drawing/2014/main" id="{51C0CC97-8759-4B60-B40B-7DD8536357C5}"/>
+                <a16:creationId xmlns="" xmlns:a16="http://schemas.microsoft.com/office/drawing/2014/main" id="{51C0CC97-8759-4B60-B40B-7DD8536357C5}"/>
               </a:ext>
             </a:extLst>
           </p:cNvPr>
@@ -14668,7 +16670,7 @@
             <p:cNvPr id="29" name="직사각형 28">
               <a:extLst>
                 <a:ext uri="{FF2B5EF4-FFF2-40B4-BE49-F238E27FC236}">
-                  <a16:creationId xmlns:a16="http://schemas.microsoft.com/office/drawing/2014/main" id="{A2AA18D5-5BE5-434A-A71C-99A6C2827547}"/>
+                  <a16:creationId xmlns="" xmlns:a16="http://schemas.microsoft.com/office/drawing/2014/main" id="{A2AA18D5-5BE5-434A-A71C-99A6C2827547}"/>
                 </a:ext>
               </a:extLst>
             </p:cNvPr>
@@ -14718,7 +16720,7 @@
             <p:cNvPr id="30" name="이등변 삼각형 29">
               <a:extLst>
                 <a:ext uri="{FF2B5EF4-FFF2-40B4-BE49-F238E27FC236}">
-                  <a16:creationId xmlns:a16="http://schemas.microsoft.com/office/drawing/2014/main" id="{8123A8D9-9DB1-4B53-A683-418DB1C1FA6C}"/>
+                  <a16:creationId xmlns="" xmlns:a16="http://schemas.microsoft.com/office/drawing/2014/main" id="{8123A8D9-9DB1-4B53-A683-418DB1C1FA6C}"/>
                 </a:ext>
               </a:extLst>
             </p:cNvPr>
@@ -14770,7 +16772,7 @@
             <p:cNvPr id="31" name="이등변 삼각형 30">
               <a:extLst>
                 <a:ext uri="{FF2B5EF4-FFF2-40B4-BE49-F238E27FC236}">
-                  <a16:creationId xmlns:a16="http://schemas.microsoft.com/office/drawing/2014/main" id="{61636182-614C-49BD-B3EC-C7AC650B5FE6}"/>
+                  <a16:creationId xmlns="" xmlns:a16="http://schemas.microsoft.com/office/drawing/2014/main" id="{61636182-614C-49BD-B3EC-C7AC650B5FE6}"/>
                 </a:ext>
               </a:extLst>
             </p:cNvPr>
@@ -14823,7 +16825,7 @@
           <p:cNvPr id="32" name="사각형: 잘린 대각선 방향 모서리 31">
             <a:extLst>
               <a:ext uri="{FF2B5EF4-FFF2-40B4-BE49-F238E27FC236}">
-                <a16:creationId xmlns:a16="http://schemas.microsoft.com/office/drawing/2014/main" id="{41D9A7D2-30AD-4604-B436-C587A78F57A6}"/>
+                <a16:creationId xmlns="" xmlns:a16="http://schemas.microsoft.com/office/drawing/2014/main" id="{41D9A7D2-30AD-4604-B436-C587A78F57A6}"/>
               </a:ext>
             </a:extLst>
           </p:cNvPr>
@@ -14880,7 +16882,7 @@
           <p:cNvPr id="33" name="그룹 32">
             <a:extLst>
               <a:ext uri="{FF2B5EF4-FFF2-40B4-BE49-F238E27FC236}">
-                <a16:creationId xmlns:a16="http://schemas.microsoft.com/office/drawing/2014/main" id="{0A548385-0371-4858-8C5B-D371C34FE950}"/>
+                <a16:creationId xmlns="" xmlns:a16="http://schemas.microsoft.com/office/drawing/2014/main" id="{0A548385-0371-4858-8C5B-D371C34FE950}"/>
               </a:ext>
             </a:extLst>
           </p:cNvPr>
@@ -14900,7 +16902,7 @@
             <p:cNvPr id="34" name="직사각형 33">
               <a:extLst>
                 <a:ext uri="{FF2B5EF4-FFF2-40B4-BE49-F238E27FC236}">
-                  <a16:creationId xmlns:a16="http://schemas.microsoft.com/office/drawing/2014/main" id="{794655D2-B964-439C-875A-044CBAC5F291}"/>
+                  <a16:creationId xmlns="" xmlns:a16="http://schemas.microsoft.com/office/drawing/2014/main" id="{794655D2-B964-439C-875A-044CBAC5F291}"/>
                 </a:ext>
               </a:extLst>
             </p:cNvPr>
@@ -14952,7 +16954,7 @@
             <p:cNvPr id="35" name="이등변 삼각형 34">
               <a:extLst>
                 <a:ext uri="{FF2B5EF4-FFF2-40B4-BE49-F238E27FC236}">
-                  <a16:creationId xmlns:a16="http://schemas.microsoft.com/office/drawing/2014/main" id="{2911E6BF-4F27-4268-AE3F-1F283B264DF2}"/>
+                  <a16:creationId xmlns="" xmlns:a16="http://schemas.microsoft.com/office/drawing/2014/main" id="{2911E6BF-4F27-4268-AE3F-1F283B264DF2}"/>
                 </a:ext>
               </a:extLst>
             </p:cNvPr>
@@ -15005,7 +17007,7 @@
           <p:cNvPr id="36" name="직사각형 35">
             <a:extLst>
               <a:ext uri="{FF2B5EF4-FFF2-40B4-BE49-F238E27FC236}">
-                <a16:creationId xmlns:a16="http://schemas.microsoft.com/office/drawing/2014/main" id="{93211EA8-D01B-4BF1-BF0B-8A2AD2004977}"/>
+                <a16:creationId xmlns="" xmlns:a16="http://schemas.microsoft.com/office/drawing/2014/main" id="{93211EA8-D01B-4BF1-BF0B-8A2AD2004977}"/>
               </a:ext>
             </a:extLst>
           </p:cNvPr>
@@ -15259,7 +17261,7 @@
           <p:cNvPr id="37" name="직사각형 36">
             <a:extLst>
               <a:ext uri="{FF2B5EF4-FFF2-40B4-BE49-F238E27FC236}">
-                <a16:creationId xmlns:a16="http://schemas.microsoft.com/office/drawing/2014/main" id="{313EAD3C-F922-46D3-8A50-BF0600E034A0}"/>
+                <a16:creationId xmlns="" xmlns:a16="http://schemas.microsoft.com/office/drawing/2014/main" id="{313EAD3C-F922-46D3-8A50-BF0600E034A0}"/>
               </a:ext>
             </a:extLst>
           </p:cNvPr>
@@ -15311,7 +17313,7 @@
           <p:cNvPr id="38" name="직사각형 37">
             <a:extLst>
               <a:ext uri="{FF2B5EF4-FFF2-40B4-BE49-F238E27FC236}">
-                <a16:creationId xmlns:a16="http://schemas.microsoft.com/office/drawing/2014/main" id="{6456D0FC-5D18-40A7-8C09-560167FBEF76}"/>
+                <a16:creationId xmlns="" xmlns:a16="http://schemas.microsoft.com/office/drawing/2014/main" id="{6456D0FC-5D18-40A7-8C09-560167FBEF76}"/>
               </a:ext>
             </a:extLst>
           </p:cNvPr>
@@ -15374,7 +17376,7 @@
           <p:cNvPr id="39" name="직사각형 38">
             <a:extLst>
               <a:ext uri="{FF2B5EF4-FFF2-40B4-BE49-F238E27FC236}">
-                <a16:creationId xmlns:a16="http://schemas.microsoft.com/office/drawing/2014/main" id="{391CADEA-B88C-4E1D-BD85-6047D142CFC8}"/>
+                <a16:creationId xmlns="" xmlns:a16="http://schemas.microsoft.com/office/drawing/2014/main" id="{391CADEA-B88C-4E1D-BD85-6047D142CFC8}"/>
               </a:ext>
             </a:extLst>
           </p:cNvPr>
@@ -15437,7 +17439,7 @@
           <p:cNvPr id="40" name="직사각형 39">
             <a:extLst>
               <a:ext uri="{FF2B5EF4-FFF2-40B4-BE49-F238E27FC236}">
-                <a16:creationId xmlns:a16="http://schemas.microsoft.com/office/drawing/2014/main" id="{C10C64EC-D22B-4FC8-BE2E-4B6CB33E39D0}"/>
+                <a16:creationId xmlns="" xmlns:a16="http://schemas.microsoft.com/office/drawing/2014/main" id="{C10C64EC-D22B-4FC8-BE2E-4B6CB33E39D0}"/>
               </a:ext>
             </a:extLst>
           </p:cNvPr>
@@ -15508,7 +17510,7 @@
 </p:sld>
 </file>
 
-<file path=ppt/slides/slide22.xml><?xml version="1.0" encoding="utf-8"?>
+<file path=ppt/slides/slide24.xml><?xml version="1.0" encoding="utf-8"?>
 <p:sld xmlns:a="http://schemas.openxmlformats.org/drawingml/2006/main" xmlns:r="http://schemas.openxmlformats.org/officeDocument/2006/relationships" xmlns:p="http://schemas.openxmlformats.org/presentationml/2006/main">
   <p:cSld>
     <p:spTree>
@@ -15530,7 +17532,7 @@
           <p:cNvPr id="62" name="TextBox 61">
             <a:extLst>
               <a:ext uri="{FF2B5EF4-FFF2-40B4-BE49-F238E27FC236}">
-                <a16:creationId xmlns:a16="http://schemas.microsoft.com/office/drawing/2014/main" id="{CE7A068B-351C-4EB7-994D-51B158921936}"/>
+                <a16:creationId xmlns="" xmlns:a16="http://schemas.microsoft.com/office/drawing/2014/main" id="{CE7A068B-351C-4EB7-994D-51B158921936}"/>
               </a:ext>
             </a:extLst>
           </p:cNvPr>
@@ -15617,7 +17619,7 @@
           <p:cNvPr id="8" name="직사각형 7">
             <a:extLst>
               <a:ext uri="{FF2B5EF4-FFF2-40B4-BE49-F238E27FC236}">
-                <a16:creationId xmlns:a16="http://schemas.microsoft.com/office/drawing/2014/main" id="{E69A4A82-BA72-4232-B610-F71980573BC8}"/>
+                <a16:creationId xmlns="" xmlns:a16="http://schemas.microsoft.com/office/drawing/2014/main" id="{E69A4A82-BA72-4232-B610-F71980573BC8}"/>
               </a:ext>
             </a:extLst>
           </p:cNvPr>
@@ -15671,7 +17673,7 @@
           <p:cNvPr id="9" name="직사각형 8">
             <a:extLst>
               <a:ext uri="{FF2B5EF4-FFF2-40B4-BE49-F238E27FC236}">
-                <a16:creationId xmlns:a16="http://schemas.microsoft.com/office/drawing/2014/main" id="{A1ABB2F8-278E-4E64-96E0-F1D847A63728}"/>
+                <a16:creationId xmlns="" xmlns:a16="http://schemas.microsoft.com/office/drawing/2014/main" id="{A1ABB2F8-278E-4E64-96E0-F1D847A63728}"/>
               </a:ext>
             </a:extLst>
           </p:cNvPr>
@@ -15726,7 +17728,7 @@
           <p:cNvPr id="10" name="직사각형 9">
             <a:extLst>
               <a:ext uri="{FF2B5EF4-FFF2-40B4-BE49-F238E27FC236}">
-                <a16:creationId xmlns:a16="http://schemas.microsoft.com/office/drawing/2014/main" id="{9FE86013-1822-4341-9EA9-ADCC812E37E5}"/>
+                <a16:creationId xmlns="" xmlns:a16="http://schemas.microsoft.com/office/drawing/2014/main" id="{9FE86013-1822-4341-9EA9-ADCC812E37E5}"/>
               </a:ext>
             </a:extLst>
           </p:cNvPr>
@@ -15781,7 +17783,7 @@
           <p:cNvPr id="11" name="직사각형 10">
             <a:extLst>
               <a:ext uri="{FF2B5EF4-FFF2-40B4-BE49-F238E27FC236}">
-                <a16:creationId xmlns:a16="http://schemas.microsoft.com/office/drawing/2014/main" id="{95199B69-0E6E-4705-9573-B1459076D943}"/>
+                <a16:creationId xmlns="" xmlns:a16="http://schemas.microsoft.com/office/drawing/2014/main" id="{95199B69-0E6E-4705-9573-B1459076D943}"/>
               </a:ext>
             </a:extLst>
           </p:cNvPr>
@@ -15836,7 +17838,7 @@
           <p:cNvPr id="12" name="그룹 11">
             <a:extLst>
               <a:ext uri="{FF2B5EF4-FFF2-40B4-BE49-F238E27FC236}">
-                <a16:creationId xmlns:a16="http://schemas.microsoft.com/office/drawing/2014/main" id="{70B15095-4597-434E-98B7-4256F2BD790A}"/>
+                <a16:creationId xmlns="" xmlns:a16="http://schemas.microsoft.com/office/drawing/2014/main" id="{70B15095-4597-434E-98B7-4256F2BD790A}"/>
               </a:ext>
             </a:extLst>
           </p:cNvPr>
@@ -15856,7 +17858,7 @@
             <p:cNvPr id="13" name="직사각형 12">
               <a:extLst>
                 <a:ext uri="{FF2B5EF4-FFF2-40B4-BE49-F238E27FC236}">
-                  <a16:creationId xmlns:a16="http://schemas.microsoft.com/office/drawing/2014/main" id="{74386E84-7A21-421C-8BF7-C483B5A3E7C9}"/>
+                  <a16:creationId xmlns="" xmlns:a16="http://schemas.microsoft.com/office/drawing/2014/main" id="{74386E84-7A21-421C-8BF7-C483B5A3E7C9}"/>
                 </a:ext>
               </a:extLst>
             </p:cNvPr>
@@ -15921,7 +17923,7 @@
             <p:cNvPr id="14" name="그룹 13">
               <a:extLst>
                 <a:ext uri="{FF2B5EF4-FFF2-40B4-BE49-F238E27FC236}">
-                  <a16:creationId xmlns:a16="http://schemas.microsoft.com/office/drawing/2014/main" id="{5872960E-C36F-4CB4-B4F2-28B0DE95E390}"/>
+                  <a16:creationId xmlns="" xmlns:a16="http://schemas.microsoft.com/office/drawing/2014/main" id="{5872960E-C36F-4CB4-B4F2-28B0DE95E390}"/>
                 </a:ext>
               </a:extLst>
             </p:cNvPr>
@@ -15941,7 +17943,7 @@
               <p:cNvPr id="15" name="직선 연결선 14">
                 <a:extLst>
                   <a:ext uri="{FF2B5EF4-FFF2-40B4-BE49-F238E27FC236}">
-                    <a16:creationId xmlns:a16="http://schemas.microsoft.com/office/drawing/2014/main" id="{02EA9546-3EBC-491D-9358-8A77D890F2AB}"/>
+                    <a16:creationId xmlns="" xmlns:a16="http://schemas.microsoft.com/office/drawing/2014/main" id="{02EA9546-3EBC-491D-9358-8A77D890F2AB}"/>
                   </a:ext>
                 </a:extLst>
               </p:cNvPr>
@@ -15982,7 +17984,7 @@
               <p:cNvPr id="16" name="직선 연결선 15">
                 <a:extLst>
                   <a:ext uri="{FF2B5EF4-FFF2-40B4-BE49-F238E27FC236}">
-                    <a16:creationId xmlns:a16="http://schemas.microsoft.com/office/drawing/2014/main" id="{88BE9A20-E7E0-43B8-9DA6-CC090744674C}"/>
+                    <a16:creationId xmlns="" xmlns:a16="http://schemas.microsoft.com/office/drawing/2014/main" id="{88BE9A20-E7E0-43B8-9DA6-CC090744674C}"/>
                   </a:ext>
                 </a:extLst>
               </p:cNvPr>
@@ -16025,7 +18027,7 @@
           <p:cNvPr id="23" name="그룹 22">
             <a:extLst>
               <a:ext uri="{FF2B5EF4-FFF2-40B4-BE49-F238E27FC236}">
-                <a16:creationId xmlns:a16="http://schemas.microsoft.com/office/drawing/2014/main" id="{E42463BC-B072-4757-AE5C-96501282017E}"/>
+                <a16:creationId xmlns="" xmlns:a16="http://schemas.microsoft.com/office/drawing/2014/main" id="{E42463BC-B072-4757-AE5C-96501282017E}"/>
               </a:ext>
             </a:extLst>
           </p:cNvPr>
@@ -16045,7 +18047,7 @@
             <p:cNvPr id="24" name="직사각형 23">
               <a:extLst>
                 <a:ext uri="{FF2B5EF4-FFF2-40B4-BE49-F238E27FC236}">
-                  <a16:creationId xmlns:a16="http://schemas.microsoft.com/office/drawing/2014/main" id="{4B18098F-88B4-4A02-BD0D-4C2B90F9615F}"/>
+                  <a16:creationId xmlns="" xmlns:a16="http://schemas.microsoft.com/office/drawing/2014/main" id="{4B18098F-88B4-4A02-BD0D-4C2B90F9615F}"/>
                 </a:ext>
               </a:extLst>
             </p:cNvPr>
@@ -16116,7 +18118,7 @@
             <p:cNvPr id="25" name="그룹 24">
               <a:extLst>
                 <a:ext uri="{FF2B5EF4-FFF2-40B4-BE49-F238E27FC236}">
-                  <a16:creationId xmlns:a16="http://schemas.microsoft.com/office/drawing/2014/main" id="{3F368585-2321-47E4-B4D0-2D9DC11DA895}"/>
+                  <a16:creationId xmlns="" xmlns:a16="http://schemas.microsoft.com/office/drawing/2014/main" id="{3F368585-2321-47E4-B4D0-2D9DC11DA895}"/>
                 </a:ext>
               </a:extLst>
             </p:cNvPr>
@@ -16136,7 +18138,7 @@
               <p:cNvPr id="26" name="직선 연결선 25">
                 <a:extLst>
                   <a:ext uri="{FF2B5EF4-FFF2-40B4-BE49-F238E27FC236}">
-                    <a16:creationId xmlns:a16="http://schemas.microsoft.com/office/drawing/2014/main" id="{0267C534-1C22-4770-94F4-8A93653582E4}"/>
+                    <a16:creationId xmlns="" xmlns:a16="http://schemas.microsoft.com/office/drawing/2014/main" id="{0267C534-1C22-4770-94F4-8A93653582E4}"/>
                   </a:ext>
                 </a:extLst>
               </p:cNvPr>
@@ -16177,7 +18179,7 @@
               <p:cNvPr id="27" name="직선 연결선 26">
                 <a:extLst>
                   <a:ext uri="{FF2B5EF4-FFF2-40B4-BE49-F238E27FC236}">
-                    <a16:creationId xmlns:a16="http://schemas.microsoft.com/office/drawing/2014/main" id="{3F32C5C3-98DF-4F97-B189-CD45E4C142E5}"/>
+                    <a16:creationId xmlns="" xmlns:a16="http://schemas.microsoft.com/office/drawing/2014/main" id="{3F32C5C3-98DF-4F97-B189-CD45E4C142E5}"/>
                   </a:ext>
                 </a:extLst>
               </p:cNvPr>
@@ -16220,7 +18222,7 @@
           <p:cNvPr id="28" name="그룹 27">
             <a:extLst>
               <a:ext uri="{FF2B5EF4-FFF2-40B4-BE49-F238E27FC236}">
-                <a16:creationId xmlns:a16="http://schemas.microsoft.com/office/drawing/2014/main" id="{F72E11AD-518E-4454-85C2-7E872C46FEFD}"/>
+                <a16:creationId xmlns="" xmlns:a16="http://schemas.microsoft.com/office/drawing/2014/main" id="{F72E11AD-518E-4454-85C2-7E872C46FEFD}"/>
               </a:ext>
             </a:extLst>
           </p:cNvPr>
@@ -16243,7 +18245,7 @@
             <p:cNvPr id="29" name="직사각형 28">
               <a:extLst>
                 <a:ext uri="{FF2B5EF4-FFF2-40B4-BE49-F238E27FC236}">
-                  <a16:creationId xmlns:a16="http://schemas.microsoft.com/office/drawing/2014/main" id="{3D9CA875-D934-48E8-9DBC-005240EA62C9}"/>
+                  <a16:creationId xmlns="" xmlns:a16="http://schemas.microsoft.com/office/drawing/2014/main" id="{3D9CA875-D934-48E8-9DBC-005240EA62C9}"/>
                 </a:ext>
               </a:extLst>
             </p:cNvPr>
@@ -16293,7 +18295,7 @@
             <p:cNvPr id="30" name="이등변 삼각형 29">
               <a:extLst>
                 <a:ext uri="{FF2B5EF4-FFF2-40B4-BE49-F238E27FC236}">
-                  <a16:creationId xmlns:a16="http://schemas.microsoft.com/office/drawing/2014/main" id="{F2EA1E1A-8616-4A67-AA56-B927A43590BA}"/>
+                  <a16:creationId xmlns="" xmlns:a16="http://schemas.microsoft.com/office/drawing/2014/main" id="{F2EA1E1A-8616-4A67-AA56-B927A43590BA}"/>
                 </a:ext>
               </a:extLst>
             </p:cNvPr>
@@ -16345,7 +18347,7 @@
             <p:cNvPr id="31" name="이등변 삼각형 30">
               <a:extLst>
                 <a:ext uri="{FF2B5EF4-FFF2-40B4-BE49-F238E27FC236}">
-                  <a16:creationId xmlns:a16="http://schemas.microsoft.com/office/drawing/2014/main" id="{49D3605F-8CB2-43A4-A5CC-622670D1387E}"/>
+                  <a16:creationId xmlns="" xmlns:a16="http://schemas.microsoft.com/office/drawing/2014/main" id="{49D3605F-8CB2-43A4-A5CC-622670D1387E}"/>
                 </a:ext>
               </a:extLst>
             </p:cNvPr>
@@ -16398,7 +18400,7 @@
           <p:cNvPr id="32" name="그룹 31">
             <a:extLst>
               <a:ext uri="{FF2B5EF4-FFF2-40B4-BE49-F238E27FC236}">
-                <a16:creationId xmlns:a16="http://schemas.microsoft.com/office/drawing/2014/main" id="{95F728A8-45F4-48C5-B61E-2C2CE9667299}"/>
+                <a16:creationId xmlns="" xmlns:a16="http://schemas.microsoft.com/office/drawing/2014/main" id="{95F728A8-45F4-48C5-B61E-2C2CE9667299}"/>
               </a:ext>
             </a:extLst>
           </p:cNvPr>
@@ -16421,7 +18423,7 @@
             <p:cNvPr id="33" name="직사각형 32">
               <a:extLst>
                 <a:ext uri="{FF2B5EF4-FFF2-40B4-BE49-F238E27FC236}">
-                  <a16:creationId xmlns:a16="http://schemas.microsoft.com/office/drawing/2014/main" id="{BEF0AF58-73D4-4EB8-8440-82A124D235B0}"/>
+                  <a16:creationId xmlns="" xmlns:a16="http://schemas.microsoft.com/office/drawing/2014/main" id="{BEF0AF58-73D4-4EB8-8440-82A124D235B0}"/>
                 </a:ext>
               </a:extLst>
             </p:cNvPr>
@@ -16471,7 +18473,7 @@
             <p:cNvPr id="34" name="이등변 삼각형 33">
               <a:extLst>
                 <a:ext uri="{FF2B5EF4-FFF2-40B4-BE49-F238E27FC236}">
-                  <a16:creationId xmlns:a16="http://schemas.microsoft.com/office/drawing/2014/main" id="{6854A297-1F70-4CEB-979B-790E95D7D80C}"/>
+                  <a16:creationId xmlns="" xmlns:a16="http://schemas.microsoft.com/office/drawing/2014/main" id="{6854A297-1F70-4CEB-979B-790E95D7D80C}"/>
                 </a:ext>
               </a:extLst>
             </p:cNvPr>
@@ -16523,7 +18525,7 @@
             <p:cNvPr id="35" name="이등변 삼각형 34">
               <a:extLst>
                 <a:ext uri="{FF2B5EF4-FFF2-40B4-BE49-F238E27FC236}">
-                  <a16:creationId xmlns:a16="http://schemas.microsoft.com/office/drawing/2014/main" id="{98B33012-D0D7-4B81-9B8E-9A98D5006F35}"/>
+                  <a16:creationId xmlns="" xmlns:a16="http://schemas.microsoft.com/office/drawing/2014/main" id="{98B33012-D0D7-4B81-9B8E-9A98D5006F35}"/>
                 </a:ext>
               </a:extLst>
             </p:cNvPr>
@@ -16576,7 +18578,7 @@
           <p:cNvPr id="4" name="직사각형 3">
             <a:extLst>
               <a:ext uri="{FF2B5EF4-FFF2-40B4-BE49-F238E27FC236}">
-                <a16:creationId xmlns:a16="http://schemas.microsoft.com/office/drawing/2014/main" id="{F90E91AB-CB5A-4D68-84B9-344F8EE49A41}"/>
+                <a16:creationId xmlns="" xmlns:a16="http://schemas.microsoft.com/office/drawing/2014/main" id="{F90E91AB-CB5A-4D68-84B9-344F8EE49A41}"/>
               </a:ext>
             </a:extLst>
           </p:cNvPr>
@@ -16628,7 +18630,7 @@
           <p:cNvPr id="38" name="그룹 37">
             <a:extLst>
               <a:ext uri="{FF2B5EF4-FFF2-40B4-BE49-F238E27FC236}">
-                <a16:creationId xmlns:a16="http://schemas.microsoft.com/office/drawing/2014/main" id="{012931C8-005C-4563-80E5-A57721D39692}"/>
+                <a16:creationId xmlns="" xmlns:a16="http://schemas.microsoft.com/office/drawing/2014/main" id="{012931C8-005C-4563-80E5-A57721D39692}"/>
               </a:ext>
             </a:extLst>
           </p:cNvPr>
@@ -16648,7 +18650,7 @@
             <p:cNvPr id="39" name="직사각형 38">
               <a:extLst>
                 <a:ext uri="{FF2B5EF4-FFF2-40B4-BE49-F238E27FC236}">
-                  <a16:creationId xmlns:a16="http://schemas.microsoft.com/office/drawing/2014/main" id="{693A67A0-F04D-462A-B4CC-C2D46336EEA0}"/>
+                  <a16:creationId xmlns="" xmlns:a16="http://schemas.microsoft.com/office/drawing/2014/main" id="{693A67A0-F04D-462A-B4CC-C2D46336EEA0}"/>
                 </a:ext>
               </a:extLst>
             </p:cNvPr>
@@ -16713,7 +18715,7 @@
             <p:cNvPr id="40" name="그룹 39">
               <a:extLst>
                 <a:ext uri="{FF2B5EF4-FFF2-40B4-BE49-F238E27FC236}">
-                  <a16:creationId xmlns:a16="http://schemas.microsoft.com/office/drawing/2014/main" id="{1ACFDFCB-19B3-49E8-A6AB-8FE46EF4E0EB}"/>
+                  <a16:creationId xmlns="" xmlns:a16="http://schemas.microsoft.com/office/drawing/2014/main" id="{1ACFDFCB-19B3-49E8-A6AB-8FE46EF4E0EB}"/>
                 </a:ext>
               </a:extLst>
             </p:cNvPr>
@@ -16733,7 +18735,7 @@
               <p:cNvPr id="41" name="직선 연결선 40">
                 <a:extLst>
                   <a:ext uri="{FF2B5EF4-FFF2-40B4-BE49-F238E27FC236}">
-                    <a16:creationId xmlns:a16="http://schemas.microsoft.com/office/drawing/2014/main" id="{970F6815-DA5B-4497-AB00-361D7728B2A1}"/>
+                    <a16:creationId xmlns="" xmlns:a16="http://schemas.microsoft.com/office/drawing/2014/main" id="{970F6815-DA5B-4497-AB00-361D7728B2A1}"/>
                   </a:ext>
                 </a:extLst>
               </p:cNvPr>
@@ -16774,7 +18776,7 @@
               <p:cNvPr id="42" name="직선 연결선 41">
                 <a:extLst>
                   <a:ext uri="{FF2B5EF4-FFF2-40B4-BE49-F238E27FC236}">
-                    <a16:creationId xmlns:a16="http://schemas.microsoft.com/office/drawing/2014/main" id="{B5F07B1A-F6E8-4DF7-BAF3-F5F8FE7A32D6}"/>
+                    <a16:creationId xmlns="" xmlns:a16="http://schemas.microsoft.com/office/drawing/2014/main" id="{B5F07B1A-F6E8-4DF7-BAF3-F5F8FE7A32D6}"/>
                   </a:ext>
                 </a:extLst>
               </p:cNvPr>
@@ -16817,7 +18819,7 @@
           <p:cNvPr id="43" name="그룹 42">
             <a:extLst>
               <a:ext uri="{FF2B5EF4-FFF2-40B4-BE49-F238E27FC236}">
-                <a16:creationId xmlns:a16="http://schemas.microsoft.com/office/drawing/2014/main" id="{465AD29C-9426-4047-955A-CDAB401842A1}"/>
+                <a16:creationId xmlns="" xmlns:a16="http://schemas.microsoft.com/office/drawing/2014/main" id="{465AD29C-9426-4047-955A-CDAB401842A1}"/>
               </a:ext>
             </a:extLst>
           </p:cNvPr>
@@ -16837,7 +18839,7 @@
             <p:cNvPr id="44" name="직사각형 43">
               <a:extLst>
                 <a:ext uri="{FF2B5EF4-FFF2-40B4-BE49-F238E27FC236}">
-                  <a16:creationId xmlns:a16="http://schemas.microsoft.com/office/drawing/2014/main" id="{8C7710E8-3350-4C95-88CA-EAF016B328A8}"/>
+                  <a16:creationId xmlns="" xmlns:a16="http://schemas.microsoft.com/office/drawing/2014/main" id="{8C7710E8-3350-4C95-88CA-EAF016B328A8}"/>
                 </a:ext>
               </a:extLst>
             </p:cNvPr>
@@ -16908,7 +18910,7 @@
             <p:cNvPr id="45" name="그룹 44">
               <a:extLst>
                 <a:ext uri="{FF2B5EF4-FFF2-40B4-BE49-F238E27FC236}">
-                  <a16:creationId xmlns:a16="http://schemas.microsoft.com/office/drawing/2014/main" id="{16D5E9D8-6A42-4322-9EBD-7A65513BBEB7}"/>
+                  <a16:creationId xmlns="" xmlns:a16="http://schemas.microsoft.com/office/drawing/2014/main" id="{16D5E9D8-6A42-4322-9EBD-7A65513BBEB7}"/>
                 </a:ext>
               </a:extLst>
             </p:cNvPr>
@@ -16928,7 +18930,7 @@
               <p:cNvPr id="46" name="직선 연결선 45">
                 <a:extLst>
                   <a:ext uri="{FF2B5EF4-FFF2-40B4-BE49-F238E27FC236}">
-                    <a16:creationId xmlns:a16="http://schemas.microsoft.com/office/drawing/2014/main" id="{86C0AF48-EC3E-49FF-BC82-92DC2180AF49}"/>
+                    <a16:creationId xmlns="" xmlns:a16="http://schemas.microsoft.com/office/drawing/2014/main" id="{86C0AF48-EC3E-49FF-BC82-92DC2180AF49}"/>
                   </a:ext>
                 </a:extLst>
               </p:cNvPr>
@@ -16969,7 +18971,7 @@
               <p:cNvPr id="47" name="직선 연결선 46">
                 <a:extLst>
                   <a:ext uri="{FF2B5EF4-FFF2-40B4-BE49-F238E27FC236}">
-                    <a16:creationId xmlns:a16="http://schemas.microsoft.com/office/drawing/2014/main" id="{E39460D6-0AA9-4D55-AC4A-555B32D30564}"/>
+                    <a16:creationId xmlns="" xmlns:a16="http://schemas.microsoft.com/office/drawing/2014/main" id="{E39460D6-0AA9-4D55-AC4A-555B32D30564}"/>
                   </a:ext>
                 </a:extLst>
               </p:cNvPr>
@@ -17012,7 +19014,7 @@
           <p:cNvPr id="49" name="화살표: 오른쪽 48">
             <a:extLst>
               <a:ext uri="{FF2B5EF4-FFF2-40B4-BE49-F238E27FC236}">
-                <a16:creationId xmlns:a16="http://schemas.microsoft.com/office/drawing/2014/main" id="{A94DBEC8-FBA7-49C2-817B-76ED29C7D538}"/>
+                <a16:creationId xmlns="" xmlns:a16="http://schemas.microsoft.com/office/drawing/2014/main" id="{A94DBEC8-FBA7-49C2-817B-76ED29C7D538}"/>
               </a:ext>
             </a:extLst>
           </p:cNvPr>
@@ -17064,7 +19066,7 @@
           <p:cNvPr id="50" name="화살표: 오른쪽 49">
             <a:extLst>
               <a:ext uri="{FF2B5EF4-FFF2-40B4-BE49-F238E27FC236}">
-                <a16:creationId xmlns:a16="http://schemas.microsoft.com/office/drawing/2014/main" id="{B7A0171D-8D99-48ED-888F-388920269268}"/>
+                <a16:creationId xmlns="" xmlns:a16="http://schemas.microsoft.com/office/drawing/2014/main" id="{B7A0171D-8D99-48ED-888F-388920269268}"/>
               </a:ext>
             </a:extLst>
           </p:cNvPr>
@@ -17116,7 +19118,7 @@
           <p:cNvPr id="51" name="화살표: 오른쪽 50">
             <a:extLst>
               <a:ext uri="{FF2B5EF4-FFF2-40B4-BE49-F238E27FC236}">
-                <a16:creationId xmlns:a16="http://schemas.microsoft.com/office/drawing/2014/main" id="{598BBFF8-3AE0-4597-AB87-95C753F05947}"/>
+                <a16:creationId xmlns="" xmlns:a16="http://schemas.microsoft.com/office/drawing/2014/main" id="{598BBFF8-3AE0-4597-AB87-95C753F05947}"/>
               </a:ext>
             </a:extLst>
           </p:cNvPr>
@@ -17168,7 +19170,7 @@
           <p:cNvPr id="52" name="화살표: 오른쪽 51">
             <a:extLst>
               <a:ext uri="{FF2B5EF4-FFF2-40B4-BE49-F238E27FC236}">
-                <a16:creationId xmlns:a16="http://schemas.microsoft.com/office/drawing/2014/main" id="{BFF4F5E2-6498-41ED-851C-F46E90DF5749}"/>
+                <a16:creationId xmlns="" xmlns:a16="http://schemas.microsoft.com/office/drawing/2014/main" id="{BFF4F5E2-6498-41ED-851C-F46E90DF5749}"/>
               </a:ext>
             </a:extLst>
           </p:cNvPr>
@@ -17220,7 +19222,7 @@
           <p:cNvPr id="53" name="직사각형 52">
             <a:extLst>
               <a:ext uri="{FF2B5EF4-FFF2-40B4-BE49-F238E27FC236}">
-                <a16:creationId xmlns:a16="http://schemas.microsoft.com/office/drawing/2014/main" id="{F6034C42-D6D6-40D9-AA4E-690C7B91BE94}"/>
+                <a16:creationId xmlns="" xmlns:a16="http://schemas.microsoft.com/office/drawing/2014/main" id="{F6034C42-D6D6-40D9-AA4E-690C7B91BE94}"/>
               </a:ext>
             </a:extLst>
           </p:cNvPr>
@@ -17286,7 +19288,7 @@
           <p:cNvPr id="54" name="직사각형 53">
             <a:extLst>
               <a:ext uri="{FF2B5EF4-FFF2-40B4-BE49-F238E27FC236}">
-                <a16:creationId xmlns:a16="http://schemas.microsoft.com/office/drawing/2014/main" id="{0FFD1106-A301-4039-B6FE-20991FB676CB}"/>
+                <a16:creationId xmlns="" xmlns:a16="http://schemas.microsoft.com/office/drawing/2014/main" id="{0FFD1106-A301-4039-B6FE-20991FB676CB}"/>
               </a:ext>
             </a:extLst>
           </p:cNvPr>
@@ -17352,7 +19354,7 @@
           <p:cNvPr id="55" name="직사각형 54">
             <a:extLst>
               <a:ext uri="{FF2B5EF4-FFF2-40B4-BE49-F238E27FC236}">
-                <a16:creationId xmlns:a16="http://schemas.microsoft.com/office/drawing/2014/main" id="{923D74AA-B81E-484E-8DD2-1A02A2D242F7}"/>
+                <a16:creationId xmlns="" xmlns:a16="http://schemas.microsoft.com/office/drawing/2014/main" id="{923D74AA-B81E-484E-8DD2-1A02A2D242F7}"/>
               </a:ext>
             </a:extLst>
           </p:cNvPr>
@@ -17418,7 +19420,7 @@
           <p:cNvPr id="56" name="직사각형 55">
             <a:extLst>
               <a:ext uri="{FF2B5EF4-FFF2-40B4-BE49-F238E27FC236}">
-                <a16:creationId xmlns:a16="http://schemas.microsoft.com/office/drawing/2014/main" id="{2AE6A1BB-C055-462C-B9F3-FB9A25D585A7}"/>
+                <a16:creationId xmlns="" xmlns:a16="http://schemas.microsoft.com/office/drawing/2014/main" id="{2AE6A1BB-C055-462C-B9F3-FB9A25D585A7}"/>
               </a:ext>
             </a:extLst>
           </p:cNvPr>
@@ -17484,7 +19486,7 @@
           <p:cNvPr id="48" name="그룹 47">
             <a:extLst>
               <a:ext uri="{FF2B5EF4-FFF2-40B4-BE49-F238E27FC236}">
-                <a16:creationId xmlns:a16="http://schemas.microsoft.com/office/drawing/2014/main" id="{9D08FD71-3EA4-46D7-A68A-7E4159FABD1F}"/>
+                <a16:creationId xmlns="" xmlns:a16="http://schemas.microsoft.com/office/drawing/2014/main" id="{9D08FD71-3EA4-46D7-A68A-7E4159FABD1F}"/>
               </a:ext>
             </a:extLst>
           </p:cNvPr>
@@ -17504,7 +19506,7 @@
             <p:cNvPr id="57" name="TextBox 56">
               <a:extLst>
                 <a:ext uri="{FF2B5EF4-FFF2-40B4-BE49-F238E27FC236}">
-                  <a16:creationId xmlns:a16="http://schemas.microsoft.com/office/drawing/2014/main" id="{16E7C89C-D1A0-4855-8660-4C64FCFB551E}"/>
+                  <a16:creationId xmlns="" xmlns:a16="http://schemas.microsoft.com/office/drawing/2014/main" id="{16E7C89C-D1A0-4855-8660-4C64FCFB551E}"/>
                 </a:ext>
               </a:extLst>
             </p:cNvPr>
@@ -17568,7 +19570,7 @@
             <p:cNvPr id="58" name="타원 57">
               <a:extLst>
                 <a:ext uri="{FF2B5EF4-FFF2-40B4-BE49-F238E27FC236}">
-                  <a16:creationId xmlns:a16="http://schemas.microsoft.com/office/drawing/2014/main" id="{97C09F09-E291-4F5B-9206-17093A2962D3}"/>
+                  <a16:creationId xmlns="" xmlns:a16="http://schemas.microsoft.com/office/drawing/2014/main" id="{97C09F09-E291-4F5B-9206-17093A2962D3}"/>
                 </a:ext>
               </a:extLst>
             </p:cNvPr>
@@ -17620,7 +19622,7 @@
             <p:cNvPr id="59" name="타원 58">
               <a:extLst>
                 <a:ext uri="{FF2B5EF4-FFF2-40B4-BE49-F238E27FC236}">
-                  <a16:creationId xmlns:a16="http://schemas.microsoft.com/office/drawing/2014/main" id="{8BC9DB1B-0849-4043-9838-A17064282A26}"/>
+                  <a16:creationId xmlns="" xmlns:a16="http://schemas.microsoft.com/office/drawing/2014/main" id="{8BC9DB1B-0849-4043-9838-A17064282A26}"/>
                 </a:ext>
               </a:extLst>
             </p:cNvPr>
@@ -17672,7 +19674,7 @@
             <p:cNvPr id="60" name="타원 59">
               <a:extLst>
                 <a:ext uri="{FF2B5EF4-FFF2-40B4-BE49-F238E27FC236}">
-                  <a16:creationId xmlns:a16="http://schemas.microsoft.com/office/drawing/2014/main" id="{7F25E2CD-1206-445D-A7BC-3CAB69D20FC3}"/>
+                  <a16:creationId xmlns="" xmlns:a16="http://schemas.microsoft.com/office/drawing/2014/main" id="{7F25E2CD-1206-445D-A7BC-3CAB69D20FC3}"/>
                 </a:ext>
               </a:extLst>
             </p:cNvPr>
@@ -17725,7 +19727,7 @@
           <p:cNvPr id="61" name="TextBox 60">
             <a:extLst>
               <a:ext uri="{FF2B5EF4-FFF2-40B4-BE49-F238E27FC236}">
-                <a16:creationId xmlns:a16="http://schemas.microsoft.com/office/drawing/2014/main" id="{229F0366-DC94-4ED8-BE79-753942441E16}"/>
+                <a16:creationId xmlns="" xmlns:a16="http://schemas.microsoft.com/office/drawing/2014/main" id="{229F0366-DC94-4ED8-BE79-753942441E16}"/>
               </a:ext>
             </a:extLst>
           </p:cNvPr>
@@ -17813,7 +19815,7 @@
           <p:cNvPr id="63" name="직사각형 62">
             <a:extLst>
               <a:ext uri="{FF2B5EF4-FFF2-40B4-BE49-F238E27FC236}">
-                <a16:creationId xmlns:a16="http://schemas.microsoft.com/office/drawing/2014/main" id="{69091E4A-DFF8-4F58-BE11-0A663D4A827A}"/>
+                <a16:creationId xmlns="" xmlns:a16="http://schemas.microsoft.com/office/drawing/2014/main" id="{69091E4A-DFF8-4F58-BE11-0A663D4A827A}"/>
               </a:ext>
             </a:extLst>
           </p:cNvPr>
@@ -17871,6 +19873,61 @@
           </a:p>
         </p:txBody>
       </p:sp>
+      <p:sp>
+        <p:nvSpPr>
+          <p:cNvPr id="64" name="직사각형 63">
+            <a:extLst>
+              <a:ext uri="{FF2B5EF4-FFF2-40B4-BE49-F238E27FC236}">
+                <a16:creationId xmlns="" xmlns:a16="http://schemas.microsoft.com/office/drawing/2014/main" id="{E284CC68-7224-4DDA-9BE4-E84F6B4F2F62}"/>
+              </a:ext>
+            </a:extLst>
+          </p:cNvPr>
+          <p:cNvSpPr/>
+          <p:nvPr/>
+        </p:nvSpPr>
+        <p:spPr>
+          <a:xfrm>
+            <a:off x="-94915" y="104118"/>
+            <a:ext cx="182880" cy="688065"/>
+          </a:xfrm>
+          <a:prstGeom prst="rect">
+            <a:avLst/>
+          </a:prstGeom>
+          <a:solidFill>
+            <a:schemeClr val="accent6">
+              <a:lumMod val="60000"/>
+              <a:lumOff val="40000"/>
+            </a:schemeClr>
+          </a:solidFill>
+          <a:ln>
+            <a:noFill/>
+          </a:ln>
+        </p:spPr>
+        <p:style>
+          <a:lnRef idx="2">
+            <a:schemeClr val="accent1">
+              <a:shade val="50000"/>
+            </a:schemeClr>
+          </a:lnRef>
+          <a:fillRef idx="1">
+            <a:schemeClr val="accent1"/>
+          </a:fillRef>
+          <a:effectRef idx="0">
+            <a:schemeClr val="accent1"/>
+          </a:effectRef>
+          <a:fontRef idx="minor">
+            <a:schemeClr val="lt1"/>
+          </a:fontRef>
+        </p:style>
+        <p:txBody>
+          <a:bodyPr rtlCol="0" anchor="ctr"/>
+          <a:lstStyle/>
+          <a:p>
+            <a:pPr algn="ctr"/>
+            <a:endParaRPr lang="ko-KR" altLang="en-US"/>
+          </a:p>
+        </p:txBody>
+      </p:sp>
     </p:spTree>
     <p:extLst>
       <p:ext uri="{BB962C8B-B14F-4D97-AF65-F5344CB8AC3E}">
@@ -17884,7 +19941,7 @@
 </p:sld>
 </file>
 
-<file path=ppt/slides/slide23.xml><?xml version="1.0" encoding="utf-8"?>
+<file path=ppt/slides/slide25.xml><?xml version="1.0" encoding="utf-8"?>
 <p:sld xmlns:a="http://schemas.openxmlformats.org/drawingml/2006/main" xmlns:r="http://schemas.openxmlformats.org/officeDocument/2006/relationships" xmlns:p="http://schemas.openxmlformats.org/presentationml/2006/main">
   <p:cSld>
     <p:spTree>
@@ -17906,7 +19963,7 @@
           <p:cNvPr id="11" name="직사각형 10">
             <a:extLst>
               <a:ext uri="{FF2B5EF4-FFF2-40B4-BE49-F238E27FC236}">
-                <a16:creationId xmlns:a16="http://schemas.microsoft.com/office/drawing/2014/main" id="{D6A202F6-BD52-4301-847A-B77D1B9FD3B2}"/>
+                <a16:creationId xmlns="" xmlns:a16="http://schemas.microsoft.com/office/drawing/2014/main" id="{D6A202F6-BD52-4301-847A-B77D1B9FD3B2}"/>
               </a:ext>
             </a:extLst>
           </p:cNvPr>
@@ -17988,7 +20045,7 @@
           <p:cNvPr id="53" name="직사각형 52">
             <a:extLst>
               <a:ext uri="{FF2B5EF4-FFF2-40B4-BE49-F238E27FC236}">
-                <a16:creationId xmlns:a16="http://schemas.microsoft.com/office/drawing/2014/main" id="{346E23CE-8512-4D56-B872-8F7978ED6DAF}"/>
+                <a16:creationId xmlns="" xmlns:a16="http://schemas.microsoft.com/office/drawing/2014/main" id="{346E23CE-8512-4D56-B872-8F7978ED6DAF}"/>
               </a:ext>
             </a:extLst>
           </p:cNvPr>
@@ -18042,7 +20099,7 @@
           <p:cNvPr id="6" name="직사각형 5">
             <a:extLst>
               <a:ext uri="{FF2B5EF4-FFF2-40B4-BE49-F238E27FC236}">
-                <a16:creationId xmlns:a16="http://schemas.microsoft.com/office/drawing/2014/main" id="{A5EEE19A-CE5A-4BC8-BFEF-381DB8EE4B15}"/>
+                <a16:creationId xmlns="" xmlns:a16="http://schemas.microsoft.com/office/drawing/2014/main" id="{A5EEE19A-CE5A-4BC8-BFEF-381DB8EE4B15}"/>
               </a:ext>
             </a:extLst>
           </p:cNvPr>
@@ -18097,7 +20154,7 @@
           <p:cNvPr id="11" name="1/2 액자 10">
             <a:extLst>
               <a:ext uri="{FF2B5EF4-FFF2-40B4-BE49-F238E27FC236}">
-                <a16:creationId xmlns:a16="http://schemas.microsoft.com/office/drawing/2014/main" id="{8B9C5D73-67C1-4F77-B2FC-DD95361DC0CD}"/>
+                <a16:creationId xmlns="" xmlns:a16="http://schemas.microsoft.com/office/drawing/2014/main" id="{8B9C5D73-67C1-4F77-B2FC-DD95361DC0CD}"/>
               </a:ext>
             </a:extLst>
           </p:cNvPr>
@@ -18156,7 +20213,7 @@
           <p:cNvPr id="12" name="1/2 액자 11">
             <a:extLst>
               <a:ext uri="{FF2B5EF4-FFF2-40B4-BE49-F238E27FC236}">
-                <a16:creationId xmlns:a16="http://schemas.microsoft.com/office/drawing/2014/main" id="{E76FF901-2609-4BE3-9025-4262A685F436}"/>
+                <a16:creationId xmlns="" xmlns:a16="http://schemas.microsoft.com/office/drawing/2014/main" id="{E76FF901-2609-4BE3-9025-4262A685F436}"/>
               </a:ext>
             </a:extLst>
           </p:cNvPr>
@@ -18215,7 +20272,7 @@
           <p:cNvPr id="13" name="직사각형 12">
             <a:extLst>
               <a:ext uri="{FF2B5EF4-FFF2-40B4-BE49-F238E27FC236}">
-                <a16:creationId xmlns:a16="http://schemas.microsoft.com/office/drawing/2014/main" id="{06232A27-0C3E-47D8-8974-D157919C299D}"/>
+                <a16:creationId xmlns="" xmlns:a16="http://schemas.microsoft.com/office/drawing/2014/main" id="{06232A27-0C3E-47D8-8974-D157919C299D}"/>
               </a:ext>
             </a:extLst>
           </p:cNvPr>
@@ -18298,7 +20355,7 @@
           <p:cNvPr id="17" name="그룹 16">
             <a:extLst>
               <a:ext uri="{FF2B5EF4-FFF2-40B4-BE49-F238E27FC236}">
-                <a16:creationId xmlns:a16="http://schemas.microsoft.com/office/drawing/2014/main" id="{EDF2F84A-B95F-41F2-9A97-BDCAF041846E}"/>
+                <a16:creationId xmlns="" xmlns:a16="http://schemas.microsoft.com/office/drawing/2014/main" id="{EDF2F84A-B95F-41F2-9A97-BDCAF041846E}"/>
               </a:ext>
             </a:extLst>
           </p:cNvPr>
@@ -18318,7 +20375,7 @@
             <p:cNvPr id="15" name="직선 연결선 14">
               <a:extLst>
                 <a:ext uri="{FF2B5EF4-FFF2-40B4-BE49-F238E27FC236}">
-                  <a16:creationId xmlns:a16="http://schemas.microsoft.com/office/drawing/2014/main" id="{8BCCF756-65A7-4848-BBFF-C00A8E9DFBC2}"/>
+                  <a16:creationId xmlns="" xmlns:a16="http://schemas.microsoft.com/office/drawing/2014/main" id="{8BCCF756-65A7-4848-BBFF-C00A8E9DFBC2}"/>
                 </a:ext>
               </a:extLst>
             </p:cNvPr>
@@ -18362,7 +20419,7 @@
             <p:cNvPr id="16" name="직사각형 15">
               <a:extLst>
                 <a:ext uri="{FF2B5EF4-FFF2-40B4-BE49-F238E27FC236}">
-                  <a16:creationId xmlns:a16="http://schemas.microsoft.com/office/drawing/2014/main" id="{1F0ACC83-C465-4335-8362-EB2D8B625B14}"/>
+                  <a16:creationId xmlns="" xmlns:a16="http://schemas.microsoft.com/office/drawing/2014/main" id="{1F0ACC83-C465-4335-8362-EB2D8B625B14}"/>
                 </a:ext>
               </a:extLst>
             </p:cNvPr>
@@ -18415,7 +20472,7 @@
           <p:cNvPr id="18" name="그룹 17">
             <a:extLst>
               <a:ext uri="{FF2B5EF4-FFF2-40B4-BE49-F238E27FC236}">
-                <a16:creationId xmlns:a16="http://schemas.microsoft.com/office/drawing/2014/main" id="{2CDB20C9-796C-4911-AA64-CCFDC78DA446}"/>
+                <a16:creationId xmlns="" xmlns:a16="http://schemas.microsoft.com/office/drawing/2014/main" id="{2CDB20C9-796C-4911-AA64-CCFDC78DA446}"/>
               </a:ext>
             </a:extLst>
           </p:cNvPr>
@@ -18435,7 +20492,7 @@
             <p:cNvPr id="19" name="직선 연결선 18">
               <a:extLst>
                 <a:ext uri="{FF2B5EF4-FFF2-40B4-BE49-F238E27FC236}">
-                  <a16:creationId xmlns:a16="http://schemas.microsoft.com/office/drawing/2014/main" id="{1EDE2505-2BA1-47B3-B23E-C05AEDF21E86}"/>
+                  <a16:creationId xmlns="" xmlns:a16="http://schemas.microsoft.com/office/drawing/2014/main" id="{1EDE2505-2BA1-47B3-B23E-C05AEDF21E86}"/>
                 </a:ext>
               </a:extLst>
             </p:cNvPr>
@@ -18479,7 +20536,7 @@
             <p:cNvPr id="20" name="직사각형 19">
               <a:extLst>
                 <a:ext uri="{FF2B5EF4-FFF2-40B4-BE49-F238E27FC236}">
-                  <a16:creationId xmlns:a16="http://schemas.microsoft.com/office/drawing/2014/main" id="{3B2A120A-D0BA-46DA-94C3-99056CCBEBBA}"/>
+                  <a16:creationId xmlns="" xmlns:a16="http://schemas.microsoft.com/office/drawing/2014/main" id="{3B2A120A-D0BA-46DA-94C3-99056CCBEBBA}"/>
                 </a:ext>
               </a:extLst>
             </p:cNvPr>
@@ -18532,7 +20589,7 @@
           <p:cNvPr id="21" name="직사각형 20">
             <a:extLst>
               <a:ext uri="{FF2B5EF4-FFF2-40B4-BE49-F238E27FC236}">
-                <a16:creationId xmlns:a16="http://schemas.microsoft.com/office/drawing/2014/main" id="{0AEDA3D0-52BF-4417-B0D8-34748287CEC1}"/>
+                <a16:creationId xmlns="" xmlns:a16="http://schemas.microsoft.com/office/drawing/2014/main" id="{0AEDA3D0-52BF-4417-B0D8-34748287CEC1}"/>
               </a:ext>
             </a:extLst>
           </p:cNvPr>
@@ -18615,7 +20672,7 @@
           <p:cNvPr id="52" name="그룹 51">
             <a:extLst>
               <a:ext uri="{FF2B5EF4-FFF2-40B4-BE49-F238E27FC236}">
-                <a16:creationId xmlns:a16="http://schemas.microsoft.com/office/drawing/2014/main" id="{B132A489-B5F3-4D10-ADE0-B0431740E4E2}"/>
+                <a16:creationId xmlns="" xmlns:a16="http://schemas.microsoft.com/office/drawing/2014/main" id="{B132A489-B5F3-4D10-ADE0-B0431740E4E2}"/>
               </a:ext>
             </a:extLst>
           </p:cNvPr>
@@ -18635,7 +20692,7 @@
             <p:cNvPr id="51" name="직선 연결선 50">
               <a:extLst>
                 <a:ext uri="{FF2B5EF4-FFF2-40B4-BE49-F238E27FC236}">
-                  <a16:creationId xmlns:a16="http://schemas.microsoft.com/office/drawing/2014/main" id="{B9C1A7DE-639D-424C-8C61-E3AEC62F58C9}"/>
+                  <a16:creationId xmlns="" xmlns:a16="http://schemas.microsoft.com/office/drawing/2014/main" id="{B9C1A7DE-639D-424C-8C61-E3AEC62F58C9}"/>
                 </a:ext>
               </a:extLst>
             </p:cNvPr>
@@ -18679,7 +20736,7 @@
             <p:cNvPr id="32" name="그룹 31">
               <a:extLst>
                 <a:ext uri="{FF2B5EF4-FFF2-40B4-BE49-F238E27FC236}">
-                  <a16:creationId xmlns:a16="http://schemas.microsoft.com/office/drawing/2014/main" id="{924F1F4E-6624-4522-BDB5-51B03088046E}"/>
+                  <a16:creationId xmlns="" xmlns:a16="http://schemas.microsoft.com/office/drawing/2014/main" id="{924F1F4E-6624-4522-BDB5-51B03088046E}"/>
                 </a:ext>
               </a:extLst>
             </p:cNvPr>
@@ -18699,7 +20756,7 @@
               <p:cNvPr id="28" name="직사각형 27">
                 <a:extLst>
                   <a:ext uri="{FF2B5EF4-FFF2-40B4-BE49-F238E27FC236}">
-                    <a16:creationId xmlns:a16="http://schemas.microsoft.com/office/drawing/2014/main" id="{7398A4EB-7036-464D-8B13-206CBEB5F69B}"/>
+                    <a16:creationId xmlns="" xmlns:a16="http://schemas.microsoft.com/office/drawing/2014/main" id="{7398A4EB-7036-464D-8B13-206CBEB5F69B}"/>
                   </a:ext>
                 </a:extLst>
               </p:cNvPr>
@@ -18758,7 +20815,7 @@
               <p:cNvPr id="31" name="그룹 30">
                 <a:extLst>
                   <a:ext uri="{FF2B5EF4-FFF2-40B4-BE49-F238E27FC236}">
-                    <a16:creationId xmlns:a16="http://schemas.microsoft.com/office/drawing/2014/main" id="{D374BDEF-3ECB-48D6-92F3-7BF6EB802DE1}"/>
+                    <a16:creationId xmlns="" xmlns:a16="http://schemas.microsoft.com/office/drawing/2014/main" id="{D374BDEF-3ECB-48D6-92F3-7BF6EB802DE1}"/>
                   </a:ext>
                 </a:extLst>
               </p:cNvPr>
@@ -18778,7 +20835,7 @@
                 <p:cNvPr id="30" name="직사각형 29">
                   <a:extLst>
                     <a:ext uri="{FF2B5EF4-FFF2-40B4-BE49-F238E27FC236}">
-                      <a16:creationId xmlns:a16="http://schemas.microsoft.com/office/drawing/2014/main" id="{729E3F44-9557-4FDC-824A-B0613A885256}"/>
+                      <a16:creationId xmlns="" xmlns:a16="http://schemas.microsoft.com/office/drawing/2014/main" id="{729E3F44-9557-4FDC-824A-B0613A885256}"/>
                     </a:ext>
                   </a:extLst>
                 </p:cNvPr>
@@ -18833,7 +20890,7 @@
                 <p:cNvPr id="29" name="직사각형 28">
                   <a:extLst>
                     <a:ext uri="{FF2B5EF4-FFF2-40B4-BE49-F238E27FC236}">
-                      <a16:creationId xmlns:a16="http://schemas.microsoft.com/office/drawing/2014/main" id="{3840F749-7181-457B-84D2-6B56AF035FBF}"/>
+                      <a16:creationId xmlns="" xmlns:a16="http://schemas.microsoft.com/office/drawing/2014/main" id="{3840F749-7181-457B-84D2-6B56AF035FBF}"/>
                     </a:ext>
                   </a:extLst>
                 </p:cNvPr>
@@ -18913,7 +20970,7 @@
           <p:cNvPr id="33" name="TextBox 32">
             <a:extLst>
               <a:ext uri="{FF2B5EF4-FFF2-40B4-BE49-F238E27FC236}">
-                <a16:creationId xmlns:a16="http://schemas.microsoft.com/office/drawing/2014/main" id="{4FAE63DD-829B-4655-88CA-237191BA21A9}"/>
+                <a16:creationId xmlns="" xmlns:a16="http://schemas.microsoft.com/office/drawing/2014/main" id="{4FAE63DD-829B-4655-88CA-237191BA21A9}"/>
               </a:ext>
             </a:extLst>
           </p:cNvPr>
@@ -18982,7 +21039,7 @@
           <p:cNvPr id="34" name="직사각형 33">
             <a:extLst>
               <a:ext uri="{FF2B5EF4-FFF2-40B4-BE49-F238E27FC236}">
-                <a16:creationId xmlns:a16="http://schemas.microsoft.com/office/drawing/2014/main" id="{E284CC68-7224-4DDA-9BE4-E84F6B4F2F62}"/>
+                <a16:creationId xmlns="" xmlns:a16="http://schemas.microsoft.com/office/drawing/2014/main" id="{E284CC68-7224-4DDA-9BE4-E84F6B4F2F62}"/>
               </a:ext>
             </a:extLst>
           </p:cNvPr>
@@ -18998,7 +21055,10 @@
             <a:avLst/>
           </a:prstGeom>
           <a:solidFill>
-            <a:schemeClr val="tx1"/>
+            <a:schemeClr val="accent6">
+              <a:lumMod val="60000"/>
+              <a:lumOff val="40000"/>
+            </a:schemeClr>
           </a:solidFill>
           <a:ln>
             <a:noFill/>
@@ -19034,7 +21094,7 @@
           <p:cNvPr id="37" name="직사각형 36">
             <a:extLst>
               <a:ext uri="{FF2B5EF4-FFF2-40B4-BE49-F238E27FC236}">
-                <a16:creationId xmlns:a16="http://schemas.microsoft.com/office/drawing/2014/main" id="{360641CF-C7A9-456C-8B7D-C927A3CD2D51}"/>
+                <a16:creationId xmlns="" xmlns:a16="http://schemas.microsoft.com/office/drawing/2014/main" id="{360641CF-C7A9-456C-8B7D-C927A3CD2D51}"/>
               </a:ext>
             </a:extLst>
           </p:cNvPr>
@@ -19107,7 +21167,7 @@
           <p:cNvPr id="40" name="그룹 39">
             <a:extLst>
               <a:ext uri="{FF2B5EF4-FFF2-40B4-BE49-F238E27FC236}">
-                <a16:creationId xmlns:a16="http://schemas.microsoft.com/office/drawing/2014/main" id="{EFE4153B-F628-45B8-81C4-EB13A0464ED8}"/>
+                <a16:creationId xmlns="" xmlns:a16="http://schemas.microsoft.com/office/drawing/2014/main" id="{EFE4153B-F628-45B8-81C4-EB13A0464ED8}"/>
               </a:ext>
             </a:extLst>
           </p:cNvPr>
@@ -19127,7 +21187,7 @@
             <p:cNvPr id="38" name="직사각형 37">
               <a:extLst>
                 <a:ext uri="{FF2B5EF4-FFF2-40B4-BE49-F238E27FC236}">
-                  <a16:creationId xmlns:a16="http://schemas.microsoft.com/office/drawing/2014/main" id="{DA2FBE51-E405-4C46-8801-C63C359B9E24}"/>
+                  <a16:creationId xmlns="" xmlns:a16="http://schemas.microsoft.com/office/drawing/2014/main" id="{DA2FBE51-E405-4C46-8801-C63C359B9E24}"/>
                 </a:ext>
               </a:extLst>
             </p:cNvPr>
@@ -19179,7 +21239,7 @@
             <p:cNvPr id="39" name="직사각형 38">
               <a:extLst>
                 <a:ext uri="{FF2B5EF4-FFF2-40B4-BE49-F238E27FC236}">
-                  <a16:creationId xmlns:a16="http://schemas.microsoft.com/office/drawing/2014/main" id="{F82695B1-CC95-418D-8469-65CC6E0B5DD2}"/>
+                  <a16:creationId xmlns="" xmlns:a16="http://schemas.microsoft.com/office/drawing/2014/main" id="{F82695B1-CC95-418D-8469-65CC6E0B5DD2}"/>
                 </a:ext>
               </a:extLst>
             </p:cNvPr>
@@ -19276,7 +21336,7 @@
           <p:cNvPr id="3" name="TextBox 2">
             <a:extLst>
               <a:ext uri="{FF2B5EF4-FFF2-40B4-BE49-F238E27FC236}">
-                <a16:creationId xmlns:a16="http://schemas.microsoft.com/office/drawing/2014/main" id="{8B9D08A2-E5BF-450B-B555-421DDDF01AD5}"/>
+                <a16:creationId xmlns="" xmlns:a16="http://schemas.microsoft.com/office/drawing/2014/main" id="{8B9D08A2-E5BF-450B-B555-421DDDF01AD5}"/>
               </a:ext>
             </a:extLst>
           </p:cNvPr>
@@ -19409,7 +21469,7 @@
           <p:cNvPr id="11" name="TextBox 10">
             <a:extLst>
               <a:ext uri="{FF2B5EF4-FFF2-40B4-BE49-F238E27FC236}">
-                <a16:creationId xmlns:a16="http://schemas.microsoft.com/office/drawing/2014/main" id="{09F5F200-EDF5-41C9-BAC8-2983F4DBB6AC}"/>
+                <a16:creationId xmlns="" xmlns:a16="http://schemas.microsoft.com/office/drawing/2014/main" id="{09F5F200-EDF5-41C9-BAC8-2983F4DBB6AC}"/>
               </a:ext>
             </a:extLst>
           </p:cNvPr>
@@ -19478,7 +21538,7 @@
           <p:cNvPr id="2" name="직사각형 1">
             <a:extLst>
               <a:ext uri="{FF2B5EF4-FFF2-40B4-BE49-F238E27FC236}">
-                <a16:creationId xmlns:a16="http://schemas.microsoft.com/office/drawing/2014/main" id="{8D52D5AF-4AF2-4738-BE57-0856AD5855A9}"/>
+                <a16:creationId xmlns="" xmlns:a16="http://schemas.microsoft.com/office/drawing/2014/main" id="{8D52D5AF-4AF2-4738-BE57-0856AD5855A9}"/>
               </a:ext>
             </a:extLst>
           </p:cNvPr>
@@ -20315,7 +22375,7 @@
           <p:cNvPr id="3" name="직사각형 2">
             <a:extLst>
               <a:ext uri="{FF2B5EF4-FFF2-40B4-BE49-F238E27FC236}">
-                <a16:creationId xmlns:a16="http://schemas.microsoft.com/office/drawing/2014/main" id="{BDCD3375-1DA5-4810-B2B3-15CF53E0552E}"/>
+                <a16:creationId xmlns="" xmlns:a16="http://schemas.microsoft.com/office/drawing/2014/main" id="{BDCD3375-1DA5-4810-B2B3-15CF53E0552E}"/>
               </a:ext>
             </a:extLst>
           </p:cNvPr>
@@ -23617,7 +25677,7 @@
           <p:cNvPr id="4" name="직사각형 3">
             <a:extLst>
               <a:ext uri="{FF2B5EF4-FFF2-40B4-BE49-F238E27FC236}">
-                <a16:creationId xmlns:a16="http://schemas.microsoft.com/office/drawing/2014/main" id="{C0C7E652-4BA1-4E62-8220-CD8CE70DB2B1}"/>
+                <a16:creationId xmlns="" xmlns:a16="http://schemas.microsoft.com/office/drawing/2014/main" id="{C0C7E652-4BA1-4E62-8220-CD8CE70DB2B1}"/>
               </a:ext>
             </a:extLst>
           </p:cNvPr>
@@ -24311,7 +26371,7 @@
           <p:cNvPr id="9" name="직사각형 8">
             <a:extLst>
               <a:ext uri="{FF2B5EF4-FFF2-40B4-BE49-F238E27FC236}">
-                <a16:creationId xmlns:a16="http://schemas.microsoft.com/office/drawing/2014/main" id="{68B4C171-25DE-4929-A713-CA9020E63F74}"/>
+                <a16:creationId xmlns="" xmlns:a16="http://schemas.microsoft.com/office/drawing/2014/main" id="{68B4C171-25DE-4929-A713-CA9020E63F74}"/>
               </a:ext>
             </a:extLst>
           </p:cNvPr>
@@ -24363,7 +26423,7 @@
           <p:cNvPr id="10" name="직사각형 9">
             <a:extLst>
               <a:ext uri="{FF2B5EF4-FFF2-40B4-BE49-F238E27FC236}">
-                <a16:creationId xmlns:a16="http://schemas.microsoft.com/office/drawing/2014/main" id="{A61366F3-2EA5-4134-A41E-6C15E84DFE87}"/>
+                <a16:creationId xmlns="" xmlns:a16="http://schemas.microsoft.com/office/drawing/2014/main" id="{A61366F3-2EA5-4134-A41E-6C15E84DFE87}"/>
               </a:ext>
             </a:extLst>
           </p:cNvPr>
@@ -24467,6 +26527,61 @@
           </a:p>
         </p:txBody>
       </p:sp>
+      <p:sp>
+        <p:nvSpPr>
+          <p:cNvPr id="12" name="직사각형 11">
+            <a:extLst>
+              <a:ext uri="{FF2B5EF4-FFF2-40B4-BE49-F238E27FC236}">
+                <a16:creationId xmlns="" xmlns:a16="http://schemas.microsoft.com/office/drawing/2014/main" id="{E284CC68-7224-4DDA-9BE4-E84F6B4F2F62}"/>
+              </a:ext>
+            </a:extLst>
+          </p:cNvPr>
+          <p:cNvSpPr/>
+          <p:nvPr/>
+        </p:nvSpPr>
+        <p:spPr>
+          <a:xfrm>
+            <a:off x="-91440" y="104118"/>
+            <a:ext cx="182880" cy="688065"/>
+          </a:xfrm>
+          <a:prstGeom prst="rect">
+            <a:avLst/>
+          </a:prstGeom>
+          <a:solidFill>
+            <a:schemeClr val="accent6">
+              <a:lumMod val="60000"/>
+              <a:lumOff val="40000"/>
+            </a:schemeClr>
+          </a:solidFill>
+          <a:ln>
+            <a:noFill/>
+          </a:ln>
+        </p:spPr>
+        <p:style>
+          <a:lnRef idx="2">
+            <a:schemeClr val="accent1">
+              <a:shade val="50000"/>
+            </a:schemeClr>
+          </a:lnRef>
+          <a:fillRef idx="1">
+            <a:schemeClr val="accent1"/>
+          </a:fillRef>
+          <a:effectRef idx="0">
+            <a:schemeClr val="accent1"/>
+          </a:effectRef>
+          <a:fontRef idx="minor">
+            <a:schemeClr val="lt1"/>
+          </a:fontRef>
+        </p:style>
+        <p:txBody>
+          <a:bodyPr rtlCol="0" anchor="ctr"/>
+          <a:lstStyle/>
+          <a:p>
+            <a:pPr algn="ctr"/>
+            <a:endParaRPr lang="ko-KR" altLang="en-US"/>
+          </a:p>
+        </p:txBody>
+      </p:sp>
     </p:spTree>
     <p:extLst>
       <p:ext uri="{BB962C8B-B14F-4D97-AF65-F5344CB8AC3E}">
@@ -24502,7 +26617,7 @@
           <p:cNvPr id="11" name="직사각형 10">
             <a:extLst>
               <a:ext uri="{FF2B5EF4-FFF2-40B4-BE49-F238E27FC236}">
-                <a16:creationId xmlns:a16="http://schemas.microsoft.com/office/drawing/2014/main" id="{672F0DFF-6DCD-454F-BAEA-8084935CD955}"/>
+                <a16:creationId xmlns="" xmlns:a16="http://schemas.microsoft.com/office/drawing/2014/main" id="{672F0DFF-6DCD-454F-BAEA-8084935CD955}"/>
               </a:ext>
             </a:extLst>
           </p:cNvPr>
@@ -24554,7 +26669,7 @@
           <p:cNvPr id="12" name="직사각형 11">
             <a:extLst>
               <a:ext uri="{FF2B5EF4-FFF2-40B4-BE49-F238E27FC236}">
-                <a16:creationId xmlns:a16="http://schemas.microsoft.com/office/drawing/2014/main" id="{FDC63E14-4A63-47EC-BB59-18032E4A4D3E}"/>
+                <a16:creationId xmlns="" xmlns:a16="http://schemas.microsoft.com/office/drawing/2014/main" id="{FDC63E14-4A63-47EC-BB59-18032E4A4D3E}"/>
               </a:ext>
             </a:extLst>
           </p:cNvPr>
@@ -24609,7 +26724,7 @@
           <p:cNvPr id="14" name="1/2 액자 13">
             <a:extLst>
               <a:ext uri="{FF2B5EF4-FFF2-40B4-BE49-F238E27FC236}">
-                <a16:creationId xmlns:a16="http://schemas.microsoft.com/office/drawing/2014/main" id="{00735D5C-237D-4083-A133-C1B39C8C6436}"/>
+                <a16:creationId xmlns="" xmlns:a16="http://schemas.microsoft.com/office/drawing/2014/main" id="{00735D5C-237D-4083-A133-C1B39C8C6436}"/>
               </a:ext>
             </a:extLst>
           </p:cNvPr>
@@ -24668,7 +26783,7 @@
           <p:cNvPr id="4" name="TextBox 3">
             <a:extLst>
               <a:ext uri="{FF2B5EF4-FFF2-40B4-BE49-F238E27FC236}">
-                <a16:creationId xmlns:a16="http://schemas.microsoft.com/office/drawing/2014/main" id="{3FB05053-94D7-4BE8-B99F-9A741339FB5D}"/>
+                <a16:creationId xmlns="" xmlns:a16="http://schemas.microsoft.com/office/drawing/2014/main" id="{3FB05053-94D7-4BE8-B99F-9A741339FB5D}"/>
               </a:ext>
             </a:extLst>
           </p:cNvPr>
@@ -24755,7 +26870,7 @@
           <p:cNvPr id="5" name="직사각형 4">
             <a:extLst>
               <a:ext uri="{FF2B5EF4-FFF2-40B4-BE49-F238E27FC236}">
-                <a16:creationId xmlns:a16="http://schemas.microsoft.com/office/drawing/2014/main" id="{E6B970E0-F89A-40A6-B7FF-2908BA8FCA25}"/>
+                <a16:creationId xmlns="" xmlns:a16="http://schemas.microsoft.com/office/drawing/2014/main" id="{E6B970E0-F89A-40A6-B7FF-2908BA8FCA25}"/>
               </a:ext>
             </a:extLst>
           </p:cNvPr>
@@ -24807,7 +26922,7 @@
           <p:cNvPr id="18" name="직사각형 17">
             <a:extLst>
               <a:ext uri="{FF2B5EF4-FFF2-40B4-BE49-F238E27FC236}">
-                <a16:creationId xmlns:a16="http://schemas.microsoft.com/office/drawing/2014/main" id="{99BDB177-10A4-4570-9B30-D085D0345977}"/>
+                <a16:creationId xmlns="" xmlns:a16="http://schemas.microsoft.com/office/drawing/2014/main" id="{99BDB177-10A4-4570-9B30-D085D0345977}"/>
               </a:ext>
             </a:extLst>
           </p:cNvPr>
@@ -24909,7 +27024,7 @@
           <p:cNvPr id="19" name="TextBox 18">
             <a:extLst>
               <a:ext uri="{FF2B5EF4-FFF2-40B4-BE49-F238E27FC236}">
-                <a16:creationId xmlns:a16="http://schemas.microsoft.com/office/drawing/2014/main" id="{16E7C89C-D1A0-4855-8660-4C64FCFB551E}"/>
+                <a16:creationId xmlns="" xmlns:a16="http://schemas.microsoft.com/office/drawing/2014/main" id="{16E7C89C-D1A0-4855-8660-4C64FCFB551E}"/>
               </a:ext>
             </a:extLst>
           </p:cNvPr>
@@ -24965,6 +27080,61 @@
               <a:latin typeface="KoPub돋움체 Bold" panose="02020603020101020101" pitchFamily="18" charset="-127"/>
               <a:ea typeface="KoPub돋움체 Bold" panose="02020603020101020101" pitchFamily="18" charset="-127"/>
             </a:endParaRPr>
+          </a:p>
+        </p:txBody>
+      </p:sp>
+      <p:sp>
+        <p:nvSpPr>
+          <p:cNvPr id="9" name="직사각형 8">
+            <a:extLst>
+              <a:ext uri="{FF2B5EF4-FFF2-40B4-BE49-F238E27FC236}">
+                <a16:creationId xmlns="" xmlns:a16="http://schemas.microsoft.com/office/drawing/2014/main" id="{E284CC68-7224-4DDA-9BE4-E84F6B4F2F62}"/>
+              </a:ext>
+            </a:extLst>
+          </p:cNvPr>
+          <p:cNvSpPr/>
+          <p:nvPr/>
+        </p:nvSpPr>
+        <p:spPr>
+          <a:xfrm>
+            <a:off x="-91440" y="104120"/>
+            <a:ext cx="182880" cy="688065"/>
+          </a:xfrm>
+          <a:prstGeom prst="rect">
+            <a:avLst/>
+          </a:prstGeom>
+          <a:solidFill>
+            <a:schemeClr val="accent6">
+              <a:lumMod val="60000"/>
+              <a:lumOff val="40000"/>
+            </a:schemeClr>
+          </a:solidFill>
+          <a:ln>
+            <a:noFill/>
+          </a:ln>
+        </p:spPr>
+        <p:style>
+          <a:lnRef idx="2">
+            <a:schemeClr val="accent1">
+              <a:shade val="50000"/>
+            </a:schemeClr>
+          </a:lnRef>
+          <a:fillRef idx="1">
+            <a:schemeClr val="accent1"/>
+          </a:fillRef>
+          <a:effectRef idx="0">
+            <a:schemeClr val="accent1"/>
+          </a:effectRef>
+          <a:fontRef idx="minor">
+            <a:schemeClr val="lt1"/>
+          </a:fontRef>
+        </p:style>
+        <p:txBody>
+          <a:bodyPr rtlCol="0" anchor="ctr"/>
+          <a:lstStyle/>
+          <a:p>
+            <a:pPr algn="ctr"/>
+            <a:endParaRPr lang="ko-KR" altLang="en-US"/>
           </a:p>
         </p:txBody>
       </p:sp>
@@ -25003,7 +27173,7 @@
           <p:cNvPr id="11" name="직사각형 10">
             <a:extLst>
               <a:ext uri="{FF2B5EF4-FFF2-40B4-BE49-F238E27FC236}">
-                <a16:creationId xmlns:a16="http://schemas.microsoft.com/office/drawing/2014/main" id="{672F0DFF-6DCD-454F-BAEA-8084935CD955}"/>
+                <a16:creationId xmlns="" xmlns:a16="http://schemas.microsoft.com/office/drawing/2014/main" id="{672F0DFF-6DCD-454F-BAEA-8084935CD955}"/>
               </a:ext>
             </a:extLst>
           </p:cNvPr>
@@ -25055,7 +27225,7 @@
           <p:cNvPr id="12" name="직사각형 11">
             <a:extLst>
               <a:ext uri="{FF2B5EF4-FFF2-40B4-BE49-F238E27FC236}">
-                <a16:creationId xmlns:a16="http://schemas.microsoft.com/office/drawing/2014/main" id="{FDC63E14-4A63-47EC-BB59-18032E4A4D3E}"/>
+                <a16:creationId xmlns="" xmlns:a16="http://schemas.microsoft.com/office/drawing/2014/main" id="{FDC63E14-4A63-47EC-BB59-18032E4A4D3E}"/>
               </a:ext>
             </a:extLst>
           </p:cNvPr>
@@ -25110,7 +27280,7 @@
           <p:cNvPr id="14" name="1/2 액자 13">
             <a:extLst>
               <a:ext uri="{FF2B5EF4-FFF2-40B4-BE49-F238E27FC236}">
-                <a16:creationId xmlns:a16="http://schemas.microsoft.com/office/drawing/2014/main" id="{00735D5C-237D-4083-A133-C1B39C8C6436}"/>
+                <a16:creationId xmlns="" xmlns:a16="http://schemas.microsoft.com/office/drawing/2014/main" id="{00735D5C-237D-4083-A133-C1B39C8C6436}"/>
               </a:ext>
             </a:extLst>
           </p:cNvPr>
@@ -25169,7 +27339,7 @@
           <p:cNvPr id="4" name="TextBox 3">
             <a:extLst>
               <a:ext uri="{FF2B5EF4-FFF2-40B4-BE49-F238E27FC236}">
-                <a16:creationId xmlns:a16="http://schemas.microsoft.com/office/drawing/2014/main" id="{3FB05053-94D7-4BE8-B99F-9A741339FB5D}"/>
+                <a16:creationId xmlns="" xmlns:a16="http://schemas.microsoft.com/office/drawing/2014/main" id="{3FB05053-94D7-4BE8-B99F-9A741339FB5D}"/>
               </a:ext>
             </a:extLst>
           </p:cNvPr>
@@ -25256,7 +27426,7 @@
           <p:cNvPr id="5" name="직사각형 4">
             <a:extLst>
               <a:ext uri="{FF2B5EF4-FFF2-40B4-BE49-F238E27FC236}">
-                <a16:creationId xmlns:a16="http://schemas.microsoft.com/office/drawing/2014/main" id="{E6B970E0-F89A-40A6-B7FF-2908BA8FCA25}"/>
+                <a16:creationId xmlns="" xmlns:a16="http://schemas.microsoft.com/office/drawing/2014/main" id="{E6B970E0-F89A-40A6-B7FF-2908BA8FCA25}"/>
               </a:ext>
             </a:extLst>
           </p:cNvPr>
@@ -25308,7 +27478,7 @@
           <p:cNvPr id="18" name="직사각형 17">
             <a:extLst>
               <a:ext uri="{FF2B5EF4-FFF2-40B4-BE49-F238E27FC236}">
-                <a16:creationId xmlns:a16="http://schemas.microsoft.com/office/drawing/2014/main" id="{99BDB177-10A4-4570-9B30-D085D0345977}"/>
+                <a16:creationId xmlns="" xmlns:a16="http://schemas.microsoft.com/office/drawing/2014/main" id="{99BDB177-10A4-4570-9B30-D085D0345977}"/>
               </a:ext>
             </a:extLst>
           </p:cNvPr>
@@ -25410,7 +27580,7 @@
           <p:cNvPr id="19" name="TextBox 18">
             <a:extLst>
               <a:ext uri="{FF2B5EF4-FFF2-40B4-BE49-F238E27FC236}">
-                <a16:creationId xmlns:a16="http://schemas.microsoft.com/office/drawing/2014/main" id="{16E7C89C-D1A0-4855-8660-4C64FCFB551E}"/>
+                <a16:creationId xmlns="" xmlns:a16="http://schemas.microsoft.com/office/drawing/2014/main" id="{16E7C89C-D1A0-4855-8660-4C64FCFB551E}"/>
               </a:ext>
             </a:extLst>
           </p:cNvPr>
@@ -25420,7 +27590,7 @@
         <p:spPr>
           <a:xfrm>
             <a:off x="2236120" y="663421"/>
-            <a:ext cx="8293039" cy="1107996"/>
+            <a:ext cx="7707495" cy="1107996"/>
           </a:xfrm>
           <a:prstGeom prst="rect">
             <a:avLst/>
@@ -25434,7 +27604,7 @@
           <a:lstStyle/>
           <a:p>
             <a:r>
-              <a:rPr lang="en-US" altLang="ko-KR" sz="6600" dirty="0">
+              <a:rPr lang="en-US" altLang="ko-KR" sz="6600" dirty="0" smtClean="0">
                 <a:ln>
                   <a:solidFill>
                     <a:schemeClr val="accent1">
@@ -25449,7 +27619,43 @@
                 <a:latin typeface="KoPub돋움체 Bold" panose="02020603020101020101" pitchFamily="18" charset="-127"/>
                 <a:ea typeface="KoPub돋움체 Bold" panose="02020603020101020101" pitchFamily="18" charset="-127"/>
               </a:rPr>
-              <a:t>collaborative filtering</a:t>
+              <a:t>Collaborative </a:t>
+            </a:r>
+            <a:r>
+              <a:rPr lang="en-US" altLang="ko-KR" sz="6600" dirty="0">
+                <a:ln>
+                  <a:solidFill>
+                    <a:schemeClr val="accent1">
+                      <a:shade val="50000"/>
+                      <a:alpha val="0"/>
+                    </a:schemeClr>
+                  </a:solidFill>
+                </a:ln>
+                <a:solidFill>
+                  <a:srgbClr val="1E803F"/>
+                </a:solidFill>
+                <a:latin typeface="KoPub돋움체 Bold" panose="02020603020101020101" pitchFamily="18" charset="-127"/>
+                <a:ea typeface="KoPub돋움체 Bold" panose="02020603020101020101" pitchFamily="18" charset="-127"/>
+              </a:rPr>
+              <a:t>F</a:t>
+            </a:r>
+            <a:r>
+              <a:rPr lang="en-US" altLang="ko-KR" sz="6600" dirty="0" smtClean="0">
+                <a:ln>
+                  <a:solidFill>
+                    <a:schemeClr val="accent1">
+                      <a:shade val="50000"/>
+                      <a:alpha val="0"/>
+                    </a:schemeClr>
+                  </a:solidFill>
+                </a:ln>
+                <a:solidFill>
+                  <a:srgbClr val="1E803F"/>
+                </a:solidFill>
+                <a:latin typeface="KoPub돋움체 Bold" panose="02020603020101020101" pitchFamily="18" charset="-127"/>
+                <a:ea typeface="KoPub돋움체 Bold" panose="02020603020101020101" pitchFamily="18" charset="-127"/>
+              </a:rPr>
+              <a:t>iltering</a:t>
             </a:r>
             <a:endParaRPr lang="ko-KR" altLang="en-US" sz="6600" dirty="0">
               <a:ln>
@@ -25466,6 +27672,61 @@
               <a:latin typeface="KoPub돋움체 Bold" panose="02020603020101020101" pitchFamily="18" charset="-127"/>
               <a:ea typeface="KoPub돋움체 Bold" panose="02020603020101020101" pitchFamily="18" charset="-127"/>
             </a:endParaRPr>
+          </a:p>
+        </p:txBody>
+      </p:sp>
+      <p:sp>
+        <p:nvSpPr>
+          <p:cNvPr id="9" name="직사각형 8">
+            <a:extLst>
+              <a:ext uri="{FF2B5EF4-FFF2-40B4-BE49-F238E27FC236}">
+                <a16:creationId xmlns="" xmlns:a16="http://schemas.microsoft.com/office/drawing/2014/main" id="{E284CC68-7224-4DDA-9BE4-E84F6B4F2F62}"/>
+              </a:ext>
+            </a:extLst>
+          </p:cNvPr>
+          <p:cNvSpPr/>
+          <p:nvPr/>
+        </p:nvSpPr>
+        <p:spPr>
+          <a:xfrm>
+            <a:off x="-91440" y="104118"/>
+            <a:ext cx="182880" cy="688065"/>
+          </a:xfrm>
+          <a:prstGeom prst="rect">
+            <a:avLst/>
+          </a:prstGeom>
+          <a:solidFill>
+            <a:schemeClr val="accent6">
+              <a:lumMod val="60000"/>
+              <a:lumOff val="40000"/>
+            </a:schemeClr>
+          </a:solidFill>
+          <a:ln>
+            <a:noFill/>
+          </a:ln>
+        </p:spPr>
+        <p:style>
+          <a:lnRef idx="2">
+            <a:schemeClr val="accent1">
+              <a:shade val="50000"/>
+            </a:schemeClr>
+          </a:lnRef>
+          <a:fillRef idx="1">
+            <a:schemeClr val="accent1"/>
+          </a:fillRef>
+          <a:effectRef idx="0">
+            <a:schemeClr val="accent1"/>
+          </a:effectRef>
+          <a:fontRef idx="minor">
+            <a:schemeClr val="lt1"/>
+          </a:fontRef>
+        </p:style>
+        <p:txBody>
+          <a:bodyPr rtlCol="0" anchor="ctr"/>
+          <a:lstStyle/>
+          <a:p>
+            <a:pPr algn="ctr"/>
+            <a:endParaRPr lang="ko-KR" altLang="en-US"/>
           </a:p>
         </p:txBody>
       </p:sp>
@@ -25504,7 +27765,7 @@
           <p:cNvPr id="41" name="직사각형 40">
             <a:extLst>
               <a:ext uri="{FF2B5EF4-FFF2-40B4-BE49-F238E27FC236}">
-                <a16:creationId xmlns:a16="http://schemas.microsoft.com/office/drawing/2014/main" id="{FF57A972-E656-480F-8DCA-596B4C1EB5D2}"/>
+                <a16:creationId xmlns="" xmlns:a16="http://schemas.microsoft.com/office/drawing/2014/main" id="{FF57A972-E656-480F-8DCA-596B4C1EB5D2}"/>
               </a:ext>
             </a:extLst>
           </p:cNvPr>
@@ -25558,7 +27819,7 @@
           <p:cNvPr id="40" name="직사각형 39">
             <a:extLst>
               <a:ext uri="{FF2B5EF4-FFF2-40B4-BE49-F238E27FC236}">
-                <a16:creationId xmlns:a16="http://schemas.microsoft.com/office/drawing/2014/main" id="{E4417530-C427-4420-9BD0-23B30EDD6EF5}"/>
+                <a16:creationId xmlns="" xmlns:a16="http://schemas.microsoft.com/office/drawing/2014/main" id="{E4417530-C427-4420-9BD0-23B30EDD6EF5}"/>
               </a:ext>
             </a:extLst>
           </p:cNvPr>
@@ -25613,7 +27874,7 @@
           <p:cNvPr id="39" name="직사각형 38">
             <a:extLst>
               <a:ext uri="{FF2B5EF4-FFF2-40B4-BE49-F238E27FC236}">
-                <a16:creationId xmlns:a16="http://schemas.microsoft.com/office/drawing/2014/main" id="{E5C16FF8-2E9F-4020-8E3E-C22B0A672D60}"/>
+                <a16:creationId xmlns="" xmlns:a16="http://schemas.microsoft.com/office/drawing/2014/main" id="{E5C16FF8-2E9F-4020-8E3E-C22B0A672D60}"/>
               </a:ext>
             </a:extLst>
           </p:cNvPr>
@@ -25668,7 +27929,7 @@
           <p:cNvPr id="31" name="직사각형 30">
             <a:extLst>
               <a:ext uri="{FF2B5EF4-FFF2-40B4-BE49-F238E27FC236}">
-                <a16:creationId xmlns:a16="http://schemas.microsoft.com/office/drawing/2014/main" id="{01921B01-D06F-4E01-8AD6-0C7F19AEB56A}"/>
+                <a16:creationId xmlns="" xmlns:a16="http://schemas.microsoft.com/office/drawing/2014/main" id="{01921B01-D06F-4E01-8AD6-0C7F19AEB56A}"/>
               </a:ext>
             </a:extLst>
           </p:cNvPr>
@@ -25723,7 +27984,7 @@
           <p:cNvPr id="2" name="TextBox 1">
             <a:extLst>
               <a:ext uri="{FF2B5EF4-FFF2-40B4-BE49-F238E27FC236}">
-                <a16:creationId xmlns:a16="http://schemas.microsoft.com/office/drawing/2014/main" id="{2EB47A83-B8ED-4244-BCEA-380A788F4743}"/>
+                <a16:creationId xmlns="" xmlns:a16="http://schemas.microsoft.com/office/drawing/2014/main" id="{2EB47A83-B8ED-4244-BCEA-380A788F4743}"/>
               </a:ext>
             </a:extLst>
           </p:cNvPr>
@@ -25789,7 +28050,7 @@
           <p:cNvPr id="3" name="직사각형 2">
             <a:extLst>
               <a:ext uri="{FF2B5EF4-FFF2-40B4-BE49-F238E27FC236}">
-                <a16:creationId xmlns:a16="http://schemas.microsoft.com/office/drawing/2014/main" id="{D703A7DB-BACB-4AF0-B8CF-8C852EC45FE9}"/>
+                <a16:creationId xmlns="" xmlns:a16="http://schemas.microsoft.com/office/drawing/2014/main" id="{D703A7DB-BACB-4AF0-B8CF-8C852EC45FE9}"/>
               </a:ext>
             </a:extLst>
           </p:cNvPr>
@@ -25805,7 +28066,10 @@
             <a:avLst/>
           </a:prstGeom>
           <a:solidFill>
-            <a:schemeClr val="tx1"/>
+            <a:schemeClr val="accent1">
+              <a:lumMod val="40000"/>
+              <a:lumOff val="60000"/>
+            </a:schemeClr>
           </a:solidFill>
           <a:ln>
             <a:noFill/>
@@ -25841,7 +28105,7 @@
           <p:cNvPr id="10" name="그룹 9">
             <a:extLst>
               <a:ext uri="{FF2B5EF4-FFF2-40B4-BE49-F238E27FC236}">
-                <a16:creationId xmlns:a16="http://schemas.microsoft.com/office/drawing/2014/main" id="{D14CD29D-A518-4D8A-84CB-BC2B80E72D1F}"/>
+                <a16:creationId xmlns="" xmlns:a16="http://schemas.microsoft.com/office/drawing/2014/main" id="{D14CD29D-A518-4D8A-84CB-BC2B80E72D1F}"/>
               </a:ext>
             </a:extLst>
           </p:cNvPr>
@@ -25861,7 +28125,7 @@
             <p:cNvPr id="4" name="직사각형 3">
               <a:extLst>
                 <a:ext uri="{FF2B5EF4-FFF2-40B4-BE49-F238E27FC236}">
-                  <a16:creationId xmlns:a16="http://schemas.microsoft.com/office/drawing/2014/main" id="{8268FCA7-C838-4392-91F6-6B055C5B6BA1}"/>
+                  <a16:creationId xmlns="" xmlns:a16="http://schemas.microsoft.com/office/drawing/2014/main" id="{8268FCA7-C838-4392-91F6-6B055C5B6BA1}"/>
                 </a:ext>
               </a:extLst>
             </p:cNvPr>
@@ -25947,7 +28211,7 @@
             <p:cNvPr id="9" name="그룹 8">
               <a:extLst>
                 <a:ext uri="{FF2B5EF4-FFF2-40B4-BE49-F238E27FC236}">
-                  <a16:creationId xmlns:a16="http://schemas.microsoft.com/office/drawing/2014/main" id="{D353F093-8E71-4F65-A7CD-241AF74AEEE7}"/>
+                  <a16:creationId xmlns="" xmlns:a16="http://schemas.microsoft.com/office/drawing/2014/main" id="{D353F093-8E71-4F65-A7CD-241AF74AEEE7}"/>
                 </a:ext>
               </a:extLst>
             </p:cNvPr>
@@ -25967,7 +28231,7 @@
               <p:cNvPr id="6" name="직선 연결선 5">
                 <a:extLst>
                   <a:ext uri="{FF2B5EF4-FFF2-40B4-BE49-F238E27FC236}">
-                    <a16:creationId xmlns:a16="http://schemas.microsoft.com/office/drawing/2014/main" id="{AA168484-5ED3-43BF-BB3C-73083EEA14A9}"/>
+                    <a16:creationId xmlns="" xmlns:a16="http://schemas.microsoft.com/office/drawing/2014/main" id="{AA168484-5ED3-43BF-BB3C-73083EEA14A9}"/>
                   </a:ext>
                 </a:extLst>
               </p:cNvPr>
@@ -26008,7 +28272,7 @@
               <p:cNvPr id="8" name="직선 연결선 7">
                 <a:extLst>
                   <a:ext uri="{FF2B5EF4-FFF2-40B4-BE49-F238E27FC236}">
-                    <a16:creationId xmlns:a16="http://schemas.microsoft.com/office/drawing/2014/main" id="{4D124368-4E44-4630-8D09-619C07F65EB3}"/>
+                    <a16:creationId xmlns="" xmlns:a16="http://schemas.microsoft.com/office/drawing/2014/main" id="{4D124368-4E44-4630-8D09-619C07F65EB3}"/>
                   </a:ext>
                 </a:extLst>
               </p:cNvPr>
@@ -26051,7 +28315,7 @@
           <p:cNvPr id="23" name="그룹 22">
             <a:extLst>
               <a:ext uri="{FF2B5EF4-FFF2-40B4-BE49-F238E27FC236}">
-                <a16:creationId xmlns:a16="http://schemas.microsoft.com/office/drawing/2014/main" id="{54810754-770A-4060-A85F-A0FBC74EC80C}"/>
+                <a16:creationId xmlns="" xmlns:a16="http://schemas.microsoft.com/office/drawing/2014/main" id="{54810754-770A-4060-A85F-A0FBC74EC80C}"/>
               </a:ext>
             </a:extLst>
           </p:cNvPr>
@@ -26071,7 +28335,7 @@
             <p:cNvPr id="11" name="직사각형 10">
               <a:extLst>
                 <a:ext uri="{FF2B5EF4-FFF2-40B4-BE49-F238E27FC236}">
-                  <a16:creationId xmlns:a16="http://schemas.microsoft.com/office/drawing/2014/main" id="{F3522AC2-2895-4CB1-9477-8C97C32C0D3B}"/>
+                  <a16:creationId xmlns="" xmlns:a16="http://schemas.microsoft.com/office/drawing/2014/main" id="{F3522AC2-2895-4CB1-9477-8C97C32C0D3B}"/>
                 </a:ext>
               </a:extLst>
             </p:cNvPr>
@@ -26154,7 +28418,7 @@
             <p:cNvPr id="12" name="그룹 11">
               <a:extLst>
                 <a:ext uri="{FF2B5EF4-FFF2-40B4-BE49-F238E27FC236}">
-                  <a16:creationId xmlns:a16="http://schemas.microsoft.com/office/drawing/2014/main" id="{F7ADE44F-FAA3-4095-88EA-7438048897E2}"/>
+                  <a16:creationId xmlns="" xmlns:a16="http://schemas.microsoft.com/office/drawing/2014/main" id="{F7ADE44F-FAA3-4095-88EA-7438048897E2}"/>
                 </a:ext>
               </a:extLst>
             </p:cNvPr>
@@ -26174,7 +28438,7 @@
               <p:cNvPr id="13" name="직선 연결선 12">
                 <a:extLst>
                   <a:ext uri="{FF2B5EF4-FFF2-40B4-BE49-F238E27FC236}">
-                    <a16:creationId xmlns:a16="http://schemas.microsoft.com/office/drawing/2014/main" id="{B8372606-89BF-4A06-97BF-76351DFED960}"/>
+                    <a16:creationId xmlns="" xmlns:a16="http://schemas.microsoft.com/office/drawing/2014/main" id="{B8372606-89BF-4A06-97BF-76351DFED960}"/>
                   </a:ext>
                 </a:extLst>
               </p:cNvPr>
@@ -26215,7 +28479,7 @@
               <p:cNvPr id="14" name="직선 연결선 13">
                 <a:extLst>
                   <a:ext uri="{FF2B5EF4-FFF2-40B4-BE49-F238E27FC236}">
-                    <a16:creationId xmlns:a16="http://schemas.microsoft.com/office/drawing/2014/main" id="{EE315A21-2DE5-4046-B9D1-7FBA04311018}"/>
+                    <a16:creationId xmlns="" xmlns:a16="http://schemas.microsoft.com/office/drawing/2014/main" id="{EE315A21-2DE5-4046-B9D1-7FBA04311018}"/>
                   </a:ext>
                 </a:extLst>
               </p:cNvPr>
@@ -26258,7 +28522,7 @@
           <p:cNvPr id="15" name="직사각형 14">
             <a:extLst>
               <a:ext uri="{FF2B5EF4-FFF2-40B4-BE49-F238E27FC236}">
-                <a16:creationId xmlns:a16="http://schemas.microsoft.com/office/drawing/2014/main" id="{DF796B20-2713-42F9-81F2-BF954A9E4561}"/>
+                <a16:creationId xmlns="" xmlns:a16="http://schemas.microsoft.com/office/drawing/2014/main" id="{DF796B20-2713-42F9-81F2-BF954A9E4561}"/>
               </a:ext>
             </a:extLst>
           </p:cNvPr>
@@ -26344,7 +28608,7 @@
           <p:cNvPr id="16" name="그룹 15">
             <a:extLst>
               <a:ext uri="{FF2B5EF4-FFF2-40B4-BE49-F238E27FC236}">
-                <a16:creationId xmlns:a16="http://schemas.microsoft.com/office/drawing/2014/main" id="{B88324C3-8A4A-4457-B062-129E60E7A119}"/>
+                <a16:creationId xmlns="" xmlns:a16="http://schemas.microsoft.com/office/drawing/2014/main" id="{B88324C3-8A4A-4457-B062-129E60E7A119}"/>
               </a:ext>
             </a:extLst>
           </p:cNvPr>
@@ -26364,7 +28628,7 @@
             <p:cNvPr id="17" name="직선 연결선 16">
               <a:extLst>
                 <a:ext uri="{FF2B5EF4-FFF2-40B4-BE49-F238E27FC236}">
-                  <a16:creationId xmlns:a16="http://schemas.microsoft.com/office/drawing/2014/main" id="{6BDA27A2-8C3F-4326-AE21-B29862C78880}"/>
+                  <a16:creationId xmlns="" xmlns:a16="http://schemas.microsoft.com/office/drawing/2014/main" id="{6BDA27A2-8C3F-4326-AE21-B29862C78880}"/>
                 </a:ext>
               </a:extLst>
             </p:cNvPr>
@@ -26405,7 +28669,7 @@
             <p:cNvPr id="18" name="직선 연결선 17">
               <a:extLst>
                 <a:ext uri="{FF2B5EF4-FFF2-40B4-BE49-F238E27FC236}">
-                  <a16:creationId xmlns:a16="http://schemas.microsoft.com/office/drawing/2014/main" id="{F9F84823-4401-4A2B-BAAA-0873E48B5400}"/>
+                  <a16:creationId xmlns="" xmlns:a16="http://schemas.microsoft.com/office/drawing/2014/main" id="{F9F84823-4401-4A2B-BAAA-0873E48B5400}"/>
                 </a:ext>
               </a:extLst>
             </p:cNvPr>
@@ -26447,7 +28711,7 @@
           <p:cNvPr id="30" name="그룹 29">
             <a:extLst>
               <a:ext uri="{FF2B5EF4-FFF2-40B4-BE49-F238E27FC236}">
-                <a16:creationId xmlns:a16="http://schemas.microsoft.com/office/drawing/2014/main" id="{4DB1DE5E-F80D-453D-95B4-6E4FE3FF1C29}"/>
+                <a16:creationId xmlns="" xmlns:a16="http://schemas.microsoft.com/office/drawing/2014/main" id="{4DB1DE5E-F80D-453D-95B4-6E4FE3FF1C29}"/>
               </a:ext>
             </a:extLst>
           </p:cNvPr>
@@ -26467,7 +28731,7 @@
             <p:cNvPr id="19" name="직사각형 18">
               <a:extLst>
                 <a:ext uri="{FF2B5EF4-FFF2-40B4-BE49-F238E27FC236}">
-                  <a16:creationId xmlns:a16="http://schemas.microsoft.com/office/drawing/2014/main" id="{75EBFF2D-A0BA-4721-B400-D45F3C5C947B}"/>
+                  <a16:creationId xmlns="" xmlns:a16="http://schemas.microsoft.com/office/drawing/2014/main" id="{75EBFF2D-A0BA-4721-B400-D45F3C5C947B}"/>
                 </a:ext>
               </a:extLst>
             </p:cNvPr>
@@ -26538,7 +28802,7 @@
             <p:cNvPr id="20" name="그룹 19">
               <a:extLst>
                 <a:ext uri="{FF2B5EF4-FFF2-40B4-BE49-F238E27FC236}">
-                  <a16:creationId xmlns:a16="http://schemas.microsoft.com/office/drawing/2014/main" id="{791593ED-9EAE-4A89-BD6C-6D1FC697AF12}"/>
+                  <a16:creationId xmlns="" xmlns:a16="http://schemas.microsoft.com/office/drawing/2014/main" id="{791593ED-9EAE-4A89-BD6C-6D1FC697AF12}"/>
                 </a:ext>
               </a:extLst>
             </p:cNvPr>
@@ -26558,7 +28822,7 @@
               <p:cNvPr id="21" name="직선 연결선 20">
                 <a:extLst>
                   <a:ext uri="{FF2B5EF4-FFF2-40B4-BE49-F238E27FC236}">
-                    <a16:creationId xmlns:a16="http://schemas.microsoft.com/office/drawing/2014/main" id="{D2BD762F-D887-46CD-8345-27E1AB073C94}"/>
+                    <a16:creationId xmlns="" xmlns:a16="http://schemas.microsoft.com/office/drawing/2014/main" id="{D2BD762F-D887-46CD-8345-27E1AB073C94}"/>
                   </a:ext>
                 </a:extLst>
               </p:cNvPr>
@@ -26599,7 +28863,7 @@
               <p:cNvPr id="22" name="직선 연결선 21">
                 <a:extLst>
                   <a:ext uri="{FF2B5EF4-FFF2-40B4-BE49-F238E27FC236}">
-                    <a16:creationId xmlns:a16="http://schemas.microsoft.com/office/drawing/2014/main" id="{C0A2E58E-0548-4DE4-B95B-822E40FF9A99}"/>
+                    <a16:creationId xmlns="" xmlns:a16="http://schemas.microsoft.com/office/drawing/2014/main" id="{C0A2E58E-0548-4DE4-B95B-822E40FF9A99}"/>
                   </a:ext>
                 </a:extLst>
               </p:cNvPr>
@@ -26642,7 +28906,7 @@
           <p:cNvPr id="42" name="그룹 41">
             <a:extLst>
               <a:ext uri="{FF2B5EF4-FFF2-40B4-BE49-F238E27FC236}">
-                <a16:creationId xmlns:a16="http://schemas.microsoft.com/office/drawing/2014/main" id="{1BB07D20-5A1A-4C74-BD5F-9BA4DBC60ACC}"/>
+                <a16:creationId xmlns="" xmlns:a16="http://schemas.microsoft.com/office/drawing/2014/main" id="{1BB07D20-5A1A-4C74-BD5F-9BA4DBC60ACC}"/>
               </a:ext>
             </a:extLst>
           </p:cNvPr>
@@ -26662,7 +28926,7 @@
             <p:cNvPr id="37" name="직사각형 36">
               <a:extLst>
                 <a:ext uri="{FF2B5EF4-FFF2-40B4-BE49-F238E27FC236}">
-                  <a16:creationId xmlns:a16="http://schemas.microsoft.com/office/drawing/2014/main" id="{4B228094-023F-4204-8827-E86C0A5B19C3}"/>
+                  <a16:creationId xmlns="" xmlns:a16="http://schemas.microsoft.com/office/drawing/2014/main" id="{4B228094-023F-4204-8827-E86C0A5B19C3}"/>
                 </a:ext>
               </a:extLst>
             </p:cNvPr>
@@ -26716,7 +28980,7 @@
             <p:cNvPr id="38" name="이등변 삼각형 37">
               <a:extLst>
                 <a:ext uri="{FF2B5EF4-FFF2-40B4-BE49-F238E27FC236}">
-                  <a16:creationId xmlns:a16="http://schemas.microsoft.com/office/drawing/2014/main" id="{CCBA50E3-45A4-4958-AA09-4117563B5806}"/>
+                  <a16:creationId xmlns="" xmlns:a16="http://schemas.microsoft.com/office/drawing/2014/main" id="{CCBA50E3-45A4-4958-AA09-4117563B5806}"/>
                 </a:ext>
               </a:extLst>
             </p:cNvPr>
@@ -26772,7 +29036,7 @@
             <p:cNvPr id="44" name="이등변 삼각형 43">
               <a:extLst>
                 <a:ext uri="{FF2B5EF4-FFF2-40B4-BE49-F238E27FC236}">
-                  <a16:creationId xmlns:a16="http://schemas.microsoft.com/office/drawing/2014/main" id="{64CF06CD-0172-4A8B-96D5-6634B7DACD21}"/>
+                  <a16:creationId xmlns="" xmlns:a16="http://schemas.microsoft.com/office/drawing/2014/main" id="{64CF06CD-0172-4A8B-96D5-6634B7DACD21}"/>
                 </a:ext>
               </a:extLst>
             </p:cNvPr>
@@ -26829,7 +29093,7 @@
           <p:cNvPr id="46" name="그룹 45">
             <a:extLst>
               <a:ext uri="{FF2B5EF4-FFF2-40B4-BE49-F238E27FC236}">
-                <a16:creationId xmlns:a16="http://schemas.microsoft.com/office/drawing/2014/main" id="{5C66BEDE-4F33-4A37-88E9-5D36D58F228B}"/>
+                <a16:creationId xmlns="" xmlns:a16="http://schemas.microsoft.com/office/drawing/2014/main" id="{5C66BEDE-4F33-4A37-88E9-5D36D58F228B}"/>
               </a:ext>
             </a:extLst>
           </p:cNvPr>
@@ -26849,7 +29113,7 @@
             <p:cNvPr id="47" name="직사각형 46">
               <a:extLst>
                 <a:ext uri="{FF2B5EF4-FFF2-40B4-BE49-F238E27FC236}">
-                  <a16:creationId xmlns:a16="http://schemas.microsoft.com/office/drawing/2014/main" id="{379F48C4-5BA4-4F5C-878D-673A08452C6E}"/>
+                  <a16:creationId xmlns="" xmlns:a16="http://schemas.microsoft.com/office/drawing/2014/main" id="{379F48C4-5BA4-4F5C-878D-673A08452C6E}"/>
                 </a:ext>
               </a:extLst>
             </p:cNvPr>
@@ -26903,7 +29167,7 @@
             <p:cNvPr id="48" name="이등변 삼각형 47">
               <a:extLst>
                 <a:ext uri="{FF2B5EF4-FFF2-40B4-BE49-F238E27FC236}">
-                  <a16:creationId xmlns:a16="http://schemas.microsoft.com/office/drawing/2014/main" id="{22A2BAB0-0968-48CF-926E-D60764F4B6D9}"/>
+                  <a16:creationId xmlns="" xmlns:a16="http://schemas.microsoft.com/office/drawing/2014/main" id="{22A2BAB0-0968-48CF-926E-D60764F4B6D9}"/>
                 </a:ext>
               </a:extLst>
             </p:cNvPr>
@@ -26959,7 +29223,7 @@
             <p:cNvPr id="49" name="이등변 삼각형 48">
               <a:extLst>
                 <a:ext uri="{FF2B5EF4-FFF2-40B4-BE49-F238E27FC236}">
-                  <a16:creationId xmlns:a16="http://schemas.microsoft.com/office/drawing/2014/main" id="{6F514C05-2E2D-4126-83B9-74E705F630CD}"/>
+                  <a16:creationId xmlns="" xmlns:a16="http://schemas.microsoft.com/office/drawing/2014/main" id="{6F514C05-2E2D-4126-83B9-74E705F630CD}"/>
                 </a:ext>
               </a:extLst>
             </p:cNvPr>
@@ -27016,7 +29280,7 @@
           <p:cNvPr id="43" name="그룹 42">
             <a:extLst>
               <a:ext uri="{FF2B5EF4-FFF2-40B4-BE49-F238E27FC236}">
-                <a16:creationId xmlns:a16="http://schemas.microsoft.com/office/drawing/2014/main" id="{9D08FD71-3EA4-46D7-A68A-7E4159FABD1F}"/>
+                <a16:creationId xmlns="" xmlns:a16="http://schemas.microsoft.com/office/drawing/2014/main" id="{9D08FD71-3EA4-46D7-A68A-7E4159FABD1F}"/>
               </a:ext>
             </a:extLst>
           </p:cNvPr>
@@ -27036,7 +29300,7 @@
             <p:cNvPr id="45" name="TextBox 44">
               <a:extLst>
                 <a:ext uri="{FF2B5EF4-FFF2-40B4-BE49-F238E27FC236}">
-                  <a16:creationId xmlns:a16="http://schemas.microsoft.com/office/drawing/2014/main" id="{16E7C89C-D1A0-4855-8660-4C64FCFB551E}"/>
+                  <a16:creationId xmlns="" xmlns:a16="http://schemas.microsoft.com/office/drawing/2014/main" id="{16E7C89C-D1A0-4855-8660-4C64FCFB551E}"/>
                 </a:ext>
               </a:extLst>
             </p:cNvPr>
@@ -27100,7 +29364,7 @@
             <p:cNvPr id="50" name="타원 49">
               <a:extLst>
                 <a:ext uri="{FF2B5EF4-FFF2-40B4-BE49-F238E27FC236}">
-                  <a16:creationId xmlns:a16="http://schemas.microsoft.com/office/drawing/2014/main" id="{97C09F09-E291-4F5B-9206-17093A2962D3}"/>
+                  <a16:creationId xmlns="" xmlns:a16="http://schemas.microsoft.com/office/drawing/2014/main" id="{97C09F09-E291-4F5B-9206-17093A2962D3}"/>
                 </a:ext>
               </a:extLst>
             </p:cNvPr>
@@ -27152,7 +29416,7 @@
             <p:cNvPr id="51" name="타원 50">
               <a:extLst>
                 <a:ext uri="{FF2B5EF4-FFF2-40B4-BE49-F238E27FC236}">
-                  <a16:creationId xmlns:a16="http://schemas.microsoft.com/office/drawing/2014/main" id="{8BC9DB1B-0849-4043-9838-A17064282A26}"/>
+                  <a16:creationId xmlns="" xmlns:a16="http://schemas.microsoft.com/office/drawing/2014/main" id="{8BC9DB1B-0849-4043-9838-A17064282A26}"/>
                 </a:ext>
               </a:extLst>
             </p:cNvPr>
@@ -27204,7 +29468,7 @@
             <p:cNvPr id="52" name="타원 51">
               <a:extLst>
                 <a:ext uri="{FF2B5EF4-FFF2-40B4-BE49-F238E27FC236}">
-                  <a16:creationId xmlns:a16="http://schemas.microsoft.com/office/drawing/2014/main" id="{7F25E2CD-1206-445D-A7BC-3CAB69D20FC3}"/>
+                  <a16:creationId xmlns="" xmlns:a16="http://schemas.microsoft.com/office/drawing/2014/main" id="{7F25E2CD-1206-445D-A7BC-3CAB69D20FC3}"/>
                 </a:ext>
               </a:extLst>
             </p:cNvPr>
@@ -27257,7 +29521,7 @@
           <p:cNvPr id="53" name="TextBox 52">
             <a:extLst>
               <a:ext uri="{FF2B5EF4-FFF2-40B4-BE49-F238E27FC236}">
-                <a16:creationId xmlns:a16="http://schemas.microsoft.com/office/drawing/2014/main" id="{229F0366-DC94-4ED8-BE79-753942441E16}"/>
+                <a16:creationId xmlns="" xmlns:a16="http://schemas.microsoft.com/office/drawing/2014/main" id="{229F0366-DC94-4ED8-BE79-753942441E16}"/>
               </a:ext>
             </a:extLst>
           </p:cNvPr>
@@ -27375,7 +29639,7 @@
           <p:cNvPr id="28" name="TextBox 27">
             <a:extLst>
               <a:ext uri="{FF2B5EF4-FFF2-40B4-BE49-F238E27FC236}">
-                <a16:creationId xmlns:a16="http://schemas.microsoft.com/office/drawing/2014/main" id="{705574F8-F920-45A1-960F-564DA8F31D88}"/>
+                <a16:creationId xmlns="" xmlns:a16="http://schemas.microsoft.com/office/drawing/2014/main" id="{705574F8-F920-45A1-960F-564DA8F31D88}"/>
               </a:ext>
             </a:extLst>
           </p:cNvPr>
@@ -27441,7 +29705,7 @@
           <p:cNvPr id="26" name="직사각형 25">
             <a:extLst>
               <a:ext uri="{FF2B5EF4-FFF2-40B4-BE49-F238E27FC236}">
-                <a16:creationId xmlns:a16="http://schemas.microsoft.com/office/drawing/2014/main" id="{CAED0D3B-67FA-40A0-9C7E-75489BBC7DD1}"/>
+                <a16:creationId xmlns="" xmlns:a16="http://schemas.microsoft.com/office/drawing/2014/main" id="{CAED0D3B-67FA-40A0-9C7E-75489BBC7DD1}"/>
               </a:ext>
             </a:extLst>
           </p:cNvPr>
@@ -27493,7 +29757,7 @@
           <p:cNvPr id="27" name="직사각형 26">
             <a:extLst>
               <a:ext uri="{FF2B5EF4-FFF2-40B4-BE49-F238E27FC236}">
-                <a16:creationId xmlns:a16="http://schemas.microsoft.com/office/drawing/2014/main" id="{B0CD3A08-B9C1-45B8-BE30-AA97B8BD968C}"/>
+                <a16:creationId xmlns="" xmlns:a16="http://schemas.microsoft.com/office/drawing/2014/main" id="{B0CD3A08-B9C1-45B8-BE30-AA97B8BD968C}"/>
               </a:ext>
             </a:extLst>
           </p:cNvPr>
@@ -27548,7 +29812,7 @@
           <p:cNvPr id="16" name="직사각형 15">
             <a:extLst>
               <a:ext uri="{FF2B5EF4-FFF2-40B4-BE49-F238E27FC236}">
-                <a16:creationId xmlns:a16="http://schemas.microsoft.com/office/drawing/2014/main" id="{23631734-654A-4EE2-B918-D2E215587F07}"/>
+                <a16:creationId xmlns="" xmlns:a16="http://schemas.microsoft.com/office/drawing/2014/main" id="{23631734-654A-4EE2-B918-D2E215587F07}"/>
               </a:ext>
             </a:extLst>
           </p:cNvPr>
@@ -27609,7 +29873,7 @@
           <p:cNvPr id="25" name="직사각형 24">
             <a:extLst>
               <a:ext uri="{FF2B5EF4-FFF2-40B4-BE49-F238E27FC236}">
-                <a16:creationId xmlns:a16="http://schemas.microsoft.com/office/drawing/2014/main" id="{24B9253A-E9D5-465C-BDFC-C38EF3FFBE16}"/>
+                <a16:creationId xmlns="" xmlns:a16="http://schemas.microsoft.com/office/drawing/2014/main" id="{24B9253A-E9D5-465C-BDFC-C38EF3FFBE16}"/>
               </a:ext>
             </a:extLst>
           </p:cNvPr>
@@ -27661,7 +29925,7 @@
           <p:cNvPr id="32" name="직사각형 31">
             <a:extLst>
               <a:ext uri="{FF2B5EF4-FFF2-40B4-BE49-F238E27FC236}">
-                <a16:creationId xmlns:a16="http://schemas.microsoft.com/office/drawing/2014/main" id="{7A4B3E85-56EC-4834-8E84-99BF1BD50415}"/>
+                <a16:creationId xmlns="" xmlns:a16="http://schemas.microsoft.com/office/drawing/2014/main" id="{7A4B3E85-56EC-4834-8E84-99BF1BD50415}"/>
               </a:ext>
             </a:extLst>
           </p:cNvPr>
@@ -27708,6 +29972,61 @@
           </a:p>
         </p:txBody>
       </p:sp>
+      <p:sp>
+        <p:nvSpPr>
+          <p:cNvPr id="8" name="직사각형 7">
+            <a:extLst>
+              <a:ext uri="{FF2B5EF4-FFF2-40B4-BE49-F238E27FC236}">
+                <a16:creationId xmlns="" xmlns:a16="http://schemas.microsoft.com/office/drawing/2014/main" id="{D703A7DB-BACB-4AF0-B8CF-8C852EC45FE9}"/>
+              </a:ext>
+            </a:extLst>
+          </p:cNvPr>
+          <p:cNvSpPr/>
+          <p:nvPr/>
+        </p:nvSpPr>
+        <p:spPr>
+          <a:xfrm>
+            <a:off x="-91440" y="104120"/>
+            <a:ext cx="182880" cy="688065"/>
+          </a:xfrm>
+          <a:prstGeom prst="rect">
+            <a:avLst/>
+          </a:prstGeom>
+          <a:solidFill>
+            <a:schemeClr val="accent1">
+              <a:lumMod val="40000"/>
+              <a:lumOff val="60000"/>
+            </a:schemeClr>
+          </a:solidFill>
+          <a:ln>
+            <a:noFill/>
+          </a:ln>
+        </p:spPr>
+        <p:style>
+          <a:lnRef idx="2">
+            <a:schemeClr val="accent1">
+              <a:shade val="50000"/>
+            </a:schemeClr>
+          </a:lnRef>
+          <a:fillRef idx="1">
+            <a:schemeClr val="accent1"/>
+          </a:fillRef>
+          <a:effectRef idx="0">
+            <a:schemeClr val="accent1"/>
+          </a:effectRef>
+          <a:fontRef idx="minor">
+            <a:schemeClr val="lt1"/>
+          </a:fontRef>
+        </p:style>
+        <p:txBody>
+          <a:bodyPr rtlCol="0" anchor="ctr"/>
+          <a:lstStyle/>
+          <a:p>
+            <a:pPr algn="ctr"/>
+            <a:endParaRPr lang="ko-KR" altLang="en-US"/>
+          </a:p>
+        </p:txBody>
+      </p:sp>
     </p:spTree>
     <p:extLst>
       <p:ext uri="{BB962C8B-B14F-4D97-AF65-F5344CB8AC3E}">
@@ -27743,7 +30062,7 @@
           <p:cNvPr id="15" name="TextBox 14">
             <a:extLst>
               <a:ext uri="{FF2B5EF4-FFF2-40B4-BE49-F238E27FC236}">
-                <a16:creationId xmlns:a16="http://schemas.microsoft.com/office/drawing/2014/main" id="{B76B29C2-EB3F-40FE-9908-8B93E4235B78}"/>
+                <a16:creationId xmlns="" xmlns:a16="http://schemas.microsoft.com/office/drawing/2014/main" id="{B76B29C2-EB3F-40FE-9908-8B93E4235B78}"/>
               </a:ext>
             </a:extLst>
           </p:cNvPr>
@@ -27809,7 +30128,7 @@
           <p:cNvPr id="5" name="직사각형 4">
             <a:extLst>
               <a:ext uri="{FF2B5EF4-FFF2-40B4-BE49-F238E27FC236}">
-                <a16:creationId xmlns:a16="http://schemas.microsoft.com/office/drawing/2014/main" id="{48D06F82-12DC-4727-955A-17DFA6422558}"/>
+                <a16:creationId xmlns="" xmlns:a16="http://schemas.microsoft.com/office/drawing/2014/main" id="{48D06F82-12DC-4727-955A-17DFA6422558}"/>
               </a:ext>
             </a:extLst>
           </p:cNvPr>
@@ -27861,7 +30180,7 @@
           <p:cNvPr id="7" name="직사각형 6">
             <a:extLst>
               <a:ext uri="{FF2B5EF4-FFF2-40B4-BE49-F238E27FC236}">
-                <a16:creationId xmlns:a16="http://schemas.microsoft.com/office/drawing/2014/main" id="{ABF26904-18C6-4777-B07D-99A5D2F8A480}"/>
+                <a16:creationId xmlns="" xmlns:a16="http://schemas.microsoft.com/office/drawing/2014/main" id="{ABF26904-18C6-4777-B07D-99A5D2F8A480}"/>
               </a:ext>
             </a:extLst>
           </p:cNvPr>
@@ -27926,7 +30245,7 @@
           <p:cNvPr id="9" name="직사각형 8">
             <a:extLst>
               <a:ext uri="{FF2B5EF4-FFF2-40B4-BE49-F238E27FC236}">
-                <a16:creationId xmlns:a16="http://schemas.microsoft.com/office/drawing/2014/main" id="{0C4F22D3-C0F5-4B15-9131-96EC36C26B07}"/>
+                <a16:creationId xmlns="" xmlns:a16="http://schemas.microsoft.com/office/drawing/2014/main" id="{0C4F22D3-C0F5-4B15-9131-96EC36C26B07}"/>
               </a:ext>
             </a:extLst>
           </p:cNvPr>
@@ -28061,7 +30380,7 @@
           <p:cNvPr id="10" name="직사각형 9">
             <a:extLst>
               <a:ext uri="{FF2B5EF4-FFF2-40B4-BE49-F238E27FC236}">
-                <a16:creationId xmlns:a16="http://schemas.microsoft.com/office/drawing/2014/main" id="{ADAAAE89-1FD9-410C-A21F-D01B346F6A93}"/>
+                <a16:creationId xmlns="" xmlns:a16="http://schemas.microsoft.com/office/drawing/2014/main" id="{ADAAAE89-1FD9-410C-A21F-D01B346F6A93}"/>
               </a:ext>
             </a:extLst>
           </p:cNvPr>
@@ -28196,7 +30515,7 @@
           <p:cNvPr id="11" name="직사각형 10">
             <a:extLst>
               <a:ext uri="{FF2B5EF4-FFF2-40B4-BE49-F238E27FC236}">
-                <a16:creationId xmlns:a16="http://schemas.microsoft.com/office/drawing/2014/main" id="{5AFC9BB8-0ED3-47C7-AE39-1ED4DCEFB510}"/>
+                <a16:creationId xmlns="" xmlns:a16="http://schemas.microsoft.com/office/drawing/2014/main" id="{5AFC9BB8-0ED3-47C7-AE39-1ED4DCEFB510}"/>
               </a:ext>
             </a:extLst>
           </p:cNvPr>
@@ -28352,7 +30671,7 @@
           <p:cNvPr id="12" name="직선 연결선 11">
             <a:extLst>
               <a:ext uri="{FF2B5EF4-FFF2-40B4-BE49-F238E27FC236}">
-                <a16:creationId xmlns:a16="http://schemas.microsoft.com/office/drawing/2014/main" id="{CCAB9C50-DF0E-4566-B226-72E2DA13471E}"/>
+                <a16:creationId xmlns="" xmlns:a16="http://schemas.microsoft.com/office/drawing/2014/main" id="{CCAB9C50-DF0E-4566-B226-72E2DA13471E}"/>
               </a:ext>
             </a:extLst>
           </p:cNvPr>
@@ -28393,7 +30712,7 @@
           <p:cNvPr id="13" name="직선 연결선 12">
             <a:extLst>
               <a:ext uri="{FF2B5EF4-FFF2-40B4-BE49-F238E27FC236}">
-                <a16:creationId xmlns:a16="http://schemas.microsoft.com/office/drawing/2014/main" id="{18367708-4712-42B5-9FD3-B5E0EA47162E}"/>
+                <a16:creationId xmlns="" xmlns:a16="http://schemas.microsoft.com/office/drawing/2014/main" id="{18367708-4712-42B5-9FD3-B5E0EA47162E}"/>
               </a:ext>
             </a:extLst>
           </p:cNvPr>
@@ -28434,7 +30753,7 @@
           <p:cNvPr id="14" name="직사각형 13">
             <a:extLst>
               <a:ext uri="{FF2B5EF4-FFF2-40B4-BE49-F238E27FC236}">
-                <a16:creationId xmlns:a16="http://schemas.microsoft.com/office/drawing/2014/main" id="{A8FF912E-274C-4B40-B943-17CC62A5A849}"/>
+                <a16:creationId xmlns="" xmlns:a16="http://schemas.microsoft.com/office/drawing/2014/main" id="{A8FF912E-274C-4B40-B943-17CC62A5A849}"/>
               </a:ext>
             </a:extLst>
           </p:cNvPr>
@@ -28569,7 +30888,7 @@
           <p:cNvPr id="16" name="직사각형 15">
             <a:extLst>
               <a:ext uri="{FF2B5EF4-FFF2-40B4-BE49-F238E27FC236}">
-                <a16:creationId xmlns:a16="http://schemas.microsoft.com/office/drawing/2014/main" id="{0E9DA1DA-45E8-4BEB-BEE6-85B2C5D2E03D}"/>
+                <a16:creationId xmlns="" xmlns:a16="http://schemas.microsoft.com/office/drawing/2014/main" id="{0E9DA1DA-45E8-4BEB-BEE6-85B2C5D2E03D}"/>
               </a:ext>
             </a:extLst>
           </p:cNvPr>
@@ -28622,6 +30941,61 @@
               <a:latin typeface="아리따-돋움(TTF)-Light" panose="02020603020101020101" pitchFamily="18" charset="-127"/>
               <a:ea typeface="아리따-돋움(TTF)-Light" panose="02020603020101020101" pitchFamily="18" charset="-127"/>
             </a:endParaRPr>
+          </a:p>
+        </p:txBody>
+      </p:sp>
+      <p:sp>
+        <p:nvSpPr>
+          <p:cNvPr id="17" name="직사각형 16">
+            <a:extLst>
+              <a:ext uri="{FF2B5EF4-FFF2-40B4-BE49-F238E27FC236}">
+                <a16:creationId xmlns="" xmlns:a16="http://schemas.microsoft.com/office/drawing/2014/main" id="{D703A7DB-BACB-4AF0-B8CF-8C852EC45FE9}"/>
+              </a:ext>
+            </a:extLst>
+          </p:cNvPr>
+          <p:cNvSpPr/>
+          <p:nvPr/>
+        </p:nvSpPr>
+        <p:spPr>
+          <a:xfrm>
+            <a:off x="-91440" y="104120"/>
+            <a:ext cx="182880" cy="688065"/>
+          </a:xfrm>
+          <a:prstGeom prst="rect">
+            <a:avLst/>
+          </a:prstGeom>
+          <a:solidFill>
+            <a:schemeClr val="accent1">
+              <a:lumMod val="40000"/>
+              <a:lumOff val="60000"/>
+            </a:schemeClr>
+          </a:solidFill>
+          <a:ln>
+            <a:noFill/>
+          </a:ln>
+        </p:spPr>
+        <p:style>
+          <a:lnRef idx="2">
+            <a:schemeClr val="accent1">
+              <a:shade val="50000"/>
+            </a:schemeClr>
+          </a:lnRef>
+          <a:fillRef idx="1">
+            <a:schemeClr val="accent1"/>
+          </a:fillRef>
+          <a:effectRef idx="0">
+            <a:schemeClr val="accent1"/>
+          </a:effectRef>
+          <a:fontRef idx="minor">
+            <a:schemeClr val="lt1"/>
+          </a:fontRef>
+        </p:style>
+        <p:txBody>
+          <a:bodyPr rtlCol="0" anchor="ctr"/>
+          <a:lstStyle/>
+          <a:p>
+            <a:pPr algn="ctr"/>
+            <a:endParaRPr lang="ko-KR" altLang="en-US"/>
           </a:p>
         </p:txBody>
       </p:sp>
